--- a/Presentasi Hasil Tesis Hary Rachmat 2108207010009.pptx
+++ b/Presentasi Hasil Tesis Hary Rachmat 2108207010009.pptx
@@ -5,98 +5,99 @@
     <p:sldMasterId id="2147483670" r:id="rId1"/>
   </p:sldMasterIdLst>
   <p:notesMasterIdLst>
-    <p:notesMasterId r:id="rId40"/>
+    <p:notesMasterId r:id="rId41"/>
   </p:notesMasterIdLst>
   <p:sldIdLst>
     <p:sldId id="256" r:id="rId2"/>
     <p:sldId id="258" r:id="rId3"/>
-    <p:sldId id="259" r:id="rId4"/>
-    <p:sldId id="299" r:id="rId5"/>
-    <p:sldId id="300" r:id="rId6"/>
-    <p:sldId id="307" r:id="rId7"/>
-    <p:sldId id="302" r:id="rId8"/>
-    <p:sldId id="306" r:id="rId9"/>
-    <p:sldId id="320" r:id="rId10"/>
-    <p:sldId id="308" r:id="rId11"/>
-    <p:sldId id="321" r:id="rId12"/>
-    <p:sldId id="309" r:id="rId13"/>
-    <p:sldId id="310" r:id="rId14"/>
-    <p:sldId id="318" r:id="rId15"/>
-    <p:sldId id="319" r:id="rId16"/>
-    <p:sldId id="311" r:id="rId17"/>
-    <p:sldId id="312" r:id="rId18"/>
-    <p:sldId id="314" r:id="rId19"/>
-    <p:sldId id="315" r:id="rId20"/>
-    <p:sldId id="317" r:id="rId21"/>
-    <p:sldId id="316" r:id="rId22"/>
-    <p:sldId id="322" r:id="rId23"/>
-    <p:sldId id="323" r:id="rId24"/>
-    <p:sldId id="324" r:id="rId25"/>
-    <p:sldId id="325" r:id="rId26"/>
-    <p:sldId id="326" r:id="rId27"/>
-    <p:sldId id="327" r:id="rId28"/>
-    <p:sldId id="328" r:id="rId29"/>
-    <p:sldId id="329" r:id="rId30"/>
-    <p:sldId id="330" r:id="rId31"/>
-    <p:sldId id="331" r:id="rId32"/>
-    <p:sldId id="332" r:id="rId33"/>
-    <p:sldId id="333" r:id="rId34"/>
-    <p:sldId id="334" r:id="rId35"/>
-    <p:sldId id="335" r:id="rId36"/>
-    <p:sldId id="336" r:id="rId37"/>
-    <p:sldId id="337" r:id="rId38"/>
-    <p:sldId id="275" r:id="rId39"/>
+    <p:sldId id="338" r:id="rId4"/>
+    <p:sldId id="259" r:id="rId5"/>
+    <p:sldId id="299" r:id="rId6"/>
+    <p:sldId id="300" r:id="rId7"/>
+    <p:sldId id="307" r:id="rId8"/>
+    <p:sldId id="302" r:id="rId9"/>
+    <p:sldId id="306" r:id="rId10"/>
+    <p:sldId id="320" r:id="rId11"/>
+    <p:sldId id="308" r:id="rId12"/>
+    <p:sldId id="321" r:id="rId13"/>
+    <p:sldId id="309" r:id="rId14"/>
+    <p:sldId id="310" r:id="rId15"/>
+    <p:sldId id="318" r:id="rId16"/>
+    <p:sldId id="319" r:id="rId17"/>
+    <p:sldId id="311" r:id="rId18"/>
+    <p:sldId id="312" r:id="rId19"/>
+    <p:sldId id="314" r:id="rId20"/>
+    <p:sldId id="315" r:id="rId21"/>
+    <p:sldId id="317" r:id="rId22"/>
+    <p:sldId id="316" r:id="rId23"/>
+    <p:sldId id="322" r:id="rId24"/>
+    <p:sldId id="323" r:id="rId25"/>
+    <p:sldId id="324" r:id="rId26"/>
+    <p:sldId id="325" r:id="rId27"/>
+    <p:sldId id="326" r:id="rId28"/>
+    <p:sldId id="327" r:id="rId29"/>
+    <p:sldId id="328" r:id="rId30"/>
+    <p:sldId id="329" r:id="rId31"/>
+    <p:sldId id="330" r:id="rId32"/>
+    <p:sldId id="331" r:id="rId33"/>
+    <p:sldId id="332" r:id="rId34"/>
+    <p:sldId id="333" r:id="rId35"/>
+    <p:sldId id="334" r:id="rId36"/>
+    <p:sldId id="335" r:id="rId37"/>
+    <p:sldId id="336" r:id="rId38"/>
+    <p:sldId id="337" r:id="rId39"/>
+    <p:sldId id="275" r:id="rId40"/>
   </p:sldIdLst>
   <p:sldSz cx="9144000" cy="5143500" type="screen16x9"/>
   <p:notesSz cx="6858000" cy="9144000"/>
   <p:embeddedFontLst>
     <p:embeddedFont>
       <p:font typeface="Cambria Math" panose="02040503050406030204" pitchFamily="18" charset="0"/>
-      <p:regular r:id="rId41"/>
+      <p:regular r:id="rId42"/>
     </p:embeddedFont>
     <p:embeddedFont>
       <p:font typeface="Gill Sans MT" panose="020B0502020104020203" pitchFamily="34" charset="0"/>
-      <p:regular r:id="rId42"/>
-      <p:bold r:id="rId43"/>
-      <p:italic r:id="rId44"/>
-      <p:boldItalic r:id="rId45"/>
+      <p:regular r:id="rId43"/>
+      <p:bold r:id="rId44"/>
+      <p:italic r:id="rId45"/>
+      <p:boldItalic r:id="rId46"/>
     </p:embeddedFont>
     <p:embeddedFont>
       <p:font typeface="Google Sans" panose="020B0503030502040204" pitchFamily="34" charset="0"/>
-      <p:regular r:id="rId46"/>
+      <p:regular r:id="rId47"/>
     </p:embeddedFont>
     <p:embeddedFont>
       <p:font typeface="Josefin Sans" pitchFamily="2" charset="0"/>
-      <p:regular r:id="rId47"/>
-      <p:bold r:id="rId48"/>
+      <p:regular r:id="rId48"/>
+      <p:bold r:id="rId49"/>
     </p:embeddedFont>
     <p:embeddedFont>
       <p:font typeface="Lexend" pitchFamily="2" charset="0"/>
-      <p:regular r:id="rId49"/>
-      <p:bold r:id="rId50"/>
+      <p:regular r:id="rId50"/>
+      <p:bold r:id="rId51"/>
     </p:embeddedFont>
     <p:embeddedFont>
       <p:font typeface="Lexend Black" pitchFamily="2" charset="0"/>
-      <p:bold r:id="rId51"/>
+      <p:bold r:id="rId52"/>
     </p:embeddedFont>
     <p:embeddedFont>
       <p:font typeface="Open Sans" panose="020B0606030504020204" pitchFamily="34" charset="0"/>
-      <p:regular r:id="rId52"/>
-      <p:bold r:id="rId53"/>
-      <p:italic r:id="rId54"/>
-      <p:boldItalic r:id="rId55"/>
+      <p:regular r:id="rId53"/>
+      <p:bold r:id="rId54"/>
+      <p:italic r:id="rId55"/>
+      <p:boldItalic r:id="rId56"/>
     </p:embeddedFont>
     <p:embeddedFont>
       <p:font typeface="Roboto Condensed Light" panose="02000000000000000000" pitchFamily="2" charset="0"/>
-      <p:regular r:id="rId56"/>
-      <p:italic r:id="rId57"/>
+      <p:regular r:id="rId57"/>
+      <p:italic r:id="rId58"/>
     </p:embeddedFont>
     <p:embeddedFont>
       <p:font typeface="Segoe UI" panose="020B0502040204020203" pitchFamily="34" charset="0"/>
-      <p:regular r:id="rId58"/>
-      <p:bold r:id="rId59"/>
-      <p:italic r:id="rId60"/>
-      <p:boldItalic r:id="rId61"/>
+      <p:regular r:id="rId59"/>
+      <p:bold r:id="rId60"/>
+      <p:italic r:id="rId61"/>
+      <p:boldItalic r:id="rId62"/>
     </p:embeddedFont>
   </p:embeddedFontLst>
   <p:defaultTextStyle>
@@ -893,6 +894,133 @@
 </file>
 
 <file path=ppt/notesSlides/notesSlide10.xml><?xml version="1.0" encoding="utf-8"?>
+<p:notes xmlns:a="http://schemas.openxmlformats.org/drawingml/2006/main" xmlns:r="http://schemas.openxmlformats.org/officeDocument/2006/relationships" xmlns:p="http://schemas.openxmlformats.org/presentationml/2006/main" showMasterSp="0" showMasterPhAnim="0">
+  <p:cSld>
+    <p:spTree>
+      <p:nvGrpSpPr>
+        <p:cNvPr id="1" name="Shape 294">
+          <a:extLst>
+            <a:ext uri="{FF2B5EF4-FFF2-40B4-BE49-F238E27FC236}">
+              <a16:creationId xmlns:a16="http://schemas.microsoft.com/office/drawing/2014/main" id="{651BD732-7BCD-D238-E8CC-2A9E8507CF37}"/>
+            </a:ext>
+          </a:extLst>
+        </p:cNvPr>
+        <p:cNvGrpSpPr/>
+        <p:nvPr/>
+      </p:nvGrpSpPr>
+      <p:grpSpPr>
+        <a:xfrm>
+          <a:off x="0" y="0"/>
+          <a:ext cx="0" cy="0"/>
+          <a:chOff x="0" y="0"/>
+          <a:chExt cx="0" cy="0"/>
+        </a:xfrm>
+      </p:grpSpPr>
+      <p:sp>
+        <p:nvSpPr>
+          <p:cNvPr id="295" name="Google Shape;295;gdd0c7d16c6_0_62:notes">
+            <a:extLst>
+              <a:ext uri="{FF2B5EF4-FFF2-40B4-BE49-F238E27FC236}">
+                <a16:creationId xmlns:a16="http://schemas.microsoft.com/office/drawing/2014/main" id="{53D3D36D-F52D-6216-F20F-30E854042AE4}"/>
+              </a:ext>
+            </a:extLst>
+          </p:cNvPr>
+          <p:cNvSpPr>
+            <a:spLocks noGrp="1" noRot="1" noChangeAspect="1"/>
+          </p:cNvSpPr>
+          <p:nvPr>
+            <p:ph type="sldImg" idx="2"/>
+          </p:nvPr>
+        </p:nvSpPr>
+        <p:spPr>
+          <a:xfrm>
+            <a:off x="381000" y="685800"/>
+            <a:ext cx="6096000" cy="3429000"/>
+          </a:xfrm>
+          <a:custGeom>
+            <a:avLst/>
+            <a:gdLst/>
+            <a:ahLst/>
+            <a:cxnLst/>
+            <a:rect l="l" t="t" r="r" b="b"/>
+            <a:pathLst>
+              <a:path w="120000" h="120000" extrusionOk="0">
+                <a:moveTo>
+                  <a:pt x="0" y="0"/>
+                </a:moveTo>
+                <a:lnTo>
+                  <a:pt x="120000" y="0"/>
+                </a:lnTo>
+                <a:lnTo>
+                  <a:pt x="120000" y="120000"/>
+                </a:lnTo>
+                <a:lnTo>
+                  <a:pt x="0" y="120000"/>
+                </a:lnTo>
+                <a:close/>
+              </a:path>
+            </a:pathLst>
+          </a:custGeom>
+        </p:spPr>
+      </p:sp>
+      <p:sp>
+        <p:nvSpPr>
+          <p:cNvPr id="296" name="Google Shape;296;gdd0c7d16c6_0_62:notes">
+            <a:extLst>
+              <a:ext uri="{FF2B5EF4-FFF2-40B4-BE49-F238E27FC236}">
+                <a16:creationId xmlns:a16="http://schemas.microsoft.com/office/drawing/2014/main" id="{D48F7A38-5BB8-CB61-616D-6F598605E7DE}"/>
+              </a:ext>
+            </a:extLst>
+          </p:cNvPr>
+          <p:cNvSpPr txBox="1">
+            <a:spLocks noGrp="1"/>
+          </p:cNvSpPr>
+          <p:nvPr>
+            <p:ph type="body" idx="1"/>
+          </p:nvPr>
+        </p:nvSpPr>
+        <p:spPr>
+          <a:xfrm>
+            <a:off x="685800" y="4343400"/>
+            <a:ext cx="5486400" cy="4114800"/>
+          </a:xfrm>
+          <a:prstGeom prst="rect">
+            <a:avLst/>
+          </a:prstGeom>
+        </p:spPr>
+        <p:txBody>
+          <a:bodyPr spcFirstLastPara="1" wrap="square" lIns="91425" tIns="91425" rIns="91425" bIns="91425" anchor="t" anchorCtr="0">
+            <a:noAutofit/>
+          </a:bodyPr>
+          <a:lstStyle/>
+          <a:p>
+            <a:pPr marL="0" lvl="0" indent="0" algn="l" rtl="0">
+              <a:spcBef>
+                <a:spcPts val="0"/>
+              </a:spcBef>
+              <a:spcAft>
+                <a:spcPts val="0"/>
+              </a:spcAft>
+              <a:buNone/>
+            </a:pPr>
+            <a:endParaRPr/>
+          </a:p>
+        </p:txBody>
+      </p:sp>
+    </p:spTree>
+    <p:extLst>
+      <p:ext uri="{BB962C8B-B14F-4D97-AF65-F5344CB8AC3E}">
+        <p14:creationId xmlns:p14="http://schemas.microsoft.com/office/powerpoint/2010/main" val="3226134568"/>
+      </p:ext>
+    </p:extLst>
+  </p:cSld>
+  <p:clrMapOvr>
+    <a:masterClrMapping/>
+  </p:clrMapOvr>
+</p:notes>
+</file>
+
+<file path=ppt/notesSlides/notesSlide11.xml><?xml version="1.0" encoding="utf-8"?>
 <p:notes xmlns:a="http://schemas.openxmlformats.org/drawingml/2006/main" xmlns:r="http://schemas.openxmlformats.org/officeDocument/2006/relationships" xmlns:p="http://schemas.openxmlformats.org/presentationml/2006/main">
   <p:cSld>
     <p:spTree>
@@ -1035,7 +1163,7 @@
 </p:notes>
 </file>
 
-<file path=ppt/notesSlides/notesSlide11.xml><?xml version="1.0" encoding="utf-8"?>
+<file path=ppt/notesSlides/notesSlide12.xml><?xml version="1.0" encoding="utf-8"?>
 <p:notes xmlns:a="http://schemas.openxmlformats.org/drawingml/2006/main" xmlns:r="http://schemas.openxmlformats.org/officeDocument/2006/relationships" xmlns:p="http://schemas.openxmlformats.org/presentationml/2006/main">
   <p:cSld>
     <p:spTree>
@@ -1138,7 +1266,7 @@
 </p:notes>
 </file>
 
-<file path=ppt/notesSlides/notesSlide12.xml><?xml version="1.0" encoding="utf-8"?>
+<file path=ppt/notesSlides/notesSlide13.xml><?xml version="1.0" encoding="utf-8"?>
 <p:notes xmlns:a="http://schemas.openxmlformats.org/drawingml/2006/main" xmlns:r="http://schemas.openxmlformats.org/officeDocument/2006/relationships" xmlns:p="http://schemas.openxmlformats.org/presentationml/2006/main">
   <p:cSld>
     <p:spTree>
@@ -1300,7 +1428,7 @@
 </p:notes>
 </file>
 
-<file path=ppt/notesSlides/notesSlide13.xml><?xml version="1.0" encoding="utf-8"?>
+<file path=ppt/notesSlides/notesSlide14.xml><?xml version="1.0" encoding="utf-8"?>
 <p:notes xmlns:a="http://schemas.openxmlformats.org/drawingml/2006/main" xmlns:r="http://schemas.openxmlformats.org/officeDocument/2006/relationships" xmlns:p="http://schemas.openxmlformats.org/presentationml/2006/main">
   <p:cSld>
     <p:spTree>
@@ -1427,7 +1555,7 @@
 </p:notes>
 </file>
 
-<file path=ppt/notesSlides/notesSlide14.xml><?xml version="1.0" encoding="utf-8"?>
+<file path=ppt/notesSlides/notesSlide15.xml><?xml version="1.0" encoding="utf-8"?>
 <p:notes xmlns:a="http://schemas.openxmlformats.org/drawingml/2006/main" xmlns:r="http://schemas.openxmlformats.org/officeDocument/2006/relationships" xmlns:p="http://schemas.openxmlformats.org/presentationml/2006/main">
   <p:cSld>
     <p:spTree>
@@ -1538,7 +1666,7 @@
 </p:notes>
 </file>
 
-<file path=ppt/notesSlides/notesSlide15.xml><?xml version="1.0" encoding="utf-8"?>
+<file path=ppt/notesSlides/notesSlide16.xml><?xml version="1.0" encoding="utf-8"?>
 <p:notes xmlns:a="http://schemas.openxmlformats.org/drawingml/2006/main" xmlns:r="http://schemas.openxmlformats.org/officeDocument/2006/relationships" xmlns:p="http://schemas.openxmlformats.org/presentationml/2006/main">
   <p:cSld>
     <p:spTree>
@@ -1649,7 +1777,7 @@
 </p:notes>
 </file>
 
-<file path=ppt/notesSlides/notesSlide16.xml><?xml version="1.0" encoding="utf-8"?>
+<file path=ppt/notesSlides/notesSlide17.xml><?xml version="1.0" encoding="utf-8"?>
 <p:notes xmlns:a="http://schemas.openxmlformats.org/drawingml/2006/main" xmlns:r="http://schemas.openxmlformats.org/officeDocument/2006/relationships" xmlns:p="http://schemas.openxmlformats.org/presentationml/2006/main">
   <p:cSld>
     <p:spTree>
@@ -1760,7 +1888,7 @@
 </p:notes>
 </file>
 
-<file path=ppt/notesSlides/notesSlide17.xml><?xml version="1.0" encoding="utf-8"?>
+<file path=ppt/notesSlides/notesSlide18.xml><?xml version="1.0" encoding="utf-8"?>
 <p:notes xmlns:a="http://schemas.openxmlformats.org/drawingml/2006/main" xmlns:r="http://schemas.openxmlformats.org/officeDocument/2006/relationships" xmlns:p="http://schemas.openxmlformats.org/presentationml/2006/main" showMasterSp="0" showMasterPhAnim="0">
   <p:cSld>
     <p:spTree>
@@ -1887,7 +2015,310 @@
 </p:notes>
 </file>
 
-<file path=ppt/notesSlides/notesSlide18.xml><?xml version="1.0" encoding="utf-8"?>
+<file path=ppt/notesSlides/notesSlide19.xml><?xml version="1.0" encoding="utf-8"?>
+<p:notes xmlns:a="http://schemas.openxmlformats.org/drawingml/2006/main" xmlns:r="http://schemas.openxmlformats.org/officeDocument/2006/relationships" xmlns:p="http://schemas.openxmlformats.org/presentationml/2006/main">
+  <p:cSld>
+    <p:spTree>
+      <p:nvGrpSpPr>
+        <p:cNvPr id="1" name=""/>
+        <p:cNvGrpSpPr/>
+        <p:nvPr/>
+      </p:nvGrpSpPr>
+      <p:grpSpPr>
+        <a:xfrm>
+          <a:off x="0" y="0"/>
+          <a:ext cx="0" cy="0"/>
+          <a:chOff x="0" y="0"/>
+          <a:chExt cx="0" cy="0"/>
+        </a:xfrm>
+      </p:grpSpPr>
+      <p:sp>
+        <p:nvSpPr>
+          <p:cNvPr id="2" name="Slide Image Placeholder 1"/>
+          <p:cNvSpPr>
+            <a:spLocks noGrp="1" noRot="1" noChangeAspect="1"/>
+          </p:cNvSpPr>
+          <p:nvPr>
+            <p:ph type="sldImg"/>
+          </p:nvPr>
+        </p:nvSpPr>
+        <p:spPr>
+          <a:xfrm>
+            <a:off x="381000" y="685800"/>
+            <a:ext cx="6096000" cy="3429000"/>
+          </a:xfrm>
+        </p:spPr>
+      </p:sp>
+      <p:sp>
+        <p:nvSpPr>
+          <p:cNvPr id="3" name="Notes Placeholder 2"/>
+          <p:cNvSpPr>
+            <a:spLocks noGrp="1"/>
+          </p:cNvSpPr>
+          <p:nvPr>
+            <p:ph type="body" idx="1"/>
+          </p:nvPr>
+        </p:nvSpPr>
+        <p:spPr/>
+        <p:txBody>
+          <a:bodyPr/>
+          <a:lstStyle/>
+          <a:p>
+            <a:pPr rtl="0">
+              <a:spcBef>
+                <a:spcPts val="1800"/>
+              </a:spcBef>
+              <a:spcAft>
+                <a:spcPts val="1800"/>
+              </a:spcAft>
+            </a:pPr>
+            <a:r>
+              <a:rPr lang="en-ID" sz="1800" b="0" i="0" u="none" strike="noStrike">
+                <a:solidFill>
+                  <a:srgbClr val="0A0A0A"/>
+                </a:solidFill>
+                <a:effectLst/>
+                <a:latin typeface="Arial" panose="020B0604020202020204" pitchFamily="34" charset="0"/>
+              </a:rPr>
+              <a:t>Skor ROUGE yang baik bervariasi berdasarkan tugas ringkasan dan metrik. Skor ROUGE-1 sangat baik sekitar 0,5, dengan skor di atas 0,5 dianggap baik dan 0,4 hingga 0,5 sedang. Untuk ROUGE-2, skor di atas 0,4 berarti baik, dan 0,2 hingga 0,4 berarti sedang.</a:t>
+            </a:r>
+            <a:endParaRPr lang="en-ID" b="0">
+              <a:effectLst/>
+            </a:endParaRPr>
+          </a:p>
+          <a:p>
+            <a:pPr rtl="0">
+              <a:spcBef>
+                <a:spcPts val="1800"/>
+              </a:spcBef>
+              <a:spcAft>
+                <a:spcPts val="1800"/>
+              </a:spcAft>
+            </a:pPr>
+            <a:r>
+              <a:rPr lang="en-ID" sz="1800" b="0" i="0" u="none" strike="noStrike">
+                <a:solidFill>
+                  <a:srgbClr val="0A0A0A"/>
+                </a:solidFill>
+                <a:effectLst/>
+                <a:latin typeface="Arial" panose="020B0604020202020204" pitchFamily="34" charset="0"/>
+              </a:rPr>
+              <a:t>Skor ROUGE-L bagus sekitar 0,4 dan rendah pada 0,3 hingga 0,4. </a:t>
+            </a:r>
+          </a:p>
+          <a:p>
+            <a:pPr rtl="0">
+              <a:spcBef>
+                <a:spcPts val="1800"/>
+              </a:spcBef>
+              <a:spcAft>
+                <a:spcPts val="1800"/>
+              </a:spcAft>
+            </a:pPr>
+            <a:r>
+              <a:rPr lang="en-ID" sz="1800" b="0" i="0" u="none" strike="noStrike">
+                <a:solidFill>
+                  <a:srgbClr val="0A0A0A"/>
+                </a:solidFill>
+                <a:effectLst/>
+                <a:latin typeface="Arial" panose="020B0604020202020204" pitchFamily="34" charset="0"/>
+              </a:rPr>
+              <a:t>Meskipun skor </a:t>
+            </a:r>
+            <a:r>
+              <a:rPr lang="en-ID" sz="1800" b="1" i="0" u="none" strike="noStrike">
+                <a:solidFill>
+                  <a:srgbClr val="0A0A0A"/>
+                </a:solidFill>
+                <a:effectLst/>
+                <a:latin typeface="Arial" panose="020B0604020202020204" pitchFamily="34" charset="0"/>
+              </a:rPr>
+              <a:t>ROUGE berguna</a:t>
+            </a:r>
+            <a:r>
+              <a:rPr lang="en-ID" sz="1800" b="0" i="0" u="none" strike="noStrike">
+                <a:solidFill>
+                  <a:srgbClr val="0A0A0A"/>
+                </a:solidFill>
+                <a:effectLst/>
+                <a:latin typeface="Arial" panose="020B0604020202020204" pitchFamily="34" charset="0"/>
+              </a:rPr>
+              <a:t>, skor tersebut tidak </a:t>
+            </a:r>
+            <a:r>
+              <a:rPr lang="en-ID" sz="1800" b="1" i="0" u="none" strike="noStrike">
+                <a:solidFill>
+                  <a:srgbClr val="0A0A0A"/>
+                </a:solidFill>
+                <a:effectLst/>
+                <a:latin typeface="Arial" panose="020B0604020202020204" pitchFamily="34" charset="0"/>
+              </a:rPr>
+              <a:t>memperhitungkan kualitas semantik </a:t>
+            </a:r>
+            <a:r>
+              <a:rPr lang="en-ID" sz="1800" b="0" i="0" u="none" strike="noStrike">
+                <a:solidFill>
+                  <a:srgbClr val="0A0A0A"/>
+                </a:solidFill>
+                <a:effectLst/>
+                <a:latin typeface="Arial" panose="020B0604020202020204" pitchFamily="34" charset="0"/>
+              </a:rPr>
+              <a:t>atau </a:t>
+            </a:r>
+            <a:r>
+              <a:rPr lang="en-ID" sz="1800" b="1" i="0" u="none" strike="noStrike">
+                <a:solidFill>
+                  <a:srgbClr val="0A0A0A"/>
+                </a:solidFill>
+                <a:effectLst/>
+                <a:latin typeface="Arial" panose="020B0604020202020204" pitchFamily="34" charset="0"/>
+              </a:rPr>
+              <a:t>sintaksis</a:t>
+            </a:r>
+            <a:r>
+              <a:rPr lang="en-ID" sz="1800" b="0" i="0" u="none" strike="noStrike">
+                <a:solidFill>
+                  <a:srgbClr val="0A0A0A"/>
+                </a:solidFill>
+                <a:effectLst/>
+                <a:latin typeface="Arial" panose="020B0604020202020204" pitchFamily="34" charset="0"/>
+              </a:rPr>
+              <a:t> dan harus dilengkapi dengan metrik lain dan </a:t>
+            </a:r>
+            <a:r>
+              <a:rPr lang="en-ID" sz="1800" b="1" i="0" u="none" strike="noStrike">
+                <a:solidFill>
+                  <a:srgbClr val="0A0A0A"/>
+                </a:solidFill>
+                <a:effectLst/>
+                <a:latin typeface="Arial" panose="020B0604020202020204" pitchFamily="34" charset="0"/>
+              </a:rPr>
+              <a:t>evaluasi manusia untuk penilaian yang lengkap.</a:t>
+            </a:r>
+            <a:endParaRPr lang="en-ID" b="1">
+              <a:effectLst/>
+            </a:endParaRPr>
+          </a:p>
+        </p:txBody>
+      </p:sp>
+    </p:spTree>
+    <p:extLst>
+      <p:ext uri="{BB962C8B-B14F-4D97-AF65-F5344CB8AC3E}">
+        <p14:creationId xmlns:p14="http://schemas.microsoft.com/office/powerpoint/2010/main" val="1937445981"/>
+      </p:ext>
+    </p:extLst>
+  </p:cSld>
+  <p:clrMapOvr>
+    <a:masterClrMapping/>
+  </p:clrMapOvr>
+</p:notes>
+</file>
+
+<file path=ppt/notesSlides/notesSlide2.xml><?xml version="1.0" encoding="utf-8"?>
+<p:notes xmlns:a="http://schemas.openxmlformats.org/drawingml/2006/main" xmlns:r="http://schemas.openxmlformats.org/officeDocument/2006/relationships" xmlns:p="http://schemas.openxmlformats.org/presentationml/2006/main" showMasterSp="0" showMasterPhAnim="0">
+  <p:cSld>
+    <p:spTree>
+      <p:nvGrpSpPr>
+        <p:cNvPr id="1" name="Shape 276"/>
+        <p:cNvGrpSpPr/>
+        <p:nvPr/>
+      </p:nvGrpSpPr>
+      <p:grpSpPr>
+        <a:xfrm>
+          <a:off x="0" y="0"/>
+          <a:ext cx="0" cy="0"/>
+          <a:chOff x="0" y="0"/>
+          <a:chExt cx="0" cy="0"/>
+        </a:xfrm>
+      </p:grpSpPr>
+      <p:sp>
+        <p:nvSpPr>
+          <p:cNvPr id="277" name="Google Shape;277;gdd0c7d16c6_0_25:notes"/>
+          <p:cNvSpPr>
+            <a:spLocks noGrp="1" noRot="1" noChangeAspect="1"/>
+          </p:cNvSpPr>
+          <p:nvPr>
+            <p:ph type="sldImg" idx="2"/>
+          </p:nvPr>
+        </p:nvSpPr>
+        <p:spPr>
+          <a:xfrm>
+            <a:off x="381000" y="685800"/>
+            <a:ext cx="6096000" cy="3429000"/>
+          </a:xfrm>
+          <a:custGeom>
+            <a:avLst/>
+            <a:gdLst/>
+            <a:ahLst/>
+            <a:cxnLst/>
+            <a:rect l="l" t="t" r="r" b="b"/>
+            <a:pathLst>
+              <a:path w="120000" h="120000" extrusionOk="0">
+                <a:moveTo>
+                  <a:pt x="0" y="0"/>
+                </a:moveTo>
+                <a:lnTo>
+                  <a:pt x="120000" y="0"/>
+                </a:lnTo>
+                <a:lnTo>
+                  <a:pt x="120000" y="120000"/>
+                </a:lnTo>
+                <a:lnTo>
+                  <a:pt x="0" y="120000"/>
+                </a:lnTo>
+                <a:close/>
+              </a:path>
+            </a:pathLst>
+          </a:custGeom>
+        </p:spPr>
+      </p:sp>
+      <p:sp>
+        <p:nvSpPr>
+          <p:cNvPr id="278" name="Google Shape;278;gdd0c7d16c6_0_25:notes"/>
+          <p:cNvSpPr txBox="1">
+            <a:spLocks noGrp="1"/>
+          </p:cNvSpPr>
+          <p:nvPr>
+            <p:ph type="body" idx="1"/>
+          </p:nvPr>
+        </p:nvSpPr>
+        <p:spPr>
+          <a:xfrm>
+            <a:off x="685800" y="4343400"/>
+            <a:ext cx="5486400" cy="4114800"/>
+          </a:xfrm>
+          <a:prstGeom prst="rect">
+            <a:avLst/>
+          </a:prstGeom>
+        </p:spPr>
+        <p:txBody>
+          <a:bodyPr spcFirstLastPara="1" wrap="square" lIns="91425" tIns="91425" rIns="91425" bIns="91425" anchor="t" anchorCtr="0">
+            <a:noAutofit/>
+          </a:bodyPr>
+          <a:lstStyle/>
+          <a:p>
+            <a:pPr marL="0" lvl="0" indent="0" algn="l" rtl="0">
+              <a:spcBef>
+                <a:spcPts val="0"/>
+              </a:spcBef>
+              <a:spcAft>
+                <a:spcPts val="0"/>
+              </a:spcAft>
+              <a:buNone/>
+            </a:pPr>
+            <a:endParaRPr/>
+          </a:p>
+        </p:txBody>
+      </p:sp>
+    </p:spTree>
+  </p:cSld>
+  <p:clrMapOvr>
+    <a:masterClrMapping/>
+  </p:clrMapOvr>
+</p:notes>
+</file>
+
+<file path=ppt/notesSlides/notesSlide20.xml><?xml version="1.0" encoding="utf-8"?>
 <p:notes xmlns:a="http://schemas.openxmlformats.org/drawingml/2006/main" xmlns:r="http://schemas.openxmlformats.org/officeDocument/2006/relationships" xmlns:p="http://schemas.openxmlformats.org/presentationml/2006/main">
   <p:cSld>
     <p:spTree>
@@ -1990,7 +2421,7 @@
 </p:notes>
 </file>
 
-<file path=ppt/notesSlides/notesSlide19.xml><?xml version="1.0" encoding="utf-8"?>
+<file path=ppt/notesSlides/notesSlide21.xml><?xml version="1.0" encoding="utf-8"?>
 <p:notes xmlns:a="http://schemas.openxmlformats.org/drawingml/2006/main" xmlns:r="http://schemas.openxmlformats.org/officeDocument/2006/relationships" xmlns:p="http://schemas.openxmlformats.org/presentationml/2006/main">
   <p:cSld>
     <p:spTree>
@@ -2074,111 +2505,7 @@
 </p:notes>
 </file>
 
-<file path=ppt/notesSlides/notesSlide2.xml><?xml version="1.0" encoding="utf-8"?>
-<p:notes xmlns:a="http://schemas.openxmlformats.org/drawingml/2006/main" xmlns:r="http://schemas.openxmlformats.org/officeDocument/2006/relationships" xmlns:p="http://schemas.openxmlformats.org/presentationml/2006/main" showMasterSp="0" showMasterPhAnim="0">
-  <p:cSld>
-    <p:spTree>
-      <p:nvGrpSpPr>
-        <p:cNvPr id="1" name="Shape 276"/>
-        <p:cNvGrpSpPr/>
-        <p:nvPr/>
-      </p:nvGrpSpPr>
-      <p:grpSpPr>
-        <a:xfrm>
-          <a:off x="0" y="0"/>
-          <a:ext cx="0" cy="0"/>
-          <a:chOff x="0" y="0"/>
-          <a:chExt cx="0" cy="0"/>
-        </a:xfrm>
-      </p:grpSpPr>
-      <p:sp>
-        <p:nvSpPr>
-          <p:cNvPr id="277" name="Google Shape;277;gdd0c7d16c6_0_25:notes"/>
-          <p:cNvSpPr>
-            <a:spLocks noGrp="1" noRot="1" noChangeAspect="1"/>
-          </p:cNvSpPr>
-          <p:nvPr>
-            <p:ph type="sldImg" idx="2"/>
-          </p:nvPr>
-        </p:nvSpPr>
-        <p:spPr>
-          <a:xfrm>
-            <a:off x="381000" y="685800"/>
-            <a:ext cx="6096000" cy="3429000"/>
-          </a:xfrm>
-          <a:custGeom>
-            <a:avLst/>
-            <a:gdLst/>
-            <a:ahLst/>
-            <a:cxnLst/>
-            <a:rect l="l" t="t" r="r" b="b"/>
-            <a:pathLst>
-              <a:path w="120000" h="120000" extrusionOk="0">
-                <a:moveTo>
-                  <a:pt x="0" y="0"/>
-                </a:moveTo>
-                <a:lnTo>
-                  <a:pt x="120000" y="0"/>
-                </a:lnTo>
-                <a:lnTo>
-                  <a:pt x="120000" y="120000"/>
-                </a:lnTo>
-                <a:lnTo>
-                  <a:pt x="0" y="120000"/>
-                </a:lnTo>
-                <a:close/>
-              </a:path>
-            </a:pathLst>
-          </a:custGeom>
-        </p:spPr>
-      </p:sp>
-      <p:sp>
-        <p:nvSpPr>
-          <p:cNvPr id="278" name="Google Shape;278;gdd0c7d16c6_0_25:notes"/>
-          <p:cNvSpPr txBox="1">
-            <a:spLocks noGrp="1"/>
-          </p:cNvSpPr>
-          <p:nvPr>
-            <p:ph type="body" idx="1"/>
-          </p:nvPr>
-        </p:nvSpPr>
-        <p:spPr>
-          <a:xfrm>
-            <a:off x="685800" y="4343400"/>
-            <a:ext cx="5486400" cy="4114800"/>
-          </a:xfrm>
-          <a:prstGeom prst="rect">
-            <a:avLst/>
-          </a:prstGeom>
-        </p:spPr>
-        <p:txBody>
-          <a:bodyPr spcFirstLastPara="1" wrap="square" lIns="91425" tIns="91425" rIns="91425" bIns="91425" anchor="t" anchorCtr="0">
-            <a:noAutofit/>
-          </a:bodyPr>
-          <a:lstStyle/>
-          <a:p>
-            <a:pPr marL="0" lvl="0" indent="0" algn="l" rtl="0">
-              <a:spcBef>
-                <a:spcPts val="0"/>
-              </a:spcBef>
-              <a:spcAft>
-                <a:spcPts val="0"/>
-              </a:spcAft>
-              <a:buNone/>
-            </a:pPr>
-            <a:endParaRPr/>
-          </a:p>
-        </p:txBody>
-      </p:sp>
-    </p:spTree>
-  </p:cSld>
-  <p:clrMapOvr>
-    <a:masterClrMapping/>
-  </p:clrMapOvr>
-</p:notes>
-</file>
-
-<file path=ppt/notesSlides/notesSlide20.xml><?xml version="1.0" encoding="utf-8"?>
+<file path=ppt/notesSlides/notesSlide22.xml><?xml version="1.0" encoding="utf-8"?>
 <p:notes xmlns:a="http://schemas.openxmlformats.org/drawingml/2006/main" xmlns:r="http://schemas.openxmlformats.org/officeDocument/2006/relationships" xmlns:p="http://schemas.openxmlformats.org/presentationml/2006/main">
   <p:cSld>
     <p:spTree>
@@ -2262,7 +2589,7 @@
 </p:notes>
 </file>
 
-<file path=ppt/notesSlides/notesSlide21.xml><?xml version="1.0" encoding="utf-8"?>
+<file path=ppt/notesSlides/notesSlide23.xml><?xml version="1.0" encoding="utf-8"?>
 <p:notes xmlns:a="http://schemas.openxmlformats.org/drawingml/2006/main" xmlns:r="http://schemas.openxmlformats.org/officeDocument/2006/relationships" xmlns:p="http://schemas.openxmlformats.org/presentationml/2006/main" showMasterSp="0" showMasterPhAnim="0">
   <p:cSld>
     <p:spTree>
@@ -2389,7 +2716,7 @@
 </p:notes>
 </file>
 
-<file path=ppt/notesSlides/notesSlide22.xml><?xml version="1.0" encoding="utf-8"?>
+<file path=ppt/notesSlides/notesSlide24.xml><?xml version="1.0" encoding="utf-8"?>
 <p:notes xmlns:a="http://schemas.openxmlformats.org/drawingml/2006/main" xmlns:r="http://schemas.openxmlformats.org/officeDocument/2006/relationships" xmlns:p="http://schemas.openxmlformats.org/presentationml/2006/main">
   <p:cSld>
     <p:spTree>
@@ -2473,7 +2800,7 @@
 </p:notes>
 </file>
 
-<file path=ppt/notesSlides/notesSlide23.xml><?xml version="1.0" encoding="utf-8"?>
+<file path=ppt/notesSlides/notesSlide25.xml><?xml version="1.0" encoding="utf-8"?>
 <p:notes xmlns:a="http://schemas.openxmlformats.org/drawingml/2006/main" xmlns:r="http://schemas.openxmlformats.org/officeDocument/2006/relationships" xmlns:p="http://schemas.openxmlformats.org/presentationml/2006/main">
   <p:cSld>
     <p:spTree>
@@ -2557,7 +2884,7 @@
 </p:notes>
 </file>
 
-<file path=ppt/notesSlides/notesSlide24.xml><?xml version="1.0" encoding="utf-8"?>
+<file path=ppt/notesSlides/notesSlide26.xml><?xml version="1.0" encoding="utf-8"?>
 <p:notes xmlns:a="http://schemas.openxmlformats.org/drawingml/2006/main" xmlns:r="http://schemas.openxmlformats.org/officeDocument/2006/relationships" xmlns:p="http://schemas.openxmlformats.org/presentationml/2006/main" showMasterSp="0" showMasterPhAnim="0">
   <p:cSld>
     <p:spTree>
@@ -2666,6 +2993,133 @@
   <p:cSld>
     <p:spTree>
       <p:nvGrpSpPr>
+        <p:cNvPr id="1" name="Shape 276">
+          <a:extLst>
+            <a:ext uri="{FF2B5EF4-FFF2-40B4-BE49-F238E27FC236}">
+              <a16:creationId xmlns:a16="http://schemas.microsoft.com/office/drawing/2014/main" id="{931A1006-2C20-345D-BB7C-0560D0237772}"/>
+            </a:ext>
+          </a:extLst>
+        </p:cNvPr>
+        <p:cNvGrpSpPr/>
+        <p:nvPr/>
+      </p:nvGrpSpPr>
+      <p:grpSpPr>
+        <a:xfrm>
+          <a:off x="0" y="0"/>
+          <a:ext cx="0" cy="0"/>
+          <a:chOff x="0" y="0"/>
+          <a:chExt cx="0" cy="0"/>
+        </a:xfrm>
+      </p:grpSpPr>
+      <p:sp>
+        <p:nvSpPr>
+          <p:cNvPr id="277" name="Google Shape;277;gdd0c7d16c6_0_25:notes">
+            <a:extLst>
+              <a:ext uri="{FF2B5EF4-FFF2-40B4-BE49-F238E27FC236}">
+                <a16:creationId xmlns:a16="http://schemas.microsoft.com/office/drawing/2014/main" id="{13DA716F-A2A7-35C5-BF8A-3BB1D1912734}"/>
+              </a:ext>
+            </a:extLst>
+          </p:cNvPr>
+          <p:cNvSpPr>
+            <a:spLocks noGrp="1" noRot="1" noChangeAspect="1"/>
+          </p:cNvSpPr>
+          <p:nvPr>
+            <p:ph type="sldImg" idx="2"/>
+          </p:nvPr>
+        </p:nvSpPr>
+        <p:spPr>
+          <a:xfrm>
+            <a:off x="381000" y="685800"/>
+            <a:ext cx="6096000" cy="3429000"/>
+          </a:xfrm>
+          <a:custGeom>
+            <a:avLst/>
+            <a:gdLst/>
+            <a:ahLst/>
+            <a:cxnLst/>
+            <a:rect l="l" t="t" r="r" b="b"/>
+            <a:pathLst>
+              <a:path w="120000" h="120000" extrusionOk="0">
+                <a:moveTo>
+                  <a:pt x="0" y="0"/>
+                </a:moveTo>
+                <a:lnTo>
+                  <a:pt x="120000" y="0"/>
+                </a:lnTo>
+                <a:lnTo>
+                  <a:pt x="120000" y="120000"/>
+                </a:lnTo>
+                <a:lnTo>
+                  <a:pt x="0" y="120000"/>
+                </a:lnTo>
+                <a:close/>
+              </a:path>
+            </a:pathLst>
+          </a:custGeom>
+        </p:spPr>
+      </p:sp>
+      <p:sp>
+        <p:nvSpPr>
+          <p:cNvPr id="278" name="Google Shape;278;gdd0c7d16c6_0_25:notes">
+            <a:extLst>
+              <a:ext uri="{FF2B5EF4-FFF2-40B4-BE49-F238E27FC236}">
+                <a16:creationId xmlns:a16="http://schemas.microsoft.com/office/drawing/2014/main" id="{C87CFE2C-8454-C535-A3E4-FC39C030F169}"/>
+              </a:ext>
+            </a:extLst>
+          </p:cNvPr>
+          <p:cNvSpPr txBox="1">
+            <a:spLocks noGrp="1"/>
+          </p:cNvSpPr>
+          <p:nvPr>
+            <p:ph type="body" idx="1"/>
+          </p:nvPr>
+        </p:nvSpPr>
+        <p:spPr>
+          <a:xfrm>
+            <a:off x="685800" y="4343400"/>
+            <a:ext cx="5486400" cy="4114800"/>
+          </a:xfrm>
+          <a:prstGeom prst="rect">
+            <a:avLst/>
+          </a:prstGeom>
+        </p:spPr>
+        <p:txBody>
+          <a:bodyPr spcFirstLastPara="1" wrap="square" lIns="91425" tIns="91425" rIns="91425" bIns="91425" anchor="t" anchorCtr="0">
+            <a:noAutofit/>
+          </a:bodyPr>
+          <a:lstStyle/>
+          <a:p>
+            <a:pPr marL="0" lvl="0" indent="0" algn="l" rtl="0">
+              <a:spcBef>
+                <a:spcPts val="0"/>
+              </a:spcBef>
+              <a:spcAft>
+                <a:spcPts val="0"/>
+              </a:spcAft>
+              <a:buNone/>
+            </a:pPr>
+            <a:endParaRPr/>
+          </a:p>
+        </p:txBody>
+      </p:sp>
+    </p:spTree>
+    <p:extLst>
+      <p:ext uri="{BB962C8B-B14F-4D97-AF65-F5344CB8AC3E}">
+        <p14:creationId xmlns:p14="http://schemas.microsoft.com/office/powerpoint/2010/main" val="1051231003"/>
+      </p:ext>
+    </p:extLst>
+  </p:cSld>
+  <p:clrMapOvr>
+    <a:masterClrMapping/>
+  </p:clrMapOvr>
+</p:notes>
+</file>
+
+<file path=ppt/notesSlides/notesSlide4.xml><?xml version="1.0" encoding="utf-8"?>
+<p:notes xmlns:a="http://schemas.openxmlformats.org/drawingml/2006/main" xmlns:r="http://schemas.openxmlformats.org/officeDocument/2006/relationships" xmlns:p="http://schemas.openxmlformats.org/presentationml/2006/main" showMasterSp="0" showMasterPhAnim="0">
+  <p:cSld>
+    <p:spTree>
+      <p:nvGrpSpPr>
         <p:cNvPr id="1" name="Shape 294"/>
         <p:cNvGrpSpPr/>
         <p:nvPr/>
@@ -2765,7 +3219,7 @@
 </p:notes>
 </file>
 
-<file path=ppt/notesSlides/notesSlide4.xml><?xml version="1.0" encoding="utf-8"?>
+<file path=ppt/notesSlides/notesSlide5.xml><?xml version="1.0" encoding="utf-8"?>
 <p:notes xmlns:a="http://schemas.openxmlformats.org/drawingml/2006/main" xmlns:r="http://schemas.openxmlformats.org/officeDocument/2006/relationships" xmlns:p="http://schemas.openxmlformats.org/presentationml/2006/main">
   <p:cSld>
     <p:spTree>
@@ -2927,7 +3381,7 @@
 </p:notes>
 </file>
 
-<file path=ppt/notesSlides/notesSlide5.xml><?xml version="1.0" encoding="utf-8"?>
+<file path=ppt/notesSlides/notesSlide6.xml><?xml version="1.0" encoding="utf-8"?>
 <p:notes xmlns:a="http://schemas.openxmlformats.org/drawingml/2006/main" xmlns:r="http://schemas.openxmlformats.org/officeDocument/2006/relationships" xmlns:p="http://schemas.openxmlformats.org/presentationml/2006/main" showMasterSp="0" showMasterPhAnim="0">
   <p:cSld>
     <p:spTree>
@@ -3054,7 +3508,7 @@
 </p:notes>
 </file>
 
-<file path=ppt/notesSlides/notesSlide6.xml><?xml version="1.0" encoding="utf-8"?>
+<file path=ppt/notesSlides/notesSlide7.xml><?xml version="1.0" encoding="utf-8"?>
 <p:notes xmlns:a="http://schemas.openxmlformats.org/drawingml/2006/main" xmlns:r="http://schemas.openxmlformats.org/officeDocument/2006/relationships" xmlns:p="http://schemas.openxmlformats.org/presentationml/2006/main" showMasterSp="0" showMasterPhAnim="0">
   <p:cSld>
     <p:spTree>
@@ -3181,7 +3635,7 @@
 </p:notes>
 </file>
 
-<file path=ppt/notesSlides/notesSlide7.xml><?xml version="1.0" encoding="utf-8"?>
+<file path=ppt/notesSlides/notesSlide8.xml><?xml version="1.0" encoding="utf-8"?>
 <p:notes xmlns:a="http://schemas.openxmlformats.org/drawingml/2006/main" xmlns:r="http://schemas.openxmlformats.org/officeDocument/2006/relationships" xmlns:p="http://schemas.openxmlformats.org/presentationml/2006/main">
   <p:cSld>
     <p:spTree>
@@ -3250,7 +3704,7 @@
 </p:notes>
 </file>
 
-<file path=ppt/notesSlides/notesSlide8.xml><?xml version="1.0" encoding="utf-8"?>
+<file path=ppt/notesSlides/notesSlide9.xml><?xml version="1.0" encoding="utf-8"?>
 <p:notes xmlns:a="http://schemas.openxmlformats.org/drawingml/2006/main" xmlns:r="http://schemas.openxmlformats.org/officeDocument/2006/relationships" xmlns:p="http://schemas.openxmlformats.org/presentationml/2006/main">
   <p:cSld>
     <p:spTree>
@@ -3382,133 +3836,6 @@
     <p:extLst>
       <p:ext uri="{BB962C8B-B14F-4D97-AF65-F5344CB8AC3E}">
         <p14:creationId xmlns:p14="http://schemas.microsoft.com/office/powerpoint/2010/main" val="372266206"/>
-      </p:ext>
-    </p:extLst>
-  </p:cSld>
-  <p:clrMapOvr>
-    <a:masterClrMapping/>
-  </p:clrMapOvr>
-</p:notes>
-</file>
-
-<file path=ppt/notesSlides/notesSlide9.xml><?xml version="1.0" encoding="utf-8"?>
-<p:notes xmlns:a="http://schemas.openxmlformats.org/drawingml/2006/main" xmlns:r="http://schemas.openxmlformats.org/officeDocument/2006/relationships" xmlns:p="http://schemas.openxmlformats.org/presentationml/2006/main" showMasterSp="0" showMasterPhAnim="0">
-  <p:cSld>
-    <p:spTree>
-      <p:nvGrpSpPr>
-        <p:cNvPr id="1" name="Shape 294">
-          <a:extLst>
-            <a:ext uri="{FF2B5EF4-FFF2-40B4-BE49-F238E27FC236}">
-              <a16:creationId xmlns:a16="http://schemas.microsoft.com/office/drawing/2014/main" id="{651BD732-7BCD-D238-E8CC-2A9E8507CF37}"/>
-            </a:ext>
-          </a:extLst>
-        </p:cNvPr>
-        <p:cNvGrpSpPr/>
-        <p:nvPr/>
-      </p:nvGrpSpPr>
-      <p:grpSpPr>
-        <a:xfrm>
-          <a:off x="0" y="0"/>
-          <a:ext cx="0" cy="0"/>
-          <a:chOff x="0" y="0"/>
-          <a:chExt cx="0" cy="0"/>
-        </a:xfrm>
-      </p:grpSpPr>
-      <p:sp>
-        <p:nvSpPr>
-          <p:cNvPr id="295" name="Google Shape;295;gdd0c7d16c6_0_62:notes">
-            <a:extLst>
-              <a:ext uri="{FF2B5EF4-FFF2-40B4-BE49-F238E27FC236}">
-                <a16:creationId xmlns:a16="http://schemas.microsoft.com/office/drawing/2014/main" id="{53D3D36D-F52D-6216-F20F-30E854042AE4}"/>
-              </a:ext>
-            </a:extLst>
-          </p:cNvPr>
-          <p:cNvSpPr>
-            <a:spLocks noGrp="1" noRot="1" noChangeAspect="1"/>
-          </p:cNvSpPr>
-          <p:nvPr>
-            <p:ph type="sldImg" idx="2"/>
-          </p:nvPr>
-        </p:nvSpPr>
-        <p:spPr>
-          <a:xfrm>
-            <a:off x="381000" y="685800"/>
-            <a:ext cx="6096000" cy="3429000"/>
-          </a:xfrm>
-          <a:custGeom>
-            <a:avLst/>
-            <a:gdLst/>
-            <a:ahLst/>
-            <a:cxnLst/>
-            <a:rect l="l" t="t" r="r" b="b"/>
-            <a:pathLst>
-              <a:path w="120000" h="120000" extrusionOk="0">
-                <a:moveTo>
-                  <a:pt x="0" y="0"/>
-                </a:moveTo>
-                <a:lnTo>
-                  <a:pt x="120000" y="0"/>
-                </a:lnTo>
-                <a:lnTo>
-                  <a:pt x="120000" y="120000"/>
-                </a:lnTo>
-                <a:lnTo>
-                  <a:pt x="0" y="120000"/>
-                </a:lnTo>
-                <a:close/>
-              </a:path>
-            </a:pathLst>
-          </a:custGeom>
-        </p:spPr>
-      </p:sp>
-      <p:sp>
-        <p:nvSpPr>
-          <p:cNvPr id="296" name="Google Shape;296;gdd0c7d16c6_0_62:notes">
-            <a:extLst>
-              <a:ext uri="{FF2B5EF4-FFF2-40B4-BE49-F238E27FC236}">
-                <a16:creationId xmlns:a16="http://schemas.microsoft.com/office/drawing/2014/main" id="{D48F7A38-5BB8-CB61-616D-6F598605E7DE}"/>
-              </a:ext>
-            </a:extLst>
-          </p:cNvPr>
-          <p:cNvSpPr txBox="1">
-            <a:spLocks noGrp="1"/>
-          </p:cNvSpPr>
-          <p:nvPr>
-            <p:ph type="body" idx="1"/>
-          </p:nvPr>
-        </p:nvSpPr>
-        <p:spPr>
-          <a:xfrm>
-            <a:off x="685800" y="4343400"/>
-            <a:ext cx="5486400" cy="4114800"/>
-          </a:xfrm>
-          <a:prstGeom prst="rect">
-            <a:avLst/>
-          </a:prstGeom>
-        </p:spPr>
-        <p:txBody>
-          <a:bodyPr spcFirstLastPara="1" wrap="square" lIns="91425" tIns="91425" rIns="91425" bIns="91425" anchor="t" anchorCtr="0">
-            <a:noAutofit/>
-          </a:bodyPr>
-          <a:lstStyle/>
-          <a:p>
-            <a:pPr marL="0" lvl="0" indent="0" algn="l" rtl="0">
-              <a:spcBef>
-                <a:spcPts val="0"/>
-              </a:spcBef>
-              <a:spcAft>
-                <a:spcPts val="0"/>
-              </a:spcAft>
-              <a:buNone/>
-            </a:pPr>
-            <a:endParaRPr/>
-          </a:p>
-        </p:txBody>
-      </p:sp>
-    </p:spTree>
-    <p:extLst>
-      <p:ext uri="{BB962C8B-B14F-4D97-AF65-F5344CB8AC3E}">
-        <p14:creationId xmlns:p14="http://schemas.microsoft.com/office/powerpoint/2010/main" val="3226134568"/>
       </p:ext>
     </p:extLst>
   </p:cSld>
@@ -15191,6 +15518,542 @@
         <p:cNvPr id="1" name="">
           <a:extLst>
             <a:ext uri="{FF2B5EF4-FFF2-40B4-BE49-F238E27FC236}">
+              <a16:creationId xmlns:a16="http://schemas.microsoft.com/office/drawing/2014/main" id="{3F16FC78-1DF1-A2B3-7D02-29F4E4A75894}"/>
+            </a:ext>
+          </a:extLst>
+        </p:cNvPr>
+        <p:cNvGrpSpPr/>
+        <p:nvPr/>
+      </p:nvGrpSpPr>
+      <p:grpSpPr>
+        <a:xfrm>
+          <a:off x="0" y="0"/>
+          <a:ext cx="0" cy="0"/>
+          <a:chOff x="0" y="0"/>
+          <a:chExt cx="0" cy="0"/>
+        </a:xfrm>
+      </p:grpSpPr>
+      <p:sp>
+        <p:nvSpPr>
+          <p:cNvPr id="2" name="Title 1">
+            <a:extLst>
+              <a:ext uri="{FF2B5EF4-FFF2-40B4-BE49-F238E27FC236}">
+                <a16:creationId xmlns:a16="http://schemas.microsoft.com/office/drawing/2014/main" id="{F723D835-3014-3B65-0C47-69E5C6C9D8D7}"/>
+              </a:ext>
+            </a:extLst>
+          </p:cNvPr>
+          <p:cNvSpPr>
+            <a:spLocks noGrp="1"/>
+          </p:cNvSpPr>
+          <p:nvPr>
+            <p:ph type="title"/>
+          </p:nvPr>
+        </p:nvSpPr>
+        <p:spPr>
+          <a:xfrm>
+            <a:off x="234177" y="646770"/>
+            <a:ext cx="7704000" cy="511819"/>
+          </a:xfrm>
+        </p:spPr>
+        <p:txBody>
+          <a:bodyPr/>
+          <a:lstStyle/>
+          <a:p>
+            <a:r>
+              <a:rPr lang="en-US"/>
+              <a:t>Penelitian Terkait 1/3</a:t>
+            </a:r>
+            <a:endParaRPr lang="en-ID"/>
+          </a:p>
+        </p:txBody>
+      </p:sp>
+      <p:sp>
+        <p:nvSpPr>
+          <p:cNvPr id="3" name="Text Placeholder 2">
+            <a:extLst>
+              <a:ext uri="{FF2B5EF4-FFF2-40B4-BE49-F238E27FC236}">
+                <a16:creationId xmlns:a16="http://schemas.microsoft.com/office/drawing/2014/main" id="{D6FC7725-2CF5-EC55-12FE-8634BA8B23DB}"/>
+              </a:ext>
+            </a:extLst>
+          </p:cNvPr>
+          <p:cNvSpPr>
+            <a:spLocks noGrp="1"/>
+          </p:cNvSpPr>
+          <p:nvPr>
+            <p:ph type="body" idx="1"/>
+          </p:nvPr>
+        </p:nvSpPr>
+        <p:spPr>
+          <a:xfrm>
+            <a:off x="234177" y="1233540"/>
+            <a:ext cx="8679365" cy="3827673"/>
+          </a:xfrm>
+        </p:spPr>
+        <p:txBody>
+          <a:bodyPr/>
+          <a:lstStyle/>
+          <a:p>
+            <a:pPr marL="342900" indent="-342900" algn="just">
+              <a:spcAft>
+                <a:spcPts val="1200"/>
+              </a:spcAft>
+              <a:buFont typeface="Wingdings" panose="05000000000000000000" pitchFamily="2" charset="2"/>
+              <a:buChar char="v"/>
+            </a:pPr>
+            <a:r>
+              <a:rPr lang="en-GB" sz="1800">
+                <a:effectLst/>
+                <a:latin typeface="Times New Roman" panose="02020603050405020304" pitchFamily="18" charset="0"/>
+                <a:ea typeface="Times New Roman" panose="02020603050405020304" pitchFamily="18" charset="0"/>
+              </a:rPr>
+              <a:t>Salah satu aplikasi chatbot yang umum digunakan dan populer saat ini adalah ChatGPT yang dikembangkan oleh OpenAI dan dirilis pada akhir tahun 2022 (Mohamadi et al., 2023). Berbagai penelitian berupaya mengeksplorasi kemampuan ChatGPT seperti yang dilakukan oleh Baker dkk. (2024) dalam bidang medis yang dikembangkan untuk membantu dokumentasi klinis.</a:t>
+            </a:r>
+            <a:endParaRPr lang="en-ID" sz="1800">
+              <a:solidFill>
+                <a:srgbClr val="000000"/>
+              </a:solidFill>
+              <a:latin typeface="Times New Roman" panose="02020603050405020304" pitchFamily="18" charset="0"/>
+              <a:ea typeface="Calibri" panose="020F0502020204030204" pitchFamily="34" charset="0"/>
+              <a:cs typeface="Times New Roman" panose="02020603050405020304" pitchFamily="18" charset="0"/>
+            </a:endParaRPr>
+          </a:p>
+          <a:p>
+            <a:pPr marL="342900" indent="-342900" algn="just">
+              <a:spcAft>
+                <a:spcPts val="1200"/>
+              </a:spcAft>
+              <a:buFont typeface="Wingdings" panose="05000000000000000000" pitchFamily="2" charset="2"/>
+              <a:buChar char="v"/>
+            </a:pPr>
+            <a:r>
+              <a:rPr lang="en-GB" sz="1800">
+                <a:effectLst/>
+                <a:latin typeface="Times New Roman" panose="02020603050405020304" pitchFamily="18" charset="0"/>
+                <a:ea typeface="Times New Roman" panose="02020603050405020304" pitchFamily="18" charset="0"/>
+              </a:rPr>
+              <a:t>(Loukas dkk., 2023)</a:t>
+            </a:r>
+            <a:r>
+              <a:rPr lang="en-ID" sz="1800">
+                <a:solidFill>
+                  <a:srgbClr val="000000"/>
+                </a:solidFill>
+                <a:latin typeface="Times New Roman" panose="02020603050405020304" pitchFamily="18" charset="0"/>
+                <a:ea typeface="Calibri" panose="020F0502020204030204" pitchFamily="34" charset="0"/>
+                <a:cs typeface="Times New Roman" panose="02020603050405020304" pitchFamily="18" charset="0"/>
+              </a:rPr>
+              <a:t>. </a:t>
+            </a:r>
+            <a:r>
+              <a:rPr lang="en-GB" sz="1800">
+                <a:effectLst/>
+                <a:latin typeface="Times New Roman" panose="02020603050405020304" pitchFamily="18" charset="0"/>
+                <a:ea typeface="Times New Roman" panose="02020603050405020304" pitchFamily="18" charset="0"/>
+              </a:rPr>
+              <a:t>mengklasifikasikan teks dalam bidang perbankan.</a:t>
+            </a:r>
+          </a:p>
+          <a:p>
+            <a:pPr marL="342900" indent="-342900" algn="just">
+              <a:buFont typeface="Wingdings" panose="05000000000000000000" pitchFamily="2" charset="2"/>
+              <a:buChar char="v"/>
+            </a:pPr>
+            <a:r>
+              <a:rPr lang="en-GB" sz="1800">
+                <a:effectLst/>
+                <a:latin typeface="Times New Roman" panose="02020603050405020304" pitchFamily="18" charset="0"/>
+                <a:ea typeface="Times New Roman" panose="02020603050405020304" pitchFamily="18" charset="0"/>
+              </a:rPr>
+              <a:t>(Trozze dkk., 2023).</a:t>
+            </a:r>
+            <a:r>
+              <a:rPr lang="en-GB" sz="1800">
+                <a:latin typeface="Times New Roman" panose="02020603050405020304" pitchFamily="18" charset="0"/>
+                <a:ea typeface="Times New Roman" panose="02020603050405020304" pitchFamily="18" charset="0"/>
+              </a:rPr>
+              <a:t> </a:t>
+            </a:r>
+            <a:r>
+              <a:rPr lang="en-GB" sz="1800">
+                <a:effectLst/>
+                <a:latin typeface="Times New Roman" panose="02020603050405020304" pitchFamily="18" charset="0"/>
+                <a:ea typeface="Times New Roman" panose="02020603050405020304" pitchFamily="18" charset="0"/>
+              </a:rPr>
+              <a:t>dalam bidang hukum untuk menentukan undang-undang mana yang berpotensi dilanggar. </a:t>
+            </a:r>
+            <a:endParaRPr lang="en-ID" sz="1800">
+              <a:solidFill>
+                <a:srgbClr val="000000"/>
+              </a:solidFill>
+              <a:latin typeface="Times New Roman" panose="02020603050405020304" pitchFamily="18" charset="0"/>
+              <a:ea typeface="Calibri" panose="020F0502020204030204" pitchFamily="34" charset="0"/>
+              <a:cs typeface="Times New Roman" panose="02020603050405020304" pitchFamily="18" charset="0"/>
+            </a:endParaRPr>
+          </a:p>
+          <a:p>
+            <a:pPr marL="342900" indent="-342900" algn="just">
+              <a:lnSpc>
+                <a:spcPct val="150000"/>
+              </a:lnSpc>
+              <a:buFont typeface="Wingdings" panose="05000000000000000000" pitchFamily="2" charset="2"/>
+              <a:buChar char="v"/>
+            </a:pPr>
+            <a:endParaRPr lang="en-ID" sz="1800">
+              <a:solidFill>
+                <a:srgbClr val="000000"/>
+              </a:solidFill>
+              <a:latin typeface="Times New Roman" panose="02020603050405020304" pitchFamily="18" charset="0"/>
+              <a:ea typeface="Calibri" panose="020F0502020204030204" pitchFamily="34" charset="0"/>
+              <a:cs typeface="Times New Roman" panose="02020603050405020304" pitchFamily="18" charset="0"/>
+            </a:endParaRPr>
+          </a:p>
+        </p:txBody>
+      </p:sp>
+      <p:pic>
+        <p:nvPicPr>
+          <p:cNvPr id="4" name="object 27">
+            <a:extLst>
+              <a:ext uri="{FF2B5EF4-FFF2-40B4-BE49-F238E27FC236}">
+                <a16:creationId xmlns:a16="http://schemas.microsoft.com/office/drawing/2014/main" id="{6B533EE4-109D-E57F-F463-01F0392E51AF}"/>
+              </a:ext>
+            </a:extLst>
+          </p:cNvPr>
+          <p:cNvPicPr/>
+          <p:nvPr/>
+        </p:nvPicPr>
+        <p:blipFill>
+          <a:blip r:embed="rId2" cstate="print"/>
+          <a:stretch>
+            <a:fillRect/>
+          </a:stretch>
+        </p:blipFill>
+        <p:spPr>
+          <a:xfrm>
+            <a:off x="0" y="46946"/>
+            <a:ext cx="3129776" cy="661742"/>
+          </a:xfrm>
+          <a:prstGeom prst="rect">
+            <a:avLst/>
+          </a:prstGeom>
+        </p:spPr>
+      </p:pic>
+      <p:sp>
+        <p:nvSpPr>
+          <p:cNvPr id="5" name="object 28">
+            <a:extLst>
+              <a:ext uri="{FF2B5EF4-FFF2-40B4-BE49-F238E27FC236}">
+                <a16:creationId xmlns:a16="http://schemas.microsoft.com/office/drawing/2014/main" id="{1E1B1A8E-0EEB-8099-84CE-850E98FA373B}"/>
+              </a:ext>
+            </a:extLst>
+          </p:cNvPr>
+          <p:cNvSpPr txBox="1"/>
+          <p:nvPr/>
+        </p:nvSpPr>
+        <p:spPr>
+          <a:xfrm>
+            <a:off x="5212448" y="82286"/>
+            <a:ext cx="4235450" cy="197490"/>
+          </a:xfrm>
+          <a:prstGeom prst="rect">
+            <a:avLst/>
+          </a:prstGeom>
+        </p:spPr>
+        <p:txBody>
+          <a:bodyPr vert="horz" wrap="square" lIns="0" tIns="12700" rIns="0" bIns="0" rtlCol="0">
+            <a:spAutoFit/>
+          </a:bodyPr>
+          <a:lstStyle/>
+          <a:p>
+            <a:pPr marL="12700" marR="347345" indent="-304800">
+              <a:spcBef>
+                <a:spcPts val="550"/>
+              </a:spcBef>
+              <a:buClr>
+                <a:schemeClr val="dk1"/>
+              </a:buClr>
+              <a:buSzPts val="1200"/>
+            </a:pPr>
+            <a:r>
+              <a:rPr lang="en-ID" sz="1200">
+                <a:solidFill>
+                  <a:schemeClr val="dk1"/>
+                </a:solidFill>
+                <a:latin typeface="Lexend"/>
+                <a:sym typeface="Lexend"/>
+              </a:rPr>
+              <a:t>Seminar Hasil Tesis | Selasa, 27 Agustus 2024</a:t>
+            </a:r>
+            <a:endParaRPr lang="en-ID" sz="1200" dirty="0">
+              <a:solidFill>
+                <a:schemeClr val="dk1"/>
+              </a:solidFill>
+              <a:latin typeface="Lexend"/>
+              <a:sym typeface="Lexend"/>
+            </a:endParaRPr>
+          </a:p>
+        </p:txBody>
+      </p:sp>
+      <p:grpSp>
+        <p:nvGrpSpPr>
+          <p:cNvPr id="10" name="Google Shape;263;p25">
+            <a:extLst>
+              <a:ext uri="{FF2B5EF4-FFF2-40B4-BE49-F238E27FC236}">
+                <a16:creationId xmlns:a16="http://schemas.microsoft.com/office/drawing/2014/main" id="{D1D718EB-790B-3CAB-79EC-280525A97FEE}"/>
+              </a:ext>
+            </a:extLst>
+          </p:cNvPr>
+          <p:cNvGrpSpPr/>
+          <p:nvPr/>
+        </p:nvGrpSpPr>
+        <p:grpSpPr>
+          <a:xfrm>
+            <a:off x="-526236" y="4441138"/>
+            <a:ext cx="1052471" cy="1049743"/>
+            <a:chOff x="328257" y="3897070"/>
+            <a:chExt cx="1052471" cy="1049743"/>
+          </a:xfrm>
+        </p:grpSpPr>
+        <p:sp>
+          <p:nvSpPr>
+            <p:cNvPr id="11" name="Google Shape;264;p25">
+              <a:extLst>
+                <a:ext uri="{FF2B5EF4-FFF2-40B4-BE49-F238E27FC236}">
+                  <a16:creationId xmlns:a16="http://schemas.microsoft.com/office/drawing/2014/main" id="{FC822C56-8D2F-B416-7B0F-7B2E2080786B}"/>
+                </a:ext>
+              </a:extLst>
+            </p:cNvPr>
+            <p:cNvSpPr/>
+            <p:nvPr/>
+          </p:nvSpPr>
+          <p:spPr>
+            <a:xfrm>
+              <a:off x="328257" y="4219289"/>
+              <a:ext cx="730126" cy="727525"/>
+            </a:xfrm>
+            <a:custGeom>
+              <a:avLst/>
+              <a:gdLst/>
+              <a:ahLst/>
+              <a:cxnLst/>
+              <a:rect l="l" t="t" r="r" b="b"/>
+              <a:pathLst>
+                <a:path w="507914" h="506104" extrusionOk="0">
+                  <a:moveTo>
+                    <a:pt x="0" y="53375"/>
+                  </a:moveTo>
+                  <a:cubicBezTo>
+                    <a:pt x="0" y="23897"/>
+                    <a:pt x="23906" y="0"/>
+                    <a:pt x="53396" y="0"/>
+                  </a:cubicBezTo>
+                  <a:lnTo>
+                    <a:pt x="454519" y="0"/>
+                  </a:lnTo>
+                  <a:cubicBezTo>
+                    <a:pt x="484009" y="0"/>
+                    <a:pt x="507915" y="23897"/>
+                    <a:pt x="507915" y="53375"/>
+                  </a:cubicBezTo>
+                  <a:lnTo>
+                    <a:pt x="507915" y="454342"/>
+                  </a:lnTo>
+                  <a:cubicBezTo>
+                    <a:pt x="506993" y="483837"/>
+                    <a:pt x="482326" y="506999"/>
+                    <a:pt x="452826" y="506077"/>
+                  </a:cubicBezTo>
+                  <a:cubicBezTo>
+                    <a:pt x="424617" y="505198"/>
+                    <a:pt x="401951" y="482540"/>
+                    <a:pt x="401070" y="454342"/>
+                  </a:cubicBezTo>
+                  <a:lnTo>
+                    <a:pt x="401070" y="106803"/>
+                  </a:lnTo>
+                  <a:lnTo>
+                    <a:pt x="53396" y="106803"/>
+                  </a:lnTo>
+                  <a:cubicBezTo>
+                    <a:pt x="23906" y="106803"/>
+                    <a:pt x="0" y="82907"/>
+                    <a:pt x="0" y="53428"/>
+                  </a:cubicBezTo>
+                  <a:cubicBezTo>
+                    <a:pt x="0" y="53412"/>
+                    <a:pt x="0" y="53391"/>
+                    <a:pt x="0" y="53375"/>
+                  </a:cubicBezTo>
+                  <a:close/>
+                </a:path>
+              </a:pathLst>
+            </a:custGeom>
+            <a:noFill/>
+            <a:ln w="9525" cap="flat" cmpd="sng">
+              <a:solidFill>
+                <a:schemeClr val="dk2"/>
+              </a:solidFill>
+              <a:prstDash val="solid"/>
+              <a:miter lim="8000"/>
+              <a:headEnd type="none" w="sm" len="sm"/>
+              <a:tailEnd type="none" w="sm" len="sm"/>
+            </a:ln>
+          </p:spPr>
+          <p:txBody>
+            <a:bodyPr spcFirstLastPara="1" wrap="square" lIns="91425" tIns="45700" rIns="91425" bIns="45700" anchor="ctr" anchorCtr="0">
+              <a:noAutofit/>
+            </a:bodyPr>
+            <a:lstStyle/>
+            <a:p>
+              <a:pPr marL="0" marR="0" lvl="0" indent="0" algn="l" rtl="0">
+                <a:spcBef>
+                  <a:spcPts val="0"/>
+                </a:spcBef>
+                <a:spcAft>
+                  <a:spcPts val="0"/>
+                </a:spcAft>
+                <a:buNone/>
+              </a:pPr>
+              <a:endParaRPr sz="1800">
+                <a:solidFill>
+                  <a:srgbClr val="000000"/>
+                </a:solidFill>
+                <a:latin typeface="Calibri"/>
+                <a:ea typeface="Calibri"/>
+                <a:cs typeface="Calibri"/>
+                <a:sym typeface="Calibri"/>
+              </a:endParaRPr>
+            </a:p>
+          </p:txBody>
+        </p:sp>
+        <p:sp>
+          <p:nvSpPr>
+            <p:cNvPr id="12" name="Google Shape;265;p25">
+              <a:extLst>
+                <a:ext uri="{FF2B5EF4-FFF2-40B4-BE49-F238E27FC236}">
+                  <a16:creationId xmlns:a16="http://schemas.microsoft.com/office/drawing/2014/main" id="{2D4D2106-B268-744E-D781-69B8F91AC8BC}"/>
+                </a:ext>
+              </a:extLst>
+            </p:cNvPr>
+            <p:cNvSpPr/>
+            <p:nvPr/>
+          </p:nvSpPr>
+          <p:spPr>
+            <a:xfrm>
+              <a:off x="650602" y="3897070"/>
+              <a:ext cx="730126" cy="727525"/>
+            </a:xfrm>
+            <a:custGeom>
+              <a:avLst/>
+              <a:gdLst/>
+              <a:ahLst/>
+              <a:cxnLst/>
+              <a:rect l="l" t="t" r="r" b="b"/>
+              <a:pathLst>
+                <a:path w="507914" h="506104" extrusionOk="0">
+                  <a:moveTo>
+                    <a:pt x="0" y="53375"/>
+                  </a:moveTo>
+                  <a:cubicBezTo>
+                    <a:pt x="0" y="23897"/>
+                    <a:pt x="23906" y="0"/>
+                    <a:pt x="53396" y="0"/>
+                  </a:cubicBezTo>
+                  <a:lnTo>
+                    <a:pt x="454519" y="0"/>
+                  </a:lnTo>
+                  <a:cubicBezTo>
+                    <a:pt x="484009" y="0"/>
+                    <a:pt x="507915" y="23897"/>
+                    <a:pt x="507915" y="53375"/>
+                  </a:cubicBezTo>
+                  <a:lnTo>
+                    <a:pt x="507915" y="454342"/>
+                  </a:lnTo>
+                  <a:cubicBezTo>
+                    <a:pt x="506993" y="483837"/>
+                    <a:pt x="482326" y="506999"/>
+                    <a:pt x="452826" y="506077"/>
+                  </a:cubicBezTo>
+                  <a:cubicBezTo>
+                    <a:pt x="424617" y="505197"/>
+                    <a:pt x="401951" y="482540"/>
+                    <a:pt x="401070" y="454342"/>
+                  </a:cubicBezTo>
+                  <a:lnTo>
+                    <a:pt x="401070" y="106751"/>
+                  </a:lnTo>
+                  <a:lnTo>
+                    <a:pt x="53396" y="106751"/>
+                  </a:lnTo>
+                  <a:cubicBezTo>
+                    <a:pt x="23906" y="106751"/>
+                    <a:pt x="0" y="82854"/>
+                    <a:pt x="0" y="53375"/>
+                  </a:cubicBezTo>
+                  <a:close/>
+                </a:path>
+              </a:pathLst>
+            </a:custGeom>
+            <a:noFill/>
+            <a:ln w="9525" cap="flat" cmpd="sng">
+              <a:solidFill>
+                <a:schemeClr val="dk2"/>
+              </a:solidFill>
+              <a:prstDash val="solid"/>
+              <a:miter lim="8000"/>
+              <a:headEnd type="none" w="sm" len="sm"/>
+              <a:tailEnd type="none" w="sm" len="sm"/>
+            </a:ln>
+          </p:spPr>
+          <p:txBody>
+            <a:bodyPr spcFirstLastPara="1" wrap="square" lIns="91425" tIns="45700" rIns="91425" bIns="45700" anchor="ctr" anchorCtr="0">
+              <a:noAutofit/>
+            </a:bodyPr>
+            <a:lstStyle/>
+            <a:p>
+              <a:pPr marL="0" marR="0" lvl="0" indent="0" algn="l" rtl="0">
+                <a:spcBef>
+                  <a:spcPts val="0"/>
+                </a:spcBef>
+                <a:spcAft>
+                  <a:spcPts val="0"/>
+                </a:spcAft>
+                <a:buNone/>
+              </a:pPr>
+              <a:endParaRPr sz="1800">
+                <a:solidFill>
+                  <a:srgbClr val="000000"/>
+                </a:solidFill>
+                <a:latin typeface="Calibri"/>
+                <a:ea typeface="Calibri"/>
+                <a:cs typeface="Calibri"/>
+                <a:sym typeface="Calibri"/>
+              </a:endParaRPr>
+            </a:p>
+          </p:txBody>
+        </p:sp>
+      </p:grpSp>
+    </p:spTree>
+    <p:extLst>
+      <p:ext uri="{BB962C8B-B14F-4D97-AF65-F5344CB8AC3E}">
+        <p14:creationId xmlns:p14="http://schemas.microsoft.com/office/powerpoint/2010/main" val="58508509"/>
+      </p:ext>
+    </p:extLst>
+  </p:cSld>
+  <p:clrMapOvr>
+    <a:masterClrMapping/>
+  </p:clrMapOvr>
+</p:sld>
+</file>
+
+<file path=ppt/slides/slide11.xml><?xml version="1.0" encoding="utf-8"?>
+<p:sld xmlns:a="http://schemas.openxmlformats.org/drawingml/2006/main" xmlns:r="http://schemas.openxmlformats.org/officeDocument/2006/relationships" xmlns:p="http://schemas.openxmlformats.org/presentationml/2006/main">
+  <p:cSld>
+    <p:spTree>
+      <p:nvGrpSpPr>
+        <p:cNvPr id="1" name="">
+          <a:extLst>
+            <a:ext uri="{FF2B5EF4-FFF2-40B4-BE49-F238E27FC236}">
               <a16:creationId xmlns:a16="http://schemas.microsoft.com/office/drawing/2014/main" id="{8B017B87-78D7-5F62-E060-C241A47CB786}"/>
             </a:ext>
           </a:extLst>
@@ -15784,7 +16647,7 @@
 </p:sld>
 </file>
 
-<file path=ppt/slides/slide11.xml><?xml version="1.0" encoding="utf-8"?>
+<file path=ppt/slides/slide12.xml><?xml version="1.0" encoding="utf-8"?>
 <p:sld xmlns:a="http://schemas.openxmlformats.org/drawingml/2006/main" xmlns:r="http://schemas.openxmlformats.org/officeDocument/2006/relationships" xmlns:p="http://schemas.openxmlformats.org/presentationml/2006/main">
   <p:cSld>
     <p:spTree>
@@ -16277,7 +17140,7 @@
 </p:sld>
 </file>
 
-<file path=ppt/slides/slide12.xml><?xml version="1.0" encoding="utf-8"?>
+<file path=ppt/slides/slide13.xml><?xml version="1.0" encoding="utf-8"?>
 <p:sld xmlns:a="http://schemas.openxmlformats.org/drawingml/2006/main" xmlns:r="http://schemas.openxmlformats.org/officeDocument/2006/relationships" xmlns:p="http://schemas.openxmlformats.org/presentationml/2006/main">
   <p:cSld>
     <p:spTree>
@@ -17822,7 +18685,7 @@
 </p:sld>
 </file>
 
-<file path=ppt/slides/slide13.xml><?xml version="1.0" encoding="utf-8"?>
+<file path=ppt/slides/slide14.xml><?xml version="1.0" encoding="utf-8"?>
 <p:sld xmlns:a="http://schemas.openxmlformats.org/drawingml/2006/main" xmlns:r="http://schemas.openxmlformats.org/officeDocument/2006/relationships" xmlns:p="http://schemas.openxmlformats.org/presentationml/2006/main">
   <p:cSld>
     <p:spTree>
@@ -18471,7 +19334,7 @@
 </p:sld>
 </file>
 
-<file path=ppt/slides/slide14.xml><?xml version="1.0" encoding="utf-8"?>
+<file path=ppt/slides/slide15.xml><?xml version="1.0" encoding="utf-8"?>
 <p:sld xmlns:a="http://schemas.openxmlformats.org/drawingml/2006/main" xmlns:r="http://schemas.openxmlformats.org/officeDocument/2006/relationships" xmlns:p="http://schemas.openxmlformats.org/presentationml/2006/main">
   <p:cSld>
     <p:spTree>
@@ -19261,7 +20124,7 @@
 </p:sld>
 </file>
 
-<file path=ppt/slides/slide15.xml><?xml version="1.0" encoding="utf-8"?>
+<file path=ppt/slides/slide16.xml><?xml version="1.0" encoding="utf-8"?>
 <p:sld xmlns:a="http://schemas.openxmlformats.org/drawingml/2006/main" xmlns:r="http://schemas.openxmlformats.org/officeDocument/2006/relationships" xmlns:p="http://schemas.openxmlformats.org/presentationml/2006/main">
   <p:cSld>
     <p:spTree>
@@ -20078,7 +20941,7 @@
 </p:sld>
 </file>
 
-<file path=ppt/slides/slide16.xml><?xml version="1.0" encoding="utf-8"?>
+<file path=ppt/slides/slide17.xml><?xml version="1.0" encoding="utf-8"?>
 <p:sld xmlns:a="http://schemas.openxmlformats.org/drawingml/2006/main" xmlns:r="http://schemas.openxmlformats.org/officeDocument/2006/relationships" xmlns:p="http://schemas.openxmlformats.org/presentationml/2006/main">
   <p:cSld>
     <p:spTree>
@@ -20604,7 +21467,7 @@
 </p:sld>
 </file>
 
-<file path=ppt/slides/slide17.xml><?xml version="1.0" encoding="utf-8"?>
+<file path=ppt/slides/slide18.xml><?xml version="1.0" encoding="utf-8"?>
 <p:sld xmlns:a="http://schemas.openxmlformats.org/drawingml/2006/main" xmlns:r="http://schemas.openxmlformats.org/officeDocument/2006/relationships" xmlns:p="http://schemas.openxmlformats.org/presentationml/2006/main">
   <p:cSld>
     <p:spTree>
@@ -22149,7 +23012,7 @@
 </p:sld>
 </file>
 
-<file path=ppt/slides/slide18.xml><?xml version="1.0" encoding="utf-8"?>
+<file path=ppt/slides/slide19.xml><?xml version="1.0" encoding="utf-8"?>
 <p:sld xmlns:a="http://schemas.openxmlformats.org/drawingml/2006/main" xmlns:r="http://schemas.openxmlformats.org/officeDocument/2006/relationships" xmlns:p="http://schemas.openxmlformats.org/presentationml/2006/main">
   <p:cSld>
     <p:spTree>
@@ -23723,7 +24586,761 @@
 </p:sld>
 </file>
 
-<file path=ppt/slides/slide19.xml><?xml version="1.0" encoding="utf-8"?>
+<file path=ppt/slides/slide2.xml><?xml version="1.0" encoding="utf-8"?>
+<p:sld xmlns:a="http://schemas.openxmlformats.org/drawingml/2006/main" xmlns:r="http://schemas.openxmlformats.org/officeDocument/2006/relationships" xmlns:p="http://schemas.openxmlformats.org/presentationml/2006/main">
+  <p:cSld>
+    <p:spTree>
+      <p:nvGrpSpPr>
+        <p:cNvPr id="1" name="Shape 279"/>
+        <p:cNvGrpSpPr/>
+        <p:nvPr/>
+      </p:nvGrpSpPr>
+      <p:grpSpPr>
+        <a:xfrm>
+          <a:off x="0" y="0"/>
+          <a:ext cx="0" cy="0"/>
+          <a:chOff x="0" y="0"/>
+          <a:chExt cx="0" cy="0"/>
+        </a:xfrm>
+      </p:grpSpPr>
+      <p:sp>
+        <p:nvSpPr>
+          <p:cNvPr id="280" name="Google Shape;280;p27"/>
+          <p:cNvSpPr/>
+          <p:nvPr/>
+        </p:nvSpPr>
+        <p:spPr>
+          <a:xfrm rot="5400000">
+            <a:off x="-1049000" y="3207350"/>
+            <a:ext cx="4761900" cy="786000"/>
+          </a:xfrm>
+          <a:prstGeom prst="roundRect">
+            <a:avLst>
+              <a:gd name="adj" fmla="val 50000"/>
+            </a:avLst>
+          </a:prstGeom>
+          <a:solidFill>
+            <a:srgbClr val="FFCC28"/>
+          </a:solidFill>
+          <a:ln>
+            <a:noFill/>
+          </a:ln>
+        </p:spPr>
+        <p:txBody>
+          <a:bodyPr spcFirstLastPara="1" wrap="square" lIns="91425" tIns="91425" rIns="91425" bIns="91425" anchor="ctr" anchorCtr="0">
+            <a:noAutofit/>
+          </a:bodyPr>
+          <a:lstStyle/>
+          <a:p>
+            <a:pPr marL="0" lvl="0" indent="0" algn="ctr" rtl="0">
+              <a:spcBef>
+                <a:spcPts val="0"/>
+              </a:spcBef>
+              <a:spcAft>
+                <a:spcPts val="0"/>
+              </a:spcAft>
+              <a:buNone/>
+            </a:pPr>
+            <a:endParaRPr>
+              <a:latin typeface="Open Sans"/>
+              <a:ea typeface="Open Sans"/>
+              <a:cs typeface="Open Sans"/>
+              <a:sym typeface="Open Sans"/>
+            </a:endParaRPr>
+          </a:p>
+        </p:txBody>
+      </p:sp>
+      <p:sp>
+        <p:nvSpPr>
+          <p:cNvPr id="281" name="Google Shape;281;p27"/>
+          <p:cNvSpPr txBox="1">
+            <a:spLocks noGrp="1"/>
+          </p:cNvSpPr>
+          <p:nvPr>
+            <p:ph type="title" idx="2"/>
+          </p:nvPr>
+        </p:nvSpPr>
+        <p:spPr>
+          <a:xfrm>
+            <a:off x="2100925" y="1444783"/>
+            <a:ext cx="4509300" cy="449700"/>
+          </a:xfrm>
+          <a:prstGeom prst="rect">
+            <a:avLst/>
+          </a:prstGeom>
+        </p:spPr>
+        <p:txBody>
+          <a:bodyPr spcFirstLastPara="1" wrap="square" lIns="91425" tIns="91425" rIns="91425" bIns="91425" anchor="b" anchorCtr="0">
+            <a:noAutofit/>
+          </a:bodyPr>
+          <a:lstStyle/>
+          <a:p>
+            <a:pPr marL="0" lvl="0" indent="0" algn="l" rtl="0">
+              <a:spcBef>
+                <a:spcPts val="0"/>
+              </a:spcBef>
+              <a:spcAft>
+                <a:spcPts val="0"/>
+              </a:spcAft>
+              <a:buNone/>
+            </a:pPr>
+            <a:r>
+              <a:rPr lang="en"/>
+              <a:t>PENDAHULUAN</a:t>
+            </a:r>
+            <a:endParaRPr/>
+          </a:p>
+        </p:txBody>
+      </p:sp>
+      <p:sp>
+        <p:nvSpPr>
+          <p:cNvPr id="282" name="Google Shape;282;p27"/>
+          <p:cNvSpPr txBox="1">
+            <a:spLocks noGrp="1"/>
+          </p:cNvSpPr>
+          <p:nvPr>
+            <p:ph type="subTitle" idx="1"/>
+          </p:nvPr>
+        </p:nvSpPr>
+        <p:spPr>
+          <a:xfrm>
+            <a:off x="2100925" y="1757168"/>
+            <a:ext cx="4509300" cy="364800"/>
+          </a:xfrm>
+          <a:prstGeom prst="rect">
+            <a:avLst/>
+          </a:prstGeom>
+        </p:spPr>
+        <p:txBody>
+          <a:bodyPr spcFirstLastPara="1" wrap="square" lIns="91425" tIns="91425" rIns="91425" bIns="91425" anchor="t" anchorCtr="0">
+            <a:noAutofit/>
+          </a:bodyPr>
+          <a:lstStyle/>
+          <a:p>
+            <a:pPr marL="12700" marR="5080">
+              <a:lnSpc>
+                <a:spcPct val="100000"/>
+              </a:lnSpc>
+              <a:spcBef>
+                <a:spcPts val="550"/>
+              </a:spcBef>
+            </a:pPr>
+            <a:r>
+              <a:rPr lang="en-ID"/>
+              <a:t>Membahas tentang latar belakang penelitian.</a:t>
+            </a:r>
+            <a:endParaRPr lang="en-ID" dirty="0"/>
+          </a:p>
+        </p:txBody>
+      </p:sp>
+      <p:sp>
+        <p:nvSpPr>
+          <p:cNvPr id="283" name="Google Shape;283;p27"/>
+          <p:cNvSpPr txBox="1">
+            <a:spLocks noGrp="1"/>
+          </p:cNvSpPr>
+          <p:nvPr>
+            <p:ph type="title"/>
+          </p:nvPr>
+        </p:nvSpPr>
+        <p:spPr>
+          <a:xfrm>
+            <a:off x="938950" y="644514"/>
+            <a:ext cx="7704000" cy="520636"/>
+          </a:xfrm>
+          <a:prstGeom prst="rect">
+            <a:avLst/>
+          </a:prstGeom>
+        </p:spPr>
+        <p:txBody>
+          <a:bodyPr spcFirstLastPara="1" wrap="square" lIns="91425" tIns="91425" rIns="91425" bIns="91425" anchor="t" anchorCtr="0">
+            <a:noAutofit/>
+          </a:bodyPr>
+          <a:lstStyle/>
+          <a:p>
+            <a:pPr marL="0" lvl="0" indent="0" algn="l" rtl="0">
+              <a:spcBef>
+                <a:spcPts val="0"/>
+              </a:spcBef>
+              <a:spcAft>
+                <a:spcPts val="0"/>
+              </a:spcAft>
+              <a:buNone/>
+            </a:pPr>
+            <a:r>
+              <a:rPr lang="en"/>
+              <a:t>PEMBAHASAN</a:t>
+            </a:r>
+            <a:endParaRPr/>
+          </a:p>
+        </p:txBody>
+      </p:sp>
+      <p:sp>
+        <p:nvSpPr>
+          <p:cNvPr id="284" name="Google Shape;284;p27"/>
+          <p:cNvSpPr txBox="1">
+            <a:spLocks noGrp="1"/>
+          </p:cNvSpPr>
+          <p:nvPr>
+            <p:ph type="title" idx="3"/>
+          </p:nvPr>
+        </p:nvSpPr>
+        <p:spPr>
+          <a:xfrm>
+            <a:off x="944035" y="1346168"/>
+            <a:ext cx="775800" cy="775800"/>
+          </a:xfrm>
+          <a:prstGeom prst="rect">
+            <a:avLst/>
+          </a:prstGeom>
+        </p:spPr>
+        <p:txBody>
+          <a:bodyPr spcFirstLastPara="1" wrap="square" lIns="91425" tIns="91425" rIns="91425" bIns="91425" anchor="ctr" anchorCtr="0">
+            <a:noAutofit/>
+          </a:bodyPr>
+          <a:lstStyle/>
+          <a:p>
+            <a:pPr marL="0" lvl="0" indent="0" algn="ctr" rtl="0">
+              <a:spcBef>
+                <a:spcPts val="0"/>
+              </a:spcBef>
+              <a:spcAft>
+                <a:spcPts val="0"/>
+              </a:spcAft>
+              <a:buNone/>
+            </a:pPr>
+            <a:r>
+              <a:rPr lang="en"/>
+              <a:t>01</a:t>
+            </a:r>
+            <a:endParaRPr/>
+          </a:p>
+        </p:txBody>
+      </p:sp>
+      <p:sp>
+        <p:nvSpPr>
+          <p:cNvPr id="285" name="Google Shape;285;p27"/>
+          <p:cNvSpPr txBox="1">
+            <a:spLocks noGrp="1"/>
+          </p:cNvSpPr>
+          <p:nvPr>
+            <p:ph type="title" idx="4"/>
+          </p:nvPr>
+        </p:nvSpPr>
+        <p:spPr>
+          <a:xfrm>
+            <a:off x="2100925" y="2274833"/>
+            <a:ext cx="4509300" cy="449700"/>
+          </a:xfrm>
+          <a:prstGeom prst="rect">
+            <a:avLst/>
+          </a:prstGeom>
+        </p:spPr>
+        <p:txBody>
+          <a:bodyPr spcFirstLastPara="1" wrap="square" lIns="91425" tIns="91425" rIns="91425" bIns="91425" anchor="b" anchorCtr="0">
+            <a:noAutofit/>
+          </a:bodyPr>
+          <a:lstStyle/>
+          <a:p>
+            <a:r>
+              <a:rPr lang="en-ID"/>
+              <a:t>PENELITIAN  TERKAIT</a:t>
+            </a:r>
+            <a:endParaRPr lang="en-ID" dirty="0"/>
+          </a:p>
+        </p:txBody>
+      </p:sp>
+      <p:sp>
+        <p:nvSpPr>
+          <p:cNvPr id="286" name="Google Shape;286;p27"/>
+          <p:cNvSpPr txBox="1">
+            <a:spLocks noGrp="1"/>
+          </p:cNvSpPr>
+          <p:nvPr>
+            <p:ph type="subTitle" idx="5"/>
+          </p:nvPr>
+        </p:nvSpPr>
+        <p:spPr>
+          <a:xfrm>
+            <a:off x="2100924" y="2587218"/>
+            <a:ext cx="5938175" cy="364800"/>
+          </a:xfrm>
+          <a:prstGeom prst="rect">
+            <a:avLst/>
+          </a:prstGeom>
+        </p:spPr>
+        <p:txBody>
+          <a:bodyPr spcFirstLastPara="1" wrap="square" lIns="91425" tIns="91425" rIns="91425" bIns="91425" anchor="t" anchorCtr="0">
+            <a:noAutofit/>
+          </a:bodyPr>
+          <a:lstStyle/>
+          <a:p>
+            <a:pPr marL="12700" marR="5080">
+              <a:lnSpc>
+                <a:spcPct val="100000"/>
+              </a:lnSpc>
+              <a:spcBef>
+                <a:spcPts val="550"/>
+              </a:spcBef>
+            </a:pPr>
+            <a:r>
+              <a:rPr lang="en-ID"/>
+              <a:t>Membahas tentang riset yang  sudah pernah dilakukan peneliti  sebelumnya</a:t>
+            </a:r>
+            <a:r>
+              <a:rPr lang="en-ID" sz="1200" spc="65">
+                <a:solidFill>
+                  <a:schemeClr val="tx1"/>
+                </a:solidFill>
+                <a:latin typeface="Gill Sans MT"/>
+                <a:cs typeface="Gill Sans MT"/>
+              </a:rPr>
+              <a:t>.</a:t>
+            </a:r>
+            <a:endParaRPr lang="en-ID" sz="1200" dirty="0">
+              <a:solidFill>
+                <a:schemeClr val="tx1"/>
+              </a:solidFill>
+              <a:latin typeface="Gill Sans MT"/>
+              <a:cs typeface="Gill Sans MT"/>
+            </a:endParaRPr>
+          </a:p>
+        </p:txBody>
+      </p:sp>
+      <p:sp>
+        <p:nvSpPr>
+          <p:cNvPr id="287" name="Google Shape;287;p27"/>
+          <p:cNvSpPr txBox="1">
+            <a:spLocks noGrp="1"/>
+          </p:cNvSpPr>
+          <p:nvPr>
+            <p:ph type="title" idx="6"/>
+          </p:nvPr>
+        </p:nvSpPr>
+        <p:spPr>
+          <a:xfrm>
+            <a:off x="944035" y="2176218"/>
+            <a:ext cx="775800" cy="775800"/>
+          </a:xfrm>
+          <a:prstGeom prst="rect">
+            <a:avLst/>
+          </a:prstGeom>
+        </p:spPr>
+        <p:txBody>
+          <a:bodyPr spcFirstLastPara="1" wrap="square" lIns="91425" tIns="91425" rIns="91425" bIns="91425" anchor="ctr" anchorCtr="0">
+            <a:noAutofit/>
+          </a:bodyPr>
+          <a:lstStyle/>
+          <a:p>
+            <a:pPr marL="0" lvl="0" indent="0" algn="ctr" rtl="0">
+              <a:spcBef>
+                <a:spcPts val="0"/>
+              </a:spcBef>
+              <a:spcAft>
+                <a:spcPts val="0"/>
+              </a:spcAft>
+              <a:buNone/>
+            </a:pPr>
+            <a:r>
+              <a:rPr lang="en"/>
+              <a:t>02</a:t>
+            </a:r>
+            <a:endParaRPr/>
+          </a:p>
+        </p:txBody>
+      </p:sp>
+      <p:sp>
+        <p:nvSpPr>
+          <p:cNvPr id="288" name="Google Shape;288;p27"/>
+          <p:cNvSpPr txBox="1">
+            <a:spLocks noGrp="1"/>
+          </p:cNvSpPr>
+          <p:nvPr>
+            <p:ph type="title" idx="7"/>
+          </p:nvPr>
+        </p:nvSpPr>
+        <p:spPr>
+          <a:xfrm>
+            <a:off x="2100925" y="3104883"/>
+            <a:ext cx="4509300" cy="449700"/>
+          </a:xfrm>
+          <a:prstGeom prst="rect">
+            <a:avLst/>
+          </a:prstGeom>
+        </p:spPr>
+        <p:txBody>
+          <a:bodyPr spcFirstLastPara="1" wrap="square" lIns="91425" tIns="91425" rIns="91425" bIns="91425" anchor="b" anchorCtr="0">
+            <a:noAutofit/>
+          </a:bodyPr>
+          <a:lstStyle/>
+          <a:p>
+            <a:pPr marL="12700">
+              <a:lnSpc>
+                <a:spcPct val="100000"/>
+              </a:lnSpc>
+              <a:spcBef>
+                <a:spcPts val="925"/>
+              </a:spcBef>
+            </a:pPr>
+            <a:r>
+              <a:rPr lang="en-US"/>
+              <a:t>TINJAUAN KEPUSTAKAAN</a:t>
+            </a:r>
+            <a:endParaRPr lang="en-US" dirty="0"/>
+          </a:p>
+        </p:txBody>
+      </p:sp>
+      <p:sp>
+        <p:nvSpPr>
+          <p:cNvPr id="289" name="Google Shape;289;p27"/>
+          <p:cNvSpPr txBox="1">
+            <a:spLocks noGrp="1"/>
+          </p:cNvSpPr>
+          <p:nvPr>
+            <p:ph type="subTitle" idx="8"/>
+          </p:nvPr>
+        </p:nvSpPr>
+        <p:spPr>
+          <a:xfrm>
+            <a:off x="2100925" y="3417268"/>
+            <a:ext cx="5467036" cy="364800"/>
+          </a:xfrm>
+          <a:prstGeom prst="rect">
+            <a:avLst/>
+          </a:prstGeom>
+        </p:spPr>
+        <p:txBody>
+          <a:bodyPr spcFirstLastPara="1" wrap="square" lIns="91425" tIns="91425" rIns="91425" bIns="91425" anchor="t" anchorCtr="0">
+            <a:noAutofit/>
+          </a:bodyPr>
+          <a:lstStyle/>
+          <a:p>
+            <a:pPr marL="12700" marR="339090">
+              <a:lnSpc>
+                <a:spcPct val="100000"/>
+              </a:lnSpc>
+              <a:spcBef>
+                <a:spcPts val="550"/>
+              </a:spcBef>
+            </a:pPr>
+            <a:r>
+              <a:rPr lang="en-ID"/>
+              <a:t>Membahas tentang landasan  teori berkaitan dengan  penelitian.</a:t>
+            </a:r>
+            <a:endParaRPr lang="en-ID" dirty="0"/>
+          </a:p>
+        </p:txBody>
+      </p:sp>
+      <p:sp>
+        <p:nvSpPr>
+          <p:cNvPr id="290" name="Google Shape;290;p27"/>
+          <p:cNvSpPr txBox="1">
+            <a:spLocks noGrp="1"/>
+          </p:cNvSpPr>
+          <p:nvPr>
+            <p:ph type="title" idx="9"/>
+          </p:nvPr>
+        </p:nvSpPr>
+        <p:spPr>
+          <a:xfrm>
+            <a:off x="944035" y="3006268"/>
+            <a:ext cx="775800" cy="775800"/>
+          </a:xfrm>
+          <a:prstGeom prst="rect">
+            <a:avLst/>
+          </a:prstGeom>
+        </p:spPr>
+        <p:txBody>
+          <a:bodyPr spcFirstLastPara="1" wrap="square" lIns="91425" tIns="91425" rIns="91425" bIns="91425" anchor="ctr" anchorCtr="0">
+            <a:noAutofit/>
+          </a:bodyPr>
+          <a:lstStyle/>
+          <a:p>
+            <a:pPr marL="0" lvl="0" indent="0" algn="ctr" rtl="0">
+              <a:spcBef>
+                <a:spcPts val="0"/>
+              </a:spcBef>
+              <a:spcAft>
+                <a:spcPts val="0"/>
+              </a:spcAft>
+              <a:buNone/>
+            </a:pPr>
+            <a:r>
+              <a:rPr lang="en"/>
+              <a:t>03</a:t>
+            </a:r>
+            <a:endParaRPr/>
+          </a:p>
+        </p:txBody>
+      </p:sp>
+      <p:sp>
+        <p:nvSpPr>
+          <p:cNvPr id="291" name="Google Shape;291;p27"/>
+          <p:cNvSpPr txBox="1">
+            <a:spLocks noGrp="1"/>
+          </p:cNvSpPr>
+          <p:nvPr>
+            <p:ph type="title" idx="13"/>
+          </p:nvPr>
+        </p:nvSpPr>
+        <p:spPr>
+          <a:xfrm>
+            <a:off x="2100925" y="3934933"/>
+            <a:ext cx="4509300" cy="449700"/>
+          </a:xfrm>
+          <a:prstGeom prst="rect">
+            <a:avLst/>
+          </a:prstGeom>
+        </p:spPr>
+        <p:txBody>
+          <a:bodyPr spcFirstLastPara="1" wrap="square" lIns="91425" tIns="91425" rIns="91425" bIns="91425" anchor="b" anchorCtr="0">
+            <a:noAutofit/>
+          </a:bodyPr>
+          <a:lstStyle/>
+          <a:p>
+            <a:pPr marL="12700">
+              <a:lnSpc>
+                <a:spcPct val="100000"/>
+              </a:lnSpc>
+            </a:pPr>
+            <a:r>
+              <a:rPr lang="en-ID"/>
+              <a:t>METODE PENELITIAN</a:t>
+            </a:r>
+            <a:endParaRPr lang="en-ID" dirty="0"/>
+          </a:p>
+        </p:txBody>
+      </p:sp>
+      <p:sp>
+        <p:nvSpPr>
+          <p:cNvPr id="292" name="Google Shape;292;p27"/>
+          <p:cNvSpPr txBox="1">
+            <a:spLocks noGrp="1"/>
+          </p:cNvSpPr>
+          <p:nvPr>
+            <p:ph type="subTitle" idx="14"/>
+          </p:nvPr>
+        </p:nvSpPr>
+        <p:spPr>
+          <a:xfrm>
+            <a:off x="2100923" y="4247318"/>
+            <a:ext cx="6099041" cy="364800"/>
+          </a:xfrm>
+          <a:prstGeom prst="rect">
+            <a:avLst/>
+          </a:prstGeom>
+        </p:spPr>
+        <p:txBody>
+          <a:bodyPr spcFirstLastPara="1" wrap="square" lIns="91425" tIns="91425" rIns="91425" bIns="91425" anchor="t" anchorCtr="0">
+            <a:noAutofit/>
+          </a:bodyPr>
+          <a:lstStyle/>
+          <a:p>
+            <a:pPr marL="12700" marR="347345">
+              <a:lnSpc>
+                <a:spcPct val="100000"/>
+              </a:lnSpc>
+              <a:spcBef>
+                <a:spcPts val="550"/>
+              </a:spcBef>
+            </a:pPr>
+            <a:r>
+              <a:rPr lang="en-ID"/>
+              <a:t>Membahas tentang jadwal  penelitian serta langkah yang akan dilakukan.</a:t>
+            </a:r>
+            <a:endParaRPr lang="en-ID" dirty="0"/>
+          </a:p>
+        </p:txBody>
+      </p:sp>
+      <p:sp>
+        <p:nvSpPr>
+          <p:cNvPr id="293" name="Google Shape;293;p27"/>
+          <p:cNvSpPr txBox="1">
+            <a:spLocks noGrp="1"/>
+          </p:cNvSpPr>
+          <p:nvPr>
+            <p:ph type="title" idx="15"/>
+          </p:nvPr>
+        </p:nvSpPr>
+        <p:spPr>
+          <a:xfrm>
+            <a:off x="944035" y="3836318"/>
+            <a:ext cx="775800" cy="775800"/>
+          </a:xfrm>
+          <a:prstGeom prst="rect">
+            <a:avLst/>
+          </a:prstGeom>
+        </p:spPr>
+        <p:txBody>
+          <a:bodyPr spcFirstLastPara="1" wrap="square" lIns="91425" tIns="91425" rIns="91425" bIns="91425" anchor="ctr" anchorCtr="0">
+            <a:noAutofit/>
+          </a:bodyPr>
+          <a:lstStyle/>
+          <a:p>
+            <a:pPr marL="0" lvl="0" indent="0" algn="ctr" rtl="0">
+              <a:spcBef>
+                <a:spcPts val="0"/>
+              </a:spcBef>
+              <a:spcAft>
+                <a:spcPts val="0"/>
+              </a:spcAft>
+              <a:buNone/>
+            </a:pPr>
+            <a:r>
+              <a:rPr lang="en"/>
+              <a:t>04</a:t>
+            </a:r>
+            <a:endParaRPr/>
+          </a:p>
+        </p:txBody>
+      </p:sp>
+      <p:pic>
+        <p:nvPicPr>
+          <p:cNvPr id="2" name="object 27">
+            <a:extLst>
+              <a:ext uri="{FF2B5EF4-FFF2-40B4-BE49-F238E27FC236}">
+                <a16:creationId xmlns:a16="http://schemas.microsoft.com/office/drawing/2014/main" id="{37C3B772-F53B-21E1-C2B4-ACFB2BE0D9B2}"/>
+              </a:ext>
+            </a:extLst>
+          </p:cNvPr>
+          <p:cNvPicPr/>
+          <p:nvPr/>
+        </p:nvPicPr>
+        <p:blipFill>
+          <a:blip r:embed="rId3" cstate="print"/>
+          <a:stretch>
+            <a:fillRect/>
+          </a:stretch>
+        </p:blipFill>
+        <p:spPr>
+          <a:xfrm>
+            <a:off x="0" y="46946"/>
+            <a:ext cx="3129776" cy="661742"/>
+          </a:xfrm>
+          <a:prstGeom prst="rect">
+            <a:avLst/>
+          </a:prstGeom>
+        </p:spPr>
+      </p:pic>
+      <p:sp>
+        <p:nvSpPr>
+          <p:cNvPr id="3" name="Oval 2">
+            <a:extLst>
+              <a:ext uri="{FF2B5EF4-FFF2-40B4-BE49-F238E27FC236}">
+                <a16:creationId xmlns:a16="http://schemas.microsoft.com/office/drawing/2014/main" id="{97F3F373-D404-079D-4545-5B00B416243A}"/>
+              </a:ext>
+            </a:extLst>
+          </p:cNvPr>
+          <p:cNvSpPr/>
+          <p:nvPr/>
+        </p:nvSpPr>
+        <p:spPr>
+          <a:xfrm>
+            <a:off x="7567961" y="4177061"/>
+            <a:ext cx="1932878" cy="1932878"/>
+          </a:xfrm>
+          <a:prstGeom prst="ellipse">
+            <a:avLst/>
+          </a:prstGeom>
+          <a:solidFill>
+            <a:schemeClr val="tx2">
+              <a:lumMod val="50000"/>
+            </a:schemeClr>
+          </a:solidFill>
+          <a:ln>
+            <a:noFill/>
+          </a:ln>
+        </p:spPr>
+        <p:style>
+          <a:lnRef idx="2">
+            <a:schemeClr val="dk1">
+              <a:shade val="15000"/>
+            </a:schemeClr>
+          </a:lnRef>
+          <a:fillRef idx="1">
+            <a:schemeClr val="dk1"/>
+          </a:fillRef>
+          <a:effectRef idx="0">
+            <a:schemeClr val="dk1"/>
+          </a:effectRef>
+          <a:fontRef idx="minor">
+            <a:schemeClr val="lt1"/>
+          </a:fontRef>
+        </p:style>
+        <p:txBody>
+          <a:bodyPr rtlCol="0" anchor="ctr"/>
+          <a:lstStyle/>
+          <a:p>
+            <a:pPr algn="ctr"/>
+            <a:endParaRPr lang="en-ID"/>
+          </a:p>
+        </p:txBody>
+      </p:sp>
+      <p:sp>
+        <p:nvSpPr>
+          <p:cNvPr id="4" name="object 28">
+            <a:extLst>
+              <a:ext uri="{FF2B5EF4-FFF2-40B4-BE49-F238E27FC236}">
+                <a16:creationId xmlns:a16="http://schemas.microsoft.com/office/drawing/2014/main" id="{01501921-714F-5077-E7D9-B1099C36BDAD}"/>
+              </a:ext>
+            </a:extLst>
+          </p:cNvPr>
+          <p:cNvSpPr txBox="1"/>
+          <p:nvPr/>
+        </p:nvSpPr>
+        <p:spPr>
+          <a:xfrm>
+            <a:off x="4154853" y="80519"/>
+            <a:ext cx="4235450" cy="197490"/>
+          </a:xfrm>
+          <a:prstGeom prst="rect">
+            <a:avLst/>
+          </a:prstGeom>
+        </p:spPr>
+        <p:txBody>
+          <a:bodyPr vert="horz" wrap="square" lIns="0" tIns="12700" rIns="0" bIns="0" rtlCol="0">
+            <a:spAutoFit/>
+          </a:bodyPr>
+          <a:lstStyle/>
+          <a:p>
+            <a:pPr marL="12700" marR="347345" indent="-304800">
+              <a:spcBef>
+                <a:spcPts val="550"/>
+              </a:spcBef>
+              <a:buClr>
+                <a:schemeClr val="dk1"/>
+              </a:buClr>
+              <a:buSzPts val="1200"/>
+            </a:pPr>
+            <a:r>
+              <a:rPr lang="en-ID" sz="1200">
+                <a:solidFill>
+                  <a:schemeClr val="dk1"/>
+                </a:solidFill>
+                <a:latin typeface="Lexend"/>
+                <a:sym typeface="Lexend"/>
+              </a:rPr>
+              <a:t>Seminar Hasil Tesis | Selasa, 27 Agustus 2024</a:t>
+            </a:r>
+            <a:endParaRPr lang="en-ID" sz="1200" dirty="0">
+              <a:solidFill>
+                <a:schemeClr val="dk1"/>
+              </a:solidFill>
+              <a:latin typeface="Lexend"/>
+              <a:sym typeface="Lexend"/>
+            </a:endParaRPr>
+          </a:p>
+        </p:txBody>
+      </p:sp>
+    </p:spTree>
+  </p:cSld>
+  <p:clrMapOvr>
+    <a:masterClrMapping/>
+  </p:clrMapOvr>
+</p:sld>
+</file>
+
+<file path=ppt/slides/slide20.xml><?xml version="1.0" encoding="utf-8"?>
 <p:sld xmlns:a="http://schemas.openxmlformats.org/drawingml/2006/main" xmlns:r="http://schemas.openxmlformats.org/officeDocument/2006/relationships" xmlns:p="http://schemas.openxmlformats.org/presentationml/2006/main">
   <p:cSld>
     <p:spTree>
@@ -24831,761 +26448,7 @@
 </p:sld>
 </file>
 
-<file path=ppt/slides/slide2.xml><?xml version="1.0" encoding="utf-8"?>
-<p:sld xmlns:a="http://schemas.openxmlformats.org/drawingml/2006/main" xmlns:r="http://schemas.openxmlformats.org/officeDocument/2006/relationships" xmlns:p="http://schemas.openxmlformats.org/presentationml/2006/main">
-  <p:cSld>
-    <p:spTree>
-      <p:nvGrpSpPr>
-        <p:cNvPr id="1" name="Shape 279"/>
-        <p:cNvGrpSpPr/>
-        <p:nvPr/>
-      </p:nvGrpSpPr>
-      <p:grpSpPr>
-        <a:xfrm>
-          <a:off x="0" y="0"/>
-          <a:ext cx="0" cy="0"/>
-          <a:chOff x="0" y="0"/>
-          <a:chExt cx="0" cy="0"/>
-        </a:xfrm>
-      </p:grpSpPr>
-      <p:sp>
-        <p:nvSpPr>
-          <p:cNvPr id="280" name="Google Shape;280;p27"/>
-          <p:cNvSpPr/>
-          <p:nvPr/>
-        </p:nvSpPr>
-        <p:spPr>
-          <a:xfrm rot="5400000">
-            <a:off x="-1049000" y="3207350"/>
-            <a:ext cx="4761900" cy="786000"/>
-          </a:xfrm>
-          <a:prstGeom prst="roundRect">
-            <a:avLst>
-              <a:gd name="adj" fmla="val 50000"/>
-            </a:avLst>
-          </a:prstGeom>
-          <a:solidFill>
-            <a:srgbClr val="FFCC28"/>
-          </a:solidFill>
-          <a:ln>
-            <a:noFill/>
-          </a:ln>
-        </p:spPr>
-        <p:txBody>
-          <a:bodyPr spcFirstLastPara="1" wrap="square" lIns="91425" tIns="91425" rIns="91425" bIns="91425" anchor="ctr" anchorCtr="0">
-            <a:noAutofit/>
-          </a:bodyPr>
-          <a:lstStyle/>
-          <a:p>
-            <a:pPr marL="0" lvl="0" indent="0" algn="ctr" rtl="0">
-              <a:spcBef>
-                <a:spcPts val="0"/>
-              </a:spcBef>
-              <a:spcAft>
-                <a:spcPts val="0"/>
-              </a:spcAft>
-              <a:buNone/>
-            </a:pPr>
-            <a:endParaRPr>
-              <a:latin typeface="Open Sans"/>
-              <a:ea typeface="Open Sans"/>
-              <a:cs typeface="Open Sans"/>
-              <a:sym typeface="Open Sans"/>
-            </a:endParaRPr>
-          </a:p>
-        </p:txBody>
-      </p:sp>
-      <p:sp>
-        <p:nvSpPr>
-          <p:cNvPr id="281" name="Google Shape;281;p27"/>
-          <p:cNvSpPr txBox="1">
-            <a:spLocks noGrp="1"/>
-          </p:cNvSpPr>
-          <p:nvPr>
-            <p:ph type="title" idx="2"/>
-          </p:nvPr>
-        </p:nvSpPr>
-        <p:spPr>
-          <a:xfrm>
-            <a:off x="2100925" y="1444783"/>
-            <a:ext cx="4509300" cy="449700"/>
-          </a:xfrm>
-          <a:prstGeom prst="rect">
-            <a:avLst/>
-          </a:prstGeom>
-        </p:spPr>
-        <p:txBody>
-          <a:bodyPr spcFirstLastPara="1" wrap="square" lIns="91425" tIns="91425" rIns="91425" bIns="91425" anchor="b" anchorCtr="0">
-            <a:noAutofit/>
-          </a:bodyPr>
-          <a:lstStyle/>
-          <a:p>
-            <a:pPr marL="0" lvl="0" indent="0" algn="l" rtl="0">
-              <a:spcBef>
-                <a:spcPts val="0"/>
-              </a:spcBef>
-              <a:spcAft>
-                <a:spcPts val="0"/>
-              </a:spcAft>
-              <a:buNone/>
-            </a:pPr>
-            <a:r>
-              <a:rPr lang="en"/>
-              <a:t>PENDAHULUAN</a:t>
-            </a:r>
-            <a:endParaRPr/>
-          </a:p>
-        </p:txBody>
-      </p:sp>
-      <p:sp>
-        <p:nvSpPr>
-          <p:cNvPr id="282" name="Google Shape;282;p27"/>
-          <p:cNvSpPr txBox="1">
-            <a:spLocks noGrp="1"/>
-          </p:cNvSpPr>
-          <p:nvPr>
-            <p:ph type="subTitle" idx="1"/>
-          </p:nvPr>
-        </p:nvSpPr>
-        <p:spPr>
-          <a:xfrm>
-            <a:off x="2100925" y="1757168"/>
-            <a:ext cx="4509300" cy="364800"/>
-          </a:xfrm>
-          <a:prstGeom prst="rect">
-            <a:avLst/>
-          </a:prstGeom>
-        </p:spPr>
-        <p:txBody>
-          <a:bodyPr spcFirstLastPara="1" wrap="square" lIns="91425" tIns="91425" rIns="91425" bIns="91425" anchor="t" anchorCtr="0">
-            <a:noAutofit/>
-          </a:bodyPr>
-          <a:lstStyle/>
-          <a:p>
-            <a:pPr marL="12700" marR="5080">
-              <a:lnSpc>
-                <a:spcPct val="100000"/>
-              </a:lnSpc>
-              <a:spcBef>
-                <a:spcPts val="550"/>
-              </a:spcBef>
-            </a:pPr>
-            <a:r>
-              <a:rPr lang="en-ID"/>
-              <a:t>Membahas tentang latar belakang penelitian.</a:t>
-            </a:r>
-            <a:endParaRPr lang="en-ID" dirty="0"/>
-          </a:p>
-        </p:txBody>
-      </p:sp>
-      <p:sp>
-        <p:nvSpPr>
-          <p:cNvPr id="283" name="Google Shape;283;p27"/>
-          <p:cNvSpPr txBox="1">
-            <a:spLocks noGrp="1"/>
-          </p:cNvSpPr>
-          <p:nvPr>
-            <p:ph type="title"/>
-          </p:nvPr>
-        </p:nvSpPr>
-        <p:spPr>
-          <a:xfrm>
-            <a:off x="938950" y="644514"/>
-            <a:ext cx="7704000" cy="520636"/>
-          </a:xfrm>
-          <a:prstGeom prst="rect">
-            <a:avLst/>
-          </a:prstGeom>
-        </p:spPr>
-        <p:txBody>
-          <a:bodyPr spcFirstLastPara="1" wrap="square" lIns="91425" tIns="91425" rIns="91425" bIns="91425" anchor="t" anchorCtr="0">
-            <a:noAutofit/>
-          </a:bodyPr>
-          <a:lstStyle/>
-          <a:p>
-            <a:pPr marL="0" lvl="0" indent="0" algn="l" rtl="0">
-              <a:spcBef>
-                <a:spcPts val="0"/>
-              </a:spcBef>
-              <a:spcAft>
-                <a:spcPts val="0"/>
-              </a:spcAft>
-              <a:buNone/>
-            </a:pPr>
-            <a:r>
-              <a:rPr lang="en"/>
-              <a:t>PEMBAHASAN</a:t>
-            </a:r>
-            <a:endParaRPr/>
-          </a:p>
-        </p:txBody>
-      </p:sp>
-      <p:sp>
-        <p:nvSpPr>
-          <p:cNvPr id="284" name="Google Shape;284;p27"/>
-          <p:cNvSpPr txBox="1">
-            <a:spLocks noGrp="1"/>
-          </p:cNvSpPr>
-          <p:nvPr>
-            <p:ph type="title" idx="3"/>
-          </p:nvPr>
-        </p:nvSpPr>
-        <p:spPr>
-          <a:xfrm>
-            <a:off x="944035" y="1346168"/>
-            <a:ext cx="775800" cy="775800"/>
-          </a:xfrm>
-          <a:prstGeom prst="rect">
-            <a:avLst/>
-          </a:prstGeom>
-        </p:spPr>
-        <p:txBody>
-          <a:bodyPr spcFirstLastPara="1" wrap="square" lIns="91425" tIns="91425" rIns="91425" bIns="91425" anchor="ctr" anchorCtr="0">
-            <a:noAutofit/>
-          </a:bodyPr>
-          <a:lstStyle/>
-          <a:p>
-            <a:pPr marL="0" lvl="0" indent="0" algn="ctr" rtl="0">
-              <a:spcBef>
-                <a:spcPts val="0"/>
-              </a:spcBef>
-              <a:spcAft>
-                <a:spcPts val="0"/>
-              </a:spcAft>
-              <a:buNone/>
-            </a:pPr>
-            <a:r>
-              <a:rPr lang="en"/>
-              <a:t>01</a:t>
-            </a:r>
-            <a:endParaRPr/>
-          </a:p>
-        </p:txBody>
-      </p:sp>
-      <p:sp>
-        <p:nvSpPr>
-          <p:cNvPr id="285" name="Google Shape;285;p27"/>
-          <p:cNvSpPr txBox="1">
-            <a:spLocks noGrp="1"/>
-          </p:cNvSpPr>
-          <p:nvPr>
-            <p:ph type="title" idx="4"/>
-          </p:nvPr>
-        </p:nvSpPr>
-        <p:spPr>
-          <a:xfrm>
-            <a:off x="2100925" y="2274833"/>
-            <a:ext cx="4509300" cy="449700"/>
-          </a:xfrm>
-          <a:prstGeom prst="rect">
-            <a:avLst/>
-          </a:prstGeom>
-        </p:spPr>
-        <p:txBody>
-          <a:bodyPr spcFirstLastPara="1" wrap="square" lIns="91425" tIns="91425" rIns="91425" bIns="91425" anchor="b" anchorCtr="0">
-            <a:noAutofit/>
-          </a:bodyPr>
-          <a:lstStyle/>
-          <a:p>
-            <a:r>
-              <a:rPr lang="en-ID"/>
-              <a:t>PENELITIAN  TERKAIT</a:t>
-            </a:r>
-            <a:endParaRPr lang="en-ID" dirty="0"/>
-          </a:p>
-        </p:txBody>
-      </p:sp>
-      <p:sp>
-        <p:nvSpPr>
-          <p:cNvPr id="286" name="Google Shape;286;p27"/>
-          <p:cNvSpPr txBox="1">
-            <a:spLocks noGrp="1"/>
-          </p:cNvSpPr>
-          <p:nvPr>
-            <p:ph type="subTitle" idx="5"/>
-          </p:nvPr>
-        </p:nvSpPr>
-        <p:spPr>
-          <a:xfrm>
-            <a:off x="2100924" y="2587218"/>
-            <a:ext cx="5938175" cy="364800"/>
-          </a:xfrm>
-          <a:prstGeom prst="rect">
-            <a:avLst/>
-          </a:prstGeom>
-        </p:spPr>
-        <p:txBody>
-          <a:bodyPr spcFirstLastPara="1" wrap="square" lIns="91425" tIns="91425" rIns="91425" bIns="91425" anchor="t" anchorCtr="0">
-            <a:noAutofit/>
-          </a:bodyPr>
-          <a:lstStyle/>
-          <a:p>
-            <a:pPr marL="12700" marR="5080">
-              <a:lnSpc>
-                <a:spcPct val="100000"/>
-              </a:lnSpc>
-              <a:spcBef>
-                <a:spcPts val="550"/>
-              </a:spcBef>
-            </a:pPr>
-            <a:r>
-              <a:rPr lang="en-ID"/>
-              <a:t>Membahas tentang riset yang  sudah pernah dilakukan peneliti  sebelumnya</a:t>
-            </a:r>
-            <a:r>
-              <a:rPr lang="en-ID" sz="1200" spc="65">
-                <a:solidFill>
-                  <a:schemeClr val="tx1"/>
-                </a:solidFill>
-                <a:latin typeface="Gill Sans MT"/>
-                <a:cs typeface="Gill Sans MT"/>
-              </a:rPr>
-              <a:t>.</a:t>
-            </a:r>
-            <a:endParaRPr lang="en-ID" sz="1200" dirty="0">
-              <a:solidFill>
-                <a:schemeClr val="tx1"/>
-              </a:solidFill>
-              <a:latin typeface="Gill Sans MT"/>
-              <a:cs typeface="Gill Sans MT"/>
-            </a:endParaRPr>
-          </a:p>
-        </p:txBody>
-      </p:sp>
-      <p:sp>
-        <p:nvSpPr>
-          <p:cNvPr id="287" name="Google Shape;287;p27"/>
-          <p:cNvSpPr txBox="1">
-            <a:spLocks noGrp="1"/>
-          </p:cNvSpPr>
-          <p:nvPr>
-            <p:ph type="title" idx="6"/>
-          </p:nvPr>
-        </p:nvSpPr>
-        <p:spPr>
-          <a:xfrm>
-            <a:off x="944035" y="2176218"/>
-            <a:ext cx="775800" cy="775800"/>
-          </a:xfrm>
-          <a:prstGeom prst="rect">
-            <a:avLst/>
-          </a:prstGeom>
-        </p:spPr>
-        <p:txBody>
-          <a:bodyPr spcFirstLastPara="1" wrap="square" lIns="91425" tIns="91425" rIns="91425" bIns="91425" anchor="ctr" anchorCtr="0">
-            <a:noAutofit/>
-          </a:bodyPr>
-          <a:lstStyle/>
-          <a:p>
-            <a:pPr marL="0" lvl="0" indent="0" algn="ctr" rtl="0">
-              <a:spcBef>
-                <a:spcPts val="0"/>
-              </a:spcBef>
-              <a:spcAft>
-                <a:spcPts val="0"/>
-              </a:spcAft>
-              <a:buNone/>
-            </a:pPr>
-            <a:r>
-              <a:rPr lang="en"/>
-              <a:t>02</a:t>
-            </a:r>
-            <a:endParaRPr/>
-          </a:p>
-        </p:txBody>
-      </p:sp>
-      <p:sp>
-        <p:nvSpPr>
-          <p:cNvPr id="288" name="Google Shape;288;p27"/>
-          <p:cNvSpPr txBox="1">
-            <a:spLocks noGrp="1"/>
-          </p:cNvSpPr>
-          <p:nvPr>
-            <p:ph type="title" idx="7"/>
-          </p:nvPr>
-        </p:nvSpPr>
-        <p:spPr>
-          <a:xfrm>
-            <a:off x="2100925" y="3104883"/>
-            <a:ext cx="4509300" cy="449700"/>
-          </a:xfrm>
-          <a:prstGeom prst="rect">
-            <a:avLst/>
-          </a:prstGeom>
-        </p:spPr>
-        <p:txBody>
-          <a:bodyPr spcFirstLastPara="1" wrap="square" lIns="91425" tIns="91425" rIns="91425" bIns="91425" anchor="b" anchorCtr="0">
-            <a:noAutofit/>
-          </a:bodyPr>
-          <a:lstStyle/>
-          <a:p>
-            <a:pPr marL="12700">
-              <a:lnSpc>
-                <a:spcPct val="100000"/>
-              </a:lnSpc>
-              <a:spcBef>
-                <a:spcPts val="925"/>
-              </a:spcBef>
-            </a:pPr>
-            <a:r>
-              <a:rPr lang="en-US"/>
-              <a:t>TINJAUAN KEPUSTAKAAN</a:t>
-            </a:r>
-            <a:endParaRPr lang="en-US" dirty="0"/>
-          </a:p>
-        </p:txBody>
-      </p:sp>
-      <p:sp>
-        <p:nvSpPr>
-          <p:cNvPr id="289" name="Google Shape;289;p27"/>
-          <p:cNvSpPr txBox="1">
-            <a:spLocks noGrp="1"/>
-          </p:cNvSpPr>
-          <p:nvPr>
-            <p:ph type="subTitle" idx="8"/>
-          </p:nvPr>
-        </p:nvSpPr>
-        <p:spPr>
-          <a:xfrm>
-            <a:off x="2100925" y="3417268"/>
-            <a:ext cx="5467036" cy="364800"/>
-          </a:xfrm>
-          <a:prstGeom prst="rect">
-            <a:avLst/>
-          </a:prstGeom>
-        </p:spPr>
-        <p:txBody>
-          <a:bodyPr spcFirstLastPara="1" wrap="square" lIns="91425" tIns="91425" rIns="91425" bIns="91425" anchor="t" anchorCtr="0">
-            <a:noAutofit/>
-          </a:bodyPr>
-          <a:lstStyle/>
-          <a:p>
-            <a:pPr marL="12700" marR="339090">
-              <a:lnSpc>
-                <a:spcPct val="100000"/>
-              </a:lnSpc>
-              <a:spcBef>
-                <a:spcPts val="550"/>
-              </a:spcBef>
-            </a:pPr>
-            <a:r>
-              <a:rPr lang="en-ID"/>
-              <a:t>Membahas tentang landasan  teori berkaitan dengan  penelitian.</a:t>
-            </a:r>
-            <a:endParaRPr lang="en-ID" dirty="0"/>
-          </a:p>
-        </p:txBody>
-      </p:sp>
-      <p:sp>
-        <p:nvSpPr>
-          <p:cNvPr id="290" name="Google Shape;290;p27"/>
-          <p:cNvSpPr txBox="1">
-            <a:spLocks noGrp="1"/>
-          </p:cNvSpPr>
-          <p:nvPr>
-            <p:ph type="title" idx="9"/>
-          </p:nvPr>
-        </p:nvSpPr>
-        <p:spPr>
-          <a:xfrm>
-            <a:off x="944035" y="3006268"/>
-            <a:ext cx="775800" cy="775800"/>
-          </a:xfrm>
-          <a:prstGeom prst="rect">
-            <a:avLst/>
-          </a:prstGeom>
-        </p:spPr>
-        <p:txBody>
-          <a:bodyPr spcFirstLastPara="1" wrap="square" lIns="91425" tIns="91425" rIns="91425" bIns="91425" anchor="ctr" anchorCtr="0">
-            <a:noAutofit/>
-          </a:bodyPr>
-          <a:lstStyle/>
-          <a:p>
-            <a:pPr marL="0" lvl="0" indent="0" algn="ctr" rtl="0">
-              <a:spcBef>
-                <a:spcPts val="0"/>
-              </a:spcBef>
-              <a:spcAft>
-                <a:spcPts val="0"/>
-              </a:spcAft>
-              <a:buNone/>
-            </a:pPr>
-            <a:r>
-              <a:rPr lang="en"/>
-              <a:t>03</a:t>
-            </a:r>
-            <a:endParaRPr/>
-          </a:p>
-        </p:txBody>
-      </p:sp>
-      <p:sp>
-        <p:nvSpPr>
-          <p:cNvPr id="291" name="Google Shape;291;p27"/>
-          <p:cNvSpPr txBox="1">
-            <a:spLocks noGrp="1"/>
-          </p:cNvSpPr>
-          <p:nvPr>
-            <p:ph type="title" idx="13"/>
-          </p:nvPr>
-        </p:nvSpPr>
-        <p:spPr>
-          <a:xfrm>
-            <a:off x="2100925" y="3934933"/>
-            <a:ext cx="4509300" cy="449700"/>
-          </a:xfrm>
-          <a:prstGeom prst="rect">
-            <a:avLst/>
-          </a:prstGeom>
-        </p:spPr>
-        <p:txBody>
-          <a:bodyPr spcFirstLastPara="1" wrap="square" lIns="91425" tIns="91425" rIns="91425" bIns="91425" anchor="b" anchorCtr="0">
-            <a:noAutofit/>
-          </a:bodyPr>
-          <a:lstStyle/>
-          <a:p>
-            <a:pPr marL="12700">
-              <a:lnSpc>
-                <a:spcPct val="100000"/>
-              </a:lnSpc>
-            </a:pPr>
-            <a:r>
-              <a:rPr lang="en-ID"/>
-              <a:t>METODE PENELITIAN</a:t>
-            </a:r>
-            <a:endParaRPr lang="en-ID" dirty="0"/>
-          </a:p>
-        </p:txBody>
-      </p:sp>
-      <p:sp>
-        <p:nvSpPr>
-          <p:cNvPr id="292" name="Google Shape;292;p27"/>
-          <p:cNvSpPr txBox="1">
-            <a:spLocks noGrp="1"/>
-          </p:cNvSpPr>
-          <p:nvPr>
-            <p:ph type="subTitle" idx="14"/>
-          </p:nvPr>
-        </p:nvSpPr>
-        <p:spPr>
-          <a:xfrm>
-            <a:off x="2100923" y="4247318"/>
-            <a:ext cx="6099041" cy="364800"/>
-          </a:xfrm>
-          <a:prstGeom prst="rect">
-            <a:avLst/>
-          </a:prstGeom>
-        </p:spPr>
-        <p:txBody>
-          <a:bodyPr spcFirstLastPara="1" wrap="square" lIns="91425" tIns="91425" rIns="91425" bIns="91425" anchor="t" anchorCtr="0">
-            <a:noAutofit/>
-          </a:bodyPr>
-          <a:lstStyle/>
-          <a:p>
-            <a:pPr marL="12700" marR="347345">
-              <a:lnSpc>
-                <a:spcPct val="100000"/>
-              </a:lnSpc>
-              <a:spcBef>
-                <a:spcPts val="550"/>
-              </a:spcBef>
-            </a:pPr>
-            <a:r>
-              <a:rPr lang="en-ID"/>
-              <a:t>Membahas tentang jadwal  penelitian serta langkah yang akan dilakukan.</a:t>
-            </a:r>
-            <a:endParaRPr lang="en-ID" dirty="0"/>
-          </a:p>
-        </p:txBody>
-      </p:sp>
-      <p:sp>
-        <p:nvSpPr>
-          <p:cNvPr id="293" name="Google Shape;293;p27"/>
-          <p:cNvSpPr txBox="1">
-            <a:spLocks noGrp="1"/>
-          </p:cNvSpPr>
-          <p:nvPr>
-            <p:ph type="title" idx="15"/>
-          </p:nvPr>
-        </p:nvSpPr>
-        <p:spPr>
-          <a:xfrm>
-            <a:off x="944035" y="3836318"/>
-            <a:ext cx="775800" cy="775800"/>
-          </a:xfrm>
-          <a:prstGeom prst="rect">
-            <a:avLst/>
-          </a:prstGeom>
-        </p:spPr>
-        <p:txBody>
-          <a:bodyPr spcFirstLastPara="1" wrap="square" lIns="91425" tIns="91425" rIns="91425" bIns="91425" anchor="ctr" anchorCtr="0">
-            <a:noAutofit/>
-          </a:bodyPr>
-          <a:lstStyle/>
-          <a:p>
-            <a:pPr marL="0" lvl="0" indent="0" algn="ctr" rtl="0">
-              <a:spcBef>
-                <a:spcPts val="0"/>
-              </a:spcBef>
-              <a:spcAft>
-                <a:spcPts val="0"/>
-              </a:spcAft>
-              <a:buNone/>
-            </a:pPr>
-            <a:r>
-              <a:rPr lang="en"/>
-              <a:t>04</a:t>
-            </a:r>
-            <a:endParaRPr/>
-          </a:p>
-        </p:txBody>
-      </p:sp>
-      <p:pic>
-        <p:nvPicPr>
-          <p:cNvPr id="2" name="object 27">
-            <a:extLst>
-              <a:ext uri="{FF2B5EF4-FFF2-40B4-BE49-F238E27FC236}">
-                <a16:creationId xmlns:a16="http://schemas.microsoft.com/office/drawing/2014/main" id="{37C3B772-F53B-21E1-C2B4-ACFB2BE0D9B2}"/>
-              </a:ext>
-            </a:extLst>
-          </p:cNvPr>
-          <p:cNvPicPr/>
-          <p:nvPr/>
-        </p:nvPicPr>
-        <p:blipFill>
-          <a:blip r:embed="rId3" cstate="print"/>
-          <a:stretch>
-            <a:fillRect/>
-          </a:stretch>
-        </p:blipFill>
-        <p:spPr>
-          <a:xfrm>
-            <a:off x="0" y="46946"/>
-            <a:ext cx="3129776" cy="661742"/>
-          </a:xfrm>
-          <a:prstGeom prst="rect">
-            <a:avLst/>
-          </a:prstGeom>
-        </p:spPr>
-      </p:pic>
-      <p:sp>
-        <p:nvSpPr>
-          <p:cNvPr id="3" name="Oval 2">
-            <a:extLst>
-              <a:ext uri="{FF2B5EF4-FFF2-40B4-BE49-F238E27FC236}">
-                <a16:creationId xmlns:a16="http://schemas.microsoft.com/office/drawing/2014/main" id="{97F3F373-D404-079D-4545-5B00B416243A}"/>
-              </a:ext>
-            </a:extLst>
-          </p:cNvPr>
-          <p:cNvSpPr/>
-          <p:nvPr/>
-        </p:nvSpPr>
-        <p:spPr>
-          <a:xfrm>
-            <a:off x="7567961" y="4177061"/>
-            <a:ext cx="1932878" cy="1932878"/>
-          </a:xfrm>
-          <a:prstGeom prst="ellipse">
-            <a:avLst/>
-          </a:prstGeom>
-          <a:solidFill>
-            <a:schemeClr val="tx2">
-              <a:lumMod val="50000"/>
-            </a:schemeClr>
-          </a:solidFill>
-          <a:ln>
-            <a:noFill/>
-          </a:ln>
-        </p:spPr>
-        <p:style>
-          <a:lnRef idx="2">
-            <a:schemeClr val="dk1">
-              <a:shade val="15000"/>
-            </a:schemeClr>
-          </a:lnRef>
-          <a:fillRef idx="1">
-            <a:schemeClr val="dk1"/>
-          </a:fillRef>
-          <a:effectRef idx="0">
-            <a:schemeClr val="dk1"/>
-          </a:effectRef>
-          <a:fontRef idx="minor">
-            <a:schemeClr val="lt1"/>
-          </a:fontRef>
-        </p:style>
-        <p:txBody>
-          <a:bodyPr rtlCol="0" anchor="ctr"/>
-          <a:lstStyle/>
-          <a:p>
-            <a:pPr algn="ctr"/>
-            <a:endParaRPr lang="en-ID"/>
-          </a:p>
-        </p:txBody>
-      </p:sp>
-      <p:sp>
-        <p:nvSpPr>
-          <p:cNvPr id="4" name="object 28">
-            <a:extLst>
-              <a:ext uri="{FF2B5EF4-FFF2-40B4-BE49-F238E27FC236}">
-                <a16:creationId xmlns:a16="http://schemas.microsoft.com/office/drawing/2014/main" id="{01501921-714F-5077-E7D9-B1099C36BDAD}"/>
-              </a:ext>
-            </a:extLst>
-          </p:cNvPr>
-          <p:cNvSpPr txBox="1"/>
-          <p:nvPr/>
-        </p:nvSpPr>
-        <p:spPr>
-          <a:xfrm>
-            <a:off x="4154853" y="80519"/>
-            <a:ext cx="4235450" cy="197490"/>
-          </a:xfrm>
-          <a:prstGeom prst="rect">
-            <a:avLst/>
-          </a:prstGeom>
-        </p:spPr>
-        <p:txBody>
-          <a:bodyPr vert="horz" wrap="square" lIns="0" tIns="12700" rIns="0" bIns="0" rtlCol="0">
-            <a:spAutoFit/>
-          </a:bodyPr>
-          <a:lstStyle/>
-          <a:p>
-            <a:pPr marL="12700" marR="347345" indent="-304800">
-              <a:spcBef>
-                <a:spcPts val="550"/>
-              </a:spcBef>
-              <a:buClr>
-                <a:schemeClr val="dk1"/>
-              </a:buClr>
-              <a:buSzPts val="1200"/>
-            </a:pPr>
-            <a:r>
-              <a:rPr lang="en-ID" sz="1200">
-                <a:solidFill>
-                  <a:schemeClr val="dk1"/>
-                </a:solidFill>
-                <a:latin typeface="Lexend"/>
-                <a:sym typeface="Lexend"/>
-              </a:rPr>
-              <a:t>Seminar Hasil Tesis | Selasa, 27 Agustus 2024</a:t>
-            </a:r>
-            <a:endParaRPr lang="en-ID" sz="1200" dirty="0">
-              <a:solidFill>
-                <a:schemeClr val="dk1"/>
-              </a:solidFill>
-              <a:latin typeface="Lexend"/>
-              <a:sym typeface="Lexend"/>
-            </a:endParaRPr>
-          </a:p>
-        </p:txBody>
-      </p:sp>
-    </p:spTree>
-  </p:cSld>
-  <p:clrMapOvr>
-    <a:masterClrMapping/>
-  </p:clrMapOvr>
-</p:sld>
-</file>
-
-<file path=ppt/slides/slide20.xml><?xml version="1.0" encoding="utf-8"?>
+<file path=ppt/slides/slide21.xml><?xml version="1.0" encoding="utf-8"?>
 <p:sld xmlns:a="http://schemas.openxmlformats.org/drawingml/2006/main" xmlns:r="http://schemas.openxmlformats.org/officeDocument/2006/relationships" xmlns:p="http://schemas.openxmlformats.org/presentationml/2006/main">
   <p:cSld>
     <p:spTree>
@@ -26773,7 +27636,7 @@
 </p:sld>
 </file>
 
-<file path=ppt/slides/slide21.xml><?xml version="1.0" encoding="utf-8"?>
+<file path=ppt/slides/slide22.xml><?xml version="1.0" encoding="utf-8"?>
 <p:sld xmlns:a="http://schemas.openxmlformats.org/drawingml/2006/main" xmlns:r="http://schemas.openxmlformats.org/officeDocument/2006/relationships" xmlns:p="http://schemas.openxmlformats.org/presentationml/2006/main">
   <p:cSld>
     <p:spTree>
@@ -28838,7 +29701,7 @@
 </p:sld>
 </file>
 
-<file path=ppt/slides/slide22.xml><?xml version="1.0" encoding="utf-8"?>
+<file path=ppt/slides/slide23.xml><?xml version="1.0" encoding="utf-8"?>
 <p:sld xmlns:a="http://schemas.openxmlformats.org/drawingml/2006/main" xmlns:r="http://schemas.openxmlformats.org/officeDocument/2006/relationships" xmlns:p="http://schemas.openxmlformats.org/presentationml/2006/main">
   <p:cSld>
     <p:spTree>
@@ -29324,7 +30187,7 @@
 </p:sld>
 </file>
 
-<file path=ppt/slides/slide23.xml><?xml version="1.0" encoding="utf-8"?>
+<file path=ppt/slides/slide24.xml><?xml version="1.0" encoding="utf-8"?>
 <p:sld xmlns:a="http://schemas.openxmlformats.org/drawingml/2006/main" xmlns:r="http://schemas.openxmlformats.org/officeDocument/2006/relationships" xmlns:p="http://schemas.openxmlformats.org/presentationml/2006/main">
   <p:cSld>
     <p:spTree>
@@ -29810,7 +30673,7 @@
 </p:sld>
 </file>
 
-<file path=ppt/slides/slide24.xml><?xml version="1.0" encoding="utf-8"?>
+<file path=ppt/slides/slide25.xml><?xml version="1.0" encoding="utf-8"?>
 <p:sld xmlns:a="http://schemas.openxmlformats.org/drawingml/2006/main" xmlns:r="http://schemas.openxmlformats.org/officeDocument/2006/relationships" xmlns:p="http://schemas.openxmlformats.org/presentationml/2006/main">
   <p:cSld>
     <p:spTree>
@@ -30296,7 +31159,7 @@
 </p:sld>
 </file>
 
-<file path=ppt/slides/slide25.xml><?xml version="1.0" encoding="utf-8"?>
+<file path=ppt/slides/slide26.xml><?xml version="1.0" encoding="utf-8"?>
 <p:sld xmlns:a="http://schemas.openxmlformats.org/drawingml/2006/main" xmlns:r="http://schemas.openxmlformats.org/officeDocument/2006/relationships" xmlns:p="http://schemas.openxmlformats.org/presentationml/2006/main">
   <p:cSld>
     <p:spTree>
@@ -31731,7 +32594,7 @@
 </p:sld>
 </file>
 
-<file path=ppt/slides/slide26.xml><?xml version="1.0" encoding="utf-8"?>
+<file path=ppt/slides/slide27.xml><?xml version="1.0" encoding="utf-8"?>
 <p:sld xmlns:a="http://schemas.openxmlformats.org/drawingml/2006/main" xmlns:r="http://schemas.openxmlformats.org/officeDocument/2006/relationships" xmlns:p="http://schemas.openxmlformats.org/presentationml/2006/main">
   <p:cSld>
     <p:spTree>
@@ -32399,8 +33262,8 @@
           </a:p>
         </p:txBody>
       </p:sp>
-      <mc:AlternateContent xmlns:mc="http://schemas.openxmlformats.org/markup-compatibility/2006" xmlns:a14="http://schemas.microsoft.com/office/drawing/2010/main">
-        <mc:Choice Requires="a14">
+      <mc:AlternateContent xmlns:mc="http://schemas.openxmlformats.org/markup-compatibility/2006">
+        <mc:Choice xmlns:a14="http://schemas.microsoft.com/office/drawing/2010/main" Requires="a14">
           <p:graphicFrame>
             <p:nvGraphicFramePr>
               <p:cNvPr id="20" name="Table 19">
@@ -32413,7 +33276,13 @@
               <p:cNvGraphicFramePr>
                 <a:graphicFrameLocks noGrp="1"/>
               </p:cNvGraphicFramePr>
-              <p:nvPr/>
+              <p:nvPr>
+                <p:extLst>
+                  <p:ext uri="{D42A27DB-BD31-4B8C-83A1-F6EECF244321}">
+                    <p14:modId xmlns:p14="http://schemas.microsoft.com/office/powerpoint/2010/main" val="701270835"/>
+                  </p:ext>
+                </p:extLst>
+              </p:nvPr>
             </p:nvGraphicFramePr>
             <p:xfrm>
               <a:off x="1989245" y="2124635"/>
@@ -32455,18 +33324,18 @@
                               </m:oMathParaPr>
                               <m:oMath xmlns:m="http://schemas.openxmlformats.org/officeDocument/2006/math">
                                 <m:r>
-                                  <a:rPr lang="en-US" sz="1200">
+                                  <a:rPr lang="en-US" sz="1200" smtClean="0">
                                     <a:effectLst/>
                                     <a:latin typeface="Cambria Math" panose="02040503050406030204" pitchFamily="18" charset="0"/>
                                   </a:rPr>
                                   <m:t>𝑅𝑜𝑢𝑔𝑒</m:t>
                                 </m:r>
                                 <m:r>
-                                  <a:rPr lang="en-US" sz="1200">
+                                  <a:rPr lang="en-US" sz="1200" smtClean="0">
                                     <a:effectLst/>
                                     <a:latin typeface="Cambria Math" panose="02040503050406030204" pitchFamily="18" charset="0"/>
                                   </a:rPr>
-                                  <m:t>−1 (</m:t>
+                                  <m:t>−2 (</m:t>
                                 </m:r>
                                 <m:r>
                                   <a:rPr lang="en-US" sz="1200">
@@ -32620,18 +33489,18 @@
                               </m:oMathParaPr>
                               <m:oMath xmlns:m="http://schemas.openxmlformats.org/officeDocument/2006/math">
                                 <m:r>
-                                  <a:rPr lang="en-US" sz="1200">
+                                  <a:rPr lang="en-US" sz="1200" smtClean="0">
                                     <a:effectLst/>
                                     <a:latin typeface="Cambria Math" panose="02040503050406030204" pitchFamily="18" charset="0"/>
                                   </a:rPr>
                                   <m:t>𝑅𝑜𝑢𝑔𝑒</m:t>
                                 </m:r>
                                 <m:r>
-                                  <a:rPr lang="en-US" sz="1200">
+                                  <a:rPr lang="en-US" sz="1200" smtClean="0">
                                     <a:effectLst/>
                                     <a:latin typeface="Cambria Math" panose="02040503050406030204" pitchFamily="18" charset="0"/>
                                   </a:rPr>
-                                  <m:t>−1 (</m:t>
+                                  <m:t>−2 (</m:t>
                                 </m:r>
                                 <m:r>
                                   <a:rPr lang="en-US" sz="1200">
@@ -32785,18 +33654,18 @@
                               </m:oMathParaPr>
                               <m:oMath xmlns:m="http://schemas.openxmlformats.org/officeDocument/2006/math">
                                 <m:r>
-                                  <a:rPr lang="en-US" sz="1200">
+                                  <a:rPr lang="en-US" sz="1200" smtClean="0">
                                     <a:effectLst/>
                                     <a:latin typeface="Cambria Math" panose="02040503050406030204" pitchFamily="18" charset="0"/>
                                   </a:rPr>
                                   <m:t>𝑅𝑜𝑢𝑔𝑒</m:t>
                                 </m:r>
                                 <m:r>
-                                  <a:rPr lang="en-US" sz="1200">
+                                  <a:rPr lang="en-US" sz="1200" smtClean="0">
                                     <a:effectLst/>
                                     <a:latin typeface="Cambria Math" panose="02040503050406030204" pitchFamily="18" charset="0"/>
                                   </a:rPr>
-                                  <m:t>−1 </m:t>
+                                  <m:t>−2 </m:t>
                                 </m:r>
                                 <m:d>
                                   <m:dPr>
@@ -32947,7 +33816,7 @@
             </a:graphic>
           </p:graphicFrame>
         </mc:Choice>
-        <mc:Fallback xmlns="">
+        <mc:Fallback>
           <p:graphicFrame>
             <p:nvGraphicFramePr>
               <p:cNvPr id="20" name="Table 19">
@@ -32960,7 +33829,13 @@
               <p:cNvGraphicFramePr>
                 <a:graphicFrameLocks noGrp="1"/>
               </p:cNvGraphicFramePr>
-              <p:nvPr/>
+              <p:nvPr>
+                <p:extLst>
+                  <p:ext uri="{D42A27DB-BD31-4B8C-83A1-F6EECF244321}">
+                    <p14:modId xmlns:p14="http://schemas.microsoft.com/office/powerpoint/2010/main" val="701270835"/>
+                  </p:ext>
+                </p:extLst>
+              </p:nvPr>
             </p:nvGraphicFramePr>
             <p:xfrm>
               <a:off x="1989245" y="2124635"/>
@@ -33154,7 +34029,7 @@
 </p:sld>
 </file>
 
-<file path=ppt/slides/slide27.xml><?xml version="1.0" encoding="utf-8"?>
+<file path=ppt/slides/slide28.xml><?xml version="1.0" encoding="utf-8"?>
 <p:sld xmlns:a="http://schemas.openxmlformats.org/drawingml/2006/main" xmlns:r="http://schemas.openxmlformats.org/officeDocument/2006/relationships" xmlns:p="http://schemas.openxmlformats.org/presentationml/2006/main">
   <p:cSld>
     <p:spTree>
@@ -34671,7 +35546,7 @@
 </p:sld>
 </file>
 
-<file path=ppt/slides/slide28.xml><?xml version="1.0" encoding="utf-8"?>
+<file path=ppt/slides/slide29.xml><?xml version="1.0" encoding="utf-8"?>
 <p:sld xmlns:a="http://schemas.openxmlformats.org/drawingml/2006/main" xmlns:r="http://schemas.openxmlformats.org/officeDocument/2006/relationships" xmlns:p="http://schemas.openxmlformats.org/presentationml/2006/main">
   <p:cSld>
     <p:spTree>
@@ -36216,7 +37091,575 @@
 </p:sld>
 </file>
 
-<file path=ppt/slides/slide29.xml><?xml version="1.0" encoding="utf-8"?>
+<file path=ppt/slides/slide3.xml><?xml version="1.0" encoding="utf-8"?>
+<p:sld xmlns:a="http://schemas.openxmlformats.org/drawingml/2006/main" xmlns:r="http://schemas.openxmlformats.org/officeDocument/2006/relationships" xmlns:p="http://schemas.openxmlformats.org/presentationml/2006/main">
+  <p:cSld>
+    <p:spTree>
+      <p:nvGrpSpPr>
+        <p:cNvPr id="1" name="Shape 279">
+          <a:extLst>
+            <a:ext uri="{FF2B5EF4-FFF2-40B4-BE49-F238E27FC236}">
+              <a16:creationId xmlns:a16="http://schemas.microsoft.com/office/drawing/2014/main" id="{1E88C78F-368C-9A4D-F357-822C86C79C1D}"/>
+            </a:ext>
+          </a:extLst>
+        </p:cNvPr>
+        <p:cNvGrpSpPr/>
+        <p:nvPr/>
+      </p:nvGrpSpPr>
+      <p:grpSpPr>
+        <a:xfrm>
+          <a:off x="0" y="0"/>
+          <a:ext cx="0" cy="0"/>
+          <a:chOff x="0" y="0"/>
+          <a:chExt cx="0" cy="0"/>
+        </a:xfrm>
+      </p:grpSpPr>
+      <p:sp>
+        <p:nvSpPr>
+          <p:cNvPr id="280" name="Google Shape;280;p27">
+            <a:extLst>
+              <a:ext uri="{FF2B5EF4-FFF2-40B4-BE49-F238E27FC236}">
+                <a16:creationId xmlns:a16="http://schemas.microsoft.com/office/drawing/2014/main" id="{94955852-6787-28F5-6A69-82BF5CB754E2}"/>
+              </a:ext>
+            </a:extLst>
+          </p:cNvPr>
+          <p:cNvSpPr/>
+          <p:nvPr/>
+        </p:nvSpPr>
+        <p:spPr>
+          <a:xfrm rot="5400000">
+            <a:off x="-1049000" y="3207350"/>
+            <a:ext cx="4761900" cy="786000"/>
+          </a:xfrm>
+          <a:prstGeom prst="roundRect">
+            <a:avLst>
+              <a:gd name="adj" fmla="val 50000"/>
+            </a:avLst>
+          </a:prstGeom>
+          <a:solidFill>
+            <a:srgbClr val="FFCC28"/>
+          </a:solidFill>
+          <a:ln>
+            <a:noFill/>
+          </a:ln>
+        </p:spPr>
+        <p:txBody>
+          <a:bodyPr spcFirstLastPara="1" wrap="square" lIns="91425" tIns="91425" rIns="91425" bIns="91425" anchor="ctr" anchorCtr="0">
+            <a:noAutofit/>
+          </a:bodyPr>
+          <a:lstStyle/>
+          <a:p>
+            <a:pPr marL="0" lvl="0" indent="0" algn="ctr" rtl="0">
+              <a:spcBef>
+                <a:spcPts val="0"/>
+              </a:spcBef>
+              <a:spcAft>
+                <a:spcPts val="0"/>
+              </a:spcAft>
+              <a:buNone/>
+            </a:pPr>
+            <a:endParaRPr>
+              <a:latin typeface="Open Sans"/>
+              <a:ea typeface="Open Sans"/>
+              <a:cs typeface="Open Sans"/>
+              <a:sym typeface="Open Sans"/>
+            </a:endParaRPr>
+          </a:p>
+        </p:txBody>
+      </p:sp>
+      <p:sp>
+        <p:nvSpPr>
+          <p:cNvPr id="281" name="Google Shape;281;p27">
+            <a:extLst>
+              <a:ext uri="{FF2B5EF4-FFF2-40B4-BE49-F238E27FC236}">
+                <a16:creationId xmlns:a16="http://schemas.microsoft.com/office/drawing/2014/main" id="{2C42E0EE-1E1C-31EC-B1ED-549EBA485A2E}"/>
+              </a:ext>
+            </a:extLst>
+          </p:cNvPr>
+          <p:cNvSpPr txBox="1">
+            <a:spLocks noGrp="1"/>
+          </p:cNvSpPr>
+          <p:nvPr>
+            <p:ph type="title" idx="2"/>
+          </p:nvPr>
+        </p:nvSpPr>
+        <p:spPr>
+          <a:xfrm>
+            <a:off x="2100925" y="1444783"/>
+            <a:ext cx="4509300" cy="449700"/>
+          </a:xfrm>
+          <a:prstGeom prst="rect">
+            <a:avLst/>
+          </a:prstGeom>
+        </p:spPr>
+        <p:txBody>
+          <a:bodyPr spcFirstLastPara="1" wrap="square" lIns="91425" tIns="91425" rIns="91425" bIns="91425" anchor="b" anchorCtr="0">
+            <a:noAutofit/>
+          </a:bodyPr>
+          <a:lstStyle/>
+          <a:p>
+            <a:pPr marL="0" lvl="0" indent="0" algn="l" rtl="0">
+              <a:spcBef>
+                <a:spcPts val="0"/>
+              </a:spcBef>
+              <a:spcAft>
+                <a:spcPts val="0"/>
+              </a:spcAft>
+              <a:buNone/>
+            </a:pPr>
+            <a:r>
+              <a:rPr lang="en"/>
+              <a:t>HASIL DAN PEMBAHASAN</a:t>
+            </a:r>
+            <a:endParaRPr/>
+          </a:p>
+        </p:txBody>
+      </p:sp>
+      <p:sp>
+        <p:nvSpPr>
+          <p:cNvPr id="282" name="Google Shape;282;p27">
+            <a:extLst>
+              <a:ext uri="{FF2B5EF4-FFF2-40B4-BE49-F238E27FC236}">
+                <a16:creationId xmlns:a16="http://schemas.microsoft.com/office/drawing/2014/main" id="{47A6854E-F05B-B09D-E01A-285494770185}"/>
+              </a:ext>
+            </a:extLst>
+          </p:cNvPr>
+          <p:cNvSpPr txBox="1">
+            <a:spLocks noGrp="1"/>
+          </p:cNvSpPr>
+          <p:nvPr>
+            <p:ph type="subTitle" idx="1"/>
+          </p:nvPr>
+        </p:nvSpPr>
+        <p:spPr>
+          <a:xfrm>
+            <a:off x="2100925" y="1757168"/>
+            <a:ext cx="4509300" cy="364800"/>
+          </a:xfrm>
+          <a:prstGeom prst="rect">
+            <a:avLst/>
+          </a:prstGeom>
+        </p:spPr>
+        <p:txBody>
+          <a:bodyPr spcFirstLastPara="1" wrap="square" lIns="91425" tIns="91425" rIns="91425" bIns="91425" anchor="t" anchorCtr="0">
+            <a:noAutofit/>
+          </a:bodyPr>
+          <a:lstStyle/>
+          <a:p>
+            <a:pPr marL="12700" marR="5080">
+              <a:lnSpc>
+                <a:spcPct val="100000"/>
+              </a:lnSpc>
+              <a:spcBef>
+                <a:spcPts val="550"/>
+              </a:spcBef>
+            </a:pPr>
+            <a:r>
+              <a:rPr lang="en-ID"/>
+              <a:t>Membahas hasil penelitian.</a:t>
+            </a:r>
+            <a:endParaRPr lang="en-ID" dirty="0"/>
+          </a:p>
+        </p:txBody>
+      </p:sp>
+      <p:sp>
+        <p:nvSpPr>
+          <p:cNvPr id="283" name="Google Shape;283;p27">
+            <a:extLst>
+              <a:ext uri="{FF2B5EF4-FFF2-40B4-BE49-F238E27FC236}">
+                <a16:creationId xmlns:a16="http://schemas.microsoft.com/office/drawing/2014/main" id="{59D3664A-BED2-41D4-4C84-73CDDC8BD2D8}"/>
+              </a:ext>
+            </a:extLst>
+          </p:cNvPr>
+          <p:cNvSpPr txBox="1">
+            <a:spLocks noGrp="1"/>
+          </p:cNvSpPr>
+          <p:nvPr>
+            <p:ph type="title"/>
+          </p:nvPr>
+        </p:nvSpPr>
+        <p:spPr>
+          <a:xfrm>
+            <a:off x="938950" y="644514"/>
+            <a:ext cx="7704000" cy="520636"/>
+          </a:xfrm>
+          <a:prstGeom prst="rect">
+            <a:avLst/>
+          </a:prstGeom>
+        </p:spPr>
+        <p:txBody>
+          <a:bodyPr spcFirstLastPara="1" wrap="square" lIns="91425" tIns="91425" rIns="91425" bIns="91425" anchor="t" anchorCtr="0">
+            <a:noAutofit/>
+          </a:bodyPr>
+          <a:lstStyle/>
+          <a:p>
+            <a:pPr marL="0" lvl="0" indent="0" algn="l" rtl="0">
+              <a:spcBef>
+                <a:spcPts val="0"/>
+              </a:spcBef>
+              <a:spcAft>
+                <a:spcPts val="0"/>
+              </a:spcAft>
+              <a:buNone/>
+            </a:pPr>
+            <a:r>
+              <a:rPr lang="en"/>
+              <a:t>PEMBAHASAN</a:t>
+            </a:r>
+            <a:endParaRPr/>
+          </a:p>
+        </p:txBody>
+      </p:sp>
+      <p:sp>
+        <p:nvSpPr>
+          <p:cNvPr id="284" name="Google Shape;284;p27">
+            <a:extLst>
+              <a:ext uri="{FF2B5EF4-FFF2-40B4-BE49-F238E27FC236}">
+                <a16:creationId xmlns:a16="http://schemas.microsoft.com/office/drawing/2014/main" id="{1F281975-6555-4242-C33D-CA3CED401E6A}"/>
+              </a:ext>
+            </a:extLst>
+          </p:cNvPr>
+          <p:cNvSpPr txBox="1">
+            <a:spLocks noGrp="1"/>
+          </p:cNvSpPr>
+          <p:nvPr>
+            <p:ph type="title" idx="3"/>
+          </p:nvPr>
+        </p:nvSpPr>
+        <p:spPr>
+          <a:xfrm>
+            <a:off x="944035" y="1346168"/>
+            <a:ext cx="775800" cy="775800"/>
+          </a:xfrm>
+          <a:prstGeom prst="rect">
+            <a:avLst/>
+          </a:prstGeom>
+        </p:spPr>
+        <p:txBody>
+          <a:bodyPr spcFirstLastPara="1" wrap="square" lIns="91425" tIns="91425" rIns="91425" bIns="91425" anchor="ctr" anchorCtr="0">
+            <a:noAutofit/>
+          </a:bodyPr>
+          <a:lstStyle/>
+          <a:p>
+            <a:pPr marL="0" lvl="0" indent="0" algn="ctr" rtl="0">
+              <a:spcBef>
+                <a:spcPts val="0"/>
+              </a:spcBef>
+              <a:spcAft>
+                <a:spcPts val="0"/>
+              </a:spcAft>
+              <a:buNone/>
+            </a:pPr>
+            <a:r>
+              <a:rPr lang="en"/>
+              <a:t>05</a:t>
+            </a:r>
+            <a:endParaRPr/>
+          </a:p>
+        </p:txBody>
+      </p:sp>
+      <p:sp>
+        <p:nvSpPr>
+          <p:cNvPr id="285" name="Google Shape;285;p27">
+            <a:extLst>
+              <a:ext uri="{FF2B5EF4-FFF2-40B4-BE49-F238E27FC236}">
+                <a16:creationId xmlns:a16="http://schemas.microsoft.com/office/drawing/2014/main" id="{F5AFD397-FACC-BD25-69F1-452DAFC42DFE}"/>
+              </a:ext>
+            </a:extLst>
+          </p:cNvPr>
+          <p:cNvSpPr txBox="1">
+            <a:spLocks noGrp="1"/>
+          </p:cNvSpPr>
+          <p:nvPr>
+            <p:ph type="title" idx="4"/>
+          </p:nvPr>
+        </p:nvSpPr>
+        <p:spPr>
+          <a:xfrm>
+            <a:off x="2100925" y="2274833"/>
+            <a:ext cx="4509300" cy="449700"/>
+          </a:xfrm>
+          <a:prstGeom prst="rect">
+            <a:avLst/>
+          </a:prstGeom>
+        </p:spPr>
+        <p:txBody>
+          <a:bodyPr spcFirstLastPara="1" wrap="square" lIns="91425" tIns="91425" rIns="91425" bIns="91425" anchor="b" anchorCtr="0">
+            <a:noAutofit/>
+          </a:bodyPr>
+          <a:lstStyle/>
+          <a:p>
+            <a:r>
+              <a:rPr lang="en-ID"/>
+              <a:t>KESIMPULAN DAN SARAN</a:t>
+            </a:r>
+            <a:endParaRPr lang="en-ID" dirty="0"/>
+          </a:p>
+        </p:txBody>
+      </p:sp>
+      <p:sp>
+        <p:nvSpPr>
+          <p:cNvPr id="286" name="Google Shape;286;p27">
+            <a:extLst>
+              <a:ext uri="{FF2B5EF4-FFF2-40B4-BE49-F238E27FC236}">
+                <a16:creationId xmlns:a16="http://schemas.microsoft.com/office/drawing/2014/main" id="{F3BCF8AD-CC90-17E0-11E7-791D2D150E90}"/>
+              </a:ext>
+            </a:extLst>
+          </p:cNvPr>
+          <p:cNvSpPr txBox="1">
+            <a:spLocks noGrp="1"/>
+          </p:cNvSpPr>
+          <p:nvPr>
+            <p:ph type="subTitle" idx="5"/>
+          </p:nvPr>
+        </p:nvSpPr>
+        <p:spPr>
+          <a:xfrm>
+            <a:off x="2100924" y="2587218"/>
+            <a:ext cx="5938175" cy="364800"/>
+          </a:xfrm>
+          <a:prstGeom prst="rect">
+            <a:avLst/>
+          </a:prstGeom>
+        </p:spPr>
+        <p:txBody>
+          <a:bodyPr spcFirstLastPara="1" wrap="square" lIns="91425" tIns="91425" rIns="91425" bIns="91425" anchor="t" anchorCtr="0">
+            <a:noAutofit/>
+          </a:bodyPr>
+          <a:lstStyle/>
+          <a:p>
+            <a:pPr marL="12700" marR="5080">
+              <a:lnSpc>
+                <a:spcPct val="100000"/>
+              </a:lnSpc>
+              <a:spcBef>
+                <a:spcPts val="550"/>
+              </a:spcBef>
+            </a:pPr>
+            <a:r>
+              <a:rPr lang="en-ID"/>
+              <a:t>Kesimpulan penelitian dan  saran</a:t>
+            </a:r>
+            <a:r>
+              <a:rPr lang="en-ID" sz="1200" spc="65">
+                <a:solidFill>
+                  <a:schemeClr val="tx1"/>
+                </a:solidFill>
+                <a:latin typeface="Gill Sans MT"/>
+                <a:cs typeface="Gill Sans MT"/>
+              </a:rPr>
+              <a:t>.</a:t>
+            </a:r>
+            <a:endParaRPr lang="en-ID" sz="1200" dirty="0">
+              <a:solidFill>
+                <a:schemeClr val="tx1"/>
+              </a:solidFill>
+              <a:latin typeface="Gill Sans MT"/>
+              <a:cs typeface="Gill Sans MT"/>
+            </a:endParaRPr>
+          </a:p>
+        </p:txBody>
+      </p:sp>
+      <p:sp>
+        <p:nvSpPr>
+          <p:cNvPr id="287" name="Google Shape;287;p27">
+            <a:extLst>
+              <a:ext uri="{FF2B5EF4-FFF2-40B4-BE49-F238E27FC236}">
+                <a16:creationId xmlns:a16="http://schemas.microsoft.com/office/drawing/2014/main" id="{B87EB689-ED0A-643A-0FD4-3783C1C735C0}"/>
+              </a:ext>
+            </a:extLst>
+          </p:cNvPr>
+          <p:cNvSpPr txBox="1">
+            <a:spLocks noGrp="1"/>
+          </p:cNvSpPr>
+          <p:nvPr>
+            <p:ph type="title" idx="6"/>
+          </p:nvPr>
+        </p:nvSpPr>
+        <p:spPr>
+          <a:xfrm>
+            <a:off x="944035" y="2176218"/>
+            <a:ext cx="775800" cy="775800"/>
+          </a:xfrm>
+          <a:prstGeom prst="rect">
+            <a:avLst/>
+          </a:prstGeom>
+        </p:spPr>
+        <p:txBody>
+          <a:bodyPr spcFirstLastPara="1" wrap="square" lIns="91425" tIns="91425" rIns="91425" bIns="91425" anchor="ctr" anchorCtr="0">
+            <a:noAutofit/>
+          </a:bodyPr>
+          <a:lstStyle/>
+          <a:p>
+            <a:pPr marL="0" lvl="0" indent="0" algn="ctr" rtl="0">
+              <a:spcBef>
+                <a:spcPts val="0"/>
+              </a:spcBef>
+              <a:spcAft>
+                <a:spcPts val="0"/>
+              </a:spcAft>
+              <a:buNone/>
+            </a:pPr>
+            <a:r>
+              <a:rPr lang="en"/>
+              <a:t>06</a:t>
+            </a:r>
+            <a:endParaRPr/>
+          </a:p>
+        </p:txBody>
+      </p:sp>
+      <p:pic>
+        <p:nvPicPr>
+          <p:cNvPr id="2" name="object 27">
+            <a:extLst>
+              <a:ext uri="{FF2B5EF4-FFF2-40B4-BE49-F238E27FC236}">
+                <a16:creationId xmlns:a16="http://schemas.microsoft.com/office/drawing/2014/main" id="{882E2092-B9AB-DD0C-6D5B-8F67CAE78683}"/>
+              </a:ext>
+            </a:extLst>
+          </p:cNvPr>
+          <p:cNvPicPr/>
+          <p:nvPr/>
+        </p:nvPicPr>
+        <p:blipFill>
+          <a:blip r:embed="rId3" cstate="print"/>
+          <a:stretch>
+            <a:fillRect/>
+          </a:stretch>
+        </p:blipFill>
+        <p:spPr>
+          <a:xfrm>
+            <a:off x="0" y="46946"/>
+            <a:ext cx="3129776" cy="661742"/>
+          </a:xfrm>
+          <a:prstGeom prst="rect">
+            <a:avLst/>
+          </a:prstGeom>
+        </p:spPr>
+      </p:pic>
+      <p:sp>
+        <p:nvSpPr>
+          <p:cNvPr id="3" name="Oval 2">
+            <a:extLst>
+              <a:ext uri="{FF2B5EF4-FFF2-40B4-BE49-F238E27FC236}">
+                <a16:creationId xmlns:a16="http://schemas.microsoft.com/office/drawing/2014/main" id="{DEF85883-241E-4289-8F0E-219247AA1F3F}"/>
+              </a:ext>
+            </a:extLst>
+          </p:cNvPr>
+          <p:cNvSpPr/>
+          <p:nvPr/>
+        </p:nvSpPr>
+        <p:spPr>
+          <a:xfrm>
+            <a:off x="7567961" y="4177061"/>
+            <a:ext cx="1932878" cy="1932878"/>
+          </a:xfrm>
+          <a:prstGeom prst="ellipse">
+            <a:avLst/>
+          </a:prstGeom>
+          <a:solidFill>
+            <a:schemeClr val="tx2">
+              <a:lumMod val="50000"/>
+            </a:schemeClr>
+          </a:solidFill>
+          <a:ln>
+            <a:noFill/>
+          </a:ln>
+        </p:spPr>
+        <p:style>
+          <a:lnRef idx="2">
+            <a:schemeClr val="dk1">
+              <a:shade val="15000"/>
+            </a:schemeClr>
+          </a:lnRef>
+          <a:fillRef idx="1">
+            <a:schemeClr val="dk1"/>
+          </a:fillRef>
+          <a:effectRef idx="0">
+            <a:schemeClr val="dk1"/>
+          </a:effectRef>
+          <a:fontRef idx="minor">
+            <a:schemeClr val="lt1"/>
+          </a:fontRef>
+        </p:style>
+        <p:txBody>
+          <a:bodyPr rtlCol="0" anchor="ctr"/>
+          <a:lstStyle/>
+          <a:p>
+            <a:pPr algn="ctr"/>
+            <a:endParaRPr lang="en-ID"/>
+          </a:p>
+        </p:txBody>
+      </p:sp>
+      <p:sp>
+        <p:nvSpPr>
+          <p:cNvPr id="4" name="object 28">
+            <a:extLst>
+              <a:ext uri="{FF2B5EF4-FFF2-40B4-BE49-F238E27FC236}">
+                <a16:creationId xmlns:a16="http://schemas.microsoft.com/office/drawing/2014/main" id="{B8225417-C45A-9F13-33E8-9ADB4B29D538}"/>
+              </a:ext>
+            </a:extLst>
+          </p:cNvPr>
+          <p:cNvSpPr txBox="1"/>
+          <p:nvPr/>
+        </p:nvSpPr>
+        <p:spPr>
+          <a:xfrm>
+            <a:off x="4154853" y="80519"/>
+            <a:ext cx="4235450" cy="197490"/>
+          </a:xfrm>
+          <a:prstGeom prst="rect">
+            <a:avLst/>
+          </a:prstGeom>
+        </p:spPr>
+        <p:txBody>
+          <a:bodyPr vert="horz" wrap="square" lIns="0" tIns="12700" rIns="0" bIns="0" rtlCol="0">
+            <a:spAutoFit/>
+          </a:bodyPr>
+          <a:lstStyle/>
+          <a:p>
+            <a:pPr marL="12700" marR="347345" indent="-304800">
+              <a:spcBef>
+                <a:spcPts val="550"/>
+              </a:spcBef>
+              <a:buClr>
+                <a:schemeClr val="dk1"/>
+              </a:buClr>
+              <a:buSzPts val="1200"/>
+            </a:pPr>
+            <a:r>
+              <a:rPr lang="en-ID" sz="1200">
+                <a:solidFill>
+                  <a:schemeClr val="dk1"/>
+                </a:solidFill>
+                <a:latin typeface="Lexend"/>
+                <a:sym typeface="Lexend"/>
+              </a:rPr>
+              <a:t>Seminar Hasil Tesis | Selasa, 27 Agustus 2024</a:t>
+            </a:r>
+            <a:endParaRPr lang="en-ID" sz="1200" dirty="0">
+              <a:solidFill>
+                <a:schemeClr val="dk1"/>
+              </a:solidFill>
+              <a:latin typeface="Lexend"/>
+              <a:sym typeface="Lexend"/>
+            </a:endParaRPr>
+          </a:p>
+        </p:txBody>
+      </p:sp>
+    </p:spTree>
+    <p:extLst>
+      <p:ext uri="{BB962C8B-B14F-4D97-AF65-F5344CB8AC3E}">
+        <p14:creationId xmlns:p14="http://schemas.microsoft.com/office/powerpoint/2010/main" val="4161479618"/>
+      </p:ext>
+    </p:extLst>
+  </p:cSld>
+  <p:clrMapOvr>
+    <a:masterClrMapping/>
+  </p:clrMapOvr>
+</p:sld>
+</file>
+
+<file path=ppt/slides/slide30.xml><?xml version="1.0" encoding="utf-8"?>
 <p:sld xmlns:a="http://schemas.openxmlformats.org/drawingml/2006/main" xmlns:r="http://schemas.openxmlformats.org/officeDocument/2006/relationships" xmlns:p="http://schemas.openxmlformats.org/presentationml/2006/main">
   <p:cSld>
     <p:spTree>
@@ -37493,1427 +38936,7 @@
 </p:sld>
 </file>
 
-<file path=ppt/slides/slide3.xml><?xml version="1.0" encoding="utf-8"?>
-<p:sld xmlns:a="http://schemas.openxmlformats.org/drawingml/2006/main" xmlns:r="http://schemas.openxmlformats.org/officeDocument/2006/relationships" xmlns:p="http://schemas.openxmlformats.org/presentationml/2006/main">
-  <p:cSld>
-    <p:spTree>
-      <p:nvGrpSpPr>
-        <p:cNvPr id="1" name="Shape 297"/>
-        <p:cNvGrpSpPr/>
-        <p:nvPr/>
-      </p:nvGrpSpPr>
-      <p:grpSpPr>
-        <a:xfrm>
-          <a:off x="0" y="0"/>
-          <a:ext cx="0" cy="0"/>
-          <a:chOff x="0" y="0"/>
-          <a:chExt cx="0" cy="0"/>
-        </a:xfrm>
-      </p:grpSpPr>
-      <p:sp>
-        <p:nvSpPr>
-          <p:cNvPr id="298" name="Google Shape;298;p28"/>
-          <p:cNvSpPr/>
-          <p:nvPr/>
-        </p:nvSpPr>
-        <p:spPr>
-          <a:xfrm>
-            <a:off x="-1221850" y="1170250"/>
-            <a:ext cx="3358200" cy="997800"/>
-          </a:xfrm>
-          <a:prstGeom prst="roundRect">
-            <a:avLst>
-              <a:gd name="adj" fmla="val 50000"/>
-            </a:avLst>
-          </a:prstGeom>
-          <a:solidFill>
-            <a:srgbClr val="FFCC28"/>
-          </a:solidFill>
-          <a:ln>
-            <a:noFill/>
-          </a:ln>
-        </p:spPr>
-        <p:txBody>
-          <a:bodyPr spcFirstLastPara="1" wrap="square" lIns="91425" tIns="91425" rIns="91425" bIns="91425" anchor="ctr" anchorCtr="0">
-            <a:noAutofit/>
-          </a:bodyPr>
-          <a:lstStyle/>
-          <a:p>
-            <a:pPr marL="0" lvl="0" indent="0" algn="ctr" rtl="0">
-              <a:spcBef>
-                <a:spcPts val="0"/>
-              </a:spcBef>
-              <a:spcAft>
-                <a:spcPts val="0"/>
-              </a:spcAft>
-              <a:buNone/>
-            </a:pPr>
-            <a:endParaRPr>
-              <a:latin typeface="Open Sans"/>
-              <a:ea typeface="Open Sans"/>
-              <a:cs typeface="Open Sans"/>
-              <a:sym typeface="Open Sans"/>
-            </a:endParaRPr>
-          </a:p>
-        </p:txBody>
-      </p:sp>
-      <p:sp>
-        <p:nvSpPr>
-          <p:cNvPr id="300" name="Google Shape;300;p28"/>
-          <p:cNvSpPr txBox="1">
-            <a:spLocks noGrp="1"/>
-          </p:cNvSpPr>
-          <p:nvPr>
-            <p:ph type="title"/>
-          </p:nvPr>
-        </p:nvSpPr>
-        <p:spPr>
-          <a:xfrm>
-            <a:off x="726600" y="2551250"/>
-            <a:ext cx="3358200" cy="604904"/>
-          </a:xfrm>
-          <a:prstGeom prst="rect">
-            <a:avLst/>
-          </a:prstGeom>
-        </p:spPr>
-        <p:txBody>
-          <a:bodyPr spcFirstLastPara="1" wrap="square" lIns="91425" tIns="91425" rIns="91425" bIns="91425" anchor="b" anchorCtr="0">
-            <a:noAutofit/>
-          </a:bodyPr>
-          <a:lstStyle/>
-          <a:p>
-            <a:pPr marL="0" lvl="0" indent="0" algn="l" rtl="0">
-              <a:spcBef>
-                <a:spcPts val="0"/>
-              </a:spcBef>
-              <a:spcAft>
-                <a:spcPts val="0"/>
-              </a:spcAft>
-              <a:buClr>
-                <a:schemeClr val="dk1"/>
-              </a:buClr>
-              <a:buSzPts val="1100"/>
-              <a:buFont typeface="Arial"/>
-              <a:buNone/>
-            </a:pPr>
-            <a:r>
-              <a:rPr lang="en"/>
-              <a:t>PENDAHULUAN</a:t>
-            </a:r>
-            <a:endParaRPr lang="en-ID"/>
-          </a:p>
-        </p:txBody>
-      </p:sp>
-      <p:sp>
-        <p:nvSpPr>
-          <p:cNvPr id="301" name="Google Shape;301;p28"/>
-          <p:cNvSpPr txBox="1">
-            <a:spLocks noGrp="1"/>
-          </p:cNvSpPr>
-          <p:nvPr>
-            <p:ph type="title" idx="2"/>
-          </p:nvPr>
-        </p:nvSpPr>
-        <p:spPr>
-          <a:xfrm>
-            <a:off x="726600" y="1204076"/>
-            <a:ext cx="1223100" cy="930000"/>
-          </a:xfrm>
-          <a:prstGeom prst="rect">
-            <a:avLst/>
-          </a:prstGeom>
-        </p:spPr>
-        <p:txBody>
-          <a:bodyPr spcFirstLastPara="1" wrap="square" lIns="91425" tIns="91425" rIns="91425" bIns="91425" anchor="ctr" anchorCtr="0">
-            <a:noAutofit/>
-          </a:bodyPr>
-          <a:lstStyle/>
-          <a:p>
-            <a:pPr marL="0" lvl="0" indent="0" algn="ctr" rtl="0">
-              <a:spcBef>
-                <a:spcPts val="0"/>
-              </a:spcBef>
-              <a:spcAft>
-                <a:spcPts val="0"/>
-              </a:spcAft>
-              <a:buNone/>
-            </a:pPr>
-            <a:r>
-              <a:rPr lang="en"/>
-              <a:t>01</a:t>
-            </a:r>
-            <a:endParaRPr/>
-          </a:p>
-        </p:txBody>
-      </p:sp>
-      <p:grpSp>
-        <p:nvGrpSpPr>
-          <p:cNvPr id="303" name="Google Shape;303;p28"/>
-          <p:cNvGrpSpPr/>
-          <p:nvPr/>
-        </p:nvGrpSpPr>
-        <p:grpSpPr>
-          <a:xfrm rot="5400000">
-            <a:off x="2684324" y="1228457"/>
-            <a:ext cx="591073" cy="881399"/>
-            <a:chOff x="9326775" y="2272496"/>
-            <a:chExt cx="411124" cy="613062"/>
-          </a:xfrm>
-        </p:grpSpPr>
-        <p:sp>
-          <p:nvSpPr>
-            <p:cNvPr id="304" name="Google Shape;304;p28"/>
-            <p:cNvSpPr/>
-            <p:nvPr/>
-          </p:nvSpPr>
-          <p:spPr>
-            <a:xfrm>
-              <a:off x="9326775" y="2824737"/>
-              <a:ext cx="60845" cy="60821"/>
-            </a:xfrm>
-            <a:custGeom>
-              <a:avLst/>
-              <a:gdLst/>
-              <a:ahLst/>
-              <a:cxnLst/>
-              <a:rect l="l" t="t" r="r" b="b"/>
-              <a:pathLst>
-                <a:path w="60845" h="60821" extrusionOk="0">
-                  <a:moveTo>
-                    <a:pt x="0" y="0"/>
-                  </a:moveTo>
-                  <a:lnTo>
-                    <a:pt x="60846" y="60822"/>
-                  </a:lnTo>
-                </a:path>
-              </a:pathLst>
-            </a:custGeom>
-            <a:noFill/>
-            <a:ln w="9525" cap="flat" cmpd="sng">
-              <a:solidFill>
-                <a:schemeClr val="dk2"/>
-              </a:solidFill>
-              <a:prstDash val="solid"/>
-              <a:miter lim="8000"/>
-              <a:headEnd type="none" w="sm" len="sm"/>
-              <a:tailEnd type="none" w="sm" len="sm"/>
-            </a:ln>
-          </p:spPr>
-          <p:txBody>
-            <a:bodyPr spcFirstLastPara="1" wrap="square" lIns="91425" tIns="45700" rIns="91425" bIns="45700" anchor="ctr" anchorCtr="0">
-              <a:noAutofit/>
-            </a:bodyPr>
-            <a:lstStyle/>
-            <a:p>
-              <a:pPr marL="0" marR="0" lvl="0" indent="0" algn="l" rtl="0">
-                <a:spcBef>
-                  <a:spcPts val="0"/>
-                </a:spcBef>
-                <a:spcAft>
-                  <a:spcPts val="0"/>
-                </a:spcAft>
-                <a:buNone/>
-              </a:pPr>
-              <a:endParaRPr sz="1800">
-                <a:solidFill>
-                  <a:srgbClr val="000000"/>
-                </a:solidFill>
-                <a:latin typeface="Calibri"/>
-                <a:ea typeface="Calibri"/>
-                <a:cs typeface="Calibri"/>
-                <a:sym typeface="Calibri"/>
-              </a:endParaRPr>
-            </a:p>
-          </p:txBody>
-        </p:sp>
-        <p:sp>
-          <p:nvSpPr>
-            <p:cNvPr id="305" name="Google Shape;305;p28"/>
-            <p:cNvSpPr/>
-            <p:nvPr/>
-          </p:nvSpPr>
-          <p:spPr>
-            <a:xfrm>
-              <a:off x="9326775" y="2824737"/>
-              <a:ext cx="60845" cy="60821"/>
-            </a:xfrm>
-            <a:custGeom>
-              <a:avLst/>
-              <a:gdLst/>
-              <a:ahLst/>
-              <a:cxnLst/>
-              <a:rect l="l" t="t" r="r" b="b"/>
-              <a:pathLst>
-                <a:path w="60845" h="60821" extrusionOk="0">
-                  <a:moveTo>
-                    <a:pt x="60846" y="0"/>
-                  </a:moveTo>
-                  <a:lnTo>
-                    <a:pt x="0" y="60822"/>
-                  </a:lnTo>
-                </a:path>
-              </a:pathLst>
-            </a:custGeom>
-            <a:noFill/>
-            <a:ln w="9525" cap="flat" cmpd="sng">
-              <a:solidFill>
-                <a:schemeClr val="dk2"/>
-              </a:solidFill>
-              <a:prstDash val="solid"/>
-              <a:miter lim="8000"/>
-              <a:headEnd type="none" w="sm" len="sm"/>
-              <a:tailEnd type="none" w="sm" len="sm"/>
-            </a:ln>
-          </p:spPr>
-          <p:txBody>
-            <a:bodyPr spcFirstLastPara="1" wrap="square" lIns="91425" tIns="45700" rIns="91425" bIns="45700" anchor="ctr" anchorCtr="0">
-              <a:noAutofit/>
-            </a:bodyPr>
-            <a:lstStyle/>
-            <a:p>
-              <a:pPr marL="0" marR="0" lvl="0" indent="0" algn="l" rtl="0">
-                <a:spcBef>
-                  <a:spcPts val="0"/>
-                </a:spcBef>
-                <a:spcAft>
-                  <a:spcPts val="0"/>
-                </a:spcAft>
-                <a:buNone/>
-              </a:pPr>
-              <a:endParaRPr sz="1800">
-                <a:solidFill>
-                  <a:srgbClr val="000000"/>
-                </a:solidFill>
-                <a:latin typeface="Calibri"/>
-                <a:ea typeface="Calibri"/>
-                <a:cs typeface="Calibri"/>
-                <a:sym typeface="Calibri"/>
-              </a:endParaRPr>
-            </a:p>
-          </p:txBody>
-        </p:sp>
-        <p:sp>
-          <p:nvSpPr>
-            <p:cNvPr id="306" name="Google Shape;306;p28"/>
-            <p:cNvSpPr/>
-            <p:nvPr/>
-          </p:nvSpPr>
-          <p:spPr>
-            <a:xfrm>
-              <a:off x="9501914" y="2548591"/>
-              <a:ext cx="60845" cy="60821"/>
-            </a:xfrm>
-            <a:custGeom>
-              <a:avLst/>
-              <a:gdLst/>
-              <a:ahLst/>
-              <a:cxnLst/>
-              <a:rect l="l" t="t" r="r" b="b"/>
-              <a:pathLst>
-                <a:path w="60845" h="60821" extrusionOk="0">
-                  <a:moveTo>
-                    <a:pt x="0" y="0"/>
-                  </a:moveTo>
-                  <a:lnTo>
-                    <a:pt x="60846" y="60822"/>
-                  </a:lnTo>
-                </a:path>
-              </a:pathLst>
-            </a:custGeom>
-            <a:noFill/>
-            <a:ln w="9525" cap="flat" cmpd="sng">
-              <a:solidFill>
-                <a:schemeClr val="dk2"/>
-              </a:solidFill>
-              <a:prstDash val="solid"/>
-              <a:miter lim="8000"/>
-              <a:headEnd type="none" w="sm" len="sm"/>
-              <a:tailEnd type="none" w="sm" len="sm"/>
-            </a:ln>
-          </p:spPr>
-          <p:txBody>
-            <a:bodyPr spcFirstLastPara="1" wrap="square" lIns="91425" tIns="45700" rIns="91425" bIns="45700" anchor="ctr" anchorCtr="0">
-              <a:noAutofit/>
-            </a:bodyPr>
-            <a:lstStyle/>
-            <a:p>
-              <a:pPr marL="0" marR="0" lvl="0" indent="0" algn="l" rtl="0">
-                <a:spcBef>
-                  <a:spcPts val="0"/>
-                </a:spcBef>
-                <a:spcAft>
-                  <a:spcPts val="0"/>
-                </a:spcAft>
-                <a:buNone/>
-              </a:pPr>
-              <a:endParaRPr sz="1800">
-                <a:solidFill>
-                  <a:srgbClr val="000000"/>
-                </a:solidFill>
-                <a:latin typeface="Calibri"/>
-                <a:ea typeface="Calibri"/>
-                <a:cs typeface="Calibri"/>
-                <a:sym typeface="Calibri"/>
-              </a:endParaRPr>
-            </a:p>
-          </p:txBody>
-        </p:sp>
-        <p:sp>
-          <p:nvSpPr>
-            <p:cNvPr id="307" name="Google Shape;307;p28"/>
-            <p:cNvSpPr/>
-            <p:nvPr/>
-          </p:nvSpPr>
-          <p:spPr>
-            <a:xfrm>
-              <a:off x="9501914" y="2548591"/>
-              <a:ext cx="60845" cy="60821"/>
-            </a:xfrm>
-            <a:custGeom>
-              <a:avLst/>
-              <a:gdLst/>
-              <a:ahLst/>
-              <a:cxnLst/>
-              <a:rect l="l" t="t" r="r" b="b"/>
-              <a:pathLst>
-                <a:path w="60845" h="60821" extrusionOk="0">
-                  <a:moveTo>
-                    <a:pt x="60846" y="0"/>
-                  </a:moveTo>
-                  <a:lnTo>
-                    <a:pt x="0" y="60822"/>
-                  </a:lnTo>
-                </a:path>
-              </a:pathLst>
-            </a:custGeom>
-            <a:noFill/>
-            <a:ln w="9525" cap="flat" cmpd="sng">
-              <a:solidFill>
-                <a:schemeClr val="dk2"/>
-              </a:solidFill>
-              <a:prstDash val="solid"/>
-              <a:miter lim="8000"/>
-              <a:headEnd type="none" w="sm" len="sm"/>
-              <a:tailEnd type="none" w="sm" len="sm"/>
-            </a:ln>
-          </p:spPr>
-          <p:txBody>
-            <a:bodyPr spcFirstLastPara="1" wrap="square" lIns="91425" tIns="45700" rIns="91425" bIns="45700" anchor="ctr" anchorCtr="0">
-              <a:noAutofit/>
-            </a:bodyPr>
-            <a:lstStyle/>
-            <a:p>
-              <a:pPr marL="0" marR="0" lvl="0" indent="0" algn="l" rtl="0">
-                <a:spcBef>
-                  <a:spcPts val="0"/>
-                </a:spcBef>
-                <a:spcAft>
-                  <a:spcPts val="0"/>
-                </a:spcAft>
-                <a:buNone/>
-              </a:pPr>
-              <a:endParaRPr sz="1800">
-                <a:solidFill>
-                  <a:srgbClr val="000000"/>
-                </a:solidFill>
-                <a:latin typeface="Calibri"/>
-                <a:ea typeface="Calibri"/>
-                <a:cs typeface="Calibri"/>
-                <a:sym typeface="Calibri"/>
-              </a:endParaRPr>
-            </a:p>
-          </p:txBody>
-        </p:sp>
-        <p:sp>
-          <p:nvSpPr>
-            <p:cNvPr id="308" name="Google Shape;308;p28"/>
-            <p:cNvSpPr/>
-            <p:nvPr/>
-          </p:nvSpPr>
-          <p:spPr>
-            <a:xfrm>
-              <a:off x="9501914" y="2824737"/>
-              <a:ext cx="60845" cy="60821"/>
-            </a:xfrm>
-            <a:custGeom>
-              <a:avLst/>
-              <a:gdLst/>
-              <a:ahLst/>
-              <a:cxnLst/>
-              <a:rect l="l" t="t" r="r" b="b"/>
-              <a:pathLst>
-                <a:path w="60845" h="60821" extrusionOk="0">
-                  <a:moveTo>
-                    <a:pt x="0" y="0"/>
-                  </a:moveTo>
-                  <a:lnTo>
-                    <a:pt x="60846" y="60822"/>
-                  </a:lnTo>
-                </a:path>
-              </a:pathLst>
-            </a:custGeom>
-            <a:noFill/>
-            <a:ln w="9525" cap="flat" cmpd="sng">
-              <a:solidFill>
-                <a:schemeClr val="dk2"/>
-              </a:solidFill>
-              <a:prstDash val="solid"/>
-              <a:miter lim="8000"/>
-              <a:headEnd type="none" w="sm" len="sm"/>
-              <a:tailEnd type="none" w="sm" len="sm"/>
-            </a:ln>
-          </p:spPr>
-          <p:txBody>
-            <a:bodyPr spcFirstLastPara="1" wrap="square" lIns="91425" tIns="45700" rIns="91425" bIns="45700" anchor="ctr" anchorCtr="0">
-              <a:noAutofit/>
-            </a:bodyPr>
-            <a:lstStyle/>
-            <a:p>
-              <a:pPr marL="0" marR="0" lvl="0" indent="0" algn="l" rtl="0">
-                <a:spcBef>
-                  <a:spcPts val="0"/>
-                </a:spcBef>
-                <a:spcAft>
-                  <a:spcPts val="0"/>
-                </a:spcAft>
-                <a:buNone/>
-              </a:pPr>
-              <a:endParaRPr sz="1800">
-                <a:solidFill>
-                  <a:srgbClr val="000000"/>
-                </a:solidFill>
-                <a:latin typeface="Calibri"/>
-                <a:ea typeface="Calibri"/>
-                <a:cs typeface="Calibri"/>
-                <a:sym typeface="Calibri"/>
-              </a:endParaRPr>
-            </a:p>
-          </p:txBody>
-        </p:sp>
-        <p:sp>
-          <p:nvSpPr>
-            <p:cNvPr id="309" name="Google Shape;309;p28"/>
-            <p:cNvSpPr/>
-            <p:nvPr/>
-          </p:nvSpPr>
-          <p:spPr>
-            <a:xfrm>
-              <a:off x="9501914" y="2824737"/>
-              <a:ext cx="60845" cy="60821"/>
-            </a:xfrm>
-            <a:custGeom>
-              <a:avLst/>
-              <a:gdLst/>
-              <a:ahLst/>
-              <a:cxnLst/>
-              <a:rect l="l" t="t" r="r" b="b"/>
-              <a:pathLst>
-                <a:path w="60845" h="60821" extrusionOk="0">
-                  <a:moveTo>
-                    <a:pt x="60846" y="0"/>
-                  </a:moveTo>
-                  <a:lnTo>
-                    <a:pt x="0" y="60822"/>
-                  </a:lnTo>
-                </a:path>
-              </a:pathLst>
-            </a:custGeom>
-            <a:noFill/>
-            <a:ln w="9525" cap="flat" cmpd="sng">
-              <a:solidFill>
-                <a:schemeClr val="dk2"/>
-              </a:solidFill>
-              <a:prstDash val="solid"/>
-              <a:miter lim="8000"/>
-              <a:headEnd type="none" w="sm" len="sm"/>
-              <a:tailEnd type="none" w="sm" len="sm"/>
-            </a:ln>
-          </p:spPr>
-          <p:txBody>
-            <a:bodyPr spcFirstLastPara="1" wrap="square" lIns="91425" tIns="45700" rIns="91425" bIns="45700" anchor="ctr" anchorCtr="0">
-              <a:noAutofit/>
-            </a:bodyPr>
-            <a:lstStyle/>
-            <a:p>
-              <a:pPr marL="0" marR="0" lvl="0" indent="0" algn="l" rtl="0">
-                <a:spcBef>
-                  <a:spcPts val="0"/>
-                </a:spcBef>
-                <a:spcAft>
-                  <a:spcPts val="0"/>
-                </a:spcAft>
-                <a:buNone/>
-              </a:pPr>
-              <a:endParaRPr sz="1800">
-                <a:solidFill>
-                  <a:srgbClr val="000000"/>
-                </a:solidFill>
-                <a:latin typeface="Calibri"/>
-                <a:ea typeface="Calibri"/>
-                <a:cs typeface="Calibri"/>
-                <a:sym typeface="Calibri"/>
-              </a:endParaRPr>
-            </a:p>
-          </p:txBody>
-        </p:sp>
-        <p:sp>
-          <p:nvSpPr>
-            <p:cNvPr id="310" name="Google Shape;310;p28"/>
-            <p:cNvSpPr/>
-            <p:nvPr/>
-          </p:nvSpPr>
-          <p:spPr>
-            <a:xfrm>
-              <a:off x="9677054" y="2272496"/>
-              <a:ext cx="60845" cy="60821"/>
-            </a:xfrm>
-            <a:custGeom>
-              <a:avLst/>
-              <a:gdLst/>
-              <a:ahLst/>
-              <a:cxnLst/>
-              <a:rect l="l" t="t" r="r" b="b"/>
-              <a:pathLst>
-                <a:path w="60845" h="60821" extrusionOk="0">
-                  <a:moveTo>
-                    <a:pt x="0" y="0"/>
-                  </a:moveTo>
-                  <a:lnTo>
-                    <a:pt x="60846" y="60822"/>
-                  </a:lnTo>
-                </a:path>
-              </a:pathLst>
-            </a:custGeom>
-            <a:noFill/>
-            <a:ln w="9525" cap="flat" cmpd="sng">
-              <a:solidFill>
-                <a:schemeClr val="dk2"/>
-              </a:solidFill>
-              <a:prstDash val="solid"/>
-              <a:miter lim="8000"/>
-              <a:headEnd type="none" w="sm" len="sm"/>
-              <a:tailEnd type="none" w="sm" len="sm"/>
-            </a:ln>
-          </p:spPr>
-          <p:txBody>
-            <a:bodyPr spcFirstLastPara="1" wrap="square" lIns="91425" tIns="45700" rIns="91425" bIns="45700" anchor="ctr" anchorCtr="0">
-              <a:noAutofit/>
-            </a:bodyPr>
-            <a:lstStyle/>
-            <a:p>
-              <a:pPr marL="0" marR="0" lvl="0" indent="0" algn="l" rtl="0">
-                <a:spcBef>
-                  <a:spcPts val="0"/>
-                </a:spcBef>
-                <a:spcAft>
-                  <a:spcPts val="0"/>
-                </a:spcAft>
-                <a:buNone/>
-              </a:pPr>
-              <a:endParaRPr sz="1800">
-                <a:solidFill>
-                  <a:srgbClr val="000000"/>
-                </a:solidFill>
-                <a:latin typeface="Calibri"/>
-                <a:ea typeface="Calibri"/>
-                <a:cs typeface="Calibri"/>
-                <a:sym typeface="Calibri"/>
-              </a:endParaRPr>
-            </a:p>
-          </p:txBody>
-        </p:sp>
-        <p:sp>
-          <p:nvSpPr>
-            <p:cNvPr id="311" name="Google Shape;311;p28"/>
-            <p:cNvSpPr/>
-            <p:nvPr/>
-          </p:nvSpPr>
-          <p:spPr>
-            <a:xfrm>
-              <a:off x="9677054" y="2272496"/>
-              <a:ext cx="60845" cy="60821"/>
-            </a:xfrm>
-            <a:custGeom>
-              <a:avLst/>
-              <a:gdLst/>
-              <a:ahLst/>
-              <a:cxnLst/>
-              <a:rect l="l" t="t" r="r" b="b"/>
-              <a:pathLst>
-                <a:path w="60845" h="60821" extrusionOk="0">
-                  <a:moveTo>
-                    <a:pt x="60846" y="0"/>
-                  </a:moveTo>
-                  <a:lnTo>
-                    <a:pt x="0" y="60822"/>
-                  </a:lnTo>
-                </a:path>
-              </a:pathLst>
-            </a:custGeom>
-            <a:noFill/>
-            <a:ln w="9525" cap="flat" cmpd="sng">
-              <a:solidFill>
-                <a:schemeClr val="dk2"/>
-              </a:solidFill>
-              <a:prstDash val="solid"/>
-              <a:miter lim="8000"/>
-              <a:headEnd type="none" w="sm" len="sm"/>
-              <a:tailEnd type="none" w="sm" len="sm"/>
-            </a:ln>
-          </p:spPr>
-          <p:txBody>
-            <a:bodyPr spcFirstLastPara="1" wrap="square" lIns="91425" tIns="45700" rIns="91425" bIns="45700" anchor="ctr" anchorCtr="0">
-              <a:noAutofit/>
-            </a:bodyPr>
-            <a:lstStyle/>
-            <a:p>
-              <a:pPr marL="0" marR="0" lvl="0" indent="0" algn="l" rtl="0">
-                <a:spcBef>
-                  <a:spcPts val="0"/>
-                </a:spcBef>
-                <a:spcAft>
-                  <a:spcPts val="0"/>
-                </a:spcAft>
-                <a:buNone/>
-              </a:pPr>
-              <a:endParaRPr sz="1800">
-                <a:solidFill>
-                  <a:srgbClr val="000000"/>
-                </a:solidFill>
-                <a:latin typeface="Calibri"/>
-                <a:ea typeface="Calibri"/>
-                <a:cs typeface="Calibri"/>
-                <a:sym typeface="Calibri"/>
-              </a:endParaRPr>
-            </a:p>
-          </p:txBody>
-        </p:sp>
-        <p:sp>
-          <p:nvSpPr>
-            <p:cNvPr id="312" name="Google Shape;312;p28"/>
-            <p:cNvSpPr/>
-            <p:nvPr/>
-          </p:nvSpPr>
-          <p:spPr>
-            <a:xfrm>
-              <a:off x="9677054" y="2548591"/>
-              <a:ext cx="60845" cy="60821"/>
-            </a:xfrm>
-            <a:custGeom>
-              <a:avLst/>
-              <a:gdLst/>
-              <a:ahLst/>
-              <a:cxnLst/>
-              <a:rect l="l" t="t" r="r" b="b"/>
-              <a:pathLst>
-                <a:path w="60845" h="60821" extrusionOk="0">
-                  <a:moveTo>
-                    <a:pt x="0" y="0"/>
-                  </a:moveTo>
-                  <a:lnTo>
-                    <a:pt x="60846" y="60822"/>
-                  </a:lnTo>
-                </a:path>
-              </a:pathLst>
-            </a:custGeom>
-            <a:noFill/>
-            <a:ln w="9525" cap="flat" cmpd="sng">
-              <a:solidFill>
-                <a:schemeClr val="dk2"/>
-              </a:solidFill>
-              <a:prstDash val="solid"/>
-              <a:miter lim="8000"/>
-              <a:headEnd type="none" w="sm" len="sm"/>
-              <a:tailEnd type="none" w="sm" len="sm"/>
-            </a:ln>
-          </p:spPr>
-          <p:txBody>
-            <a:bodyPr spcFirstLastPara="1" wrap="square" lIns="91425" tIns="45700" rIns="91425" bIns="45700" anchor="ctr" anchorCtr="0">
-              <a:noAutofit/>
-            </a:bodyPr>
-            <a:lstStyle/>
-            <a:p>
-              <a:pPr marL="0" marR="0" lvl="0" indent="0" algn="l" rtl="0">
-                <a:spcBef>
-                  <a:spcPts val="0"/>
-                </a:spcBef>
-                <a:spcAft>
-                  <a:spcPts val="0"/>
-                </a:spcAft>
-                <a:buNone/>
-              </a:pPr>
-              <a:endParaRPr sz="1800">
-                <a:solidFill>
-                  <a:srgbClr val="000000"/>
-                </a:solidFill>
-                <a:latin typeface="Calibri"/>
-                <a:ea typeface="Calibri"/>
-                <a:cs typeface="Calibri"/>
-                <a:sym typeface="Calibri"/>
-              </a:endParaRPr>
-            </a:p>
-          </p:txBody>
-        </p:sp>
-        <p:sp>
-          <p:nvSpPr>
-            <p:cNvPr id="313" name="Google Shape;313;p28"/>
-            <p:cNvSpPr/>
-            <p:nvPr/>
-          </p:nvSpPr>
-          <p:spPr>
-            <a:xfrm>
-              <a:off x="9677054" y="2548591"/>
-              <a:ext cx="60845" cy="60821"/>
-            </a:xfrm>
-            <a:custGeom>
-              <a:avLst/>
-              <a:gdLst/>
-              <a:ahLst/>
-              <a:cxnLst/>
-              <a:rect l="l" t="t" r="r" b="b"/>
-              <a:pathLst>
-                <a:path w="60845" h="60821" extrusionOk="0">
-                  <a:moveTo>
-                    <a:pt x="60846" y="0"/>
-                  </a:moveTo>
-                  <a:lnTo>
-                    <a:pt x="0" y="60822"/>
-                  </a:lnTo>
-                </a:path>
-              </a:pathLst>
-            </a:custGeom>
-            <a:noFill/>
-            <a:ln w="9525" cap="flat" cmpd="sng">
-              <a:solidFill>
-                <a:schemeClr val="dk2"/>
-              </a:solidFill>
-              <a:prstDash val="solid"/>
-              <a:miter lim="8000"/>
-              <a:headEnd type="none" w="sm" len="sm"/>
-              <a:tailEnd type="none" w="sm" len="sm"/>
-            </a:ln>
-          </p:spPr>
-          <p:txBody>
-            <a:bodyPr spcFirstLastPara="1" wrap="square" lIns="91425" tIns="45700" rIns="91425" bIns="45700" anchor="ctr" anchorCtr="0">
-              <a:noAutofit/>
-            </a:bodyPr>
-            <a:lstStyle/>
-            <a:p>
-              <a:pPr marL="0" marR="0" lvl="0" indent="0" algn="l" rtl="0">
-                <a:spcBef>
-                  <a:spcPts val="0"/>
-                </a:spcBef>
-                <a:spcAft>
-                  <a:spcPts val="0"/>
-                </a:spcAft>
-                <a:buNone/>
-              </a:pPr>
-              <a:endParaRPr sz="1800">
-                <a:solidFill>
-                  <a:srgbClr val="000000"/>
-                </a:solidFill>
-                <a:latin typeface="Calibri"/>
-                <a:ea typeface="Calibri"/>
-                <a:cs typeface="Calibri"/>
-                <a:sym typeface="Calibri"/>
-              </a:endParaRPr>
-            </a:p>
-          </p:txBody>
-        </p:sp>
-        <p:sp>
-          <p:nvSpPr>
-            <p:cNvPr id="314" name="Google Shape;314;p28"/>
-            <p:cNvSpPr/>
-            <p:nvPr/>
-          </p:nvSpPr>
-          <p:spPr>
-            <a:xfrm>
-              <a:off x="9677054" y="2824737"/>
-              <a:ext cx="60845" cy="60821"/>
-            </a:xfrm>
-            <a:custGeom>
-              <a:avLst/>
-              <a:gdLst/>
-              <a:ahLst/>
-              <a:cxnLst/>
-              <a:rect l="l" t="t" r="r" b="b"/>
-              <a:pathLst>
-                <a:path w="60845" h="60821" extrusionOk="0">
-                  <a:moveTo>
-                    <a:pt x="0" y="0"/>
-                  </a:moveTo>
-                  <a:lnTo>
-                    <a:pt x="60846" y="60822"/>
-                  </a:lnTo>
-                </a:path>
-              </a:pathLst>
-            </a:custGeom>
-            <a:noFill/>
-            <a:ln w="9525" cap="flat" cmpd="sng">
-              <a:solidFill>
-                <a:schemeClr val="dk2"/>
-              </a:solidFill>
-              <a:prstDash val="solid"/>
-              <a:miter lim="8000"/>
-              <a:headEnd type="none" w="sm" len="sm"/>
-              <a:tailEnd type="none" w="sm" len="sm"/>
-            </a:ln>
-          </p:spPr>
-          <p:txBody>
-            <a:bodyPr spcFirstLastPara="1" wrap="square" lIns="91425" tIns="45700" rIns="91425" bIns="45700" anchor="ctr" anchorCtr="0">
-              <a:noAutofit/>
-            </a:bodyPr>
-            <a:lstStyle/>
-            <a:p>
-              <a:pPr marL="0" marR="0" lvl="0" indent="0" algn="l" rtl="0">
-                <a:spcBef>
-                  <a:spcPts val="0"/>
-                </a:spcBef>
-                <a:spcAft>
-                  <a:spcPts val="0"/>
-                </a:spcAft>
-                <a:buNone/>
-              </a:pPr>
-              <a:endParaRPr sz="1800">
-                <a:solidFill>
-                  <a:srgbClr val="000000"/>
-                </a:solidFill>
-                <a:latin typeface="Calibri"/>
-                <a:ea typeface="Calibri"/>
-                <a:cs typeface="Calibri"/>
-                <a:sym typeface="Calibri"/>
-              </a:endParaRPr>
-            </a:p>
-          </p:txBody>
-        </p:sp>
-        <p:sp>
-          <p:nvSpPr>
-            <p:cNvPr id="315" name="Google Shape;315;p28"/>
-            <p:cNvSpPr/>
-            <p:nvPr/>
-          </p:nvSpPr>
-          <p:spPr>
-            <a:xfrm>
-              <a:off x="9677054" y="2824737"/>
-              <a:ext cx="60845" cy="60821"/>
-            </a:xfrm>
-            <a:custGeom>
-              <a:avLst/>
-              <a:gdLst/>
-              <a:ahLst/>
-              <a:cxnLst/>
-              <a:rect l="l" t="t" r="r" b="b"/>
-              <a:pathLst>
-                <a:path w="60845" h="60821" extrusionOk="0">
-                  <a:moveTo>
-                    <a:pt x="60846" y="0"/>
-                  </a:moveTo>
-                  <a:lnTo>
-                    <a:pt x="0" y="60822"/>
-                  </a:lnTo>
-                </a:path>
-              </a:pathLst>
-            </a:custGeom>
-            <a:noFill/>
-            <a:ln w="9525" cap="flat" cmpd="sng">
-              <a:solidFill>
-                <a:schemeClr val="dk2"/>
-              </a:solidFill>
-              <a:prstDash val="solid"/>
-              <a:miter lim="8000"/>
-              <a:headEnd type="none" w="sm" len="sm"/>
-              <a:tailEnd type="none" w="sm" len="sm"/>
-            </a:ln>
-          </p:spPr>
-          <p:txBody>
-            <a:bodyPr spcFirstLastPara="1" wrap="square" lIns="91425" tIns="45700" rIns="91425" bIns="45700" anchor="ctr" anchorCtr="0">
-              <a:noAutofit/>
-            </a:bodyPr>
-            <a:lstStyle/>
-            <a:p>
-              <a:pPr marL="0" marR="0" lvl="0" indent="0" algn="l" rtl="0">
-                <a:spcBef>
-                  <a:spcPts val="0"/>
-                </a:spcBef>
-                <a:spcAft>
-                  <a:spcPts val="0"/>
-                </a:spcAft>
-                <a:buNone/>
-              </a:pPr>
-              <a:endParaRPr sz="1800">
-                <a:solidFill>
-                  <a:srgbClr val="000000"/>
-                </a:solidFill>
-                <a:latin typeface="Calibri"/>
-                <a:ea typeface="Calibri"/>
-                <a:cs typeface="Calibri"/>
-                <a:sym typeface="Calibri"/>
-              </a:endParaRPr>
-            </a:p>
-          </p:txBody>
-        </p:sp>
-      </p:grpSp>
-      <p:grpSp>
-        <p:nvGrpSpPr>
-          <p:cNvPr id="316" name="Google Shape;316;p28"/>
-          <p:cNvGrpSpPr/>
-          <p:nvPr/>
-        </p:nvGrpSpPr>
-        <p:grpSpPr>
-          <a:xfrm rot="10800000">
-            <a:off x="4521098" y="1352343"/>
-            <a:ext cx="1052471" cy="1049743"/>
-            <a:chOff x="328257" y="3897070"/>
-            <a:chExt cx="1052471" cy="1049743"/>
-          </a:xfrm>
-        </p:grpSpPr>
-        <p:sp>
-          <p:nvSpPr>
-            <p:cNvPr id="317" name="Google Shape;317;p28"/>
-            <p:cNvSpPr/>
-            <p:nvPr/>
-          </p:nvSpPr>
-          <p:spPr>
-            <a:xfrm>
-              <a:off x="328257" y="4219289"/>
-              <a:ext cx="730126" cy="727525"/>
-            </a:xfrm>
-            <a:custGeom>
-              <a:avLst/>
-              <a:gdLst/>
-              <a:ahLst/>
-              <a:cxnLst/>
-              <a:rect l="l" t="t" r="r" b="b"/>
-              <a:pathLst>
-                <a:path w="507914" h="506104" extrusionOk="0">
-                  <a:moveTo>
-                    <a:pt x="0" y="53375"/>
-                  </a:moveTo>
-                  <a:cubicBezTo>
-                    <a:pt x="0" y="23897"/>
-                    <a:pt x="23906" y="0"/>
-                    <a:pt x="53396" y="0"/>
-                  </a:cubicBezTo>
-                  <a:lnTo>
-                    <a:pt x="454519" y="0"/>
-                  </a:lnTo>
-                  <a:cubicBezTo>
-                    <a:pt x="484009" y="0"/>
-                    <a:pt x="507915" y="23897"/>
-                    <a:pt x="507915" y="53375"/>
-                  </a:cubicBezTo>
-                  <a:lnTo>
-                    <a:pt x="507915" y="454342"/>
-                  </a:lnTo>
-                  <a:cubicBezTo>
-                    <a:pt x="506993" y="483837"/>
-                    <a:pt x="482326" y="506999"/>
-                    <a:pt x="452826" y="506077"/>
-                  </a:cubicBezTo>
-                  <a:cubicBezTo>
-                    <a:pt x="424617" y="505198"/>
-                    <a:pt x="401951" y="482540"/>
-                    <a:pt x="401070" y="454342"/>
-                  </a:cubicBezTo>
-                  <a:lnTo>
-                    <a:pt x="401070" y="106803"/>
-                  </a:lnTo>
-                  <a:lnTo>
-                    <a:pt x="53396" y="106803"/>
-                  </a:lnTo>
-                  <a:cubicBezTo>
-                    <a:pt x="23906" y="106803"/>
-                    <a:pt x="0" y="82907"/>
-                    <a:pt x="0" y="53428"/>
-                  </a:cubicBezTo>
-                  <a:cubicBezTo>
-                    <a:pt x="0" y="53412"/>
-                    <a:pt x="0" y="53391"/>
-                    <a:pt x="0" y="53375"/>
-                  </a:cubicBezTo>
-                  <a:close/>
-                </a:path>
-              </a:pathLst>
-            </a:custGeom>
-            <a:noFill/>
-            <a:ln w="9525" cap="flat" cmpd="sng">
-              <a:solidFill>
-                <a:schemeClr val="dk2"/>
-              </a:solidFill>
-              <a:prstDash val="solid"/>
-              <a:miter lim="8000"/>
-              <a:headEnd type="none" w="sm" len="sm"/>
-              <a:tailEnd type="none" w="sm" len="sm"/>
-            </a:ln>
-          </p:spPr>
-          <p:txBody>
-            <a:bodyPr spcFirstLastPara="1" wrap="square" lIns="91425" tIns="45700" rIns="91425" bIns="45700" anchor="ctr" anchorCtr="0">
-              <a:noAutofit/>
-            </a:bodyPr>
-            <a:lstStyle/>
-            <a:p>
-              <a:pPr marL="0" marR="0" lvl="0" indent="0" algn="l" rtl="0">
-                <a:spcBef>
-                  <a:spcPts val="0"/>
-                </a:spcBef>
-                <a:spcAft>
-                  <a:spcPts val="0"/>
-                </a:spcAft>
-                <a:buNone/>
-              </a:pPr>
-              <a:endParaRPr sz="1800">
-                <a:solidFill>
-                  <a:srgbClr val="000000"/>
-                </a:solidFill>
-                <a:latin typeface="Calibri"/>
-                <a:ea typeface="Calibri"/>
-                <a:cs typeface="Calibri"/>
-                <a:sym typeface="Calibri"/>
-              </a:endParaRPr>
-            </a:p>
-          </p:txBody>
-        </p:sp>
-        <p:sp>
-          <p:nvSpPr>
-            <p:cNvPr id="318" name="Google Shape;318;p28"/>
-            <p:cNvSpPr/>
-            <p:nvPr/>
-          </p:nvSpPr>
-          <p:spPr>
-            <a:xfrm>
-              <a:off x="650602" y="3897070"/>
-              <a:ext cx="730126" cy="727525"/>
-            </a:xfrm>
-            <a:custGeom>
-              <a:avLst/>
-              <a:gdLst/>
-              <a:ahLst/>
-              <a:cxnLst/>
-              <a:rect l="l" t="t" r="r" b="b"/>
-              <a:pathLst>
-                <a:path w="507914" h="506104" extrusionOk="0">
-                  <a:moveTo>
-                    <a:pt x="0" y="53375"/>
-                  </a:moveTo>
-                  <a:cubicBezTo>
-                    <a:pt x="0" y="23897"/>
-                    <a:pt x="23906" y="0"/>
-                    <a:pt x="53396" y="0"/>
-                  </a:cubicBezTo>
-                  <a:lnTo>
-                    <a:pt x="454519" y="0"/>
-                  </a:lnTo>
-                  <a:cubicBezTo>
-                    <a:pt x="484009" y="0"/>
-                    <a:pt x="507915" y="23897"/>
-                    <a:pt x="507915" y="53375"/>
-                  </a:cubicBezTo>
-                  <a:lnTo>
-                    <a:pt x="507915" y="454342"/>
-                  </a:lnTo>
-                  <a:cubicBezTo>
-                    <a:pt x="506993" y="483837"/>
-                    <a:pt x="482326" y="506999"/>
-                    <a:pt x="452826" y="506077"/>
-                  </a:cubicBezTo>
-                  <a:cubicBezTo>
-                    <a:pt x="424617" y="505197"/>
-                    <a:pt x="401951" y="482540"/>
-                    <a:pt x="401070" y="454342"/>
-                  </a:cubicBezTo>
-                  <a:lnTo>
-                    <a:pt x="401070" y="106751"/>
-                  </a:lnTo>
-                  <a:lnTo>
-                    <a:pt x="53396" y="106751"/>
-                  </a:lnTo>
-                  <a:cubicBezTo>
-                    <a:pt x="23906" y="106751"/>
-                    <a:pt x="0" y="82854"/>
-                    <a:pt x="0" y="53375"/>
-                  </a:cubicBezTo>
-                  <a:close/>
-                </a:path>
-              </a:pathLst>
-            </a:custGeom>
-            <a:noFill/>
-            <a:ln w="9525" cap="flat" cmpd="sng">
-              <a:solidFill>
-                <a:schemeClr val="dk2"/>
-              </a:solidFill>
-              <a:prstDash val="solid"/>
-              <a:miter lim="8000"/>
-              <a:headEnd type="none" w="sm" len="sm"/>
-              <a:tailEnd type="none" w="sm" len="sm"/>
-            </a:ln>
-          </p:spPr>
-          <p:txBody>
-            <a:bodyPr spcFirstLastPara="1" wrap="square" lIns="91425" tIns="45700" rIns="91425" bIns="45700" anchor="ctr" anchorCtr="0">
-              <a:noAutofit/>
-            </a:bodyPr>
-            <a:lstStyle/>
-            <a:p>
-              <a:pPr marL="0" marR="0" lvl="0" indent="0" algn="l" rtl="0">
-                <a:spcBef>
-                  <a:spcPts val="0"/>
-                </a:spcBef>
-                <a:spcAft>
-                  <a:spcPts val="0"/>
-                </a:spcAft>
-                <a:buNone/>
-              </a:pPr>
-              <a:endParaRPr sz="1800">
-                <a:solidFill>
-                  <a:srgbClr val="000000"/>
-                </a:solidFill>
-                <a:latin typeface="Calibri"/>
-                <a:ea typeface="Calibri"/>
-                <a:cs typeface="Calibri"/>
-                <a:sym typeface="Calibri"/>
-              </a:endParaRPr>
-            </a:p>
-          </p:txBody>
-        </p:sp>
-      </p:grpSp>
-      <p:pic>
-        <p:nvPicPr>
-          <p:cNvPr id="2" name="object 27">
-            <a:extLst>
-              <a:ext uri="{FF2B5EF4-FFF2-40B4-BE49-F238E27FC236}">
-                <a16:creationId xmlns:a16="http://schemas.microsoft.com/office/drawing/2014/main" id="{6622D0ED-EC9A-A0B2-EABC-B15A5294B731}"/>
-              </a:ext>
-            </a:extLst>
-          </p:cNvPr>
-          <p:cNvPicPr/>
-          <p:nvPr/>
-        </p:nvPicPr>
-        <p:blipFill>
-          <a:blip r:embed="rId3" cstate="print"/>
-          <a:stretch>
-            <a:fillRect/>
-          </a:stretch>
-        </p:blipFill>
-        <p:spPr>
-          <a:xfrm>
-            <a:off x="0" y="46946"/>
-            <a:ext cx="3129776" cy="661742"/>
-          </a:xfrm>
-          <a:prstGeom prst="rect">
-            <a:avLst/>
-          </a:prstGeom>
-        </p:spPr>
-      </p:pic>
-      <p:sp>
-        <p:nvSpPr>
-          <p:cNvPr id="13" name="Oval 12">
-            <a:extLst>
-              <a:ext uri="{FF2B5EF4-FFF2-40B4-BE49-F238E27FC236}">
-                <a16:creationId xmlns:a16="http://schemas.microsoft.com/office/drawing/2014/main" id="{07EC7278-0893-9482-CF77-A786430C507C}"/>
-              </a:ext>
-            </a:extLst>
-          </p:cNvPr>
-          <p:cNvSpPr/>
-          <p:nvPr/>
-        </p:nvSpPr>
-        <p:spPr>
-          <a:xfrm>
-            <a:off x="4377694" y="3978483"/>
-            <a:ext cx="3244883" cy="3244883"/>
-          </a:xfrm>
-          <a:prstGeom prst="ellipse">
-            <a:avLst/>
-          </a:prstGeom>
-          <a:solidFill>
-            <a:schemeClr val="tx2">
-              <a:lumMod val="50000"/>
-            </a:schemeClr>
-          </a:solidFill>
-          <a:ln>
-            <a:noFill/>
-          </a:ln>
-        </p:spPr>
-        <p:style>
-          <a:lnRef idx="2">
-            <a:schemeClr val="dk1">
-              <a:shade val="15000"/>
-            </a:schemeClr>
-          </a:lnRef>
-          <a:fillRef idx="1">
-            <a:schemeClr val="dk1"/>
-          </a:fillRef>
-          <a:effectRef idx="0">
-            <a:schemeClr val="dk1"/>
-          </a:effectRef>
-          <a:fontRef idx="minor">
-            <a:schemeClr val="lt1"/>
-          </a:fontRef>
-        </p:style>
-        <p:txBody>
-          <a:bodyPr rtlCol="0" anchor="ctr"/>
-          <a:lstStyle/>
-          <a:p>
-            <a:pPr algn="ctr"/>
-            <a:endParaRPr lang="en-ID"/>
-          </a:p>
-        </p:txBody>
-      </p:sp>
-      <p:sp>
-        <p:nvSpPr>
-          <p:cNvPr id="12" name="Rectangle 11">
-            <a:extLst>
-              <a:ext uri="{FF2B5EF4-FFF2-40B4-BE49-F238E27FC236}">
-                <a16:creationId xmlns:a16="http://schemas.microsoft.com/office/drawing/2014/main" id="{6E7B39A3-ECBC-F9B5-F5B3-8AF0968DCC53}"/>
-              </a:ext>
-            </a:extLst>
-          </p:cNvPr>
-          <p:cNvSpPr/>
-          <p:nvPr/>
-        </p:nvSpPr>
-        <p:spPr>
-          <a:xfrm>
-            <a:off x="5858107" y="0"/>
-            <a:ext cx="3358200" cy="5143500"/>
-          </a:xfrm>
-          <a:prstGeom prst="rect">
-            <a:avLst/>
-          </a:prstGeom>
-          <a:solidFill>
-            <a:srgbClr val="FFCC28"/>
-          </a:solidFill>
-          <a:ln>
-            <a:noFill/>
-          </a:ln>
-        </p:spPr>
-        <p:style>
-          <a:lnRef idx="2">
-            <a:schemeClr val="accent1">
-              <a:shade val="15000"/>
-            </a:schemeClr>
-          </a:lnRef>
-          <a:fillRef idx="1">
-            <a:schemeClr val="accent1"/>
-          </a:fillRef>
-          <a:effectRef idx="0">
-            <a:schemeClr val="accent1"/>
-          </a:effectRef>
-          <a:fontRef idx="minor">
-            <a:schemeClr val="lt1"/>
-          </a:fontRef>
-        </p:style>
-        <p:txBody>
-          <a:bodyPr rtlCol="0" anchor="ctr"/>
-          <a:lstStyle/>
-          <a:p>
-            <a:pPr algn="ctr"/>
-            <a:endParaRPr lang="en-ID"/>
-          </a:p>
-        </p:txBody>
-      </p:sp>
-      <p:pic>
-        <p:nvPicPr>
-          <p:cNvPr id="8" name="object 28">
-            <a:extLst>
-              <a:ext uri="{FF2B5EF4-FFF2-40B4-BE49-F238E27FC236}">
-                <a16:creationId xmlns:a16="http://schemas.microsoft.com/office/drawing/2014/main" id="{B3210C3D-8304-EA3A-0377-07484EC2FC5A}"/>
-              </a:ext>
-            </a:extLst>
-          </p:cNvPr>
-          <p:cNvPicPr/>
-          <p:nvPr/>
-        </p:nvPicPr>
-        <p:blipFill>
-          <a:blip r:embed="rId4" cstate="print">
-            <a:extLst>
-              <a:ext uri="{BEBA8EAE-BF5A-486C-A8C5-ECC9F3942E4B}">
-                <a14:imgProps xmlns:a14="http://schemas.microsoft.com/office/drawing/2010/main">
-                  <a14:imgLayer r:embed="rId5">
-                    <a14:imgEffect>
-                      <a14:brightnessContrast bright="40000" contrast="40000"/>
-                    </a14:imgEffect>
-                  </a14:imgLayer>
-                </a14:imgProps>
-              </a:ext>
-            </a:extLst>
-          </a:blip>
-          <a:stretch>
-            <a:fillRect/>
-          </a:stretch>
-        </p:blipFill>
-        <p:spPr>
-          <a:xfrm>
-            <a:off x="6098813" y="2079867"/>
-            <a:ext cx="2589160" cy="836935"/>
-          </a:xfrm>
-          <a:prstGeom prst="rect">
-            <a:avLst/>
-          </a:prstGeom>
-        </p:spPr>
-      </p:pic>
-      <p:sp>
-        <p:nvSpPr>
-          <p:cNvPr id="9" name="object 28">
-            <a:extLst>
-              <a:ext uri="{FF2B5EF4-FFF2-40B4-BE49-F238E27FC236}">
-                <a16:creationId xmlns:a16="http://schemas.microsoft.com/office/drawing/2014/main" id="{BAB40191-07E8-28EB-5EB3-EB1889729042}"/>
-              </a:ext>
-            </a:extLst>
-          </p:cNvPr>
-          <p:cNvSpPr txBox="1"/>
-          <p:nvPr/>
-        </p:nvSpPr>
-        <p:spPr>
-          <a:xfrm>
-            <a:off x="837541" y="3156154"/>
-            <a:ext cx="5078594" cy="259045"/>
-          </a:xfrm>
-          <a:prstGeom prst="rect">
-            <a:avLst/>
-          </a:prstGeom>
-        </p:spPr>
-        <p:txBody>
-          <a:bodyPr vert="horz" wrap="square" lIns="0" tIns="12700" rIns="0" bIns="0" rtlCol="0">
-            <a:spAutoFit/>
-          </a:bodyPr>
-          <a:lstStyle/>
-          <a:p>
-            <a:pPr marL="12700" marR="347345" indent="-304800">
-              <a:spcBef>
-                <a:spcPts val="550"/>
-              </a:spcBef>
-              <a:buClr>
-                <a:schemeClr val="dk1"/>
-              </a:buClr>
-              <a:buSzPts val="1200"/>
-            </a:pPr>
-            <a:r>
-              <a:rPr lang="en-ID" sz="1600">
-                <a:solidFill>
-                  <a:schemeClr val="dk1"/>
-                </a:solidFill>
-                <a:latin typeface="Lexend"/>
-                <a:sym typeface="Lexend"/>
-              </a:rPr>
-              <a:t>Seminar Hasil Tesis | Selasa, 27 Agustus 2024</a:t>
-            </a:r>
-            <a:endParaRPr lang="en-ID" sz="1600" dirty="0">
-              <a:solidFill>
-                <a:schemeClr val="dk1"/>
-              </a:solidFill>
-              <a:latin typeface="Lexend"/>
-              <a:sym typeface="Lexend"/>
-            </a:endParaRPr>
-          </a:p>
-        </p:txBody>
-      </p:sp>
-    </p:spTree>
-  </p:cSld>
-  <p:clrMapOvr>
-    <a:masterClrMapping/>
-  </p:clrMapOvr>
-</p:sld>
-</file>
-
-<file path=ppt/slides/slide30.xml><?xml version="1.0" encoding="utf-8"?>
+<file path=ppt/slides/slide31.xml><?xml version="1.0" encoding="utf-8"?>
 <p:sld xmlns:a="http://schemas.openxmlformats.org/drawingml/2006/main" xmlns:r="http://schemas.openxmlformats.org/officeDocument/2006/relationships" xmlns:p="http://schemas.openxmlformats.org/presentationml/2006/main">
   <p:cSld>
     <p:spTree>
@@ -38983,7 +39006,7 @@
           <p:nvPr/>
         </p:nvPicPr>
         <p:blipFill>
-          <a:blip r:embed="rId2" cstate="print"/>
+          <a:blip r:embed="rId3" cstate="print"/>
           <a:stretch>
             <a:fillRect/>
           </a:stretch>
@@ -40184,7 +40207,7 @@
 </p:sld>
 </file>
 
-<file path=ppt/slides/slide31.xml><?xml version="1.0" encoding="utf-8"?>
+<file path=ppt/slides/slide32.xml><?xml version="1.0" encoding="utf-8"?>
 <p:sld xmlns:a="http://schemas.openxmlformats.org/drawingml/2006/main" xmlns:r="http://schemas.openxmlformats.org/officeDocument/2006/relationships" xmlns:p="http://schemas.openxmlformats.org/presentationml/2006/main">
   <p:cSld>
     <p:spTree>
@@ -41175,7 +41198,7 @@
 </p:sld>
 </file>
 
-<file path=ppt/slides/slide32.xml><?xml version="1.0" encoding="utf-8"?>
+<file path=ppt/slides/slide33.xml><?xml version="1.0" encoding="utf-8"?>
 <p:sld xmlns:a="http://schemas.openxmlformats.org/drawingml/2006/main" xmlns:r="http://schemas.openxmlformats.org/officeDocument/2006/relationships" xmlns:p="http://schemas.openxmlformats.org/presentationml/2006/main">
   <p:cSld>
     <p:spTree>
@@ -42024,7 +42047,7 @@
 </p:sld>
 </file>
 
-<file path=ppt/slides/slide33.xml><?xml version="1.0" encoding="utf-8"?>
+<file path=ppt/slides/slide34.xml><?xml version="1.0" encoding="utf-8"?>
 <p:sld xmlns:a="http://schemas.openxmlformats.org/drawingml/2006/main" xmlns:r="http://schemas.openxmlformats.org/officeDocument/2006/relationships" xmlns:p="http://schemas.openxmlformats.org/presentationml/2006/main">
   <p:cSld>
     <p:spTree>
@@ -42789,7 +42812,7 @@
 </p:sld>
 </file>
 
-<file path=ppt/slides/slide34.xml><?xml version="1.0" encoding="utf-8"?>
+<file path=ppt/slides/slide35.xml><?xml version="1.0" encoding="utf-8"?>
 <p:sld xmlns:a="http://schemas.openxmlformats.org/drawingml/2006/main" xmlns:r="http://schemas.openxmlformats.org/officeDocument/2006/relationships" xmlns:p="http://schemas.openxmlformats.org/presentationml/2006/main">
   <p:cSld>
     <p:spTree>
@@ -43554,7 +43577,7 @@
 </p:sld>
 </file>
 
-<file path=ppt/slides/slide35.xml><?xml version="1.0" encoding="utf-8"?>
+<file path=ppt/slides/slide36.xml><?xml version="1.0" encoding="utf-8"?>
 <p:sld xmlns:a="http://schemas.openxmlformats.org/drawingml/2006/main" xmlns:r="http://schemas.openxmlformats.org/officeDocument/2006/relationships" xmlns:p="http://schemas.openxmlformats.org/presentationml/2006/main">
   <p:cSld>
     <p:spTree>
@@ -43725,7 +43748,7 @@
             </a:pPr>
             <a:r>
               <a:rPr lang="en"/>
-              <a:t>05</a:t>
+              <a:t>06</a:t>
             </a:r>
             <a:endParaRPr/>
           </a:p>
@@ -45099,7 +45122,7 @@
 </p:sld>
 </file>
 
-<file path=ppt/slides/slide36.xml><?xml version="1.0" encoding="utf-8"?>
+<file path=ppt/slides/slide37.xml><?xml version="1.0" encoding="utf-8"?>
 <p:sld xmlns:a="http://schemas.openxmlformats.org/drawingml/2006/main" xmlns:r="http://schemas.openxmlformats.org/officeDocument/2006/relationships" xmlns:p="http://schemas.openxmlformats.org/presentationml/2006/main">
   <p:cSld>
     <p:spTree>
@@ -45598,7 +45621,7 @@
 </p:sld>
 </file>
 
-<file path=ppt/slides/slide37.xml><?xml version="1.0" encoding="utf-8"?>
+<file path=ppt/slides/slide38.xml><?xml version="1.0" encoding="utf-8"?>
 <p:sld xmlns:a="http://schemas.openxmlformats.org/drawingml/2006/main" xmlns:r="http://schemas.openxmlformats.org/officeDocument/2006/relationships" xmlns:p="http://schemas.openxmlformats.org/presentationml/2006/main">
   <p:cSld>
     <p:spTree>
@@ -46097,7 +46120,7 @@
 </p:sld>
 </file>
 
-<file path=ppt/slides/slide38.xml><?xml version="1.0" encoding="utf-8"?>
+<file path=ppt/slides/slide39.xml><?xml version="1.0" encoding="utf-8"?>
 <p:sld xmlns:a="http://schemas.openxmlformats.org/drawingml/2006/main" xmlns:r="http://schemas.openxmlformats.org/officeDocument/2006/relationships" xmlns:p="http://schemas.openxmlformats.org/presentationml/2006/main">
   <p:cSld>
     <p:spTree>
@@ -47793,6 +47816,1426 @@
 </file>
 
 <file path=ppt/slides/slide4.xml><?xml version="1.0" encoding="utf-8"?>
+<p:sld xmlns:a="http://schemas.openxmlformats.org/drawingml/2006/main" xmlns:r="http://schemas.openxmlformats.org/officeDocument/2006/relationships" xmlns:p="http://schemas.openxmlformats.org/presentationml/2006/main">
+  <p:cSld>
+    <p:spTree>
+      <p:nvGrpSpPr>
+        <p:cNvPr id="1" name="Shape 297"/>
+        <p:cNvGrpSpPr/>
+        <p:nvPr/>
+      </p:nvGrpSpPr>
+      <p:grpSpPr>
+        <a:xfrm>
+          <a:off x="0" y="0"/>
+          <a:ext cx="0" cy="0"/>
+          <a:chOff x="0" y="0"/>
+          <a:chExt cx="0" cy="0"/>
+        </a:xfrm>
+      </p:grpSpPr>
+      <p:sp>
+        <p:nvSpPr>
+          <p:cNvPr id="298" name="Google Shape;298;p28"/>
+          <p:cNvSpPr/>
+          <p:nvPr/>
+        </p:nvSpPr>
+        <p:spPr>
+          <a:xfrm>
+            <a:off x="-1221850" y="1170250"/>
+            <a:ext cx="3358200" cy="997800"/>
+          </a:xfrm>
+          <a:prstGeom prst="roundRect">
+            <a:avLst>
+              <a:gd name="adj" fmla="val 50000"/>
+            </a:avLst>
+          </a:prstGeom>
+          <a:solidFill>
+            <a:srgbClr val="FFCC28"/>
+          </a:solidFill>
+          <a:ln>
+            <a:noFill/>
+          </a:ln>
+        </p:spPr>
+        <p:txBody>
+          <a:bodyPr spcFirstLastPara="1" wrap="square" lIns="91425" tIns="91425" rIns="91425" bIns="91425" anchor="ctr" anchorCtr="0">
+            <a:noAutofit/>
+          </a:bodyPr>
+          <a:lstStyle/>
+          <a:p>
+            <a:pPr marL="0" lvl="0" indent="0" algn="ctr" rtl="0">
+              <a:spcBef>
+                <a:spcPts val="0"/>
+              </a:spcBef>
+              <a:spcAft>
+                <a:spcPts val="0"/>
+              </a:spcAft>
+              <a:buNone/>
+            </a:pPr>
+            <a:endParaRPr>
+              <a:latin typeface="Open Sans"/>
+              <a:ea typeface="Open Sans"/>
+              <a:cs typeface="Open Sans"/>
+              <a:sym typeface="Open Sans"/>
+            </a:endParaRPr>
+          </a:p>
+        </p:txBody>
+      </p:sp>
+      <p:sp>
+        <p:nvSpPr>
+          <p:cNvPr id="300" name="Google Shape;300;p28"/>
+          <p:cNvSpPr txBox="1">
+            <a:spLocks noGrp="1"/>
+          </p:cNvSpPr>
+          <p:nvPr>
+            <p:ph type="title"/>
+          </p:nvPr>
+        </p:nvSpPr>
+        <p:spPr>
+          <a:xfrm>
+            <a:off x="726600" y="2551250"/>
+            <a:ext cx="3358200" cy="604904"/>
+          </a:xfrm>
+          <a:prstGeom prst="rect">
+            <a:avLst/>
+          </a:prstGeom>
+        </p:spPr>
+        <p:txBody>
+          <a:bodyPr spcFirstLastPara="1" wrap="square" lIns="91425" tIns="91425" rIns="91425" bIns="91425" anchor="b" anchorCtr="0">
+            <a:noAutofit/>
+          </a:bodyPr>
+          <a:lstStyle/>
+          <a:p>
+            <a:pPr marL="0" lvl="0" indent="0" algn="l" rtl="0">
+              <a:spcBef>
+                <a:spcPts val="0"/>
+              </a:spcBef>
+              <a:spcAft>
+                <a:spcPts val="0"/>
+              </a:spcAft>
+              <a:buClr>
+                <a:schemeClr val="dk1"/>
+              </a:buClr>
+              <a:buSzPts val="1100"/>
+              <a:buFont typeface="Arial"/>
+              <a:buNone/>
+            </a:pPr>
+            <a:r>
+              <a:rPr lang="en"/>
+              <a:t>PENDAHULUAN</a:t>
+            </a:r>
+            <a:endParaRPr lang="en-ID"/>
+          </a:p>
+        </p:txBody>
+      </p:sp>
+      <p:sp>
+        <p:nvSpPr>
+          <p:cNvPr id="301" name="Google Shape;301;p28"/>
+          <p:cNvSpPr txBox="1">
+            <a:spLocks noGrp="1"/>
+          </p:cNvSpPr>
+          <p:nvPr>
+            <p:ph type="title" idx="2"/>
+          </p:nvPr>
+        </p:nvSpPr>
+        <p:spPr>
+          <a:xfrm>
+            <a:off x="726600" y="1204076"/>
+            <a:ext cx="1223100" cy="930000"/>
+          </a:xfrm>
+          <a:prstGeom prst="rect">
+            <a:avLst/>
+          </a:prstGeom>
+        </p:spPr>
+        <p:txBody>
+          <a:bodyPr spcFirstLastPara="1" wrap="square" lIns="91425" tIns="91425" rIns="91425" bIns="91425" anchor="ctr" anchorCtr="0">
+            <a:noAutofit/>
+          </a:bodyPr>
+          <a:lstStyle/>
+          <a:p>
+            <a:pPr marL="0" lvl="0" indent="0" algn="ctr" rtl="0">
+              <a:spcBef>
+                <a:spcPts val="0"/>
+              </a:spcBef>
+              <a:spcAft>
+                <a:spcPts val="0"/>
+              </a:spcAft>
+              <a:buNone/>
+            </a:pPr>
+            <a:r>
+              <a:rPr lang="en"/>
+              <a:t>01</a:t>
+            </a:r>
+            <a:endParaRPr/>
+          </a:p>
+        </p:txBody>
+      </p:sp>
+      <p:grpSp>
+        <p:nvGrpSpPr>
+          <p:cNvPr id="303" name="Google Shape;303;p28"/>
+          <p:cNvGrpSpPr/>
+          <p:nvPr/>
+        </p:nvGrpSpPr>
+        <p:grpSpPr>
+          <a:xfrm rot="5400000">
+            <a:off x="2684324" y="1228457"/>
+            <a:ext cx="591073" cy="881399"/>
+            <a:chOff x="9326775" y="2272496"/>
+            <a:chExt cx="411124" cy="613062"/>
+          </a:xfrm>
+        </p:grpSpPr>
+        <p:sp>
+          <p:nvSpPr>
+            <p:cNvPr id="304" name="Google Shape;304;p28"/>
+            <p:cNvSpPr/>
+            <p:nvPr/>
+          </p:nvSpPr>
+          <p:spPr>
+            <a:xfrm>
+              <a:off x="9326775" y="2824737"/>
+              <a:ext cx="60845" cy="60821"/>
+            </a:xfrm>
+            <a:custGeom>
+              <a:avLst/>
+              <a:gdLst/>
+              <a:ahLst/>
+              <a:cxnLst/>
+              <a:rect l="l" t="t" r="r" b="b"/>
+              <a:pathLst>
+                <a:path w="60845" h="60821" extrusionOk="0">
+                  <a:moveTo>
+                    <a:pt x="0" y="0"/>
+                  </a:moveTo>
+                  <a:lnTo>
+                    <a:pt x="60846" y="60822"/>
+                  </a:lnTo>
+                </a:path>
+              </a:pathLst>
+            </a:custGeom>
+            <a:noFill/>
+            <a:ln w="9525" cap="flat" cmpd="sng">
+              <a:solidFill>
+                <a:schemeClr val="dk2"/>
+              </a:solidFill>
+              <a:prstDash val="solid"/>
+              <a:miter lim="8000"/>
+              <a:headEnd type="none" w="sm" len="sm"/>
+              <a:tailEnd type="none" w="sm" len="sm"/>
+            </a:ln>
+          </p:spPr>
+          <p:txBody>
+            <a:bodyPr spcFirstLastPara="1" wrap="square" lIns="91425" tIns="45700" rIns="91425" bIns="45700" anchor="ctr" anchorCtr="0">
+              <a:noAutofit/>
+            </a:bodyPr>
+            <a:lstStyle/>
+            <a:p>
+              <a:pPr marL="0" marR="0" lvl="0" indent="0" algn="l" rtl="0">
+                <a:spcBef>
+                  <a:spcPts val="0"/>
+                </a:spcBef>
+                <a:spcAft>
+                  <a:spcPts val="0"/>
+                </a:spcAft>
+                <a:buNone/>
+              </a:pPr>
+              <a:endParaRPr sz="1800">
+                <a:solidFill>
+                  <a:srgbClr val="000000"/>
+                </a:solidFill>
+                <a:latin typeface="Calibri"/>
+                <a:ea typeface="Calibri"/>
+                <a:cs typeface="Calibri"/>
+                <a:sym typeface="Calibri"/>
+              </a:endParaRPr>
+            </a:p>
+          </p:txBody>
+        </p:sp>
+        <p:sp>
+          <p:nvSpPr>
+            <p:cNvPr id="305" name="Google Shape;305;p28"/>
+            <p:cNvSpPr/>
+            <p:nvPr/>
+          </p:nvSpPr>
+          <p:spPr>
+            <a:xfrm>
+              <a:off x="9326775" y="2824737"/>
+              <a:ext cx="60845" cy="60821"/>
+            </a:xfrm>
+            <a:custGeom>
+              <a:avLst/>
+              <a:gdLst/>
+              <a:ahLst/>
+              <a:cxnLst/>
+              <a:rect l="l" t="t" r="r" b="b"/>
+              <a:pathLst>
+                <a:path w="60845" h="60821" extrusionOk="0">
+                  <a:moveTo>
+                    <a:pt x="60846" y="0"/>
+                  </a:moveTo>
+                  <a:lnTo>
+                    <a:pt x="0" y="60822"/>
+                  </a:lnTo>
+                </a:path>
+              </a:pathLst>
+            </a:custGeom>
+            <a:noFill/>
+            <a:ln w="9525" cap="flat" cmpd="sng">
+              <a:solidFill>
+                <a:schemeClr val="dk2"/>
+              </a:solidFill>
+              <a:prstDash val="solid"/>
+              <a:miter lim="8000"/>
+              <a:headEnd type="none" w="sm" len="sm"/>
+              <a:tailEnd type="none" w="sm" len="sm"/>
+            </a:ln>
+          </p:spPr>
+          <p:txBody>
+            <a:bodyPr spcFirstLastPara="1" wrap="square" lIns="91425" tIns="45700" rIns="91425" bIns="45700" anchor="ctr" anchorCtr="0">
+              <a:noAutofit/>
+            </a:bodyPr>
+            <a:lstStyle/>
+            <a:p>
+              <a:pPr marL="0" marR="0" lvl="0" indent="0" algn="l" rtl="0">
+                <a:spcBef>
+                  <a:spcPts val="0"/>
+                </a:spcBef>
+                <a:spcAft>
+                  <a:spcPts val="0"/>
+                </a:spcAft>
+                <a:buNone/>
+              </a:pPr>
+              <a:endParaRPr sz="1800">
+                <a:solidFill>
+                  <a:srgbClr val="000000"/>
+                </a:solidFill>
+                <a:latin typeface="Calibri"/>
+                <a:ea typeface="Calibri"/>
+                <a:cs typeface="Calibri"/>
+                <a:sym typeface="Calibri"/>
+              </a:endParaRPr>
+            </a:p>
+          </p:txBody>
+        </p:sp>
+        <p:sp>
+          <p:nvSpPr>
+            <p:cNvPr id="306" name="Google Shape;306;p28"/>
+            <p:cNvSpPr/>
+            <p:nvPr/>
+          </p:nvSpPr>
+          <p:spPr>
+            <a:xfrm>
+              <a:off x="9501914" y="2548591"/>
+              <a:ext cx="60845" cy="60821"/>
+            </a:xfrm>
+            <a:custGeom>
+              <a:avLst/>
+              <a:gdLst/>
+              <a:ahLst/>
+              <a:cxnLst/>
+              <a:rect l="l" t="t" r="r" b="b"/>
+              <a:pathLst>
+                <a:path w="60845" h="60821" extrusionOk="0">
+                  <a:moveTo>
+                    <a:pt x="0" y="0"/>
+                  </a:moveTo>
+                  <a:lnTo>
+                    <a:pt x="60846" y="60822"/>
+                  </a:lnTo>
+                </a:path>
+              </a:pathLst>
+            </a:custGeom>
+            <a:noFill/>
+            <a:ln w="9525" cap="flat" cmpd="sng">
+              <a:solidFill>
+                <a:schemeClr val="dk2"/>
+              </a:solidFill>
+              <a:prstDash val="solid"/>
+              <a:miter lim="8000"/>
+              <a:headEnd type="none" w="sm" len="sm"/>
+              <a:tailEnd type="none" w="sm" len="sm"/>
+            </a:ln>
+          </p:spPr>
+          <p:txBody>
+            <a:bodyPr spcFirstLastPara="1" wrap="square" lIns="91425" tIns="45700" rIns="91425" bIns="45700" anchor="ctr" anchorCtr="0">
+              <a:noAutofit/>
+            </a:bodyPr>
+            <a:lstStyle/>
+            <a:p>
+              <a:pPr marL="0" marR="0" lvl="0" indent="0" algn="l" rtl="0">
+                <a:spcBef>
+                  <a:spcPts val="0"/>
+                </a:spcBef>
+                <a:spcAft>
+                  <a:spcPts val="0"/>
+                </a:spcAft>
+                <a:buNone/>
+              </a:pPr>
+              <a:endParaRPr sz="1800">
+                <a:solidFill>
+                  <a:srgbClr val="000000"/>
+                </a:solidFill>
+                <a:latin typeface="Calibri"/>
+                <a:ea typeface="Calibri"/>
+                <a:cs typeface="Calibri"/>
+                <a:sym typeface="Calibri"/>
+              </a:endParaRPr>
+            </a:p>
+          </p:txBody>
+        </p:sp>
+        <p:sp>
+          <p:nvSpPr>
+            <p:cNvPr id="307" name="Google Shape;307;p28"/>
+            <p:cNvSpPr/>
+            <p:nvPr/>
+          </p:nvSpPr>
+          <p:spPr>
+            <a:xfrm>
+              <a:off x="9501914" y="2548591"/>
+              <a:ext cx="60845" cy="60821"/>
+            </a:xfrm>
+            <a:custGeom>
+              <a:avLst/>
+              <a:gdLst/>
+              <a:ahLst/>
+              <a:cxnLst/>
+              <a:rect l="l" t="t" r="r" b="b"/>
+              <a:pathLst>
+                <a:path w="60845" h="60821" extrusionOk="0">
+                  <a:moveTo>
+                    <a:pt x="60846" y="0"/>
+                  </a:moveTo>
+                  <a:lnTo>
+                    <a:pt x="0" y="60822"/>
+                  </a:lnTo>
+                </a:path>
+              </a:pathLst>
+            </a:custGeom>
+            <a:noFill/>
+            <a:ln w="9525" cap="flat" cmpd="sng">
+              <a:solidFill>
+                <a:schemeClr val="dk2"/>
+              </a:solidFill>
+              <a:prstDash val="solid"/>
+              <a:miter lim="8000"/>
+              <a:headEnd type="none" w="sm" len="sm"/>
+              <a:tailEnd type="none" w="sm" len="sm"/>
+            </a:ln>
+          </p:spPr>
+          <p:txBody>
+            <a:bodyPr spcFirstLastPara="1" wrap="square" lIns="91425" tIns="45700" rIns="91425" bIns="45700" anchor="ctr" anchorCtr="0">
+              <a:noAutofit/>
+            </a:bodyPr>
+            <a:lstStyle/>
+            <a:p>
+              <a:pPr marL="0" marR="0" lvl="0" indent="0" algn="l" rtl="0">
+                <a:spcBef>
+                  <a:spcPts val="0"/>
+                </a:spcBef>
+                <a:spcAft>
+                  <a:spcPts val="0"/>
+                </a:spcAft>
+                <a:buNone/>
+              </a:pPr>
+              <a:endParaRPr sz="1800">
+                <a:solidFill>
+                  <a:srgbClr val="000000"/>
+                </a:solidFill>
+                <a:latin typeface="Calibri"/>
+                <a:ea typeface="Calibri"/>
+                <a:cs typeface="Calibri"/>
+                <a:sym typeface="Calibri"/>
+              </a:endParaRPr>
+            </a:p>
+          </p:txBody>
+        </p:sp>
+        <p:sp>
+          <p:nvSpPr>
+            <p:cNvPr id="308" name="Google Shape;308;p28"/>
+            <p:cNvSpPr/>
+            <p:nvPr/>
+          </p:nvSpPr>
+          <p:spPr>
+            <a:xfrm>
+              <a:off x="9501914" y="2824737"/>
+              <a:ext cx="60845" cy="60821"/>
+            </a:xfrm>
+            <a:custGeom>
+              <a:avLst/>
+              <a:gdLst/>
+              <a:ahLst/>
+              <a:cxnLst/>
+              <a:rect l="l" t="t" r="r" b="b"/>
+              <a:pathLst>
+                <a:path w="60845" h="60821" extrusionOk="0">
+                  <a:moveTo>
+                    <a:pt x="0" y="0"/>
+                  </a:moveTo>
+                  <a:lnTo>
+                    <a:pt x="60846" y="60822"/>
+                  </a:lnTo>
+                </a:path>
+              </a:pathLst>
+            </a:custGeom>
+            <a:noFill/>
+            <a:ln w="9525" cap="flat" cmpd="sng">
+              <a:solidFill>
+                <a:schemeClr val="dk2"/>
+              </a:solidFill>
+              <a:prstDash val="solid"/>
+              <a:miter lim="8000"/>
+              <a:headEnd type="none" w="sm" len="sm"/>
+              <a:tailEnd type="none" w="sm" len="sm"/>
+            </a:ln>
+          </p:spPr>
+          <p:txBody>
+            <a:bodyPr spcFirstLastPara="1" wrap="square" lIns="91425" tIns="45700" rIns="91425" bIns="45700" anchor="ctr" anchorCtr="0">
+              <a:noAutofit/>
+            </a:bodyPr>
+            <a:lstStyle/>
+            <a:p>
+              <a:pPr marL="0" marR="0" lvl="0" indent="0" algn="l" rtl="0">
+                <a:spcBef>
+                  <a:spcPts val="0"/>
+                </a:spcBef>
+                <a:spcAft>
+                  <a:spcPts val="0"/>
+                </a:spcAft>
+                <a:buNone/>
+              </a:pPr>
+              <a:endParaRPr sz="1800">
+                <a:solidFill>
+                  <a:srgbClr val="000000"/>
+                </a:solidFill>
+                <a:latin typeface="Calibri"/>
+                <a:ea typeface="Calibri"/>
+                <a:cs typeface="Calibri"/>
+                <a:sym typeface="Calibri"/>
+              </a:endParaRPr>
+            </a:p>
+          </p:txBody>
+        </p:sp>
+        <p:sp>
+          <p:nvSpPr>
+            <p:cNvPr id="309" name="Google Shape;309;p28"/>
+            <p:cNvSpPr/>
+            <p:nvPr/>
+          </p:nvSpPr>
+          <p:spPr>
+            <a:xfrm>
+              <a:off x="9501914" y="2824737"/>
+              <a:ext cx="60845" cy="60821"/>
+            </a:xfrm>
+            <a:custGeom>
+              <a:avLst/>
+              <a:gdLst/>
+              <a:ahLst/>
+              <a:cxnLst/>
+              <a:rect l="l" t="t" r="r" b="b"/>
+              <a:pathLst>
+                <a:path w="60845" h="60821" extrusionOk="0">
+                  <a:moveTo>
+                    <a:pt x="60846" y="0"/>
+                  </a:moveTo>
+                  <a:lnTo>
+                    <a:pt x="0" y="60822"/>
+                  </a:lnTo>
+                </a:path>
+              </a:pathLst>
+            </a:custGeom>
+            <a:noFill/>
+            <a:ln w="9525" cap="flat" cmpd="sng">
+              <a:solidFill>
+                <a:schemeClr val="dk2"/>
+              </a:solidFill>
+              <a:prstDash val="solid"/>
+              <a:miter lim="8000"/>
+              <a:headEnd type="none" w="sm" len="sm"/>
+              <a:tailEnd type="none" w="sm" len="sm"/>
+            </a:ln>
+          </p:spPr>
+          <p:txBody>
+            <a:bodyPr spcFirstLastPara="1" wrap="square" lIns="91425" tIns="45700" rIns="91425" bIns="45700" anchor="ctr" anchorCtr="0">
+              <a:noAutofit/>
+            </a:bodyPr>
+            <a:lstStyle/>
+            <a:p>
+              <a:pPr marL="0" marR="0" lvl="0" indent="0" algn="l" rtl="0">
+                <a:spcBef>
+                  <a:spcPts val="0"/>
+                </a:spcBef>
+                <a:spcAft>
+                  <a:spcPts val="0"/>
+                </a:spcAft>
+                <a:buNone/>
+              </a:pPr>
+              <a:endParaRPr sz="1800">
+                <a:solidFill>
+                  <a:srgbClr val="000000"/>
+                </a:solidFill>
+                <a:latin typeface="Calibri"/>
+                <a:ea typeface="Calibri"/>
+                <a:cs typeface="Calibri"/>
+                <a:sym typeface="Calibri"/>
+              </a:endParaRPr>
+            </a:p>
+          </p:txBody>
+        </p:sp>
+        <p:sp>
+          <p:nvSpPr>
+            <p:cNvPr id="310" name="Google Shape;310;p28"/>
+            <p:cNvSpPr/>
+            <p:nvPr/>
+          </p:nvSpPr>
+          <p:spPr>
+            <a:xfrm>
+              <a:off x="9677054" y="2272496"/>
+              <a:ext cx="60845" cy="60821"/>
+            </a:xfrm>
+            <a:custGeom>
+              <a:avLst/>
+              <a:gdLst/>
+              <a:ahLst/>
+              <a:cxnLst/>
+              <a:rect l="l" t="t" r="r" b="b"/>
+              <a:pathLst>
+                <a:path w="60845" h="60821" extrusionOk="0">
+                  <a:moveTo>
+                    <a:pt x="0" y="0"/>
+                  </a:moveTo>
+                  <a:lnTo>
+                    <a:pt x="60846" y="60822"/>
+                  </a:lnTo>
+                </a:path>
+              </a:pathLst>
+            </a:custGeom>
+            <a:noFill/>
+            <a:ln w="9525" cap="flat" cmpd="sng">
+              <a:solidFill>
+                <a:schemeClr val="dk2"/>
+              </a:solidFill>
+              <a:prstDash val="solid"/>
+              <a:miter lim="8000"/>
+              <a:headEnd type="none" w="sm" len="sm"/>
+              <a:tailEnd type="none" w="sm" len="sm"/>
+            </a:ln>
+          </p:spPr>
+          <p:txBody>
+            <a:bodyPr spcFirstLastPara="1" wrap="square" lIns="91425" tIns="45700" rIns="91425" bIns="45700" anchor="ctr" anchorCtr="0">
+              <a:noAutofit/>
+            </a:bodyPr>
+            <a:lstStyle/>
+            <a:p>
+              <a:pPr marL="0" marR="0" lvl="0" indent="0" algn="l" rtl="0">
+                <a:spcBef>
+                  <a:spcPts val="0"/>
+                </a:spcBef>
+                <a:spcAft>
+                  <a:spcPts val="0"/>
+                </a:spcAft>
+                <a:buNone/>
+              </a:pPr>
+              <a:endParaRPr sz="1800">
+                <a:solidFill>
+                  <a:srgbClr val="000000"/>
+                </a:solidFill>
+                <a:latin typeface="Calibri"/>
+                <a:ea typeface="Calibri"/>
+                <a:cs typeface="Calibri"/>
+                <a:sym typeface="Calibri"/>
+              </a:endParaRPr>
+            </a:p>
+          </p:txBody>
+        </p:sp>
+        <p:sp>
+          <p:nvSpPr>
+            <p:cNvPr id="311" name="Google Shape;311;p28"/>
+            <p:cNvSpPr/>
+            <p:nvPr/>
+          </p:nvSpPr>
+          <p:spPr>
+            <a:xfrm>
+              <a:off x="9677054" y="2272496"/>
+              <a:ext cx="60845" cy="60821"/>
+            </a:xfrm>
+            <a:custGeom>
+              <a:avLst/>
+              <a:gdLst/>
+              <a:ahLst/>
+              <a:cxnLst/>
+              <a:rect l="l" t="t" r="r" b="b"/>
+              <a:pathLst>
+                <a:path w="60845" h="60821" extrusionOk="0">
+                  <a:moveTo>
+                    <a:pt x="60846" y="0"/>
+                  </a:moveTo>
+                  <a:lnTo>
+                    <a:pt x="0" y="60822"/>
+                  </a:lnTo>
+                </a:path>
+              </a:pathLst>
+            </a:custGeom>
+            <a:noFill/>
+            <a:ln w="9525" cap="flat" cmpd="sng">
+              <a:solidFill>
+                <a:schemeClr val="dk2"/>
+              </a:solidFill>
+              <a:prstDash val="solid"/>
+              <a:miter lim="8000"/>
+              <a:headEnd type="none" w="sm" len="sm"/>
+              <a:tailEnd type="none" w="sm" len="sm"/>
+            </a:ln>
+          </p:spPr>
+          <p:txBody>
+            <a:bodyPr spcFirstLastPara="1" wrap="square" lIns="91425" tIns="45700" rIns="91425" bIns="45700" anchor="ctr" anchorCtr="0">
+              <a:noAutofit/>
+            </a:bodyPr>
+            <a:lstStyle/>
+            <a:p>
+              <a:pPr marL="0" marR="0" lvl="0" indent="0" algn="l" rtl="0">
+                <a:spcBef>
+                  <a:spcPts val="0"/>
+                </a:spcBef>
+                <a:spcAft>
+                  <a:spcPts val="0"/>
+                </a:spcAft>
+                <a:buNone/>
+              </a:pPr>
+              <a:endParaRPr sz="1800">
+                <a:solidFill>
+                  <a:srgbClr val="000000"/>
+                </a:solidFill>
+                <a:latin typeface="Calibri"/>
+                <a:ea typeface="Calibri"/>
+                <a:cs typeface="Calibri"/>
+                <a:sym typeface="Calibri"/>
+              </a:endParaRPr>
+            </a:p>
+          </p:txBody>
+        </p:sp>
+        <p:sp>
+          <p:nvSpPr>
+            <p:cNvPr id="312" name="Google Shape;312;p28"/>
+            <p:cNvSpPr/>
+            <p:nvPr/>
+          </p:nvSpPr>
+          <p:spPr>
+            <a:xfrm>
+              <a:off x="9677054" y="2548591"/>
+              <a:ext cx="60845" cy="60821"/>
+            </a:xfrm>
+            <a:custGeom>
+              <a:avLst/>
+              <a:gdLst/>
+              <a:ahLst/>
+              <a:cxnLst/>
+              <a:rect l="l" t="t" r="r" b="b"/>
+              <a:pathLst>
+                <a:path w="60845" h="60821" extrusionOk="0">
+                  <a:moveTo>
+                    <a:pt x="0" y="0"/>
+                  </a:moveTo>
+                  <a:lnTo>
+                    <a:pt x="60846" y="60822"/>
+                  </a:lnTo>
+                </a:path>
+              </a:pathLst>
+            </a:custGeom>
+            <a:noFill/>
+            <a:ln w="9525" cap="flat" cmpd="sng">
+              <a:solidFill>
+                <a:schemeClr val="dk2"/>
+              </a:solidFill>
+              <a:prstDash val="solid"/>
+              <a:miter lim="8000"/>
+              <a:headEnd type="none" w="sm" len="sm"/>
+              <a:tailEnd type="none" w="sm" len="sm"/>
+            </a:ln>
+          </p:spPr>
+          <p:txBody>
+            <a:bodyPr spcFirstLastPara="1" wrap="square" lIns="91425" tIns="45700" rIns="91425" bIns="45700" anchor="ctr" anchorCtr="0">
+              <a:noAutofit/>
+            </a:bodyPr>
+            <a:lstStyle/>
+            <a:p>
+              <a:pPr marL="0" marR="0" lvl="0" indent="0" algn="l" rtl="0">
+                <a:spcBef>
+                  <a:spcPts val="0"/>
+                </a:spcBef>
+                <a:spcAft>
+                  <a:spcPts val="0"/>
+                </a:spcAft>
+                <a:buNone/>
+              </a:pPr>
+              <a:endParaRPr sz="1800">
+                <a:solidFill>
+                  <a:srgbClr val="000000"/>
+                </a:solidFill>
+                <a:latin typeface="Calibri"/>
+                <a:ea typeface="Calibri"/>
+                <a:cs typeface="Calibri"/>
+                <a:sym typeface="Calibri"/>
+              </a:endParaRPr>
+            </a:p>
+          </p:txBody>
+        </p:sp>
+        <p:sp>
+          <p:nvSpPr>
+            <p:cNvPr id="313" name="Google Shape;313;p28"/>
+            <p:cNvSpPr/>
+            <p:nvPr/>
+          </p:nvSpPr>
+          <p:spPr>
+            <a:xfrm>
+              <a:off x="9677054" y="2548591"/>
+              <a:ext cx="60845" cy="60821"/>
+            </a:xfrm>
+            <a:custGeom>
+              <a:avLst/>
+              <a:gdLst/>
+              <a:ahLst/>
+              <a:cxnLst/>
+              <a:rect l="l" t="t" r="r" b="b"/>
+              <a:pathLst>
+                <a:path w="60845" h="60821" extrusionOk="0">
+                  <a:moveTo>
+                    <a:pt x="60846" y="0"/>
+                  </a:moveTo>
+                  <a:lnTo>
+                    <a:pt x="0" y="60822"/>
+                  </a:lnTo>
+                </a:path>
+              </a:pathLst>
+            </a:custGeom>
+            <a:noFill/>
+            <a:ln w="9525" cap="flat" cmpd="sng">
+              <a:solidFill>
+                <a:schemeClr val="dk2"/>
+              </a:solidFill>
+              <a:prstDash val="solid"/>
+              <a:miter lim="8000"/>
+              <a:headEnd type="none" w="sm" len="sm"/>
+              <a:tailEnd type="none" w="sm" len="sm"/>
+            </a:ln>
+          </p:spPr>
+          <p:txBody>
+            <a:bodyPr spcFirstLastPara="1" wrap="square" lIns="91425" tIns="45700" rIns="91425" bIns="45700" anchor="ctr" anchorCtr="0">
+              <a:noAutofit/>
+            </a:bodyPr>
+            <a:lstStyle/>
+            <a:p>
+              <a:pPr marL="0" marR="0" lvl="0" indent="0" algn="l" rtl="0">
+                <a:spcBef>
+                  <a:spcPts val="0"/>
+                </a:spcBef>
+                <a:spcAft>
+                  <a:spcPts val="0"/>
+                </a:spcAft>
+                <a:buNone/>
+              </a:pPr>
+              <a:endParaRPr sz="1800">
+                <a:solidFill>
+                  <a:srgbClr val="000000"/>
+                </a:solidFill>
+                <a:latin typeface="Calibri"/>
+                <a:ea typeface="Calibri"/>
+                <a:cs typeface="Calibri"/>
+                <a:sym typeface="Calibri"/>
+              </a:endParaRPr>
+            </a:p>
+          </p:txBody>
+        </p:sp>
+        <p:sp>
+          <p:nvSpPr>
+            <p:cNvPr id="314" name="Google Shape;314;p28"/>
+            <p:cNvSpPr/>
+            <p:nvPr/>
+          </p:nvSpPr>
+          <p:spPr>
+            <a:xfrm>
+              <a:off x="9677054" y="2824737"/>
+              <a:ext cx="60845" cy="60821"/>
+            </a:xfrm>
+            <a:custGeom>
+              <a:avLst/>
+              <a:gdLst/>
+              <a:ahLst/>
+              <a:cxnLst/>
+              <a:rect l="l" t="t" r="r" b="b"/>
+              <a:pathLst>
+                <a:path w="60845" h="60821" extrusionOk="0">
+                  <a:moveTo>
+                    <a:pt x="0" y="0"/>
+                  </a:moveTo>
+                  <a:lnTo>
+                    <a:pt x="60846" y="60822"/>
+                  </a:lnTo>
+                </a:path>
+              </a:pathLst>
+            </a:custGeom>
+            <a:noFill/>
+            <a:ln w="9525" cap="flat" cmpd="sng">
+              <a:solidFill>
+                <a:schemeClr val="dk2"/>
+              </a:solidFill>
+              <a:prstDash val="solid"/>
+              <a:miter lim="8000"/>
+              <a:headEnd type="none" w="sm" len="sm"/>
+              <a:tailEnd type="none" w="sm" len="sm"/>
+            </a:ln>
+          </p:spPr>
+          <p:txBody>
+            <a:bodyPr spcFirstLastPara="1" wrap="square" lIns="91425" tIns="45700" rIns="91425" bIns="45700" anchor="ctr" anchorCtr="0">
+              <a:noAutofit/>
+            </a:bodyPr>
+            <a:lstStyle/>
+            <a:p>
+              <a:pPr marL="0" marR="0" lvl="0" indent="0" algn="l" rtl="0">
+                <a:spcBef>
+                  <a:spcPts val="0"/>
+                </a:spcBef>
+                <a:spcAft>
+                  <a:spcPts val="0"/>
+                </a:spcAft>
+                <a:buNone/>
+              </a:pPr>
+              <a:endParaRPr sz="1800">
+                <a:solidFill>
+                  <a:srgbClr val="000000"/>
+                </a:solidFill>
+                <a:latin typeface="Calibri"/>
+                <a:ea typeface="Calibri"/>
+                <a:cs typeface="Calibri"/>
+                <a:sym typeface="Calibri"/>
+              </a:endParaRPr>
+            </a:p>
+          </p:txBody>
+        </p:sp>
+        <p:sp>
+          <p:nvSpPr>
+            <p:cNvPr id="315" name="Google Shape;315;p28"/>
+            <p:cNvSpPr/>
+            <p:nvPr/>
+          </p:nvSpPr>
+          <p:spPr>
+            <a:xfrm>
+              <a:off x="9677054" y="2824737"/>
+              <a:ext cx="60845" cy="60821"/>
+            </a:xfrm>
+            <a:custGeom>
+              <a:avLst/>
+              <a:gdLst/>
+              <a:ahLst/>
+              <a:cxnLst/>
+              <a:rect l="l" t="t" r="r" b="b"/>
+              <a:pathLst>
+                <a:path w="60845" h="60821" extrusionOk="0">
+                  <a:moveTo>
+                    <a:pt x="60846" y="0"/>
+                  </a:moveTo>
+                  <a:lnTo>
+                    <a:pt x="0" y="60822"/>
+                  </a:lnTo>
+                </a:path>
+              </a:pathLst>
+            </a:custGeom>
+            <a:noFill/>
+            <a:ln w="9525" cap="flat" cmpd="sng">
+              <a:solidFill>
+                <a:schemeClr val="dk2"/>
+              </a:solidFill>
+              <a:prstDash val="solid"/>
+              <a:miter lim="8000"/>
+              <a:headEnd type="none" w="sm" len="sm"/>
+              <a:tailEnd type="none" w="sm" len="sm"/>
+            </a:ln>
+          </p:spPr>
+          <p:txBody>
+            <a:bodyPr spcFirstLastPara="1" wrap="square" lIns="91425" tIns="45700" rIns="91425" bIns="45700" anchor="ctr" anchorCtr="0">
+              <a:noAutofit/>
+            </a:bodyPr>
+            <a:lstStyle/>
+            <a:p>
+              <a:pPr marL="0" marR="0" lvl="0" indent="0" algn="l" rtl="0">
+                <a:spcBef>
+                  <a:spcPts val="0"/>
+                </a:spcBef>
+                <a:spcAft>
+                  <a:spcPts val="0"/>
+                </a:spcAft>
+                <a:buNone/>
+              </a:pPr>
+              <a:endParaRPr sz="1800">
+                <a:solidFill>
+                  <a:srgbClr val="000000"/>
+                </a:solidFill>
+                <a:latin typeface="Calibri"/>
+                <a:ea typeface="Calibri"/>
+                <a:cs typeface="Calibri"/>
+                <a:sym typeface="Calibri"/>
+              </a:endParaRPr>
+            </a:p>
+          </p:txBody>
+        </p:sp>
+      </p:grpSp>
+      <p:grpSp>
+        <p:nvGrpSpPr>
+          <p:cNvPr id="316" name="Google Shape;316;p28"/>
+          <p:cNvGrpSpPr/>
+          <p:nvPr/>
+        </p:nvGrpSpPr>
+        <p:grpSpPr>
+          <a:xfrm rot="10800000">
+            <a:off x="4521098" y="1352343"/>
+            <a:ext cx="1052471" cy="1049743"/>
+            <a:chOff x="328257" y="3897070"/>
+            <a:chExt cx="1052471" cy="1049743"/>
+          </a:xfrm>
+        </p:grpSpPr>
+        <p:sp>
+          <p:nvSpPr>
+            <p:cNvPr id="317" name="Google Shape;317;p28"/>
+            <p:cNvSpPr/>
+            <p:nvPr/>
+          </p:nvSpPr>
+          <p:spPr>
+            <a:xfrm>
+              <a:off x="328257" y="4219289"/>
+              <a:ext cx="730126" cy="727525"/>
+            </a:xfrm>
+            <a:custGeom>
+              <a:avLst/>
+              <a:gdLst/>
+              <a:ahLst/>
+              <a:cxnLst/>
+              <a:rect l="l" t="t" r="r" b="b"/>
+              <a:pathLst>
+                <a:path w="507914" h="506104" extrusionOk="0">
+                  <a:moveTo>
+                    <a:pt x="0" y="53375"/>
+                  </a:moveTo>
+                  <a:cubicBezTo>
+                    <a:pt x="0" y="23897"/>
+                    <a:pt x="23906" y="0"/>
+                    <a:pt x="53396" y="0"/>
+                  </a:cubicBezTo>
+                  <a:lnTo>
+                    <a:pt x="454519" y="0"/>
+                  </a:lnTo>
+                  <a:cubicBezTo>
+                    <a:pt x="484009" y="0"/>
+                    <a:pt x="507915" y="23897"/>
+                    <a:pt x="507915" y="53375"/>
+                  </a:cubicBezTo>
+                  <a:lnTo>
+                    <a:pt x="507915" y="454342"/>
+                  </a:lnTo>
+                  <a:cubicBezTo>
+                    <a:pt x="506993" y="483837"/>
+                    <a:pt x="482326" y="506999"/>
+                    <a:pt x="452826" y="506077"/>
+                  </a:cubicBezTo>
+                  <a:cubicBezTo>
+                    <a:pt x="424617" y="505198"/>
+                    <a:pt x="401951" y="482540"/>
+                    <a:pt x="401070" y="454342"/>
+                  </a:cubicBezTo>
+                  <a:lnTo>
+                    <a:pt x="401070" y="106803"/>
+                  </a:lnTo>
+                  <a:lnTo>
+                    <a:pt x="53396" y="106803"/>
+                  </a:lnTo>
+                  <a:cubicBezTo>
+                    <a:pt x="23906" y="106803"/>
+                    <a:pt x="0" y="82907"/>
+                    <a:pt x="0" y="53428"/>
+                  </a:cubicBezTo>
+                  <a:cubicBezTo>
+                    <a:pt x="0" y="53412"/>
+                    <a:pt x="0" y="53391"/>
+                    <a:pt x="0" y="53375"/>
+                  </a:cubicBezTo>
+                  <a:close/>
+                </a:path>
+              </a:pathLst>
+            </a:custGeom>
+            <a:noFill/>
+            <a:ln w="9525" cap="flat" cmpd="sng">
+              <a:solidFill>
+                <a:schemeClr val="dk2"/>
+              </a:solidFill>
+              <a:prstDash val="solid"/>
+              <a:miter lim="8000"/>
+              <a:headEnd type="none" w="sm" len="sm"/>
+              <a:tailEnd type="none" w="sm" len="sm"/>
+            </a:ln>
+          </p:spPr>
+          <p:txBody>
+            <a:bodyPr spcFirstLastPara="1" wrap="square" lIns="91425" tIns="45700" rIns="91425" bIns="45700" anchor="ctr" anchorCtr="0">
+              <a:noAutofit/>
+            </a:bodyPr>
+            <a:lstStyle/>
+            <a:p>
+              <a:pPr marL="0" marR="0" lvl="0" indent="0" algn="l" rtl="0">
+                <a:spcBef>
+                  <a:spcPts val="0"/>
+                </a:spcBef>
+                <a:spcAft>
+                  <a:spcPts val="0"/>
+                </a:spcAft>
+                <a:buNone/>
+              </a:pPr>
+              <a:endParaRPr sz="1800">
+                <a:solidFill>
+                  <a:srgbClr val="000000"/>
+                </a:solidFill>
+                <a:latin typeface="Calibri"/>
+                <a:ea typeface="Calibri"/>
+                <a:cs typeface="Calibri"/>
+                <a:sym typeface="Calibri"/>
+              </a:endParaRPr>
+            </a:p>
+          </p:txBody>
+        </p:sp>
+        <p:sp>
+          <p:nvSpPr>
+            <p:cNvPr id="318" name="Google Shape;318;p28"/>
+            <p:cNvSpPr/>
+            <p:nvPr/>
+          </p:nvSpPr>
+          <p:spPr>
+            <a:xfrm>
+              <a:off x="650602" y="3897070"/>
+              <a:ext cx="730126" cy="727525"/>
+            </a:xfrm>
+            <a:custGeom>
+              <a:avLst/>
+              <a:gdLst/>
+              <a:ahLst/>
+              <a:cxnLst/>
+              <a:rect l="l" t="t" r="r" b="b"/>
+              <a:pathLst>
+                <a:path w="507914" h="506104" extrusionOk="0">
+                  <a:moveTo>
+                    <a:pt x="0" y="53375"/>
+                  </a:moveTo>
+                  <a:cubicBezTo>
+                    <a:pt x="0" y="23897"/>
+                    <a:pt x="23906" y="0"/>
+                    <a:pt x="53396" y="0"/>
+                  </a:cubicBezTo>
+                  <a:lnTo>
+                    <a:pt x="454519" y="0"/>
+                  </a:lnTo>
+                  <a:cubicBezTo>
+                    <a:pt x="484009" y="0"/>
+                    <a:pt x="507915" y="23897"/>
+                    <a:pt x="507915" y="53375"/>
+                  </a:cubicBezTo>
+                  <a:lnTo>
+                    <a:pt x="507915" y="454342"/>
+                  </a:lnTo>
+                  <a:cubicBezTo>
+                    <a:pt x="506993" y="483837"/>
+                    <a:pt x="482326" y="506999"/>
+                    <a:pt x="452826" y="506077"/>
+                  </a:cubicBezTo>
+                  <a:cubicBezTo>
+                    <a:pt x="424617" y="505197"/>
+                    <a:pt x="401951" y="482540"/>
+                    <a:pt x="401070" y="454342"/>
+                  </a:cubicBezTo>
+                  <a:lnTo>
+                    <a:pt x="401070" y="106751"/>
+                  </a:lnTo>
+                  <a:lnTo>
+                    <a:pt x="53396" y="106751"/>
+                  </a:lnTo>
+                  <a:cubicBezTo>
+                    <a:pt x="23906" y="106751"/>
+                    <a:pt x="0" y="82854"/>
+                    <a:pt x="0" y="53375"/>
+                  </a:cubicBezTo>
+                  <a:close/>
+                </a:path>
+              </a:pathLst>
+            </a:custGeom>
+            <a:noFill/>
+            <a:ln w="9525" cap="flat" cmpd="sng">
+              <a:solidFill>
+                <a:schemeClr val="dk2"/>
+              </a:solidFill>
+              <a:prstDash val="solid"/>
+              <a:miter lim="8000"/>
+              <a:headEnd type="none" w="sm" len="sm"/>
+              <a:tailEnd type="none" w="sm" len="sm"/>
+            </a:ln>
+          </p:spPr>
+          <p:txBody>
+            <a:bodyPr spcFirstLastPara="1" wrap="square" lIns="91425" tIns="45700" rIns="91425" bIns="45700" anchor="ctr" anchorCtr="0">
+              <a:noAutofit/>
+            </a:bodyPr>
+            <a:lstStyle/>
+            <a:p>
+              <a:pPr marL="0" marR="0" lvl="0" indent="0" algn="l" rtl="0">
+                <a:spcBef>
+                  <a:spcPts val="0"/>
+                </a:spcBef>
+                <a:spcAft>
+                  <a:spcPts val="0"/>
+                </a:spcAft>
+                <a:buNone/>
+              </a:pPr>
+              <a:endParaRPr sz="1800">
+                <a:solidFill>
+                  <a:srgbClr val="000000"/>
+                </a:solidFill>
+                <a:latin typeface="Calibri"/>
+                <a:ea typeface="Calibri"/>
+                <a:cs typeface="Calibri"/>
+                <a:sym typeface="Calibri"/>
+              </a:endParaRPr>
+            </a:p>
+          </p:txBody>
+        </p:sp>
+      </p:grpSp>
+      <p:pic>
+        <p:nvPicPr>
+          <p:cNvPr id="2" name="object 27">
+            <a:extLst>
+              <a:ext uri="{FF2B5EF4-FFF2-40B4-BE49-F238E27FC236}">
+                <a16:creationId xmlns:a16="http://schemas.microsoft.com/office/drawing/2014/main" id="{6622D0ED-EC9A-A0B2-EABC-B15A5294B731}"/>
+              </a:ext>
+            </a:extLst>
+          </p:cNvPr>
+          <p:cNvPicPr/>
+          <p:nvPr/>
+        </p:nvPicPr>
+        <p:blipFill>
+          <a:blip r:embed="rId3" cstate="print"/>
+          <a:stretch>
+            <a:fillRect/>
+          </a:stretch>
+        </p:blipFill>
+        <p:spPr>
+          <a:xfrm>
+            <a:off x="0" y="46946"/>
+            <a:ext cx="3129776" cy="661742"/>
+          </a:xfrm>
+          <a:prstGeom prst="rect">
+            <a:avLst/>
+          </a:prstGeom>
+        </p:spPr>
+      </p:pic>
+      <p:sp>
+        <p:nvSpPr>
+          <p:cNvPr id="13" name="Oval 12">
+            <a:extLst>
+              <a:ext uri="{FF2B5EF4-FFF2-40B4-BE49-F238E27FC236}">
+                <a16:creationId xmlns:a16="http://schemas.microsoft.com/office/drawing/2014/main" id="{07EC7278-0893-9482-CF77-A786430C507C}"/>
+              </a:ext>
+            </a:extLst>
+          </p:cNvPr>
+          <p:cNvSpPr/>
+          <p:nvPr/>
+        </p:nvSpPr>
+        <p:spPr>
+          <a:xfrm>
+            <a:off x="4377694" y="3978483"/>
+            <a:ext cx="3244883" cy="3244883"/>
+          </a:xfrm>
+          <a:prstGeom prst="ellipse">
+            <a:avLst/>
+          </a:prstGeom>
+          <a:solidFill>
+            <a:schemeClr val="tx2">
+              <a:lumMod val="50000"/>
+            </a:schemeClr>
+          </a:solidFill>
+          <a:ln>
+            <a:noFill/>
+          </a:ln>
+        </p:spPr>
+        <p:style>
+          <a:lnRef idx="2">
+            <a:schemeClr val="dk1">
+              <a:shade val="15000"/>
+            </a:schemeClr>
+          </a:lnRef>
+          <a:fillRef idx="1">
+            <a:schemeClr val="dk1"/>
+          </a:fillRef>
+          <a:effectRef idx="0">
+            <a:schemeClr val="dk1"/>
+          </a:effectRef>
+          <a:fontRef idx="minor">
+            <a:schemeClr val="lt1"/>
+          </a:fontRef>
+        </p:style>
+        <p:txBody>
+          <a:bodyPr rtlCol="0" anchor="ctr"/>
+          <a:lstStyle/>
+          <a:p>
+            <a:pPr algn="ctr"/>
+            <a:endParaRPr lang="en-ID"/>
+          </a:p>
+        </p:txBody>
+      </p:sp>
+      <p:sp>
+        <p:nvSpPr>
+          <p:cNvPr id="12" name="Rectangle 11">
+            <a:extLst>
+              <a:ext uri="{FF2B5EF4-FFF2-40B4-BE49-F238E27FC236}">
+                <a16:creationId xmlns:a16="http://schemas.microsoft.com/office/drawing/2014/main" id="{6E7B39A3-ECBC-F9B5-F5B3-8AF0968DCC53}"/>
+              </a:ext>
+            </a:extLst>
+          </p:cNvPr>
+          <p:cNvSpPr/>
+          <p:nvPr/>
+        </p:nvSpPr>
+        <p:spPr>
+          <a:xfrm>
+            <a:off x="5858107" y="0"/>
+            <a:ext cx="3358200" cy="5143500"/>
+          </a:xfrm>
+          <a:prstGeom prst="rect">
+            <a:avLst/>
+          </a:prstGeom>
+          <a:solidFill>
+            <a:srgbClr val="FFCC28"/>
+          </a:solidFill>
+          <a:ln>
+            <a:noFill/>
+          </a:ln>
+        </p:spPr>
+        <p:style>
+          <a:lnRef idx="2">
+            <a:schemeClr val="accent1">
+              <a:shade val="15000"/>
+            </a:schemeClr>
+          </a:lnRef>
+          <a:fillRef idx="1">
+            <a:schemeClr val="accent1"/>
+          </a:fillRef>
+          <a:effectRef idx="0">
+            <a:schemeClr val="accent1"/>
+          </a:effectRef>
+          <a:fontRef idx="minor">
+            <a:schemeClr val="lt1"/>
+          </a:fontRef>
+        </p:style>
+        <p:txBody>
+          <a:bodyPr rtlCol="0" anchor="ctr"/>
+          <a:lstStyle/>
+          <a:p>
+            <a:pPr algn="ctr"/>
+            <a:endParaRPr lang="en-ID"/>
+          </a:p>
+        </p:txBody>
+      </p:sp>
+      <p:pic>
+        <p:nvPicPr>
+          <p:cNvPr id="8" name="object 28">
+            <a:extLst>
+              <a:ext uri="{FF2B5EF4-FFF2-40B4-BE49-F238E27FC236}">
+                <a16:creationId xmlns:a16="http://schemas.microsoft.com/office/drawing/2014/main" id="{B3210C3D-8304-EA3A-0377-07484EC2FC5A}"/>
+              </a:ext>
+            </a:extLst>
+          </p:cNvPr>
+          <p:cNvPicPr/>
+          <p:nvPr/>
+        </p:nvPicPr>
+        <p:blipFill>
+          <a:blip r:embed="rId4" cstate="print">
+            <a:extLst>
+              <a:ext uri="{BEBA8EAE-BF5A-486C-A8C5-ECC9F3942E4B}">
+                <a14:imgProps xmlns:a14="http://schemas.microsoft.com/office/drawing/2010/main">
+                  <a14:imgLayer r:embed="rId5">
+                    <a14:imgEffect>
+                      <a14:brightnessContrast bright="40000" contrast="40000"/>
+                    </a14:imgEffect>
+                  </a14:imgLayer>
+                </a14:imgProps>
+              </a:ext>
+            </a:extLst>
+          </a:blip>
+          <a:stretch>
+            <a:fillRect/>
+          </a:stretch>
+        </p:blipFill>
+        <p:spPr>
+          <a:xfrm>
+            <a:off x="6098813" y="2079867"/>
+            <a:ext cx="2589160" cy="836935"/>
+          </a:xfrm>
+          <a:prstGeom prst="rect">
+            <a:avLst/>
+          </a:prstGeom>
+        </p:spPr>
+      </p:pic>
+      <p:sp>
+        <p:nvSpPr>
+          <p:cNvPr id="9" name="object 28">
+            <a:extLst>
+              <a:ext uri="{FF2B5EF4-FFF2-40B4-BE49-F238E27FC236}">
+                <a16:creationId xmlns:a16="http://schemas.microsoft.com/office/drawing/2014/main" id="{BAB40191-07E8-28EB-5EB3-EB1889729042}"/>
+              </a:ext>
+            </a:extLst>
+          </p:cNvPr>
+          <p:cNvSpPr txBox="1"/>
+          <p:nvPr/>
+        </p:nvSpPr>
+        <p:spPr>
+          <a:xfrm>
+            <a:off x="837541" y="3156154"/>
+            <a:ext cx="5078594" cy="259045"/>
+          </a:xfrm>
+          <a:prstGeom prst="rect">
+            <a:avLst/>
+          </a:prstGeom>
+        </p:spPr>
+        <p:txBody>
+          <a:bodyPr vert="horz" wrap="square" lIns="0" tIns="12700" rIns="0" bIns="0" rtlCol="0">
+            <a:spAutoFit/>
+          </a:bodyPr>
+          <a:lstStyle/>
+          <a:p>
+            <a:pPr marL="12700" marR="347345" indent="-304800">
+              <a:spcBef>
+                <a:spcPts val="550"/>
+              </a:spcBef>
+              <a:buClr>
+                <a:schemeClr val="dk1"/>
+              </a:buClr>
+              <a:buSzPts val="1200"/>
+            </a:pPr>
+            <a:r>
+              <a:rPr lang="en-ID" sz="1600">
+                <a:solidFill>
+                  <a:schemeClr val="dk1"/>
+                </a:solidFill>
+                <a:latin typeface="Lexend"/>
+                <a:sym typeface="Lexend"/>
+              </a:rPr>
+              <a:t>Seminar Hasil Tesis | Selasa, 27 Agustus 2024</a:t>
+            </a:r>
+            <a:endParaRPr lang="en-ID" sz="1600" dirty="0">
+              <a:solidFill>
+                <a:schemeClr val="dk1"/>
+              </a:solidFill>
+              <a:latin typeface="Lexend"/>
+              <a:sym typeface="Lexend"/>
+            </a:endParaRPr>
+          </a:p>
+        </p:txBody>
+      </p:sp>
+    </p:spTree>
+  </p:cSld>
+  <p:clrMapOvr>
+    <a:masterClrMapping/>
+  </p:clrMapOvr>
+</p:sld>
+</file>
+
+<file path=ppt/slides/slide5.xml><?xml version="1.0" encoding="utf-8"?>
 <p:sld xmlns:a="http://schemas.openxmlformats.org/drawingml/2006/main" xmlns:r="http://schemas.openxmlformats.org/officeDocument/2006/relationships" xmlns:p="http://schemas.openxmlformats.org/presentationml/2006/main">
   <p:cSld>
     <p:spTree>
@@ -48255,7 +49698,7 @@
 </p:sld>
 </file>
 
-<file path=ppt/slides/slide5.xml><?xml version="1.0" encoding="utf-8"?>
+<file path=ppt/slides/slide6.xml><?xml version="1.0" encoding="utf-8"?>
 <p:sld xmlns:a="http://schemas.openxmlformats.org/drawingml/2006/main" xmlns:r="http://schemas.openxmlformats.org/officeDocument/2006/relationships" xmlns:p="http://schemas.openxmlformats.org/presentationml/2006/main">
   <p:cSld>
     <p:spTree>
@@ -49027,7 +50470,7 @@
 </p:sld>
 </file>
 
-<file path=ppt/slides/slide6.xml><?xml version="1.0" encoding="utf-8"?>
+<file path=ppt/slides/slide7.xml><?xml version="1.0" encoding="utf-8"?>
 <p:sld xmlns:a="http://schemas.openxmlformats.org/drawingml/2006/main" xmlns:r="http://schemas.openxmlformats.org/officeDocument/2006/relationships" xmlns:p="http://schemas.openxmlformats.org/presentationml/2006/main">
   <p:cSld>
     <p:spTree>
@@ -49847,7 +51290,7 @@
 </p:sld>
 </file>
 
-<file path=ppt/slides/slide7.xml><?xml version="1.0" encoding="utf-8"?>
+<file path=ppt/slides/slide8.xml><?xml version="1.0" encoding="utf-8"?>
 <p:sld xmlns:a="http://schemas.openxmlformats.org/drawingml/2006/main" xmlns:r="http://schemas.openxmlformats.org/officeDocument/2006/relationships" xmlns:p="http://schemas.openxmlformats.org/presentationml/2006/main">
   <p:cSld>
     <p:spTree>
@@ -50685,7 +52128,7 @@
 </p:sld>
 </file>
 
-<file path=ppt/slides/slide8.xml><?xml version="1.0" encoding="utf-8"?>
+<file path=ppt/slides/slide9.xml><?xml version="1.0" encoding="utf-8"?>
 <p:sld xmlns:a="http://schemas.openxmlformats.org/drawingml/2006/main" xmlns:r="http://schemas.openxmlformats.org/officeDocument/2006/relationships" xmlns:p="http://schemas.openxmlformats.org/presentationml/2006/main">
   <p:cSld>
     <p:spTree>
@@ -52221,542 +53664,6 @@
     <p:extLst>
       <p:ext uri="{BB962C8B-B14F-4D97-AF65-F5344CB8AC3E}">
         <p14:creationId xmlns:p14="http://schemas.microsoft.com/office/powerpoint/2010/main" val="1871502939"/>
-      </p:ext>
-    </p:extLst>
-  </p:cSld>
-  <p:clrMapOvr>
-    <a:masterClrMapping/>
-  </p:clrMapOvr>
-</p:sld>
-</file>
-
-<file path=ppt/slides/slide9.xml><?xml version="1.0" encoding="utf-8"?>
-<p:sld xmlns:a="http://schemas.openxmlformats.org/drawingml/2006/main" xmlns:r="http://schemas.openxmlformats.org/officeDocument/2006/relationships" xmlns:p="http://schemas.openxmlformats.org/presentationml/2006/main">
-  <p:cSld>
-    <p:spTree>
-      <p:nvGrpSpPr>
-        <p:cNvPr id="1" name="">
-          <a:extLst>
-            <a:ext uri="{FF2B5EF4-FFF2-40B4-BE49-F238E27FC236}">
-              <a16:creationId xmlns:a16="http://schemas.microsoft.com/office/drawing/2014/main" id="{3F16FC78-1DF1-A2B3-7D02-29F4E4A75894}"/>
-            </a:ext>
-          </a:extLst>
-        </p:cNvPr>
-        <p:cNvGrpSpPr/>
-        <p:nvPr/>
-      </p:nvGrpSpPr>
-      <p:grpSpPr>
-        <a:xfrm>
-          <a:off x="0" y="0"/>
-          <a:ext cx="0" cy="0"/>
-          <a:chOff x="0" y="0"/>
-          <a:chExt cx="0" cy="0"/>
-        </a:xfrm>
-      </p:grpSpPr>
-      <p:sp>
-        <p:nvSpPr>
-          <p:cNvPr id="2" name="Title 1">
-            <a:extLst>
-              <a:ext uri="{FF2B5EF4-FFF2-40B4-BE49-F238E27FC236}">
-                <a16:creationId xmlns:a16="http://schemas.microsoft.com/office/drawing/2014/main" id="{F723D835-3014-3B65-0C47-69E5C6C9D8D7}"/>
-              </a:ext>
-            </a:extLst>
-          </p:cNvPr>
-          <p:cNvSpPr>
-            <a:spLocks noGrp="1"/>
-          </p:cNvSpPr>
-          <p:nvPr>
-            <p:ph type="title"/>
-          </p:nvPr>
-        </p:nvSpPr>
-        <p:spPr>
-          <a:xfrm>
-            <a:off x="234177" y="646770"/>
-            <a:ext cx="7704000" cy="511819"/>
-          </a:xfrm>
-        </p:spPr>
-        <p:txBody>
-          <a:bodyPr/>
-          <a:lstStyle/>
-          <a:p>
-            <a:r>
-              <a:rPr lang="en-US"/>
-              <a:t>Penelitian Terkait 1/3</a:t>
-            </a:r>
-            <a:endParaRPr lang="en-ID"/>
-          </a:p>
-        </p:txBody>
-      </p:sp>
-      <p:sp>
-        <p:nvSpPr>
-          <p:cNvPr id="3" name="Text Placeholder 2">
-            <a:extLst>
-              <a:ext uri="{FF2B5EF4-FFF2-40B4-BE49-F238E27FC236}">
-                <a16:creationId xmlns:a16="http://schemas.microsoft.com/office/drawing/2014/main" id="{D6FC7725-2CF5-EC55-12FE-8634BA8B23DB}"/>
-              </a:ext>
-            </a:extLst>
-          </p:cNvPr>
-          <p:cNvSpPr>
-            <a:spLocks noGrp="1"/>
-          </p:cNvSpPr>
-          <p:nvPr>
-            <p:ph type="body" idx="1"/>
-          </p:nvPr>
-        </p:nvSpPr>
-        <p:spPr>
-          <a:xfrm>
-            <a:off x="234177" y="1233540"/>
-            <a:ext cx="8679365" cy="3827673"/>
-          </a:xfrm>
-        </p:spPr>
-        <p:txBody>
-          <a:bodyPr/>
-          <a:lstStyle/>
-          <a:p>
-            <a:pPr marL="342900" indent="-342900" algn="just">
-              <a:spcAft>
-                <a:spcPts val="1200"/>
-              </a:spcAft>
-              <a:buFont typeface="Wingdings" panose="05000000000000000000" pitchFamily="2" charset="2"/>
-              <a:buChar char="v"/>
-            </a:pPr>
-            <a:r>
-              <a:rPr lang="en-GB" sz="1800">
-                <a:effectLst/>
-                <a:latin typeface="Times New Roman" panose="02020603050405020304" pitchFamily="18" charset="0"/>
-                <a:ea typeface="Times New Roman" panose="02020603050405020304" pitchFamily="18" charset="0"/>
-              </a:rPr>
-              <a:t>Salah satu aplikasi chatbot yang umum digunakan dan populer saat ini adalah ChatGPT yang dikembangkan oleh OpenAI dan dirilis pada akhir tahun 2022 (Mohamadi et al., 2023). Berbagai penelitian berupaya mengeksplorasi kemampuan ChatGPT seperti yang dilakukan oleh Baker dkk. (2024) dalam bidang medis yang dikembangkan untuk membantu dokumentasi klinis.</a:t>
-            </a:r>
-            <a:endParaRPr lang="en-ID" sz="1800">
-              <a:solidFill>
-                <a:srgbClr val="000000"/>
-              </a:solidFill>
-              <a:latin typeface="Times New Roman" panose="02020603050405020304" pitchFamily="18" charset="0"/>
-              <a:ea typeface="Calibri" panose="020F0502020204030204" pitchFamily="34" charset="0"/>
-              <a:cs typeface="Times New Roman" panose="02020603050405020304" pitchFamily="18" charset="0"/>
-            </a:endParaRPr>
-          </a:p>
-          <a:p>
-            <a:pPr marL="342900" indent="-342900" algn="just">
-              <a:spcAft>
-                <a:spcPts val="1200"/>
-              </a:spcAft>
-              <a:buFont typeface="Wingdings" panose="05000000000000000000" pitchFamily="2" charset="2"/>
-              <a:buChar char="v"/>
-            </a:pPr>
-            <a:r>
-              <a:rPr lang="en-GB" sz="1800">
-                <a:effectLst/>
-                <a:latin typeface="Times New Roman" panose="02020603050405020304" pitchFamily="18" charset="0"/>
-                <a:ea typeface="Times New Roman" panose="02020603050405020304" pitchFamily="18" charset="0"/>
-              </a:rPr>
-              <a:t>(Loukas dkk., 2023)</a:t>
-            </a:r>
-            <a:r>
-              <a:rPr lang="en-ID" sz="1800">
-                <a:solidFill>
-                  <a:srgbClr val="000000"/>
-                </a:solidFill>
-                <a:latin typeface="Times New Roman" panose="02020603050405020304" pitchFamily="18" charset="0"/>
-                <a:ea typeface="Calibri" panose="020F0502020204030204" pitchFamily="34" charset="0"/>
-                <a:cs typeface="Times New Roman" panose="02020603050405020304" pitchFamily="18" charset="0"/>
-              </a:rPr>
-              <a:t>. </a:t>
-            </a:r>
-            <a:r>
-              <a:rPr lang="en-GB" sz="1800">
-                <a:effectLst/>
-                <a:latin typeface="Times New Roman" panose="02020603050405020304" pitchFamily="18" charset="0"/>
-                <a:ea typeface="Times New Roman" panose="02020603050405020304" pitchFamily="18" charset="0"/>
-              </a:rPr>
-              <a:t>mengklasifikasikan teks dalam bidang perbankan.</a:t>
-            </a:r>
-          </a:p>
-          <a:p>
-            <a:pPr marL="342900" indent="-342900" algn="just">
-              <a:buFont typeface="Wingdings" panose="05000000000000000000" pitchFamily="2" charset="2"/>
-              <a:buChar char="v"/>
-            </a:pPr>
-            <a:r>
-              <a:rPr lang="en-GB" sz="1800">
-                <a:effectLst/>
-                <a:latin typeface="Times New Roman" panose="02020603050405020304" pitchFamily="18" charset="0"/>
-                <a:ea typeface="Times New Roman" panose="02020603050405020304" pitchFamily="18" charset="0"/>
-              </a:rPr>
-              <a:t>(Trozze dkk., 2023).</a:t>
-            </a:r>
-            <a:r>
-              <a:rPr lang="en-GB" sz="1800">
-                <a:latin typeface="Times New Roman" panose="02020603050405020304" pitchFamily="18" charset="0"/>
-                <a:ea typeface="Times New Roman" panose="02020603050405020304" pitchFamily="18" charset="0"/>
-              </a:rPr>
-              <a:t> </a:t>
-            </a:r>
-            <a:r>
-              <a:rPr lang="en-GB" sz="1800">
-                <a:effectLst/>
-                <a:latin typeface="Times New Roman" panose="02020603050405020304" pitchFamily="18" charset="0"/>
-                <a:ea typeface="Times New Roman" panose="02020603050405020304" pitchFamily="18" charset="0"/>
-              </a:rPr>
-              <a:t>dalam bidang hukum untuk menentukan undang-undang mana yang berpotensi dilanggar. </a:t>
-            </a:r>
-            <a:endParaRPr lang="en-ID" sz="1800">
-              <a:solidFill>
-                <a:srgbClr val="000000"/>
-              </a:solidFill>
-              <a:latin typeface="Times New Roman" panose="02020603050405020304" pitchFamily="18" charset="0"/>
-              <a:ea typeface="Calibri" panose="020F0502020204030204" pitchFamily="34" charset="0"/>
-              <a:cs typeface="Times New Roman" panose="02020603050405020304" pitchFamily="18" charset="0"/>
-            </a:endParaRPr>
-          </a:p>
-          <a:p>
-            <a:pPr marL="342900" indent="-342900" algn="just">
-              <a:lnSpc>
-                <a:spcPct val="150000"/>
-              </a:lnSpc>
-              <a:buFont typeface="Wingdings" panose="05000000000000000000" pitchFamily="2" charset="2"/>
-              <a:buChar char="v"/>
-            </a:pPr>
-            <a:endParaRPr lang="en-ID" sz="1800">
-              <a:solidFill>
-                <a:srgbClr val="000000"/>
-              </a:solidFill>
-              <a:latin typeface="Times New Roman" panose="02020603050405020304" pitchFamily="18" charset="0"/>
-              <a:ea typeface="Calibri" panose="020F0502020204030204" pitchFamily="34" charset="0"/>
-              <a:cs typeface="Times New Roman" panose="02020603050405020304" pitchFamily="18" charset="0"/>
-            </a:endParaRPr>
-          </a:p>
-        </p:txBody>
-      </p:sp>
-      <p:pic>
-        <p:nvPicPr>
-          <p:cNvPr id="4" name="object 27">
-            <a:extLst>
-              <a:ext uri="{FF2B5EF4-FFF2-40B4-BE49-F238E27FC236}">
-                <a16:creationId xmlns:a16="http://schemas.microsoft.com/office/drawing/2014/main" id="{6B533EE4-109D-E57F-F463-01F0392E51AF}"/>
-              </a:ext>
-            </a:extLst>
-          </p:cNvPr>
-          <p:cNvPicPr/>
-          <p:nvPr/>
-        </p:nvPicPr>
-        <p:blipFill>
-          <a:blip r:embed="rId2" cstate="print"/>
-          <a:stretch>
-            <a:fillRect/>
-          </a:stretch>
-        </p:blipFill>
-        <p:spPr>
-          <a:xfrm>
-            <a:off x="0" y="46946"/>
-            <a:ext cx="3129776" cy="661742"/>
-          </a:xfrm>
-          <a:prstGeom prst="rect">
-            <a:avLst/>
-          </a:prstGeom>
-        </p:spPr>
-      </p:pic>
-      <p:sp>
-        <p:nvSpPr>
-          <p:cNvPr id="5" name="object 28">
-            <a:extLst>
-              <a:ext uri="{FF2B5EF4-FFF2-40B4-BE49-F238E27FC236}">
-                <a16:creationId xmlns:a16="http://schemas.microsoft.com/office/drawing/2014/main" id="{1E1B1A8E-0EEB-8099-84CE-850E98FA373B}"/>
-              </a:ext>
-            </a:extLst>
-          </p:cNvPr>
-          <p:cNvSpPr txBox="1"/>
-          <p:nvPr/>
-        </p:nvSpPr>
-        <p:spPr>
-          <a:xfrm>
-            <a:off x="5212448" y="82286"/>
-            <a:ext cx="4235450" cy="197490"/>
-          </a:xfrm>
-          <a:prstGeom prst="rect">
-            <a:avLst/>
-          </a:prstGeom>
-        </p:spPr>
-        <p:txBody>
-          <a:bodyPr vert="horz" wrap="square" lIns="0" tIns="12700" rIns="0" bIns="0" rtlCol="0">
-            <a:spAutoFit/>
-          </a:bodyPr>
-          <a:lstStyle/>
-          <a:p>
-            <a:pPr marL="12700" marR="347345" indent="-304800">
-              <a:spcBef>
-                <a:spcPts val="550"/>
-              </a:spcBef>
-              <a:buClr>
-                <a:schemeClr val="dk1"/>
-              </a:buClr>
-              <a:buSzPts val="1200"/>
-            </a:pPr>
-            <a:r>
-              <a:rPr lang="en-ID" sz="1200">
-                <a:solidFill>
-                  <a:schemeClr val="dk1"/>
-                </a:solidFill>
-                <a:latin typeface="Lexend"/>
-                <a:sym typeface="Lexend"/>
-              </a:rPr>
-              <a:t>Seminar Hasil Tesis | Selasa, 27 Agustus 2024</a:t>
-            </a:r>
-            <a:endParaRPr lang="en-ID" sz="1200" dirty="0">
-              <a:solidFill>
-                <a:schemeClr val="dk1"/>
-              </a:solidFill>
-              <a:latin typeface="Lexend"/>
-              <a:sym typeface="Lexend"/>
-            </a:endParaRPr>
-          </a:p>
-        </p:txBody>
-      </p:sp>
-      <p:grpSp>
-        <p:nvGrpSpPr>
-          <p:cNvPr id="10" name="Google Shape;263;p25">
-            <a:extLst>
-              <a:ext uri="{FF2B5EF4-FFF2-40B4-BE49-F238E27FC236}">
-                <a16:creationId xmlns:a16="http://schemas.microsoft.com/office/drawing/2014/main" id="{D1D718EB-790B-3CAB-79EC-280525A97FEE}"/>
-              </a:ext>
-            </a:extLst>
-          </p:cNvPr>
-          <p:cNvGrpSpPr/>
-          <p:nvPr/>
-        </p:nvGrpSpPr>
-        <p:grpSpPr>
-          <a:xfrm>
-            <a:off x="-526236" y="4441138"/>
-            <a:ext cx="1052471" cy="1049743"/>
-            <a:chOff x="328257" y="3897070"/>
-            <a:chExt cx="1052471" cy="1049743"/>
-          </a:xfrm>
-        </p:grpSpPr>
-        <p:sp>
-          <p:nvSpPr>
-            <p:cNvPr id="11" name="Google Shape;264;p25">
-              <a:extLst>
-                <a:ext uri="{FF2B5EF4-FFF2-40B4-BE49-F238E27FC236}">
-                  <a16:creationId xmlns:a16="http://schemas.microsoft.com/office/drawing/2014/main" id="{FC822C56-8D2F-B416-7B0F-7B2E2080786B}"/>
-                </a:ext>
-              </a:extLst>
-            </p:cNvPr>
-            <p:cNvSpPr/>
-            <p:nvPr/>
-          </p:nvSpPr>
-          <p:spPr>
-            <a:xfrm>
-              <a:off x="328257" y="4219289"/>
-              <a:ext cx="730126" cy="727525"/>
-            </a:xfrm>
-            <a:custGeom>
-              <a:avLst/>
-              <a:gdLst/>
-              <a:ahLst/>
-              <a:cxnLst/>
-              <a:rect l="l" t="t" r="r" b="b"/>
-              <a:pathLst>
-                <a:path w="507914" h="506104" extrusionOk="0">
-                  <a:moveTo>
-                    <a:pt x="0" y="53375"/>
-                  </a:moveTo>
-                  <a:cubicBezTo>
-                    <a:pt x="0" y="23897"/>
-                    <a:pt x="23906" y="0"/>
-                    <a:pt x="53396" y="0"/>
-                  </a:cubicBezTo>
-                  <a:lnTo>
-                    <a:pt x="454519" y="0"/>
-                  </a:lnTo>
-                  <a:cubicBezTo>
-                    <a:pt x="484009" y="0"/>
-                    <a:pt x="507915" y="23897"/>
-                    <a:pt x="507915" y="53375"/>
-                  </a:cubicBezTo>
-                  <a:lnTo>
-                    <a:pt x="507915" y="454342"/>
-                  </a:lnTo>
-                  <a:cubicBezTo>
-                    <a:pt x="506993" y="483837"/>
-                    <a:pt x="482326" y="506999"/>
-                    <a:pt x="452826" y="506077"/>
-                  </a:cubicBezTo>
-                  <a:cubicBezTo>
-                    <a:pt x="424617" y="505198"/>
-                    <a:pt x="401951" y="482540"/>
-                    <a:pt x="401070" y="454342"/>
-                  </a:cubicBezTo>
-                  <a:lnTo>
-                    <a:pt x="401070" y="106803"/>
-                  </a:lnTo>
-                  <a:lnTo>
-                    <a:pt x="53396" y="106803"/>
-                  </a:lnTo>
-                  <a:cubicBezTo>
-                    <a:pt x="23906" y="106803"/>
-                    <a:pt x="0" y="82907"/>
-                    <a:pt x="0" y="53428"/>
-                  </a:cubicBezTo>
-                  <a:cubicBezTo>
-                    <a:pt x="0" y="53412"/>
-                    <a:pt x="0" y="53391"/>
-                    <a:pt x="0" y="53375"/>
-                  </a:cubicBezTo>
-                  <a:close/>
-                </a:path>
-              </a:pathLst>
-            </a:custGeom>
-            <a:noFill/>
-            <a:ln w="9525" cap="flat" cmpd="sng">
-              <a:solidFill>
-                <a:schemeClr val="dk2"/>
-              </a:solidFill>
-              <a:prstDash val="solid"/>
-              <a:miter lim="8000"/>
-              <a:headEnd type="none" w="sm" len="sm"/>
-              <a:tailEnd type="none" w="sm" len="sm"/>
-            </a:ln>
-          </p:spPr>
-          <p:txBody>
-            <a:bodyPr spcFirstLastPara="1" wrap="square" lIns="91425" tIns="45700" rIns="91425" bIns="45700" anchor="ctr" anchorCtr="0">
-              <a:noAutofit/>
-            </a:bodyPr>
-            <a:lstStyle/>
-            <a:p>
-              <a:pPr marL="0" marR="0" lvl="0" indent="0" algn="l" rtl="0">
-                <a:spcBef>
-                  <a:spcPts val="0"/>
-                </a:spcBef>
-                <a:spcAft>
-                  <a:spcPts val="0"/>
-                </a:spcAft>
-                <a:buNone/>
-              </a:pPr>
-              <a:endParaRPr sz="1800">
-                <a:solidFill>
-                  <a:srgbClr val="000000"/>
-                </a:solidFill>
-                <a:latin typeface="Calibri"/>
-                <a:ea typeface="Calibri"/>
-                <a:cs typeface="Calibri"/>
-                <a:sym typeface="Calibri"/>
-              </a:endParaRPr>
-            </a:p>
-          </p:txBody>
-        </p:sp>
-        <p:sp>
-          <p:nvSpPr>
-            <p:cNvPr id="12" name="Google Shape;265;p25">
-              <a:extLst>
-                <a:ext uri="{FF2B5EF4-FFF2-40B4-BE49-F238E27FC236}">
-                  <a16:creationId xmlns:a16="http://schemas.microsoft.com/office/drawing/2014/main" id="{2D4D2106-B268-744E-D781-69B8F91AC8BC}"/>
-                </a:ext>
-              </a:extLst>
-            </p:cNvPr>
-            <p:cNvSpPr/>
-            <p:nvPr/>
-          </p:nvSpPr>
-          <p:spPr>
-            <a:xfrm>
-              <a:off x="650602" y="3897070"/>
-              <a:ext cx="730126" cy="727525"/>
-            </a:xfrm>
-            <a:custGeom>
-              <a:avLst/>
-              <a:gdLst/>
-              <a:ahLst/>
-              <a:cxnLst/>
-              <a:rect l="l" t="t" r="r" b="b"/>
-              <a:pathLst>
-                <a:path w="507914" h="506104" extrusionOk="0">
-                  <a:moveTo>
-                    <a:pt x="0" y="53375"/>
-                  </a:moveTo>
-                  <a:cubicBezTo>
-                    <a:pt x="0" y="23897"/>
-                    <a:pt x="23906" y="0"/>
-                    <a:pt x="53396" y="0"/>
-                  </a:cubicBezTo>
-                  <a:lnTo>
-                    <a:pt x="454519" y="0"/>
-                  </a:lnTo>
-                  <a:cubicBezTo>
-                    <a:pt x="484009" y="0"/>
-                    <a:pt x="507915" y="23897"/>
-                    <a:pt x="507915" y="53375"/>
-                  </a:cubicBezTo>
-                  <a:lnTo>
-                    <a:pt x="507915" y="454342"/>
-                  </a:lnTo>
-                  <a:cubicBezTo>
-                    <a:pt x="506993" y="483837"/>
-                    <a:pt x="482326" y="506999"/>
-                    <a:pt x="452826" y="506077"/>
-                  </a:cubicBezTo>
-                  <a:cubicBezTo>
-                    <a:pt x="424617" y="505197"/>
-                    <a:pt x="401951" y="482540"/>
-                    <a:pt x="401070" y="454342"/>
-                  </a:cubicBezTo>
-                  <a:lnTo>
-                    <a:pt x="401070" y="106751"/>
-                  </a:lnTo>
-                  <a:lnTo>
-                    <a:pt x="53396" y="106751"/>
-                  </a:lnTo>
-                  <a:cubicBezTo>
-                    <a:pt x="23906" y="106751"/>
-                    <a:pt x="0" y="82854"/>
-                    <a:pt x="0" y="53375"/>
-                  </a:cubicBezTo>
-                  <a:close/>
-                </a:path>
-              </a:pathLst>
-            </a:custGeom>
-            <a:noFill/>
-            <a:ln w="9525" cap="flat" cmpd="sng">
-              <a:solidFill>
-                <a:schemeClr val="dk2"/>
-              </a:solidFill>
-              <a:prstDash val="solid"/>
-              <a:miter lim="8000"/>
-              <a:headEnd type="none" w="sm" len="sm"/>
-              <a:tailEnd type="none" w="sm" len="sm"/>
-            </a:ln>
-          </p:spPr>
-          <p:txBody>
-            <a:bodyPr spcFirstLastPara="1" wrap="square" lIns="91425" tIns="45700" rIns="91425" bIns="45700" anchor="ctr" anchorCtr="0">
-              <a:noAutofit/>
-            </a:bodyPr>
-            <a:lstStyle/>
-            <a:p>
-              <a:pPr marL="0" marR="0" lvl="0" indent="0" algn="l" rtl="0">
-                <a:spcBef>
-                  <a:spcPts val="0"/>
-                </a:spcBef>
-                <a:spcAft>
-                  <a:spcPts val="0"/>
-                </a:spcAft>
-                <a:buNone/>
-              </a:pPr>
-              <a:endParaRPr sz="1800">
-                <a:solidFill>
-                  <a:srgbClr val="000000"/>
-                </a:solidFill>
-                <a:latin typeface="Calibri"/>
-                <a:ea typeface="Calibri"/>
-                <a:cs typeface="Calibri"/>
-                <a:sym typeface="Calibri"/>
-              </a:endParaRPr>
-            </a:p>
-          </p:txBody>
-        </p:sp>
-      </p:grpSp>
-    </p:spTree>
-    <p:extLst>
-      <p:ext uri="{BB962C8B-B14F-4D97-AF65-F5344CB8AC3E}">
-        <p14:creationId xmlns:p14="http://schemas.microsoft.com/office/powerpoint/2010/main" val="58508509"/>
       </p:ext>
     </p:extLst>
   </p:cSld>

--- a/Presentasi Hasil Tesis Hary Rachmat 2108207010009.pptx
+++ b/Presentasi Hasil Tesis Hary Rachmat 2108207010009.pptx
@@ -49,7 +49,7 @@
     <p:sldId id="275" r:id="rId40"/>
   </p:sldIdLst>
   <p:sldSz cx="9144000" cy="5143500" type="screen16x9"/>
-  <p:notesSz cx="6858000" cy="9144000"/>
+  <p:notesSz cx="10020300" cy="6888163"/>
   <p:embeddedFontLst>
     <p:embeddedFont>
       <p:font typeface="Cambria Math" panose="02040503050406030204" pitchFamily="18" charset="0"/>
@@ -382,8 +382,8 @@
         </p:nvSpPr>
         <p:spPr>
           <a:xfrm>
-            <a:off x="381300" y="685800"/>
-            <a:ext cx="6096075" cy="3429000"/>
+            <a:off x="2714625" y="517525"/>
+            <a:ext cx="4591050" cy="2582863"/>
           </a:xfrm>
           <a:custGeom>
             <a:avLst/>
@@ -433,8 +433,8 @@
         </p:nvSpPr>
         <p:spPr>
           <a:xfrm>
-            <a:off x="685800" y="4343400"/>
-            <a:ext cx="5486400" cy="4114800"/>
+            <a:off x="1002030" y="3271878"/>
+            <a:ext cx="8016240" cy="3099673"/>
           </a:xfrm>
           <a:prstGeom prst="rect">
             <a:avLst/>
@@ -445,7 +445,7 @@
           </a:ln>
         </p:spPr>
         <p:txBody>
-          <a:bodyPr spcFirstLastPara="1" wrap="square" lIns="91425" tIns="91425" rIns="91425" bIns="91425" anchor="t" anchorCtr="0">
+          <a:bodyPr spcFirstLastPara="1" wrap="square" lIns="96645" tIns="96645" rIns="96645" bIns="96645" anchor="t" anchorCtr="0">
             <a:noAutofit/>
           </a:bodyPr>
           <a:lstStyle>
@@ -818,8 +818,8 @@
         </p:nvSpPr>
         <p:spPr>
           <a:xfrm>
-            <a:off x="381000" y="685800"/>
-            <a:ext cx="6096000" cy="3429000"/>
+            <a:off x="2714625" y="517525"/>
+            <a:ext cx="4591050" cy="2582863"/>
           </a:xfrm>
           <a:custGeom>
             <a:avLst/>
@@ -859,26 +859,20 @@
         </p:nvSpPr>
         <p:spPr>
           <a:xfrm>
-            <a:off x="685800" y="4343400"/>
-            <a:ext cx="5486400" cy="4114800"/>
+            <a:off x="1002030" y="3271878"/>
+            <a:ext cx="8016240" cy="3099673"/>
           </a:xfrm>
           <a:prstGeom prst="rect">
             <a:avLst/>
           </a:prstGeom>
         </p:spPr>
         <p:txBody>
-          <a:bodyPr spcFirstLastPara="1" wrap="square" lIns="91425" tIns="91425" rIns="91425" bIns="91425" anchor="t" anchorCtr="0">
+          <a:bodyPr spcFirstLastPara="1" wrap="square" lIns="96645" tIns="96645" rIns="96645" bIns="96645" anchor="t" anchorCtr="0">
             <a:noAutofit/>
           </a:bodyPr>
           <a:lstStyle/>
           <a:p>
-            <a:pPr marL="0" lvl="0" indent="0" algn="l" rtl="0">
-              <a:spcBef>
-                <a:spcPts val="0"/>
-              </a:spcBef>
-              <a:spcAft>
-                <a:spcPts val="0"/>
-              </a:spcAft>
+            <a:pPr marL="0" indent="0">
               <a:buNone/>
             </a:pPr>
             <a:endParaRPr/>
@@ -934,8 +928,8 @@
         </p:nvSpPr>
         <p:spPr>
           <a:xfrm>
-            <a:off x="381000" y="685800"/>
-            <a:ext cx="6096000" cy="3429000"/>
+            <a:off x="2714625" y="517525"/>
+            <a:ext cx="4591050" cy="2582863"/>
           </a:xfrm>
           <a:custGeom>
             <a:avLst/>
@@ -981,26 +975,20 @@
         </p:nvSpPr>
         <p:spPr>
           <a:xfrm>
-            <a:off x="685800" y="4343400"/>
-            <a:ext cx="5486400" cy="4114800"/>
+            <a:off x="1002030" y="3271878"/>
+            <a:ext cx="8016240" cy="3099673"/>
           </a:xfrm>
           <a:prstGeom prst="rect">
             <a:avLst/>
           </a:prstGeom>
         </p:spPr>
         <p:txBody>
-          <a:bodyPr spcFirstLastPara="1" wrap="square" lIns="91425" tIns="91425" rIns="91425" bIns="91425" anchor="t" anchorCtr="0">
+          <a:bodyPr spcFirstLastPara="1" wrap="square" lIns="96645" tIns="96645" rIns="96645" bIns="96645" anchor="t" anchorCtr="0">
             <a:noAutofit/>
           </a:bodyPr>
           <a:lstStyle/>
           <a:p>
-            <a:pPr marL="0" lvl="0" indent="0" algn="l" rtl="0">
-              <a:spcBef>
-                <a:spcPts val="0"/>
-              </a:spcBef>
-              <a:spcAft>
-                <a:spcPts val="0"/>
-              </a:spcAft>
+            <a:pPr marL="0" indent="0">
               <a:buNone/>
             </a:pPr>
             <a:endParaRPr/>
@@ -1049,8 +1037,8 @@
         </p:nvSpPr>
         <p:spPr>
           <a:xfrm>
-            <a:off x="381000" y="685800"/>
-            <a:ext cx="6096000" cy="3429000"/>
+            <a:off x="2714625" y="517525"/>
+            <a:ext cx="4591050" cy="2582863"/>
           </a:xfrm>
         </p:spPr>
       </p:sp>
@@ -1069,23 +1057,7 @@
           <a:bodyPr/>
           <a:lstStyle/>
           <a:p>
-            <a:pPr marL="457200" marR="0" lvl="0" indent="-298450" algn="l" defTabSz="914400" rtl="0" eaLnBrk="1" fontAlgn="auto" latinLnBrk="0" hangingPunct="1">
-              <a:lnSpc>
-                <a:spcPct val="100000"/>
-              </a:lnSpc>
-              <a:spcBef>
-                <a:spcPts val="0"/>
-              </a:spcBef>
-              <a:spcAft>
-                <a:spcPts val="0"/>
-              </a:spcAft>
-              <a:buClr>
-                <a:srgbClr val="000000"/>
-              </a:buClr>
-              <a:buSzPts val="1100"/>
-              <a:buFont typeface="Arial"/>
-              <a:buChar char="●"/>
-              <a:tabLst/>
+            <a:pPr marL="483306" indent="-315491" defTabSz="966612">
               <a:defRPr/>
             </a:pPr>
             <a:r>
@@ -1204,8 +1176,8 @@
         </p:nvSpPr>
         <p:spPr>
           <a:xfrm>
-            <a:off x="381000" y="685800"/>
-            <a:ext cx="6096000" cy="3429000"/>
+            <a:off x="2714625" y="517525"/>
+            <a:ext cx="4591050" cy="2582863"/>
           </a:xfrm>
         </p:spPr>
       </p:sp>
@@ -1230,23 +1202,7 @@
           <a:bodyPr/>
           <a:lstStyle/>
           <a:p>
-            <a:pPr marL="457200" marR="0" lvl="0" indent="-298450" algn="l" defTabSz="914400" rtl="0" eaLnBrk="1" fontAlgn="auto" latinLnBrk="0" hangingPunct="1">
-              <a:lnSpc>
-                <a:spcPct val="100000"/>
-              </a:lnSpc>
-              <a:spcBef>
-                <a:spcPts val="0"/>
-              </a:spcBef>
-              <a:spcAft>
-                <a:spcPts val="0"/>
-              </a:spcAft>
-              <a:buClr>
-                <a:srgbClr val="000000"/>
-              </a:buClr>
-              <a:buSzPts val="1100"/>
-              <a:buFont typeface="Arial"/>
-              <a:buChar char="●"/>
-              <a:tabLst/>
+            <a:pPr marL="483306" indent="-315491" defTabSz="966612">
               <a:defRPr/>
             </a:pPr>
             <a:endParaRPr lang="en-ID"/>
@@ -1307,8 +1263,8 @@
         </p:nvSpPr>
         <p:spPr>
           <a:xfrm>
-            <a:off x="381000" y="685800"/>
-            <a:ext cx="6096000" cy="3429000"/>
+            <a:off x="2714625" y="517525"/>
+            <a:ext cx="4591050" cy="2582863"/>
           </a:xfrm>
         </p:spPr>
       </p:sp>
@@ -1333,28 +1289,11 @@
           <a:bodyPr/>
           <a:lstStyle/>
           <a:p>
-            <a:pPr marL="457200" marR="0" lvl="0" indent="-298450" algn="l" defTabSz="914400" rtl="0" eaLnBrk="1" fontAlgn="auto" latinLnBrk="0" hangingPunct="1">
-              <a:lnSpc>
-                <a:spcPct val="100000"/>
-              </a:lnSpc>
-              <a:spcBef>
-                <a:spcPts val="0"/>
-              </a:spcBef>
-              <a:spcAft>
-                <a:spcPts val="0"/>
-              </a:spcAft>
-              <a:buClr>
-                <a:srgbClr val="000000"/>
-              </a:buClr>
-              <a:buSzPts val="1100"/>
-              <a:buFont typeface="Arial"/>
-              <a:buChar char="●"/>
-              <a:tabLst/>
+            <a:pPr marL="483306" indent="-315491" defTabSz="966612">
               <a:defRPr/>
             </a:pPr>
             <a:r>
-              <a:rPr lang="en-US" sz="1800">
-                <a:effectLst/>
+              <a:rPr lang="en-US" sz="1900">
                 <a:latin typeface="Times New Roman" panose="02020603050405020304" pitchFamily="18" charset="0"/>
                 <a:ea typeface="Times New Roman" panose="02020603050405020304" pitchFamily="18" charset="0"/>
               </a:rPr>
@@ -1362,23 +1301,7 @@
             </a:r>
           </a:p>
           <a:p>
-            <a:pPr marL="457200" marR="0" lvl="0" indent="-298450" algn="l" defTabSz="914400" rtl="0" eaLnBrk="1" fontAlgn="auto" latinLnBrk="0" hangingPunct="1">
-              <a:lnSpc>
-                <a:spcPct val="100000"/>
-              </a:lnSpc>
-              <a:spcBef>
-                <a:spcPts val="0"/>
-              </a:spcBef>
-              <a:spcAft>
-                <a:spcPts val="0"/>
-              </a:spcAft>
-              <a:buClr>
-                <a:srgbClr val="000000"/>
-              </a:buClr>
-              <a:buSzPts val="1100"/>
-              <a:buFont typeface="Arial"/>
-              <a:buChar char="●"/>
-              <a:tabLst/>
+            <a:pPr marL="483306" indent="-315491" defTabSz="966612">
               <a:defRPr/>
             </a:pPr>
             <a:r>
@@ -1469,8 +1392,8 @@
         </p:nvSpPr>
         <p:spPr>
           <a:xfrm>
-            <a:off x="381000" y="685800"/>
-            <a:ext cx="6096000" cy="3429000"/>
+            <a:off x="2714625" y="517525"/>
+            <a:ext cx="4591050" cy="2582863"/>
           </a:xfrm>
         </p:spPr>
       </p:sp>
@@ -1495,44 +1418,25 @@
           <a:bodyPr/>
           <a:lstStyle/>
           <a:p>
-            <a:pPr marL="457200" marR="0" lvl="0" indent="-298450" algn="l" defTabSz="914400" rtl="0" eaLnBrk="1" fontAlgn="auto" latinLnBrk="0" hangingPunct="1">
-              <a:lnSpc>
-                <a:spcPct val="100000"/>
-              </a:lnSpc>
-              <a:spcBef>
-                <a:spcPts val="0"/>
-              </a:spcBef>
-              <a:spcAft>
-                <a:spcPts val="0"/>
-              </a:spcAft>
-              <a:buClr>
-                <a:srgbClr val="000000"/>
-              </a:buClr>
-              <a:buSzPts val="1100"/>
-              <a:buFont typeface="Arial"/>
-              <a:buChar char="●"/>
-              <a:tabLst/>
+            <a:pPr marL="483306" indent="-315491" defTabSz="966612">
               <a:defRPr/>
             </a:pPr>
             <a:r>
-              <a:rPr lang="en-US" sz="1800">
-                <a:effectLst/>
+              <a:rPr lang="en-US" sz="1900">
                 <a:latin typeface="Times New Roman" panose="02020603050405020304" pitchFamily="18" charset="0"/>
                 <a:ea typeface="Times New Roman" panose="02020603050405020304" pitchFamily="18" charset="0"/>
               </a:rPr>
               <a:t>RAG tidak memiliki jalur pelatihan hanya memerlukan pipeline pengindeksan dan pipeline penyajian. Pipa pengindeksan digunakan untuk mengubah data menjadi representasi vektor dan mengindeksnya dalam database Vektor seperti yang dapat dilihat pada </a:t>
             </a:r>
             <a:r>
-              <a:rPr lang="en-GB" sz="1800">
-                <a:effectLst/>
+              <a:rPr lang="en-GB" sz="1900">
                 <a:latin typeface="Times New Roman" panose="02020603050405020304" pitchFamily="18" charset="0"/>
                 <a:ea typeface="Times New Roman" panose="02020603050405020304" pitchFamily="18" charset="0"/>
               </a:rPr>
-              <a:t>Gambar 3</a:t>
+              <a:t>Gambar 4.3</a:t>
             </a:r>
             <a:r>
-              <a:rPr lang="en-US" sz="1800">
-                <a:effectLst/>
+              <a:rPr lang="en-US" sz="1900">
                 <a:latin typeface="Times New Roman" panose="02020603050405020304" pitchFamily="18" charset="0"/>
                 <a:ea typeface="Times New Roman" panose="02020603050405020304" pitchFamily="18" charset="0"/>
               </a:rPr>
@@ -1596,8 +1500,8 @@
         </p:nvSpPr>
         <p:spPr>
           <a:xfrm>
-            <a:off x="381000" y="685800"/>
-            <a:ext cx="6096000" cy="3429000"/>
+            <a:off x="2714625" y="517525"/>
+            <a:ext cx="4591050" cy="2582863"/>
           </a:xfrm>
         </p:spPr>
       </p:sp>
@@ -1622,28 +1526,11 @@
           <a:bodyPr/>
           <a:lstStyle/>
           <a:p>
-            <a:pPr marL="457200" marR="0" lvl="0" indent="-298450" algn="l" defTabSz="914400" rtl="0" eaLnBrk="1" fontAlgn="auto" latinLnBrk="0" hangingPunct="1">
-              <a:lnSpc>
-                <a:spcPct val="100000"/>
-              </a:lnSpc>
-              <a:spcBef>
-                <a:spcPts val="0"/>
-              </a:spcBef>
-              <a:spcAft>
-                <a:spcPts val="0"/>
-              </a:spcAft>
-              <a:buClr>
-                <a:srgbClr val="000000"/>
-              </a:buClr>
-              <a:buSzPts val="1100"/>
-              <a:buFont typeface="Arial"/>
-              <a:buChar char="●"/>
-              <a:tabLst/>
+            <a:pPr marL="483306" indent="-315491" defTabSz="966612">
               <a:defRPr/>
             </a:pPr>
             <a:r>
-              <a:rPr lang="en-US" sz="1800">
-                <a:effectLst/>
+              <a:rPr lang="en-US" sz="1900">
                 <a:latin typeface="Times New Roman" panose="02020603050405020304" pitchFamily="18" charset="0"/>
                 <a:ea typeface="Times New Roman" panose="02020603050405020304" pitchFamily="18" charset="0"/>
               </a:rPr>
@@ -1707,8 +1594,8 @@
         </p:nvSpPr>
         <p:spPr>
           <a:xfrm>
-            <a:off x="381000" y="685800"/>
-            <a:ext cx="6096000" cy="3429000"/>
+            <a:off x="2714625" y="517525"/>
+            <a:ext cx="4591050" cy="2582863"/>
           </a:xfrm>
         </p:spPr>
       </p:sp>
@@ -1733,28 +1620,11 @@
           <a:bodyPr/>
           <a:lstStyle/>
           <a:p>
-            <a:pPr marL="457200" marR="0" lvl="0" indent="-298450" algn="l" defTabSz="914400" rtl="0" eaLnBrk="1" fontAlgn="auto" latinLnBrk="0" hangingPunct="1">
-              <a:lnSpc>
-                <a:spcPct val="100000"/>
-              </a:lnSpc>
-              <a:spcBef>
-                <a:spcPts val="0"/>
-              </a:spcBef>
-              <a:spcAft>
-                <a:spcPts val="0"/>
-              </a:spcAft>
-              <a:buClr>
-                <a:srgbClr val="000000"/>
-              </a:buClr>
-              <a:buSzPts val="1100"/>
-              <a:buFont typeface="Arial"/>
-              <a:buChar char="●"/>
-              <a:tabLst/>
+            <a:pPr marL="483306" indent="-315491" defTabSz="966612">
               <a:defRPr/>
             </a:pPr>
             <a:r>
-              <a:rPr lang="en-US" sz="1800">
-                <a:effectLst/>
+              <a:rPr lang="en-US" sz="1900">
                 <a:latin typeface="Times New Roman" panose="02020603050405020304" pitchFamily="18" charset="0"/>
                 <a:ea typeface="Times New Roman" panose="02020603050405020304" pitchFamily="18" charset="0"/>
               </a:rPr>
@@ -1818,8 +1688,8 @@
         </p:nvSpPr>
         <p:spPr>
           <a:xfrm>
-            <a:off x="381000" y="685800"/>
-            <a:ext cx="6096000" cy="3429000"/>
+            <a:off x="2714625" y="517525"/>
+            <a:ext cx="4591050" cy="2582863"/>
           </a:xfrm>
         </p:spPr>
       </p:sp>
@@ -1844,32 +1714,15 @@
           <a:bodyPr/>
           <a:lstStyle/>
           <a:p>
-            <a:pPr marL="457200" marR="0" lvl="0" indent="-298450" algn="l" defTabSz="914400" rtl="0" eaLnBrk="1" fontAlgn="auto" latinLnBrk="0" hangingPunct="1">
-              <a:lnSpc>
-                <a:spcPct val="100000"/>
-              </a:lnSpc>
-              <a:spcBef>
-                <a:spcPts val="0"/>
-              </a:spcBef>
-              <a:spcAft>
-                <a:spcPts val="0"/>
-              </a:spcAft>
-              <a:buClr>
-                <a:srgbClr val="000000"/>
-              </a:buClr>
-              <a:buSzPts val="1100"/>
-              <a:buFont typeface="Arial"/>
-              <a:buChar char="●"/>
-              <a:tabLst/>
+            <a:pPr marL="483306" indent="-315491" defTabSz="966612">
               <a:defRPr/>
             </a:pPr>
             <a:r>
-              <a:rPr lang="en-US" sz="1800">
-                <a:effectLst/>
+              <a:rPr lang="en-US" sz="1900">
                 <a:latin typeface="Times New Roman" panose="02020603050405020304" pitchFamily="18" charset="0"/>
                 <a:ea typeface="Times New Roman" panose="02020603050405020304" pitchFamily="18" charset="0"/>
               </a:rPr>
-              <a:t>Tidak seperti rouge-1, dan rouge-2, Rouge-L tidak melihat ke dalam unigram atau bigram, melainkan kesesuaian dengan LCS (Longest Common Subsequence) atau urutan kata terpanjang dalam referensi dan teks yang dihasilkan manusia.</a:t>
+              <a:t>Tidak seperti rouge-1, dan rouge-2, Rouge-L tidak melihat ke dalam unigram atau bigram, melainkan kesesuaian dengan LCS (Longest Common Subsequence) atau urutan kata terpanjang dalam referensi dan teks yang dihasilkan.</a:t>
             </a:r>
             <a:endParaRPr lang="en-ID"/>
           </a:p>
@@ -1929,8 +1782,8 @@
         </p:nvSpPr>
         <p:spPr>
           <a:xfrm>
-            <a:off x="381000" y="685800"/>
-            <a:ext cx="6096000" cy="3429000"/>
+            <a:off x="2714625" y="517525"/>
+            <a:ext cx="4591050" cy="2582863"/>
           </a:xfrm>
           <a:custGeom>
             <a:avLst/>
@@ -1976,26 +1829,20 @@
         </p:nvSpPr>
         <p:spPr>
           <a:xfrm>
-            <a:off x="685800" y="4343400"/>
-            <a:ext cx="5486400" cy="4114800"/>
+            <a:off x="1002030" y="3271878"/>
+            <a:ext cx="8016240" cy="3099673"/>
           </a:xfrm>
           <a:prstGeom prst="rect">
             <a:avLst/>
           </a:prstGeom>
         </p:spPr>
         <p:txBody>
-          <a:bodyPr spcFirstLastPara="1" wrap="square" lIns="91425" tIns="91425" rIns="91425" bIns="91425" anchor="t" anchorCtr="0">
+          <a:bodyPr spcFirstLastPara="1" wrap="square" lIns="96645" tIns="96645" rIns="96645" bIns="96645" anchor="t" anchorCtr="0">
             <a:noAutofit/>
           </a:bodyPr>
           <a:lstStyle/>
           <a:p>
-            <a:pPr marL="0" lvl="0" indent="0" algn="l" rtl="0">
-              <a:spcBef>
-                <a:spcPts val="0"/>
-              </a:spcBef>
-              <a:spcAft>
-                <a:spcPts val="0"/>
-              </a:spcAft>
+            <a:pPr marL="0" indent="0">
               <a:buNone/>
             </a:pPr>
             <a:endParaRPr/>
@@ -2044,8 +1891,8 @@
         </p:nvSpPr>
         <p:spPr>
           <a:xfrm>
-            <a:off x="381000" y="685800"/>
-            <a:ext cx="6096000" cy="3429000"/>
+            <a:off x="2714625" y="517525"/>
+            <a:ext cx="4591050" cy="2582863"/>
           </a:xfrm>
         </p:spPr>
       </p:sp>
@@ -2064,20 +1911,19 @@
           <a:bodyPr/>
           <a:lstStyle/>
           <a:p>
-            <a:pPr rtl="0">
-              <a:spcBef>
-                <a:spcPts val="1800"/>
-              </a:spcBef>
-              <a:spcAft>
-                <a:spcPts val="1800"/>
+            <a:pPr>
+              <a:spcBef>
+                <a:spcPts val="1903"/>
+              </a:spcBef>
+              <a:spcAft>
+                <a:spcPts val="1903"/>
               </a:spcAft>
             </a:pPr>
             <a:r>
-              <a:rPr lang="en-ID" sz="1800" b="0" i="0" u="none" strike="noStrike">
+              <a:rPr lang="en-ID" sz="1900">
                 <a:solidFill>
                   <a:srgbClr val="0A0A0A"/>
                 </a:solidFill>
-                <a:effectLst/>
                 <a:latin typeface="Arial" panose="020B0604020202020204" pitchFamily="34" charset="0"/>
               </a:rPr>
               <a:t>Skor ROUGE yang baik bervariasi berdasarkan tugas ringkasan dan metrik. Skor ROUGE-1 sangat baik sekitar 0,5, dengan skor di atas 0,5 dianggap baik dan 0,4 hingga 0,5 sedang. Untuk ROUGE-2, skor di atas 0,4 berarti baik, dan 0,2 hingga 0,4 berarti sedang.</a:t>
@@ -2087,110 +1933,101 @@
             </a:endParaRPr>
           </a:p>
           <a:p>
-            <a:pPr rtl="0">
-              <a:spcBef>
-                <a:spcPts val="1800"/>
-              </a:spcBef>
-              <a:spcAft>
-                <a:spcPts val="1800"/>
+            <a:pPr>
+              <a:spcBef>
+                <a:spcPts val="1903"/>
+              </a:spcBef>
+              <a:spcAft>
+                <a:spcPts val="1903"/>
               </a:spcAft>
             </a:pPr>
             <a:r>
-              <a:rPr lang="en-ID" sz="1800" b="0" i="0" u="none" strike="noStrike">
+              <a:rPr lang="en-ID" sz="1900">
                 <a:solidFill>
                   <a:srgbClr val="0A0A0A"/>
                 </a:solidFill>
-                <a:effectLst/>
                 <a:latin typeface="Arial" panose="020B0604020202020204" pitchFamily="34" charset="0"/>
               </a:rPr>
               <a:t>Skor ROUGE-L bagus sekitar 0,4 dan rendah pada 0,3 hingga 0,4. </a:t>
             </a:r>
           </a:p>
           <a:p>
-            <a:pPr rtl="0">
-              <a:spcBef>
-                <a:spcPts val="1800"/>
-              </a:spcBef>
-              <a:spcAft>
-                <a:spcPts val="1800"/>
+            <a:pPr>
+              <a:spcBef>
+                <a:spcPts val="1903"/>
+              </a:spcBef>
+              <a:spcAft>
+                <a:spcPts val="1903"/>
               </a:spcAft>
             </a:pPr>
             <a:r>
-              <a:rPr lang="en-ID" sz="1800" b="0" i="0" u="none" strike="noStrike">
+              <a:rPr lang="en-ID" sz="1900">
                 <a:solidFill>
                   <a:srgbClr val="0A0A0A"/>
                 </a:solidFill>
-                <a:effectLst/>
                 <a:latin typeface="Arial" panose="020B0604020202020204" pitchFamily="34" charset="0"/>
               </a:rPr>
               <a:t>Meskipun skor </a:t>
             </a:r>
             <a:r>
-              <a:rPr lang="en-ID" sz="1800" b="1" i="0" u="none" strike="noStrike">
+              <a:rPr lang="en-ID" sz="1900" b="1">
                 <a:solidFill>
                   <a:srgbClr val="0A0A0A"/>
                 </a:solidFill>
-                <a:effectLst/>
                 <a:latin typeface="Arial" panose="020B0604020202020204" pitchFamily="34" charset="0"/>
               </a:rPr>
               <a:t>ROUGE berguna</a:t>
             </a:r>
             <a:r>
-              <a:rPr lang="en-ID" sz="1800" b="0" i="0" u="none" strike="noStrike">
+              <a:rPr lang="en-ID" sz="1900">
                 <a:solidFill>
                   <a:srgbClr val="0A0A0A"/>
                 </a:solidFill>
-                <a:effectLst/>
                 <a:latin typeface="Arial" panose="020B0604020202020204" pitchFamily="34" charset="0"/>
               </a:rPr>
               <a:t>, skor tersebut tidak </a:t>
             </a:r>
             <a:r>
-              <a:rPr lang="en-ID" sz="1800" b="1" i="0" u="none" strike="noStrike">
+              <a:rPr lang="en-ID" sz="1900" b="1">
                 <a:solidFill>
                   <a:srgbClr val="0A0A0A"/>
                 </a:solidFill>
-                <a:effectLst/>
                 <a:latin typeface="Arial" panose="020B0604020202020204" pitchFamily="34" charset="0"/>
               </a:rPr>
               <a:t>memperhitungkan kualitas semantik </a:t>
             </a:r>
             <a:r>
-              <a:rPr lang="en-ID" sz="1800" b="0" i="0" u="none" strike="noStrike">
+              <a:rPr lang="en-ID" sz="1900">
                 <a:solidFill>
                   <a:srgbClr val="0A0A0A"/>
                 </a:solidFill>
-                <a:effectLst/>
                 <a:latin typeface="Arial" panose="020B0604020202020204" pitchFamily="34" charset="0"/>
               </a:rPr>
               <a:t>atau </a:t>
             </a:r>
             <a:r>
-              <a:rPr lang="en-ID" sz="1800" b="1" i="0" u="none" strike="noStrike">
+              <a:rPr lang="en-ID" sz="1900" b="1">
                 <a:solidFill>
                   <a:srgbClr val="0A0A0A"/>
                 </a:solidFill>
-                <a:effectLst/>
                 <a:latin typeface="Arial" panose="020B0604020202020204" pitchFamily="34" charset="0"/>
               </a:rPr>
               <a:t>sintaksis</a:t>
             </a:r>
             <a:r>
-              <a:rPr lang="en-ID" sz="1800" b="0" i="0" u="none" strike="noStrike">
+              <a:rPr lang="en-ID" sz="1900">
                 <a:solidFill>
                   <a:srgbClr val="0A0A0A"/>
                 </a:solidFill>
-                <a:effectLst/>
                 <a:latin typeface="Arial" panose="020B0604020202020204" pitchFamily="34" charset="0"/>
               </a:rPr>
               <a:t> dan harus dilengkapi dengan metrik lain dan </a:t>
             </a:r>
             <a:r>
-              <a:rPr lang="en-ID" sz="1800" b="1" i="0" u="none" strike="noStrike">
+              <a:rPr lang="en-ID" sz="1900" b="1">
                 <a:solidFill>
                   <a:srgbClr val="0A0A0A"/>
                 </a:solidFill>
-                <a:effectLst/>
                 <a:latin typeface="Arial" panose="020B0604020202020204" pitchFamily="34" charset="0"/>
               </a:rPr>
               <a:t>evaluasi manusia untuk penilaian yang lengkap.</a:t>
@@ -2243,8 +2080,8 @@
         </p:nvSpPr>
         <p:spPr>
           <a:xfrm>
-            <a:off x="381000" y="685800"/>
-            <a:ext cx="6096000" cy="3429000"/>
+            <a:off x="2714625" y="517525"/>
+            <a:ext cx="4591050" cy="2582863"/>
           </a:xfrm>
           <a:custGeom>
             <a:avLst/>
@@ -2284,26 +2121,20 @@
         </p:nvSpPr>
         <p:spPr>
           <a:xfrm>
-            <a:off x="685800" y="4343400"/>
-            <a:ext cx="5486400" cy="4114800"/>
+            <a:off x="1002030" y="3271878"/>
+            <a:ext cx="8016240" cy="3099673"/>
           </a:xfrm>
           <a:prstGeom prst="rect">
             <a:avLst/>
           </a:prstGeom>
         </p:spPr>
         <p:txBody>
-          <a:bodyPr spcFirstLastPara="1" wrap="square" lIns="91425" tIns="91425" rIns="91425" bIns="91425" anchor="t" anchorCtr="0">
+          <a:bodyPr spcFirstLastPara="1" wrap="square" lIns="96645" tIns="96645" rIns="96645" bIns="96645" anchor="t" anchorCtr="0">
             <a:noAutofit/>
           </a:bodyPr>
           <a:lstStyle/>
           <a:p>
-            <a:pPr marL="0" lvl="0" indent="0" algn="l" rtl="0">
-              <a:spcBef>
-                <a:spcPts val="0"/>
-              </a:spcBef>
-              <a:spcAft>
-                <a:spcPts val="0"/>
-              </a:spcAft>
+            <a:pPr marL="0" indent="0">
               <a:buNone/>
             </a:pPr>
             <a:endParaRPr/>
@@ -2347,8 +2178,8 @@
         </p:nvSpPr>
         <p:spPr>
           <a:xfrm>
-            <a:off x="381000" y="685800"/>
-            <a:ext cx="6096000" cy="3429000"/>
+            <a:off x="2714625" y="517525"/>
+            <a:ext cx="4591050" cy="2582863"/>
           </a:xfrm>
         </p:spPr>
       </p:sp>
@@ -2462,8 +2293,8 @@
         </p:nvSpPr>
         <p:spPr>
           <a:xfrm>
-            <a:off x="381000" y="685800"/>
-            <a:ext cx="6096000" cy="3429000"/>
+            <a:off x="2714625" y="517525"/>
+            <a:ext cx="4591050" cy="2582863"/>
           </a:xfrm>
         </p:spPr>
       </p:sp>
@@ -2488,6 +2319,72 @@
           <a:bodyPr/>
           <a:lstStyle/>
           <a:p>
+            <a:r>
+              <a:rPr lang="en-ID" b="1" i="0">
+                <a:solidFill>
+                  <a:srgbClr val="EEF0FF"/>
+                </a:solidFill>
+                <a:effectLst/>
+                <a:latin typeface="Google Sans" panose="020B0503030502040204" pitchFamily="34" charset="0"/>
+              </a:rPr>
+              <a:t>Chain-of-thought prompting (CoT) </a:t>
+            </a:r>
+            <a:r>
+              <a:rPr lang="en-ID" b="0" i="0">
+                <a:solidFill>
+                  <a:srgbClr val="EEF0FF"/>
+                </a:solidFill>
+                <a:effectLst/>
+                <a:latin typeface="Google Sans" panose="020B0503030502040204" pitchFamily="34" charset="0"/>
+              </a:rPr>
+              <a:t>adalah </a:t>
+            </a:r>
+            <a:r>
+              <a:rPr lang="en-ID"/>
+              <a:t>teknik yang membantu model bahasa besar (LLM) untuk berpikir selangkah demi selangkah, seperti manusia</a:t>
+            </a:r>
+            <a:r>
+              <a:rPr lang="en-ID" b="0" i="0">
+                <a:solidFill>
+                  <a:srgbClr val="EEF0FF"/>
+                </a:solidFill>
+                <a:effectLst/>
+                <a:latin typeface="Google Sans" panose="020B0503030502040204" pitchFamily="34" charset="0"/>
+              </a:rPr>
+              <a:t>.</a:t>
+            </a:r>
+          </a:p>
+          <a:p>
+            <a:r>
+              <a:rPr lang="en-ID" b="0" i="0">
+                <a:solidFill>
+                  <a:srgbClr val="E8E8E8"/>
+                </a:solidFill>
+                <a:effectLst/>
+                <a:latin typeface="Google Sans" panose="020B0503030502040204" pitchFamily="34" charset="0"/>
+              </a:rPr>
+              <a:t>Pemberian petunjuk Rantai Pemikiran (CoT) adalah </a:t>
+            </a:r>
+            <a:r>
+              <a:rPr lang="en-ID" b="0" i="0">
+                <a:solidFill>
+                  <a:srgbClr val="FFFFFF"/>
+                </a:solidFill>
+                <a:effectLst/>
+                <a:latin typeface="Google Sans" panose="020B0503030502040204" pitchFamily="34" charset="0"/>
+              </a:rPr>
+              <a:t>teknik yang memandu LLM untuk mengikuti proses penalaran saat menghadapi masalah yang sulit</a:t>
+            </a:r>
+            <a:r>
+              <a:rPr lang="en-ID" b="0" i="0">
+                <a:solidFill>
+                  <a:srgbClr val="E8E8E8"/>
+                </a:solidFill>
+                <a:effectLst/>
+                <a:latin typeface="Google Sans" panose="020B0503030502040204" pitchFamily="34" charset="0"/>
+              </a:rPr>
+              <a:t>.</a:t>
+            </a:r>
             <a:endParaRPr lang="en-ID"/>
           </a:p>
         </p:txBody>
@@ -2546,8 +2443,8 @@
         </p:nvSpPr>
         <p:spPr>
           <a:xfrm>
-            <a:off x="381000" y="685800"/>
-            <a:ext cx="6096000" cy="3429000"/>
+            <a:off x="2714625" y="517525"/>
+            <a:ext cx="4591050" cy="2582863"/>
           </a:xfrm>
         </p:spPr>
       </p:sp>
@@ -2630,8 +2527,8 @@
         </p:nvSpPr>
         <p:spPr>
           <a:xfrm>
-            <a:off x="381000" y="685800"/>
-            <a:ext cx="6096000" cy="3429000"/>
+            <a:off x="2714625" y="517525"/>
+            <a:ext cx="4591050" cy="2582863"/>
           </a:xfrm>
           <a:custGeom>
             <a:avLst/>
@@ -2677,26 +2574,20 @@
         </p:nvSpPr>
         <p:spPr>
           <a:xfrm>
-            <a:off x="685800" y="4343400"/>
-            <a:ext cx="5486400" cy="4114800"/>
+            <a:off x="1002030" y="3271878"/>
+            <a:ext cx="8016240" cy="3099673"/>
           </a:xfrm>
           <a:prstGeom prst="rect">
             <a:avLst/>
           </a:prstGeom>
         </p:spPr>
         <p:txBody>
-          <a:bodyPr spcFirstLastPara="1" wrap="square" lIns="91425" tIns="91425" rIns="91425" bIns="91425" anchor="t" anchorCtr="0">
+          <a:bodyPr spcFirstLastPara="1" wrap="square" lIns="96645" tIns="96645" rIns="96645" bIns="96645" anchor="t" anchorCtr="0">
             <a:noAutofit/>
           </a:bodyPr>
           <a:lstStyle/>
           <a:p>
-            <a:pPr marL="0" lvl="0" indent="0" algn="l" rtl="0">
-              <a:spcBef>
-                <a:spcPts val="0"/>
-              </a:spcBef>
-              <a:spcAft>
-                <a:spcPts val="0"/>
-              </a:spcAft>
+            <a:pPr marL="0" indent="0">
               <a:buNone/>
             </a:pPr>
             <a:endParaRPr/>
@@ -2757,8 +2648,8 @@
         </p:nvSpPr>
         <p:spPr>
           <a:xfrm>
-            <a:off x="381000" y="685800"/>
-            <a:ext cx="6096000" cy="3429000"/>
+            <a:off x="2714625" y="517525"/>
+            <a:ext cx="4591050" cy="2582863"/>
           </a:xfrm>
         </p:spPr>
       </p:sp>
@@ -2841,8 +2732,8 @@
         </p:nvSpPr>
         <p:spPr>
           <a:xfrm>
-            <a:off x="381000" y="685800"/>
-            <a:ext cx="6096000" cy="3429000"/>
+            <a:off x="2714625" y="517525"/>
+            <a:ext cx="4591050" cy="2582863"/>
           </a:xfrm>
         </p:spPr>
       </p:sp>
@@ -2913,8 +2804,8 @@
         </p:nvSpPr>
         <p:spPr>
           <a:xfrm>
-            <a:off x="381000" y="685800"/>
-            <a:ext cx="6096000" cy="3429000"/>
+            <a:off x="2714625" y="517525"/>
+            <a:ext cx="4591050" cy="2582863"/>
           </a:xfrm>
           <a:custGeom>
             <a:avLst/>
@@ -2954,26 +2845,20 @@
         </p:nvSpPr>
         <p:spPr>
           <a:xfrm>
-            <a:off x="685800" y="4343400"/>
-            <a:ext cx="5486400" cy="4114800"/>
+            <a:off x="1002030" y="3271878"/>
+            <a:ext cx="8016240" cy="3099673"/>
           </a:xfrm>
           <a:prstGeom prst="rect">
             <a:avLst/>
           </a:prstGeom>
         </p:spPr>
         <p:txBody>
-          <a:bodyPr spcFirstLastPara="1" wrap="square" lIns="91425" tIns="91425" rIns="91425" bIns="91425" anchor="t" anchorCtr="0">
+          <a:bodyPr spcFirstLastPara="1" wrap="square" lIns="96645" tIns="96645" rIns="96645" bIns="96645" anchor="t" anchorCtr="0">
             <a:noAutofit/>
           </a:bodyPr>
           <a:lstStyle/>
           <a:p>
-            <a:pPr marL="0" lvl="0" indent="0" algn="l" rtl="0">
-              <a:spcBef>
-                <a:spcPts val="0"/>
-              </a:spcBef>
-              <a:spcAft>
-                <a:spcPts val="0"/>
-              </a:spcAft>
+            <a:pPr marL="0" indent="0">
               <a:buNone/>
             </a:pPr>
             <a:endParaRPr/>
@@ -3029,8 +2914,8 @@
         </p:nvSpPr>
         <p:spPr>
           <a:xfrm>
-            <a:off x="381000" y="685800"/>
-            <a:ext cx="6096000" cy="3429000"/>
+            <a:off x="2714625" y="517525"/>
+            <a:ext cx="4591050" cy="2582863"/>
           </a:xfrm>
           <a:custGeom>
             <a:avLst/>
@@ -3076,26 +2961,20 @@
         </p:nvSpPr>
         <p:spPr>
           <a:xfrm>
-            <a:off x="685800" y="4343400"/>
-            <a:ext cx="5486400" cy="4114800"/>
+            <a:off x="1002030" y="3271878"/>
+            <a:ext cx="8016240" cy="3099673"/>
           </a:xfrm>
           <a:prstGeom prst="rect">
             <a:avLst/>
           </a:prstGeom>
         </p:spPr>
         <p:txBody>
-          <a:bodyPr spcFirstLastPara="1" wrap="square" lIns="91425" tIns="91425" rIns="91425" bIns="91425" anchor="t" anchorCtr="0">
+          <a:bodyPr spcFirstLastPara="1" wrap="square" lIns="96645" tIns="96645" rIns="96645" bIns="96645" anchor="t" anchorCtr="0">
             <a:noAutofit/>
           </a:bodyPr>
           <a:lstStyle/>
           <a:p>
-            <a:pPr marL="0" lvl="0" indent="0" algn="l" rtl="0">
-              <a:spcBef>
-                <a:spcPts val="0"/>
-              </a:spcBef>
-              <a:spcAft>
-                <a:spcPts val="0"/>
-              </a:spcAft>
+            <a:pPr marL="0" indent="0">
               <a:buNone/>
             </a:pPr>
             <a:endParaRPr/>
@@ -3144,8 +3023,8 @@
         </p:nvSpPr>
         <p:spPr>
           <a:xfrm>
-            <a:off x="381000" y="685800"/>
-            <a:ext cx="6096000" cy="3429000"/>
+            <a:off x="2714625" y="517525"/>
+            <a:ext cx="4591050" cy="2582863"/>
           </a:xfrm>
           <a:custGeom>
             <a:avLst/>
@@ -3185,26 +3064,20 @@
         </p:nvSpPr>
         <p:spPr>
           <a:xfrm>
-            <a:off x="685800" y="4343400"/>
-            <a:ext cx="5486400" cy="4114800"/>
+            <a:off x="1002030" y="3271878"/>
+            <a:ext cx="8016240" cy="3099673"/>
           </a:xfrm>
           <a:prstGeom prst="rect">
             <a:avLst/>
           </a:prstGeom>
         </p:spPr>
         <p:txBody>
-          <a:bodyPr spcFirstLastPara="1" wrap="square" lIns="91425" tIns="91425" rIns="91425" bIns="91425" anchor="t" anchorCtr="0">
+          <a:bodyPr spcFirstLastPara="1" wrap="square" lIns="96645" tIns="96645" rIns="96645" bIns="96645" anchor="t" anchorCtr="0">
             <a:noAutofit/>
           </a:bodyPr>
           <a:lstStyle/>
           <a:p>
-            <a:pPr marL="0" lvl="0" indent="0" algn="l" rtl="0">
-              <a:spcBef>
-                <a:spcPts val="0"/>
-              </a:spcBef>
-              <a:spcAft>
-                <a:spcPts val="0"/>
-              </a:spcAft>
+            <a:pPr marL="0" indent="0">
               <a:buNone/>
             </a:pPr>
             <a:endParaRPr/>
@@ -3248,8 +3121,8 @@
         </p:nvSpPr>
         <p:spPr>
           <a:xfrm>
-            <a:off x="381000" y="685800"/>
-            <a:ext cx="6096000" cy="3429000"/>
+            <a:off x="2714625" y="517525"/>
+            <a:ext cx="4591050" cy="2582863"/>
           </a:xfrm>
         </p:spPr>
       </p:sp>
@@ -3422,8 +3295,8 @@
         </p:nvSpPr>
         <p:spPr>
           <a:xfrm>
-            <a:off x="381000" y="685800"/>
-            <a:ext cx="6096000" cy="3429000"/>
+            <a:off x="2714625" y="517525"/>
+            <a:ext cx="4591050" cy="2582863"/>
           </a:xfrm>
           <a:custGeom>
             <a:avLst/>
@@ -3469,26 +3342,20 @@
         </p:nvSpPr>
         <p:spPr>
           <a:xfrm>
-            <a:off x="685800" y="4343400"/>
-            <a:ext cx="5486400" cy="4114800"/>
+            <a:off x="1002030" y="3271878"/>
+            <a:ext cx="8016240" cy="3099673"/>
           </a:xfrm>
           <a:prstGeom prst="rect">
             <a:avLst/>
           </a:prstGeom>
         </p:spPr>
         <p:txBody>
-          <a:bodyPr spcFirstLastPara="1" wrap="square" lIns="91425" tIns="91425" rIns="91425" bIns="91425" anchor="t" anchorCtr="0">
+          <a:bodyPr spcFirstLastPara="1" wrap="square" lIns="96645" tIns="96645" rIns="96645" bIns="96645" anchor="t" anchorCtr="0">
             <a:noAutofit/>
           </a:bodyPr>
           <a:lstStyle/>
           <a:p>
-            <a:pPr marL="0" lvl="0" indent="0" algn="l" rtl="0">
-              <a:spcBef>
-                <a:spcPts val="0"/>
-              </a:spcBef>
-              <a:spcAft>
-                <a:spcPts val="0"/>
-              </a:spcAft>
+            <a:pPr marL="0" indent="0">
               <a:buNone/>
             </a:pPr>
             <a:endParaRPr/>
@@ -3549,8 +3416,8 @@
         </p:nvSpPr>
         <p:spPr>
           <a:xfrm>
-            <a:off x="381000" y="685800"/>
-            <a:ext cx="6096000" cy="3429000"/>
+            <a:off x="2714625" y="517525"/>
+            <a:ext cx="4591050" cy="2582863"/>
           </a:xfrm>
           <a:custGeom>
             <a:avLst/>
@@ -3596,26 +3463,20 @@
         </p:nvSpPr>
         <p:spPr>
           <a:xfrm>
-            <a:off x="685800" y="4343400"/>
-            <a:ext cx="5486400" cy="4114800"/>
+            <a:off x="1002030" y="3271878"/>
+            <a:ext cx="8016240" cy="3099673"/>
           </a:xfrm>
           <a:prstGeom prst="rect">
             <a:avLst/>
           </a:prstGeom>
         </p:spPr>
         <p:txBody>
-          <a:bodyPr spcFirstLastPara="1" wrap="square" lIns="91425" tIns="91425" rIns="91425" bIns="91425" anchor="t" anchorCtr="0">
+          <a:bodyPr spcFirstLastPara="1" wrap="square" lIns="96645" tIns="96645" rIns="96645" bIns="96645" anchor="t" anchorCtr="0">
             <a:noAutofit/>
           </a:bodyPr>
           <a:lstStyle/>
           <a:p>
-            <a:pPr marL="0" lvl="0" indent="0" algn="l" rtl="0">
-              <a:spcBef>
-                <a:spcPts val="0"/>
-              </a:spcBef>
-              <a:spcAft>
-                <a:spcPts val="0"/>
-              </a:spcAft>
+            <a:pPr marL="0" indent="0">
               <a:buNone/>
             </a:pPr>
             <a:endParaRPr/>
@@ -3664,8 +3525,8 @@
         </p:nvSpPr>
         <p:spPr>
           <a:xfrm>
-            <a:off x="381000" y="685800"/>
-            <a:ext cx="6096000" cy="3429000"/>
+            <a:off x="2714625" y="517525"/>
+            <a:ext cx="4591050" cy="2582863"/>
           </a:xfrm>
         </p:spPr>
       </p:sp>
@@ -3733,8 +3594,8 @@
         </p:nvSpPr>
         <p:spPr>
           <a:xfrm>
-            <a:off x="381000" y="685800"/>
-            <a:ext cx="6096000" cy="3429000"/>
+            <a:off x="2714625" y="517525"/>
+            <a:ext cx="4591050" cy="2582863"/>
           </a:xfrm>
         </p:spPr>
       </p:sp>
@@ -15606,7 +15467,22 @@
                 <a:latin typeface="Times New Roman" panose="02020603050405020304" pitchFamily="18" charset="0"/>
                 <a:ea typeface="Times New Roman" panose="02020603050405020304" pitchFamily="18" charset="0"/>
               </a:rPr>
-              <a:t>Salah satu aplikasi chatbot yang umum digunakan dan populer saat ini adalah ChatGPT yang dikembangkan oleh OpenAI dan dirilis pada akhir tahun 2022 (Mohamadi et al., 2023). Berbagai penelitian berupaya mengeksplorasi kemampuan ChatGPT seperti yang dilakukan oleh Baker dkk. (2024) dalam bidang medis yang dikembangkan untuk membantu dokumentasi klinis.</a:t>
+              <a:t>Salah satu aplikasi chatbot yang umum digunakan dan populer saat ini adalah ChatGPT yang dikembangkan oleh OpenAI dan dirilis pada akhir tahun 2022 (Mohamadi </a:t>
+            </a:r>
+            <a:r>
+              <a:rPr lang="en-GB" sz="1800">
+                <a:latin typeface="Times New Roman" panose="02020603050405020304" pitchFamily="18" charset="0"/>
+                <a:ea typeface="Times New Roman" panose="02020603050405020304" pitchFamily="18" charset="0"/>
+              </a:rPr>
+              <a:t>dkk</a:t>
+            </a:r>
+            <a:r>
+              <a:rPr lang="en-GB" sz="1800">
+                <a:effectLst/>
+                <a:latin typeface="Times New Roman" panose="02020603050405020304" pitchFamily="18" charset="0"/>
+                <a:ea typeface="Times New Roman" panose="02020603050405020304" pitchFamily="18" charset="0"/>
+              </a:rPr>
+              <a:t>l., 2023). Berbagai penelitian berupaya mengeksplorasi kemampuan ChatGPT seperti yang dilakukan oleh Baker dkk. (2024) dalam bidang medis yang dikembangkan untuk membantu dokumentasi klinis.</a:t>
             </a:r>
             <a:endParaRPr lang="en-ID" sz="1800">
               <a:solidFill>
@@ -15781,7 +15657,7 @@
                 <a:latin typeface="Lexend"/>
                 <a:sym typeface="Lexend"/>
               </a:rPr>
-              <a:t>Seminar Hasil Tesis | Selasa, 27 Agustus 2024</a:t>
+              <a:t>Seminar Hasil Tesis | Kamis, 22 Agustus 2024</a:t>
             </a:r>
             <a:endParaRPr lang="en-ID" sz="1200" dirty="0">
               <a:solidFill>
@@ -16294,7 +16170,39 @@
                 <a:latin typeface="Times New Roman" panose="02020603050405020304" pitchFamily="18" charset="0"/>
                 <a:ea typeface="Times New Roman" panose="02020603050405020304" pitchFamily="18" charset="0"/>
               </a:rPr>
-              <a:t> pada LLM Llama 7B yang diberi nama “Ophtha-LLaMA2” untuk membantu mendiagnosis penyakit mata yang akan memberikan dukungan keputusan bagi dokter</a:t>
+              <a:t> pada LLM </a:t>
+            </a:r>
+            <a:r>
+              <a:rPr lang="en-GB" sz="1800" b="1">
+                <a:effectLst/>
+                <a:latin typeface="Times New Roman" panose="02020603050405020304" pitchFamily="18" charset="0"/>
+                <a:ea typeface="Times New Roman" panose="02020603050405020304" pitchFamily="18" charset="0"/>
+              </a:rPr>
+              <a:t>Llama 7B </a:t>
+            </a:r>
+            <a:r>
+              <a:rPr lang="en-GB" sz="1800">
+                <a:effectLst/>
+                <a:latin typeface="Times New Roman" panose="02020603050405020304" pitchFamily="18" charset="0"/>
+                <a:ea typeface="Times New Roman" panose="02020603050405020304" pitchFamily="18" charset="0"/>
+              </a:rPr>
+              <a:t>yang diberi nama “</a:t>
+            </a:r>
+            <a:r>
+              <a:rPr lang="en-GB" sz="1800" b="1">
+                <a:effectLst/>
+                <a:latin typeface="Times New Roman" panose="02020603050405020304" pitchFamily="18" charset="0"/>
+                <a:ea typeface="Times New Roman" panose="02020603050405020304" pitchFamily="18" charset="0"/>
+              </a:rPr>
+              <a:t>Ophtha-LLaMA2</a:t>
+            </a:r>
+            <a:r>
+              <a:rPr lang="en-GB" sz="1800">
+                <a:effectLst/>
+                <a:latin typeface="Times New Roman" panose="02020603050405020304" pitchFamily="18" charset="0"/>
+                <a:ea typeface="Times New Roman" panose="02020603050405020304" pitchFamily="18" charset="0"/>
+              </a:rPr>
+              <a:t>” untuk membantu mendiagnosis penyakit mata yang akan memberikan dukungan keputusan bagi dokter</a:t>
             </a:r>
             <a:r>
               <a:rPr lang="en-ID" sz="1800">
@@ -16382,7 +16290,7 @@
                 <a:latin typeface="Lexend"/>
                 <a:sym typeface="Lexend"/>
               </a:rPr>
-              <a:t>Seminar Hasil Tesis | Selasa, 27 Agustus 2024</a:t>
+              <a:t>Seminar Hasil Tesis | Kamis, 22 Agustus 2024</a:t>
             </a:r>
             <a:endParaRPr lang="en-ID" sz="1200" dirty="0">
               <a:solidFill>
@@ -16875,7 +16783,7 @@
                 <a:latin typeface="Lexend"/>
                 <a:sym typeface="Lexend"/>
               </a:rPr>
-              <a:t>Seminar Hasil Tesis | Selasa, 27 Agustus 2024</a:t>
+              <a:t>Seminar Hasil Tesis | Kamis, 22 Agustus 2024</a:t>
             </a:r>
             <a:endParaRPr lang="en-ID" sz="1200" dirty="0">
               <a:solidFill>
@@ -18660,7 +18568,7 @@
                 <a:latin typeface="Lexend"/>
                 <a:sym typeface="Lexend"/>
               </a:rPr>
-              <a:t>Seminar Hasil Tesis | Selasa, 27 Agustus 2024</a:t>
+              <a:t>Seminar Hasil Tesis | Kamis, 22 Agustus 2024</a:t>
             </a:r>
             <a:endParaRPr lang="en-ID" sz="1600" dirty="0">
               <a:solidFill>
@@ -19069,7 +18977,7 @@
                 <a:latin typeface="Lexend"/>
                 <a:sym typeface="Lexend"/>
               </a:rPr>
-              <a:t>Seminar Hasil Tesis | Selasa, 27 Agustus 2024</a:t>
+              <a:t>Seminar Hasil Tesis | Kamis, 22 Agustus 2024</a:t>
             </a:r>
             <a:endParaRPr lang="en-ID" sz="1200" dirty="0">
               <a:solidFill>
@@ -19549,7 +19457,7 @@
                 <a:latin typeface="Lexend"/>
                 <a:sym typeface="Lexend"/>
               </a:rPr>
-              <a:t>Seminar Hasil Tesis | Selasa, 27 Agustus 2024</a:t>
+              <a:t>Seminar Hasil Tesis | Kamis, 22 Agustus 2024</a:t>
             </a:r>
             <a:endParaRPr lang="en-ID" sz="1200" dirty="0">
               <a:solidFill>
@@ -19861,7 +19769,7 @@
             </a:r>
             <a:r>
               <a:rPr lang="nl-NL" sz="1400"/>
-              <a:t> dan </a:t>
+              <a:t>  dan </a:t>
             </a:r>
             <a:r>
               <a:rPr lang="nl-NL" sz="1400" b="1" i="1"/>
@@ -20378,7 +20286,7 @@
                 <a:latin typeface="Lexend"/>
                 <a:sym typeface="Lexend"/>
               </a:rPr>
-              <a:t>Seminar Hasil Tesis | Selasa, 27 Agustus 2024</a:t>
+              <a:t>Seminar Hasil Tesis | Kamis, 22 Agustus 2024</a:t>
             </a:r>
             <a:endParaRPr lang="en-ID" sz="1200" dirty="0">
               <a:solidFill>
@@ -21172,7 +21080,7 @@
                 <a:latin typeface="Lexend"/>
                 <a:sym typeface="Lexend"/>
               </a:rPr>
-              <a:t>Seminar Hasil Tesis | Selasa, 27 Agustus 2024</a:t>
+              <a:t>Seminar Hasil Tesis | Kamis, 22 Agustus 2024</a:t>
             </a:r>
             <a:endParaRPr lang="en-ID" sz="1200" dirty="0">
               <a:solidFill>
@@ -22987,7 +22895,7 @@
                 <a:latin typeface="Lexend"/>
                 <a:sym typeface="Lexend"/>
               </a:rPr>
-              <a:t>Seminar Hasil Tesis | Selasa, 27 Agustus 2024</a:t>
+              <a:t>Seminar Hasil Tesis | Kamis, 22 Agustus 2024</a:t>
             </a:r>
             <a:endParaRPr lang="en-ID" sz="1600" dirty="0">
               <a:solidFill>
@@ -23141,7 +23049,7 @@
                 <a:latin typeface="Lexend"/>
                 <a:sym typeface="Lexend"/>
               </a:rPr>
-              <a:t>Seminar Hasil Tesis | Selasa, 27 Agustus 2024</a:t>
+              <a:t>Seminar Hasil Tesis | Kamis, 22 Agustus 2024</a:t>
             </a:r>
             <a:endParaRPr lang="en-ID" sz="1200" dirty="0">
               <a:solidFill>
@@ -25320,7 +25228,7 @@
                 <a:latin typeface="Lexend"/>
                 <a:sym typeface="Lexend"/>
               </a:rPr>
-              <a:t>Seminar Hasil Tesis | Selasa, 27 Agustus 2024</a:t>
+              <a:t>Seminar Hasil Tesis | Kamis, 22 Agustus 2024</a:t>
             </a:r>
             <a:endParaRPr lang="en-ID" sz="1200" dirty="0">
               <a:solidFill>
@@ -25469,7 +25377,7 @@
                 <a:latin typeface="Lexend"/>
                 <a:sym typeface="Lexend"/>
               </a:rPr>
-              <a:t>Seminar Hasil Tesis | Selasa, 27 Agustus 2024</a:t>
+              <a:t>Seminar Hasil Tesis | Kamis, 22 Agustus 2024</a:t>
             </a:r>
             <a:endParaRPr lang="en-ID" sz="1200" dirty="0">
               <a:solidFill>
@@ -26577,7 +26485,7 @@
                 <a:latin typeface="Lexend"/>
                 <a:sym typeface="Lexend"/>
               </a:rPr>
-              <a:t>Seminar Hasil Tesis | Selasa, 27 Agustus 2024</a:t>
+              <a:t>Seminar Hasil Tesis | Kamis, 22 Agustus 2024</a:t>
             </a:r>
             <a:endParaRPr lang="en-ID" sz="1200" dirty="0">
               <a:solidFill>
@@ -27765,7 +27673,7 @@
                 <a:latin typeface="Lexend"/>
                 <a:sym typeface="Lexend"/>
               </a:rPr>
-              <a:t>Seminar Hasil Tesis | Selasa, 27 Agustus 2024</a:t>
+              <a:t>Seminar Hasil Tesis | Kamis, 22 Agustus 2024</a:t>
             </a:r>
             <a:endParaRPr lang="en-ID" sz="1200" dirty="0">
               <a:solidFill>
@@ -29830,7 +29738,7 @@
                 <a:latin typeface="Lexend"/>
                 <a:sym typeface="Lexend"/>
               </a:rPr>
-              <a:t>Seminar Hasil Tesis | Selasa, 27 Agustus 2024</a:t>
+              <a:t>Seminar Hasil Tesis | Kamis, 22 Agustus 2024</a:t>
             </a:r>
             <a:endParaRPr lang="en-ID" sz="1200" dirty="0">
               <a:solidFill>
@@ -30316,7 +30224,7 @@
                 <a:latin typeface="Lexend"/>
                 <a:sym typeface="Lexend"/>
               </a:rPr>
-              <a:t>Seminar Hasil Tesis | Selasa, 27 Agustus 2024</a:t>
+              <a:t>Seminar Hasil Tesis | Kamis, 22 Agustus 2024</a:t>
             </a:r>
             <a:endParaRPr lang="en-ID" sz="1200" dirty="0">
               <a:solidFill>
@@ -30802,7 +30710,7 @@
                 <a:latin typeface="Lexend"/>
                 <a:sym typeface="Lexend"/>
               </a:rPr>
-              <a:t>Seminar Hasil Tesis | Selasa, 27 Agustus 2024</a:t>
+              <a:t>Seminar Hasil Tesis | Kamis, 22 Agustus 2024</a:t>
             </a:r>
             <a:endParaRPr lang="en-ID" sz="1200" dirty="0">
               <a:solidFill>
@@ -31089,7 +30997,7 @@
                 <a:latin typeface="Lexend" pitchFamily="2" charset="0"/>
                 <a:ea typeface="Calibri" panose="020F0502020204030204" pitchFamily="34" charset="0"/>
               </a:rPr>
-              <a:t>Gambar 4.3 </a:t>
+              <a:t>Gambar 4.3 Alur </a:t>
             </a:r>
             <a:r>
               <a:rPr lang="en-US" sz="1600">
@@ -31288,7 +31196,7 @@
                 <a:latin typeface="Lexend"/>
                 <a:sym typeface="Lexend"/>
               </a:rPr>
-              <a:t>Seminar Hasil Tesis | Selasa, 27 Agustus 2024</a:t>
+              <a:t>Seminar Hasil Tesis | Kamis, 22 Agustus 2024</a:t>
             </a:r>
             <a:endParaRPr lang="en-ID" sz="1200" dirty="0">
               <a:solidFill>
@@ -32723,7 +32631,7 @@
                 <a:latin typeface="Lexend"/>
                 <a:sym typeface="Lexend"/>
               </a:rPr>
-              <a:t>Seminar Hasil Tesis | Selasa, 27 Agustus 2024</a:t>
+              <a:t>Seminar Hasil Tesis | Kamis, 22 Agustus 2024</a:t>
             </a:r>
             <a:endParaRPr lang="en-ID" sz="1200" dirty="0">
               <a:solidFill>
@@ -33262,8 +33170,8 @@
           </a:p>
         </p:txBody>
       </p:sp>
-      <mc:AlternateContent xmlns:mc="http://schemas.openxmlformats.org/markup-compatibility/2006">
-        <mc:Choice xmlns:a14="http://schemas.microsoft.com/office/drawing/2010/main" Requires="a14">
+      <mc:AlternateContent xmlns:mc="http://schemas.openxmlformats.org/markup-compatibility/2006" xmlns:a14="http://schemas.microsoft.com/office/drawing/2010/main">
+        <mc:Choice Requires="a14">
           <p:graphicFrame>
             <p:nvGraphicFramePr>
               <p:cNvPr id="20" name="Table 19">
@@ -33816,7 +33724,7 @@
             </a:graphic>
           </p:graphicFrame>
         </mc:Choice>
-        <mc:Fallback>
+        <mc:Fallback xmlns="">
           <p:graphicFrame>
             <p:nvGraphicFramePr>
               <p:cNvPr id="20" name="Table 19">
@@ -34158,7 +34066,7 @@
                 <a:latin typeface="Lexend"/>
                 <a:sym typeface="Lexend"/>
               </a:rPr>
-              <a:t>Seminar Hasil Tesis | Selasa, 27 Agustus 2024</a:t>
+              <a:t>Seminar Hasil Tesis | Kamis, 22 Agustus 2024</a:t>
             </a:r>
             <a:endParaRPr lang="en-ID" sz="1200" dirty="0">
               <a:solidFill>
@@ -37066,7 +36974,7 @@
                 <a:latin typeface="Lexend"/>
                 <a:sym typeface="Lexend"/>
               </a:rPr>
-              <a:t>Seminar Hasil Tesis | Selasa, 27 Agustus 2024</a:t>
+              <a:t>Seminar Hasil Tesis | Kamis, 22 Agustus 2024</a:t>
             </a:r>
             <a:endParaRPr lang="en-ID" sz="1600" dirty="0">
               <a:solidFill>
@@ -37634,7 +37542,7 @@
                 <a:latin typeface="Lexend"/>
                 <a:sym typeface="Lexend"/>
               </a:rPr>
-              <a:t>Seminar Hasil Tesis | Selasa, 27 Agustus 2024</a:t>
+              <a:t>Seminar Hasil Tesis | Kamis, 22 Agustus 2024</a:t>
             </a:r>
             <a:endParaRPr lang="en-ID" sz="1200" dirty="0">
               <a:solidFill>
@@ -37788,7 +37696,7 @@
                 <a:latin typeface="Lexend"/>
                 <a:sym typeface="Lexend"/>
               </a:rPr>
-              <a:t>Seminar Hasil Tesis | Selasa, 27 Agustus 2024</a:t>
+              <a:t>Seminar Hasil Tesis | Kamis, 22 Agustus 2024</a:t>
             </a:r>
             <a:endParaRPr lang="en-ID" sz="1200" dirty="0">
               <a:solidFill>
@@ -39065,7 +38973,7 @@
                 <a:latin typeface="Lexend"/>
                 <a:sym typeface="Lexend"/>
               </a:rPr>
-              <a:t>Seminar Hasil Tesis | Selasa, 27 Agustus 2024</a:t>
+              <a:t>Seminar Hasil Tesis | Kamis, 22 Agustus 2024</a:t>
             </a:r>
             <a:endParaRPr lang="en-ID" sz="1200" dirty="0">
               <a:solidFill>
@@ -40336,7 +40244,7 @@
                 <a:latin typeface="Lexend"/>
                 <a:sym typeface="Lexend"/>
               </a:rPr>
-              <a:t>Seminar Hasil Tesis | Selasa, 27 Agustus 2024</a:t>
+              <a:t>Seminar Hasil Tesis | Kamis, 22 Agustus 2024</a:t>
             </a:r>
             <a:endParaRPr lang="en-ID" sz="1200" dirty="0">
               <a:solidFill>
@@ -41484,7 +41392,7 @@
                 <a:latin typeface="Lexend"/>
                 <a:sym typeface="Lexend"/>
               </a:rPr>
-              <a:t>Seminar Hasil Tesis | Selasa, 27 Agustus 2024</a:t>
+              <a:t>Seminar Hasil Tesis | Kamis, 22 Agustus 2024</a:t>
             </a:r>
             <a:endParaRPr lang="en-ID" sz="1200" dirty="0">
               <a:solidFill>
@@ -42098,7 +42006,7 @@
           <a:p>
             <a:r>
               <a:rPr lang="en-US"/>
-              <a:t>Hasil dan Pembahasan (4/6)</a:t>
+              <a:t>Hasil dan Pembahasan (5/6)</a:t>
             </a:r>
             <a:endParaRPr lang="en-ID"/>
           </a:p>
@@ -42249,7 +42157,7 @@
                 <a:latin typeface="Lexend"/>
                 <a:sym typeface="Lexend"/>
               </a:rPr>
-              <a:t>Seminar Hasil Tesis | Selasa, 27 Agustus 2024</a:t>
+              <a:t>Seminar Hasil Tesis | Kamis, 22 Agustus 2024</a:t>
             </a:r>
             <a:endParaRPr lang="en-ID" sz="1200" dirty="0">
               <a:solidFill>
@@ -43014,7 +42922,7 @@
                 <a:latin typeface="Lexend"/>
                 <a:sym typeface="Lexend"/>
               </a:rPr>
-              <a:t>Seminar Hasil Tesis | Selasa, 27 Agustus 2024</a:t>
+              <a:t>Seminar Hasil Tesis | Kamis, 22 Agustus 2024</a:t>
             </a:r>
             <a:endParaRPr lang="en-ID" sz="1200" dirty="0">
               <a:solidFill>
@@ -45097,7 +45005,7 @@
                 <a:latin typeface="Lexend"/>
                 <a:sym typeface="Lexend"/>
               </a:rPr>
-              <a:t>Seminar Hasil Tesis | Selasa, 27 Agustus 2024</a:t>
+              <a:t>Seminar Hasil Tesis | Kamis, 22 Agustus 2024</a:t>
             </a:r>
             <a:endParaRPr lang="en-ID" sz="1600" dirty="0">
               <a:solidFill>
@@ -45356,7 +45264,7 @@
                 <a:latin typeface="Lexend"/>
                 <a:sym typeface="Lexend"/>
               </a:rPr>
-              <a:t>Seminar Hasil Tesis | Selasa, 27 Agustus 2024</a:t>
+              <a:t>Seminar Hasil Tesis | Kamis, 22 Agustus 2024</a:t>
             </a:r>
             <a:endParaRPr lang="en-ID" sz="1200" dirty="0">
               <a:solidFill>
@@ -45672,7 +45580,7 @@
           <a:p>
             <a:r>
               <a:rPr lang="en-US"/>
-              <a:t>Kesimpulan (1/3)</a:t>
+              <a:t>Saran (2/2)</a:t>
             </a:r>
             <a:endParaRPr lang="en-ID"/>
           </a:p>
@@ -45855,7 +45763,7 @@
                 <a:latin typeface="Lexend"/>
                 <a:sym typeface="Lexend"/>
               </a:rPr>
-              <a:t>Seminar Hasil Tesis | Selasa, 27 Agustus 2024</a:t>
+              <a:t>Seminar Hasil Tesis | Kamis, 22 Agustus 2024</a:t>
             </a:r>
             <a:endParaRPr lang="en-ID" sz="1200" dirty="0">
               <a:solidFill>
@@ -49215,7 +49123,7 @@
                 <a:latin typeface="Lexend"/>
                 <a:sym typeface="Lexend"/>
               </a:rPr>
-              <a:t>Seminar Hasil Tesis | Selasa, 27 Agustus 2024</a:t>
+              <a:t>Seminar Hasil Tesis | Kamis, 22 Agustus 2024</a:t>
             </a:r>
             <a:endParaRPr lang="en-ID" sz="1600" dirty="0">
               <a:solidFill>
@@ -49336,7 +49244,7 @@
                 <a:latin typeface="Times New Roman" panose="02020603050405020304" pitchFamily="18" charset="0"/>
                 <a:ea typeface="Calibri" panose="020F0502020204030204" pitchFamily="34" charset="0"/>
               </a:rPr>
-              <a:t>, maka dapat  dirumuskan beberapa permasalahan dasar yang sederhana dan umum ditemukan, sehingga didapatkan rumusan masalah sebagai berikut:</a:t>
+              <a:t>, maka dapat dirumuskan beberapa permasalahan dasar yang sederhana dan umum ditemukan, sehingga didapatkan rumusan masalah sebagai berikut:</a:t>
             </a:r>
           </a:p>
           <a:p>
@@ -49433,7 +49341,7 @@
                 <a:latin typeface="Lexend"/>
                 <a:sym typeface="Lexend"/>
               </a:rPr>
-              <a:t>Seminar Hasil Tesis | Selasa, 27 Agustus 2024</a:t>
+              <a:t>Seminar Hasil Tesis | Kamis, 22 Agustus 2024</a:t>
             </a:r>
             <a:endParaRPr lang="en-ID" sz="1200" dirty="0">
               <a:solidFill>
@@ -49908,7 +49816,7 @@
                 <a:latin typeface="Lexend"/>
                 <a:sym typeface="Lexend"/>
               </a:rPr>
-              <a:t>Seminar Hasil Tesis | Selasa, 27 Agustus 2024</a:t>
+              <a:t>Seminar Hasil Tesis | Kamis, 22 Agustus 2024</a:t>
             </a:r>
             <a:endParaRPr lang="en-ID" sz="1200" dirty="0">
               <a:solidFill>
@@ -50728,7 +50636,7 @@
                 <a:latin typeface="Lexend"/>
                 <a:sym typeface="Lexend"/>
               </a:rPr>
-              <a:t>Seminar Hasil Tesis | Selasa, 27 Agustus 2024</a:t>
+              <a:t>Seminar Hasil Tesis | Kamis, 22 Agustus 2024</a:t>
             </a:r>
             <a:endParaRPr lang="en-ID" sz="1200" dirty="0">
               <a:solidFill>
@@ -51566,7 +51474,7 @@
                 <a:latin typeface="Lexend"/>
                 <a:sym typeface="Lexend"/>
               </a:rPr>
-              <a:t>Seminar Hasil Tesis | Selasa, 27 Agustus 2024</a:t>
+              <a:t>Seminar Hasil Tesis | Kamis, 22 Agustus 2024</a:t>
             </a:r>
             <a:endParaRPr lang="en-ID" sz="1200" dirty="0">
               <a:solidFill>
@@ -53648,7 +53556,7 @@
                 <a:latin typeface="Lexend"/>
                 <a:sym typeface="Lexend"/>
               </a:rPr>
-              <a:t>Seminar Hasil Tesis | Selasa, 27 Agustus 2024</a:t>
+              <a:t>Seminar Hasil Tesis | Kamis, 22 Agustus 2024</a:t>
             </a:r>
             <a:endParaRPr lang="en-ID" sz="1600" dirty="0">
               <a:solidFill>

--- a/Presentasi Hasil Tesis Hary Rachmat 2108207010009.pptx
+++ b/Presentasi Hasil Tesis Hary Rachmat 2108207010009.pptx
@@ -5,7 +5,7 @@
     <p:sldMasterId id="2147483670" r:id="rId1"/>
   </p:sldMasterIdLst>
   <p:notesMasterIdLst>
-    <p:notesMasterId r:id="rId41"/>
+    <p:notesMasterId r:id="rId42"/>
   </p:notesMasterIdLst>
   <p:sldIdLst>
     <p:sldId id="256" r:id="rId2"/>
@@ -30,74 +30,75 @@
     <p:sldId id="315" r:id="rId21"/>
     <p:sldId id="317" r:id="rId22"/>
     <p:sldId id="316" r:id="rId23"/>
-    <p:sldId id="322" r:id="rId24"/>
-    <p:sldId id="323" r:id="rId25"/>
-    <p:sldId id="324" r:id="rId26"/>
-    <p:sldId id="325" r:id="rId27"/>
-    <p:sldId id="326" r:id="rId28"/>
-    <p:sldId id="327" r:id="rId29"/>
-    <p:sldId id="328" r:id="rId30"/>
-    <p:sldId id="329" r:id="rId31"/>
-    <p:sldId id="330" r:id="rId32"/>
-    <p:sldId id="331" r:id="rId33"/>
-    <p:sldId id="332" r:id="rId34"/>
-    <p:sldId id="333" r:id="rId35"/>
-    <p:sldId id="334" r:id="rId36"/>
-    <p:sldId id="335" r:id="rId37"/>
-    <p:sldId id="336" r:id="rId38"/>
-    <p:sldId id="337" r:id="rId39"/>
-    <p:sldId id="275" r:id="rId40"/>
+    <p:sldId id="339" r:id="rId24"/>
+    <p:sldId id="322" r:id="rId25"/>
+    <p:sldId id="323" r:id="rId26"/>
+    <p:sldId id="324" r:id="rId27"/>
+    <p:sldId id="325" r:id="rId28"/>
+    <p:sldId id="326" r:id="rId29"/>
+    <p:sldId id="327" r:id="rId30"/>
+    <p:sldId id="328" r:id="rId31"/>
+    <p:sldId id="329" r:id="rId32"/>
+    <p:sldId id="330" r:id="rId33"/>
+    <p:sldId id="331" r:id="rId34"/>
+    <p:sldId id="332" r:id="rId35"/>
+    <p:sldId id="333" r:id="rId36"/>
+    <p:sldId id="334" r:id="rId37"/>
+    <p:sldId id="335" r:id="rId38"/>
+    <p:sldId id="336" r:id="rId39"/>
+    <p:sldId id="337" r:id="rId40"/>
+    <p:sldId id="275" r:id="rId41"/>
   </p:sldIdLst>
   <p:sldSz cx="9144000" cy="5143500" type="screen16x9"/>
   <p:notesSz cx="10020300" cy="6888163"/>
   <p:embeddedFontLst>
     <p:embeddedFont>
       <p:font typeface="Cambria Math" panose="02040503050406030204" pitchFamily="18" charset="0"/>
-      <p:regular r:id="rId42"/>
+      <p:regular r:id="rId43"/>
     </p:embeddedFont>
     <p:embeddedFont>
       <p:font typeface="Gill Sans MT" panose="020B0502020104020203" pitchFamily="34" charset="0"/>
-      <p:regular r:id="rId43"/>
-      <p:bold r:id="rId44"/>
-      <p:italic r:id="rId45"/>
-      <p:boldItalic r:id="rId46"/>
+      <p:regular r:id="rId44"/>
+      <p:bold r:id="rId45"/>
+      <p:italic r:id="rId46"/>
+      <p:boldItalic r:id="rId47"/>
     </p:embeddedFont>
     <p:embeddedFont>
       <p:font typeface="Google Sans" panose="020B0503030502040204" pitchFamily="34" charset="0"/>
-      <p:regular r:id="rId47"/>
+      <p:regular r:id="rId48"/>
     </p:embeddedFont>
     <p:embeddedFont>
       <p:font typeface="Josefin Sans" pitchFamily="2" charset="0"/>
-      <p:regular r:id="rId48"/>
-      <p:bold r:id="rId49"/>
+      <p:regular r:id="rId49"/>
+      <p:bold r:id="rId50"/>
     </p:embeddedFont>
     <p:embeddedFont>
       <p:font typeface="Lexend" pitchFamily="2" charset="0"/>
-      <p:regular r:id="rId50"/>
-      <p:bold r:id="rId51"/>
+      <p:regular r:id="rId51"/>
+      <p:bold r:id="rId52"/>
     </p:embeddedFont>
     <p:embeddedFont>
       <p:font typeface="Lexend Black" pitchFamily="2" charset="0"/>
-      <p:bold r:id="rId52"/>
+      <p:bold r:id="rId53"/>
     </p:embeddedFont>
     <p:embeddedFont>
       <p:font typeface="Open Sans" panose="020B0606030504020204" pitchFamily="34" charset="0"/>
-      <p:regular r:id="rId53"/>
-      <p:bold r:id="rId54"/>
-      <p:italic r:id="rId55"/>
-      <p:boldItalic r:id="rId56"/>
+      <p:regular r:id="rId54"/>
+      <p:bold r:id="rId55"/>
+      <p:italic r:id="rId56"/>
+      <p:boldItalic r:id="rId57"/>
     </p:embeddedFont>
     <p:embeddedFont>
       <p:font typeface="Roboto Condensed Light" panose="02000000000000000000" pitchFamily="2" charset="0"/>
-      <p:regular r:id="rId57"/>
-      <p:italic r:id="rId58"/>
+      <p:regular r:id="rId58"/>
+      <p:italic r:id="rId59"/>
     </p:embeddedFont>
     <p:embeddedFont>
       <p:font typeface="Segoe UI" panose="020B0502040204020203" pitchFamily="34" charset="0"/>
-      <p:regular r:id="rId59"/>
-      <p:bold r:id="rId60"/>
-      <p:italic r:id="rId61"/>
-      <p:boldItalic r:id="rId62"/>
+      <p:regular r:id="rId60"/>
+      <p:bold r:id="rId61"/>
+      <p:italic r:id="rId62"/>
+      <p:boldItalic r:id="rId63"/>
     </p:embeddedFont>
   </p:embeddedFontLst>
   <p:defaultTextStyle>
@@ -22971,7 +22972,7 @@
           <a:p>
             <a:r>
               <a:rPr lang="en-US"/>
-              <a:t>Metodologi Penelitian (1/10)</a:t>
+              <a:t>Metodologi Penelitian (1/11)</a:t>
             </a:r>
             <a:endParaRPr lang="en-ID"/>
           </a:p>
@@ -25299,7 +25300,7 @@
           <a:p>
             <a:r>
               <a:rPr lang="en-US"/>
-              <a:t>Metodologi Penelitian (2/10)</a:t>
+              <a:t>Metodologi Penelitian (2/11)</a:t>
             </a:r>
             <a:endParaRPr lang="en-ID"/>
           </a:p>
@@ -25930,7 +25931,7 @@
           <p:nvPr>
             <p:extLst>
               <p:ext uri="{D42A27DB-BD31-4B8C-83A1-F6EECF244321}">
-                <p14:modId xmlns:p14="http://schemas.microsoft.com/office/powerpoint/2010/main" val="1833918591"/>
+                <p14:modId xmlns:p14="http://schemas.microsoft.com/office/powerpoint/2010/main" val="1160137333"/>
               </p:ext>
             </p:extLst>
           </p:nvPr>
@@ -26260,7 +26261,7 @@
                           <a:effectLst/>
                           <a:latin typeface="Lexend" panose="020B0604020202020204" charset="0"/>
                         </a:rPr>
-                        <a:t> di Universitas Syiah Kuala</a:t>
+                        <a:t> di Universitas Syiah Kuala terdiri dari 20 Finetuning dan 231 RAG dalam bentuk pdf</a:t>
                       </a:r>
                       <a:endParaRPr lang="en-ID" sz="1200">
                         <a:effectLst/>
@@ -26407,7 +26408,7 @@
           <a:p>
             <a:r>
               <a:rPr lang="en-US"/>
-              <a:t>Metodologi Penelitian (3/10)</a:t>
+              <a:t>Metodologi Penelitian (3/11)</a:t>
             </a:r>
             <a:endParaRPr lang="en-ID"/>
           </a:p>
@@ -27328,8 +27329,8 @@
         </p:nvSpPr>
         <p:spPr>
           <a:xfrm>
-            <a:off x="4295035" y="3227303"/>
-            <a:ext cx="1194841" cy="609233"/>
+            <a:off x="4247242" y="3227303"/>
+            <a:ext cx="1290425" cy="609233"/>
           </a:xfrm>
           <a:prstGeom prst="roundRect">
             <a:avLst/>
@@ -27360,14 +27361,24 @@
           <a:p>
             <a:pPr algn="ctr"/>
             <a:r>
-              <a:rPr lang="en-ID" sz="900" b="0" i="1">
+              <a:rPr lang="en-ID" sz="900" b="0" i="0">
                 <a:solidFill>
                   <a:schemeClr val="tx1"/>
                 </a:solidFill>
                 <a:effectLst/>
                 <a:latin typeface="Lexend Black" panose="020B0604020202020204" charset="0"/>
               </a:rPr>
-              <a:t>Fine-tuning</a:t>
+              <a:t>Pengembangan LLM dengan metode </a:t>
+            </a:r>
+            <a:r>
+              <a:rPr lang="en-ID" sz="900" b="0" i="1">
+                <a:solidFill>
+                  <a:schemeClr val="tx1"/>
+                </a:solidFill>
+                <a:effectLst/>
+                <a:latin typeface="Lexend Black" panose="020B0604020202020204" charset="0"/>
+              </a:rPr>
+              <a:t>Fine-tuning dan </a:t>
             </a:r>
             <a:r>
               <a:rPr lang="en-ID" sz="900" b="0" i="0">
@@ -27377,7 +27388,7 @@
                 <a:effectLst/>
                 <a:latin typeface="Lexend Black" panose="020B0604020202020204" charset="0"/>
               </a:rPr>
-              <a:t> LLM dengan metode RAG</a:t>
+              <a:t>RAG</a:t>
             </a:r>
             <a:endParaRPr lang="en-ID" sz="900">
               <a:solidFill>
@@ -27405,9 +27416,9 @@
           <p:nvPr/>
         </p:nvCxnSpPr>
         <p:spPr>
-          <a:xfrm>
-            <a:off x="4892456" y="3025844"/>
-            <a:ext cx="0" cy="201459"/>
+          <a:xfrm flipH="1">
+            <a:off x="4892455" y="3025844"/>
+            <a:ext cx="1" cy="201459"/>
           </a:xfrm>
           <a:prstGeom prst="straightConnector1">
             <a:avLst/>
@@ -27483,7 +27494,7 @@
                 </a:solidFill>
                 <a:latin typeface="Lexend Black" panose="020B0604020202020204" charset="0"/>
               </a:rPr>
-              <a:t>Mengevaluasi kinerja RAG</a:t>
+              <a:t>Mengevaluasi kinerja pada Model</a:t>
             </a:r>
           </a:p>
         </p:txBody>
@@ -27506,8 +27517,8 @@
         </p:nvCxnSpPr>
         <p:spPr>
           <a:xfrm>
-            <a:off x="4892456" y="3836536"/>
-            <a:ext cx="0" cy="198230"/>
+            <a:off x="4892455" y="3836536"/>
+            <a:ext cx="1" cy="198230"/>
           </a:xfrm>
           <a:prstGeom prst="straightConnector1">
             <a:avLst/>
@@ -27595,7 +27606,7 @@
           <a:p>
             <a:r>
               <a:rPr lang="en-US"/>
-              <a:t>Metodologi Penelitian (4/10)</a:t>
+              <a:t>Metodologi Penelitian (4/11)</a:t>
             </a:r>
             <a:endParaRPr lang="en-ID"/>
           </a:p>
@@ -29617,6 +29628,998 @@
         <p:cNvPr id="1" name="">
           <a:extLst>
             <a:ext uri="{FF2B5EF4-FFF2-40B4-BE49-F238E27FC236}">
+              <a16:creationId xmlns:a16="http://schemas.microsoft.com/office/drawing/2014/main" id="{8E547265-EF44-4AB5-D91F-66B3577672AC}"/>
+            </a:ext>
+          </a:extLst>
+        </p:cNvPr>
+        <p:cNvGrpSpPr/>
+        <p:nvPr/>
+      </p:nvGrpSpPr>
+      <p:grpSpPr>
+        <a:xfrm>
+          <a:off x="0" y="0"/>
+          <a:ext cx="0" cy="0"/>
+          <a:chOff x="0" y="0"/>
+          <a:chExt cx="0" cy="0"/>
+        </a:xfrm>
+      </p:grpSpPr>
+      <p:sp>
+        <p:nvSpPr>
+          <p:cNvPr id="2" name="Title 1">
+            <a:extLst>
+              <a:ext uri="{FF2B5EF4-FFF2-40B4-BE49-F238E27FC236}">
+                <a16:creationId xmlns:a16="http://schemas.microsoft.com/office/drawing/2014/main" id="{0E0A1227-694D-C647-0358-684F5B56E050}"/>
+              </a:ext>
+            </a:extLst>
+          </p:cNvPr>
+          <p:cNvSpPr>
+            <a:spLocks noGrp="1"/>
+          </p:cNvSpPr>
+          <p:nvPr>
+            <p:ph type="title"/>
+          </p:nvPr>
+        </p:nvSpPr>
+        <p:spPr>
+          <a:xfrm>
+            <a:off x="191162" y="604867"/>
+            <a:ext cx="7704000" cy="511819"/>
+          </a:xfrm>
+        </p:spPr>
+        <p:txBody>
+          <a:bodyPr/>
+          <a:lstStyle/>
+          <a:p>
+            <a:r>
+              <a:rPr lang="en-US"/>
+              <a:t>Metodologi Penelitian (5/11)</a:t>
+            </a:r>
+            <a:endParaRPr lang="en-ID"/>
+          </a:p>
+        </p:txBody>
+      </p:sp>
+      <p:pic>
+        <p:nvPicPr>
+          <p:cNvPr id="4" name="object 27">
+            <a:extLst>
+              <a:ext uri="{FF2B5EF4-FFF2-40B4-BE49-F238E27FC236}">
+                <a16:creationId xmlns:a16="http://schemas.microsoft.com/office/drawing/2014/main" id="{F71F3251-E356-FD73-57DE-53587130E205}"/>
+              </a:ext>
+            </a:extLst>
+          </p:cNvPr>
+          <p:cNvPicPr/>
+          <p:nvPr/>
+        </p:nvPicPr>
+        <p:blipFill>
+          <a:blip r:embed="rId2" cstate="print"/>
+          <a:stretch>
+            <a:fillRect/>
+          </a:stretch>
+        </p:blipFill>
+        <p:spPr>
+          <a:xfrm>
+            <a:off x="0" y="46946"/>
+            <a:ext cx="3129776" cy="661742"/>
+          </a:xfrm>
+          <a:prstGeom prst="rect">
+            <a:avLst/>
+          </a:prstGeom>
+        </p:spPr>
+      </p:pic>
+      <p:sp>
+        <p:nvSpPr>
+          <p:cNvPr id="5" name="object 28">
+            <a:extLst>
+              <a:ext uri="{FF2B5EF4-FFF2-40B4-BE49-F238E27FC236}">
+                <a16:creationId xmlns:a16="http://schemas.microsoft.com/office/drawing/2014/main" id="{C82C2A04-CA4A-2220-5551-7B03C1526579}"/>
+              </a:ext>
+            </a:extLst>
+          </p:cNvPr>
+          <p:cNvSpPr txBox="1"/>
+          <p:nvPr/>
+        </p:nvSpPr>
+        <p:spPr>
+          <a:xfrm>
+            <a:off x="5212448" y="82286"/>
+            <a:ext cx="4235450" cy="197490"/>
+          </a:xfrm>
+          <a:prstGeom prst="rect">
+            <a:avLst/>
+          </a:prstGeom>
+        </p:spPr>
+        <p:txBody>
+          <a:bodyPr vert="horz" wrap="square" lIns="0" tIns="12700" rIns="0" bIns="0" rtlCol="0">
+            <a:spAutoFit/>
+          </a:bodyPr>
+          <a:lstStyle/>
+          <a:p>
+            <a:pPr marL="12700" marR="347345" indent="-304800">
+              <a:spcBef>
+                <a:spcPts val="550"/>
+              </a:spcBef>
+              <a:buClr>
+                <a:schemeClr val="dk1"/>
+              </a:buClr>
+              <a:buSzPts val="1200"/>
+            </a:pPr>
+            <a:r>
+              <a:rPr lang="en-ID" sz="1200">
+                <a:solidFill>
+                  <a:schemeClr val="dk1"/>
+                </a:solidFill>
+                <a:latin typeface="Lexend"/>
+                <a:sym typeface="Lexend"/>
+              </a:rPr>
+              <a:t>Seminar Hasil Tesis | Kamis, 22 Agustus 2024</a:t>
+            </a:r>
+            <a:endParaRPr lang="en-ID" sz="1200" dirty="0">
+              <a:solidFill>
+                <a:schemeClr val="dk1"/>
+              </a:solidFill>
+              <a:latin typeface="Lexend"/>
+              <a:sym typeface="Lexend"/>
+            </a:endParaRPr>
+          </a:p>
+        </p:txBody>
+      </p:sp>
+      <p:sp>
+        <p:nvSpPr>
+          <p:cNvPr id="8" name="Google Shape;395;p32">
+            <a:extLst>
+              <a:ext uri="{FF2B5EF4-FFF2-40B4-BE49-F238E27FC236}">
+                <a16:creationId xmlns:a16="http://schemas.microsoft.com/office/drawing/2014/main" id="{62CCB474-E2C9-4F18-1BC0-EAF5F234CEFB}"/>
+              </a:ext>
+            </a:extLst>
+          </p:cNvPr>
+          <p:cNvSpPr txBox="1">
+            <a:spLocks/>
+          </p:cNvSpPr>
+          <p:nvPr/>
+        </p:nvSpPr>
+        <p:spPr>
+          <a:xfrm>
+            <a:off x="191161" y="1116686"/>
+            <a:ext cx="5179492" cy="393600"/>
+          </a:xfrm>
+          <a:prstGeom prst="rect">
+            <a:avLst/>
+          </a:prstGeom>
+          <a:noFill/>
+          <a:ln>
+            <a:noFill/>
+          </a:ln>
+        </p:spPr>
+        <p:txBody>
+          <a:bodyPr spcFirstLastPara="1" wrap="square" lIns="91425" tIns="91425" rIns="91425" bIns="91425" anchor="b" anchorCtr="0">
+            <a:noAutofit/>
+          </a:bodyPr>
+          <a:lstStyle>
+            <a:defPPr marR="0" lvl="0" algn="l" rtl="0">
+              <a:lnSpc>
+                <a:spcPct val="100000"/>
+              </a:lnSpc>
+              <a:spcBef>
+                <a:spcPts val="0"/>
+              </a:spcBef>
+              <a:spcAft>
+                <a:spcPts val="0"/>
+              </a:spcAft>
+            </a:defPPr>
+            <a:lvl1pPr marR="0" lvl="0" algn="l" rtl="0">
+              <a:lnSpc>
+                <a:spcPct val="100000"/>
+              </a:lnSpc>
+              <a:spcBef>
+                <a:spcPts val="0"/>
+              </a:spcBef>
+              <a:spcAft>
+                <a:spcPts val="0"/>
+              </a:spcAft>
+              <a:buClr>
+                <a:schemeClr val="dk1"/>
+              </a:buClr>
+              <a:buSzPts val="3000"/>
+              <a:buFont typeface="Lexend Black"/>
+              <a:buNone/>
+              <a:defRPr sz="3000" b="0" i="0" u="none" strike="noStrike" cap="none">
+                <a:solidFill>
+                  <a:schemeClr val="dk1"/>
+                </a:solidFill>
+                <a:latin typeface="Lexend Black"/>
+                <a:ea typeface="Lexend Black"/>
+                <a:cs typeface="Lexend Black"/>
+                <a:sym typeface="Lexend Black"/>
+              </a:defRPr>
+            </a:lvl1pPr>
+            <a:lvl2pPr marR="0" lvl="1" algn="l" rtl="0">
+              <a:lnSpc>
+                <a:spcPct val="100000"/>
+              </a:lnSpc>
+              <a:spcBef>
+                <a:spcPts val="0"/>
+              </a:spcBef>
+              <a:spcAft>
+                <a:spcPts val="0"/>
+              </a:spcAft>
+              <a:buClr>
+                <a:schemeClr val="dk1"/>
+              </a:buClr>
+              <a:buSzPts val="3000"/>
+              <a:buFont typeface="Raleway"/>
+              <a:buNone/>
+              <a:defRPr sz="3000" b="1" i="0" u="none" strike="noStrike" cap="none">
+                <a:solidFill>
+                  <a:schemeClr val="dk1"/>
+                </a:solidFill>
+                <a:latin typeface="Raleway"/>
+                <a:ea typeface="Raleway"/>
+                <a:cs typeface="Raleway"/>
+                <a:sym typeface="Raleway"/>
+              </a:defRPr>
+            </a:lvl2pPr>
+            <a:lvl3pPr marR="0" lvl="2" algn="l" rtl="0">
+              <a:lnSpc>
+                <a:spcPct val="100000"/>
+              </a:lnSpc>
+              <a:spcBef>
+                <a:spcPts val="0"/>
+              </a:spcBef>
+              <a:spcAft>
+                <a:spcPts val="0"/>
+              </a:spcAft>
+              <a:buClr>
+                <a:schemeClr val="dk1"/>
+              </a:buClr>
+              <a:buSzPts val="3000"/>
+              <a:buFont typeface="Raleway"/>
+              <a:buNone/>
+              <a:defRPr sz="3000" b="1" i="0" u="none" strike="noStrike" cap="none">
+                <a:solidFill>
+                  <a:schemeClr val="dk1"/>
+                </a:solidFill>
+                <a:latin typeface="Raleway"/>
+                <a:ea typeface="Raleway"/>
+                <a:cs typeface="Raleway"/>
+                <a:sym typeface="Raleway"/>
+              </a:defRPr>
+            </a:lvl3pPr>
+            <a:lvl4pPr marR="0" lvl="3" algn="l" rtl="0">
+              <a:lnSpc>
+                <a:spcPct val="100000"/>
+              </a:lnSpc>
+              <a:spcBef>
+                <a:spcPts val="0"/>
+              </a:spcBef>
+              <a:spcAft>
+                <a:spcPts val="0"/>
+              </a:spcAft>
+              <a:buClr>
+                <a:schemeClr val="dk1"/>
+              </a:buClr>
+              <a:buSzPts val="3000"/>
+              <a:buFont typeface="Raleway"/>
+              <a:buNone/>
+              <a:defRPr sz="3000" b="1" i="0" u="none" strike="noStrike" cap="none">
+                <a:solidFill>
+                  <a:schemeClr val="dk1"/>
+                </a:solidFill>
+                <a:latin typeface="Raleway"/>
+                <a:ea typeface="Raleway"/>
+                <a:cs typeface="Raleway"/>
+                <a:sym typeface="Raleway"/>
+              </a:defRPr>
+            </a:lvl4pPr>
+            <a:lvl5pPr marR="0" lvl="4" algn="l" rtl="0">
+              <a:lnSpc>
+                <a:spcPct val="100000"/>
+              </a:lnSpc>
+              <a:spcBef>
+                <a:spcPts val="0"/>
+              </a:spcBef>
+              <a:spcAft>
+                <a:spcPts val="0"/>
+              </a:spcAft>
+              <a:buClr>
+                <a:schemeClr val="dk1"/>
+              </a:buClr>
+              <a:buSzPts val="3000"/>
+              <a:buFont typeface="Raleway"/>
+              <a:buNone/>
+              <a:defRPr sz="3000" b="1" i="0" u="none" strike="noStrike" cap="none">
+                <a:solidFill>
+                  <a:schemeClr val="dk1"/>
+                </a:solidFill>
+                <a:latin typeface="Raleway"/>
+                <a:ea typeface="Raleway"/>
+                <a:cs typeface="Raleway"/>
+                <a:sym typeface="Raleway"/>
+              </a:defRPr>
+            </a:lvl5pPr>
+            <a:lvl6pPr marR="0" lvl="5" algn="l" rtl="0">
+              <a:lnSpc>
+                <a:spcPct val="100000"/>
+              </a:lnSpc>
+              <a:spcBef>
+                <a:spcPts val="0"/>
+              </a:spcBef>
+              <a:spcAft>
+                <a:spcPts val="0"/>
+              </a:spcAft>
+              <a:buClr>
+                <a:schemeClr val="dk1"/>
+              </a:buClr>
+              <a:buSzPts val="3000"/>
+              <a:buFont typeface="Raleway"/>
+              <a:buNone/>
+              <a:defRPr sz="3000" b="1" i="0" u="none" strike="noStrike" cap="none">
+                <a:solidFill>
+                  <a:schemeClr val="dk1"/>
+                </a:solidFill>
+                <a:latin typeface="Raleway"/>
+                <a:ea typeface="Raleway"/>
+                <a:cs typeface="Raleway"/>
+                <a:sym typeface="Raleway"/>
+              </a:defRPr>
+            </a:lvl6pPr>
+            <a:lvl7pPr marR="0" lvl="6" algn="l" rtl="0">
+              <a:lnSpc>
+                <a:spcPct val="100000"/>
+              </a:lnSpc>
+              <a:spcBef>
+                <a:spcPts val="0"/>
+              </a:spcBef>
+              <a:spcAft>
+                <a:spcPts val="0"/>
+              </a:spcAft>
+              <a:buClr>
+                <a:schemeClr val="dk1"/>
+              </a:buClr>
+              <a:buSzPts val="3000"/>
+              <a:buFont typeface="Raleway"/>
+              <a:buNone/>
+              <a:defRPr sz="3000" b="1" i="0" u="none" strike="noStrike" cap="none">
+                <a:solidFill>
+                  <a:schemeClr val="dk1"/>
+                </a:solidFill>
+                <a:latin typeface="Raleway"/>
+                <a:ea typeface="Raleway"/>
+                <a:cs typeface="Raleway"/>
+                <a:sym typeface="Raleway"/>
+              </a:defRPr>
+            </a:lvl7pPr>
+            <a:lvl8pPr marR="0" lvl="7" algn="l" rtl="0">
+              <a:lnSpc>
+                <a:spcPct val="100000"/>
+              </a:lnSpc>
+              <a:spcBef>
+                <a:spcPts val="0"/>
+              </a:spcBef>
+              <a:spcAft>
+                <a:spcPts val="0"/>
+              </a:spcAft>
+              <a:buClr>
+                <a:schemeClr val="dk1"/>
+              </a:buClr>
+              <a:buSzPts val="3000"/>
+              <a:buFont typeface="Raleway"/>
+              <a:buNone/>
+              <a:defRPr sz="3000" b="1" i="0" u="none" strike="noStrike" cap="none">
+                <a:solidFill>
+                  <a:schemeClr val="dk1"/>
+                </a:solidFill>
+                <a:latin typeface="Raleway"/>
+                <a:ea typeface="Raleway"/>
+                <a:cs typeface="Raleway"/>
+                <a:sym typeface="Raleway"/>
+              </a:defRPr>
+            </a:lvl8pPr>
+            <a:lvl9pPr marR="0" lvl="8" algn="l" rtl="0">
+              <a:lnSpc>
+                <a:spcPct val="100000"/>
+              </a:lnSpc>
+              <a:spcBef>
+                <a:spcPts val="0"/>
+              </a:spcBef>
+              <a:spcAft>
+                <a:spcPts val="0"/>
+              </a:spcAft>
+              <a:buClr>
+                <a:schemeClr val="dk1"/>
+              </a:buClr>
+              <a:buSzPts val="3000"/>
+              <a:buFont typeface="Raleway"/>
+              <a:buNone/>
+              <a:defRPr sz="3000" b="1" i="0" u="none" strike="noStrike" cap="none">
+                <a:solidFill>
+                  <a:schemeClr val="dk1"/>
+                </a:solidFill>
+                <a:latin typeface="Raleway"/>
+                <a:ea typeface="Raleway"/>
+                <a:cs typeface="Raleway"/>
+                <a:sym typeface="Raleway"/>
+              </a:defRPr>
+            </a:lvl9pPr>
+          </a:lstStyle>
+          <a:p>
+            <a:r>
+              <a:rPr lang="en-ID" sz="1800"/>
+              <a:t>Contoh Dataset </a:t>
+            </a:r>
+            <a:r>
+              <a:rPr lang="en-ID" sz="1800" i="1"/>
+              <a:t>Fine-tuning</a:t>
+            </a:r>
+          </a:p>
+        </p:txBody>
+      </p:sp>
+      <p:graphicFrame>
+        <p:nvGraphicFramePr>
+          <p:cNvPr id="3" name="Table 2">
+            <a:extLst>
+              <a:ext uri="{FF2B5EF4-FFF2-40B4-BE49-F238E27FC236}">
+                <a16:creationId xmlns:a16="http://schemas.microsoft.com/office/drawing/2014/main" id="{67716DBC-48D7-309B-2803-C3B68A8E1D3C}"/>
+              </a:ext>
+            </a:extLst>
+          </p:cNvPr>
+          <p:cNvGraphicFramePr>
+            <a:graphicFrameLocks noGrp="1"/>
+          </p:cNvGraphicFramePr>
+          <p:nvPr>
+            <p:extLst>
+              <p:ext uri="{D42A27DB-BD31-4B8C-83A1-F6EECF244321}">
+                <p14:modId xmlns:p14="http://schemas.microsoft.com/office/powerpoint/2010/main" val="1211427019"/>
+              </p:ext>
+            </p:extLst>
+          </p:nvPr>
+        </p:nvGraphicFramePr>
+        <p:xfrm>
+          <a:off x="860612" y="1524683"/>
+          <a:ext cx="7315200" cy="3010079"/>
+        </p:xfrm>
+        <a:graphic>
+          <a:graphicData uri="http://schemas.openxmlformats.org/drawingml/2006/table">
+            <a:tbl>
+              <a:tblPr firstRow="1" firstCol="1" bandRow="1">
+                <a:tableStyleId>{5521B1EC-78B9-4867-990F-E81BE3442C87}</a:tableStyleId>
+              </a:tblPr>
+              <a:tblGrid>
+                <a:gridCol w="421341">
+                  <a:extLst>
+                    <a:ext uri="{9D8B030D-6E8A-4147-A177-3AD203B41FA5}">
+                      <a16:colId xmlns:a16="http://schemas.microsoft.com/office/drawing/2014/main" val="3540665029"/>
+                    </a:ext>
+                  </a:extLst>
+                </a:gridCol>
+                <a:gridCol w="1013012">
+                  <a:extLst>
+                    <a:ext uri="{9D8B030D-6E8A-4147-A177-3AD203B41FA5}">
+                      <a16:colId xmlns:a16="http://schemas.microsoft.com/office/drawing/2014/main" val="806854942"/>
+                    </a:ext>
+                  </a:extLst>
+                </a:gridCol>
+                <a:gridCol w="2294964">
+                  <a:extLst>
+                    <a:ext uri="{9D8B030D-6E8A-4147-A177-3AD203B41FA5}">
+                      <a16:colId xmlns:a16="http://schemas.microsoft.com/office/drawing/2014/main" val="104901808"/>
+                    </a:ext>
+                  </a:extLst>
+                </a:gridCol>
+                <a:gridCol w="3585883">
+                  <a:extLst>
+                    <a:ext uri="{9D8B030D-6E8A-4147-A177-3AD203B41FA5}">
+                      <a16:colId xmlns:a16="http://schemas.microsoft.com/office/drawing/2014/main" val="2035762783"/>
+                    </a:ext>
+                  </a:extLst>
+                </a:gridCol>
+              </a:tblGrid>
+              <a:tr h="167523">
+                <a:tc>
+                  <a:txBody>
+                    <a:bodyPr/>
+                    <a:lstStyle/>
+                    <a:p>
+                      <a:pPr algn="ctr">
+                        <a:lnSpc>
+                          <a:spcPct val="150000"/>
+                        </a:lnSpc>
+                      </a:pPr>
+                      <a:r>
+                        <a:rPr lang="en-US" sz="1050">
+                          <a:effectLst/>
+                          <a:latin typeface="Lexend" pitchFamily="2" charset="0"/>
+                        </a:rPr>
+                        <a:t>No</a:t>
+                      </a:r>
+                      <a:endParaRPr lang="en-ID" sz="1050">
+                        <a:effectLst/>
+                        <a:latin typeface="Lexend" pitchFamily="2" charset="0"/>
+                        <a:ea typeface="Times New Roman" panose="02020603050405020304" pitchFamily="18" charset="0"/>
+                      </a:endParaRPr>
+                    </a:p>
+                  </a:txBody>
+                  <a:tcPr marL="39467" marR="39467" marT="0" marB="0" anchor="ctr"/>
+                </a:tc>
+                <a:tc>
+                  <a:txBody>
+                    <a:bodyPr/>
+                    <a:lstStyle/>
+                    <a:p>
+                      <a:pPr algn="ctr">
+                        <a:lnSpc>
+                          <a:spcPct val="150000"/>
+                        </a:lnSpc>
+                      </a:pPr>
+                      <a:r>
+                        <a:rPr lang="en-US" sz="1050">
+                          <a:effectLst/>
+                          <a:latin typeface="Lexend" pitchFamily="2" charset="0"/>
+                        </a:rPr>
+                        <a:t>Class</a:t>
+                      </a:r>
+                      <a:endParaRPr lang="en-ID" sz="1050">
+                        <a:effectLst/>
+                        <a:latin typeface="Lexend" pitchFamily="2" charset="0"/>
+                        <a:ea typeface="Times New Roman" panose="02020603050405020304" pitchFamily="18" charset="0"/>
+                      </a:endParaRPr>
+                    </a:p>
+                  </a:txBody>
+                  <a:tcPr marL="39467" marR="39467" marT="0" marB="0"/>
+                </a:tc>
+                <a:tc>
+                  <a:txBody>
+                    <a:bodyPr/>
+                    <a:lstStyle/>
+                    <a:p>
+                      <a:pPr algn="ctr">
+                        <a:lnSpc>
+                          <a:spcPct val="150000"/>
+                        </a:lnSpc>
+                      </a:pPr>
+                      <a:r>
+                        <a:rPr lang="en-US" sz="1050">
+                          <a:effectLst/>
+                          <a:latin typeface="Lexend" pitchFamily="2" charset="0"/>
+                        </a:rPr>
+                        <a:t>Pertanyaan</a:t>
+                      </a:r>
+                      <a:endParaRPr lang="en-ID" sz="1050">
+                        <a:effectLst/>
+                        <a:latin typeface="Lexend" pitchFamily="2" charset="0"/>
+                        <a:ea typeface="Times New Roman" panose="02020603050405020304" pitchFamily="18" charset="0"/>
+                      </a:endParaRPr>
+                    </a:p>
+                  </a:txBody>
+                  <a:tcPr marL="39467" marR="39467" marT="0" marB="0" anchor="ctr"/>
+                </a:tc>
+                <a:tc>
+                  <a:txBody>
+                    <a:bodyPr/>
+                    <a:lstStyle/>
+                    <a:p>
+                      <a:pPr algn="ctr">
+                        <a:lnSpc>
+                          <a:spcPct val="150000"/>
+                        </a:lnSpc>
+                      </a:pPr>
+                      <a:r>
+                        <a:rPr lang="en-US" sz="1050">
+                          <a:effectLst/>
+                          <a:latin typeface="Lexend" pitchFamily="2" charset="0"/>
+                        </a:rPr>
+                        <a:t>Jawaban</a:t>
+                      </a:r>
+                      <a:endParaRPr lang="en-ID" sz="1050">
+                        <a:effectLst/>
+                        <a:latin typeface="Lexend" pitchFamily="2" charset="0"/>
+                        <a:ea typeface="Times New Roman" panose="02020603050405020304" pitchFamily="18" charset="0"/>
+                      </a:endParaRPr>
+                    </a:p>
+                  </a:txBody>
+                  <a:tcPr marL="39467" marR="39467" marT="0" marB="0" anchor="ctr"/>
+                </a:tc>
+                <a:extLst>
+                  <a:ext uri="{0D108BD9-81ED-4DB2-BD59-A6C34878D82A}">
+                    <a16:rowId xmlns:a16="http://schemas.microsoft.com/office/drawing/2014/main" val="233434016"/>
+                  </a:ext>
+                </a:extLst>
+              </a:tr>
+              <a:tr h="461636">
+                <a:tc>
+                  <a:txBody>
+                    <a:bodyPr/>
+                    <a:lstStyle/>
+                    <a:p>
+                      <a:pPr algn="ctr">
+                        <a:lnSpc>
+                          <a:spcPct val="150000"/>
+                        </a:lnSpc>
+                      </a:pPr>
+                      <a:r>
+                        <a:rPr lang="en-US" sz="1050">
+                          <a:effectLst/>
+                          <a:latin typeface="Lexend" pitchFamily="2" charset="0"/>
+                        </a:rPr>
+                        <a:t>1</a:t>
+                      </a:r>
+                      <a:endParaRPr lang="en-ID" sz="1050">
+                        <a:effectLst/>
+                        <a:latin typeface="Lexend" pitchFamily="2" charset="0"/>
+                        <a:ea typeface="Times New Roman" panose="02020603050405020304" pitchFamily="18" charset="0"/>
+                      </a:endParaRPr>
+                    </a:p>
+                  </a:txBody>
+                  <a:tcPr marL="39467" marR="39467" marT="0" marB="0" anchor="ctr"/>
+                </a:tc>
+                <a:tc>
+                  <a:txBody>
+                    <a:bodyPr/>
+                    <a:lstStyle/>
+                    <a:p>
+                      <a:pPr algn="ctr">
+                        <a:lnSpc>
+                          <a:spcPct val="150000"/>
+                        </a:lnSpc>
+                      </a:pPr>
+                      <a:r>
+                        <a:rPr lang="en-GB" sz="1050">
+                          <a:effectLst/>
+                          <a:latin typeface="Lexend" pitchFamily="2" charset="0"/>
+                          <a:ea typeface="Times New Roman" panose="02020603050405020304" pitchFamily="18" charset="0"/>
+                        </a:rPr>
+                        <a:t>Akademik</a:t>
+                      </a:r>
+                      <a:endParaRPr lang="en-ID" sz="1050">
+                        <a:effectLst/>
+                        <a:latin typeface="Lexend" pitchFamily="2" charset="0"/>
+                        <a:ea typeface="Times New Roman" panose="02020603050405020304" pitchFamily="18" charset="0"/>
+                      </a:endParaRPr>
+                    </a:p>
+                  </a:txBody>
+                  <a:tcPr marL="68580" marR="68580" marT="0" marB="0" anchor="ctr"/>
+                </a:tc>
+                <a:tc>
+                  <a:txBody>
+                    <a:bodyPr/>
+                    <a:lstStyle/>
+                    <a:p>
+                      <a:pPr>
+                        <a:lnSpc>
+                          <a:spcPct val="150000"/>
+                        </a:lnSpc>
+                      </a:pPr>
+                      <a:r>
+                        <a:rPr lang="en-GB" sz="1050">
+                          <a:effectLst/>
+                          <a:latin typeface="Lexend" pitchFamily="2" charset="0"/>
+                          <a:ea typeface="Times New Roman" panose="02020603050405020304" pitchFamily="18" charset="0"/>
+                        </a:rPr>
+                        <a:t>Bagaimana cara Cetak KTM?</a:t>
+                      </a:r>
+                      <a:endParaRPr lang="en-ID" sz="1050">
+                        <a:effectLst/>
+                        <a:latin typeface="Lexend" pitchFamily="2" charset="0"/>
+                        <a:ea typeface="Times New Roman" panose="02020603050405020304" pitchFamily="18" charset="0"/>
+                      </a:endParaRPr>
+                    </a:p>
+                  </a:txBody>
+                  <a:tcPr marL="68580" marR="68580" marT="0" marB="0" anchor="ctr"/>
+                </a:tc>
+                <a:tc>
+                  <a:txBody>
+                    <a:bodyPr/>
+                    <a:lstStyle/>
+                    <a:p>
+                      <a:pPr>
+                        <a:lnSpc>
+                          <a:spcPct val="150000"/>
+                        </a:lnSpc>
+                      </a:pPr>
+                      <a:r>
+                        <a:rPr lang="en-GB" sz="1050">
+                          <a:effectLst/>
+                          <a:latin typeface="Lexend" pitchFamily="2" charset="0"/>
+                          <a:ea typeface="Times New Roman" panose="02020603050405020304" pitchFamily="18" charset="0"/>
+                        </a:rPr>
+                        <a:t>KTM dapat dicetak di laman berkas-akademik.usk.ac.id </a:t>
+                      </a:r>
+                      <a:endParaRPr lang="en-ID" sz="1050">
+                        <a:effectLst/>
+                        <a:latin typeface="Lexend" pitchFamily="2" charset="0"/>
+                        <a:ea typeface="Times New Roman" panose="02020603050405020304" pitchFamily="18" charset="0"/>
+                      </a:endParaRPr>
+                    </a:p>
+                  </a:txBody>
+                  <a:tcPr marL="68580" marR="68580" marT="0" marB="0" anchor="ctr"/>
+                </a:tc>
+                <a:extLst>
+                  <a:ext uri="{0D108BD9-81ED-4DB2-BD59-A6C34878D82A}">
+                    <a16:rowId xmlns:a16="http://schemas.microsoft.com/office/drawing/2014/main" val="2963059516"/>
+                  </a:ext>
+                </a:extLst>
+              </a:tr>
+              <a:tr h="1168208">
+                <a:tc>
+                  <a:txBody>
+                    <a:bodyPr/>
+                    <a:lstStyle/>
+                    <a:p>
+                      <a:pPr algn="ctr">
+                        <a:lnSpc>
+                          <a:spcPct val="150000"/>
+                        </a:lnSpc>
+                      </a:pPr>
+                      <a:r>
+                        <a:rPr lang="en-US" sz="1050">
+                          <a:effectLst/>
+                          <a:latin typeface="Lexend" pitchFamily="2" charset="0"/>
+                        </a:rPr>
+                        <a:t>2</a:t>
+                      </a:r>
+                      <a:endParaRPr lang="en-ID" sz="1050">
+                        <a:effectLst/>
+                        <a:latin typeface="Lexend" pitchFamily="2" charset="0"/>
+                        <a:ea typeface="Times New Roman" panose="02020603050405020304" pitchFamily="18" charset="0"/>
+                      </a:endParaRPr>
+                    </a:p>
+                  </a:txBody>
+                  <a:tcPr marL="39467" marR="39467" marT="0" marB="0" anchor="ctr"/>
+                </a:tc>
+                <a:tc>
+                  <a:txBody>
+                    <a:bodyPr/>
+                    <a:lstStyle/>
+                    <a:p>
+                      <a:pPr algn="ctr">
+                        <a:lnSpc>
+                          <a:spcPct val="150000"/>
+                        </a:lnSpc>
+                      </a:pPr>
+                      <a:r>
+                        <a:rPr lang="en-GB" sz="1050">
+                          <a:effectLst/>
+                          <a:latin typeface="Lexend" pitchFamily="2" charset="0"/>
+                          <a:ea typeface="Times New Roman" panose="02020603050405020304" pitchFamily="18" charset="0"/>
+                        </a:rPr>
+                        <a:t>Akademik</a:t>
+                      </a:r>
+                      <a:endParaRPr lang="en-ID" sz="1050">
+                        <a:effectLst/>
+                        <a:latin typeface="Lexend" pitchFamily="2" charset="0"/>
+                        <a:ea typeface="Times New Roman" panose="02020603050405020304" pitchFamily="18" charset="0"/>
+                      </a:endParaRPr>
+                    </a:p>
+                  </a:txBody>
+                  <a:tcPr marL="68580" marR="68580" marT="0" marB="0" anchor="ctr"/>
+                </a:tc>
+                <a:tc>
+                  <a:txBody>
+                    <a:bodyPr/>
+                    <a:lstStyle/>
+                    <a:p>
+                      <a:pPr>
+                        <a:lnSpc>
+                          <a:spcPct val="150000"/>
+                        </a:lnSpc>
+                      </a:pPr>
+                      <a:r>
+                        <a:rPr lang="en-GB" sz="1050">
+                          <a:effectLst/>
+                          <a:latin typeface="Lexend" pitchFamily="2" charset="0"/>
+                          <a:ea typeface="Times New Roman" panose="02020603050405020304" pitchFamily="18" charset="0"/>
+                        </a:rPr>
+                        <a:t>Bagaimana cara membuat Surat Keterangan Aktif Kuliah?</a:t>
+                      </a:r>
+                      <a:endParaRPr lang="en-ID" sz="1050">
+                        <a:effectLst/>
+                        <a:latin typeface="Lexend" pitchFamily="2" charset="0"/>
+                        <a:ea typeface="Times New Roman" panose="02020603050405020304" pitchFamily="18" charset="0"/>
+                      </a:endParaRPr>
+                    </a:p>
+                  </a:txBody>
+                  <a:tcPr marL="68580" marR="68580" marT="0" marB="0" anchor="ctr"/>
+                </a:tc>
+                <a:tc>
+                  <a:txBody>
+                    <a:bodyPr/>
+                    <a:lstStyle/>
+                    <a:p>
+                      <a:pPr>
+                        <a:lnSpc>
+                          <a:spcPct val="150000"/>
+                        </a:lnSpc>
+                      </a:pPr>
+                      <a:r>
+                        <a:rPr lang="en-GB" sz="1050">
+                          <a:effectLst/>
+                          <a:latin typeface="Lexend" pitchFamily="2" charset="0"/>
+                          <a:ea typeface="Times New Roman" panose="02020603050405020304" pitchFamily="18" charset="0"/>
+                        </a:rPr>
+                        <a:t>Terkait masalah Surat keterangan Aktif Kuliah silahkan mengurus ke bagian Registrasi Akademik</a:t>
+                      </a:r>
+                      <a:endParaRPr lang="en-ID" sz="1050">
+                        <a:effectLst/>
+                        <a:latin typeface="Lexend" pitchFamily="2" charset="0"/>
+                        <a:ea typeface="Times New Roman" panose="02020603050405020304" pitchFamily="18" charset="0"/>
+                      </a:endParaRPr>
+                    </a:p>
+                  </a:txBody>
+                  <a:tcPr marL="68580" marR="68580" marT="0" marB="0" anchor="ctr"/>
+                </a:tc>
+                <a:extLst>
+                  <a:ext uri="{0D108BD9-81ED-4DB2-BD59-A6C34878D82A}">
+                    <a16:rowId xmlns:a16="http://schemas.microsoft.com/office/drawing/2014/main" val="3817086612"/>
+                  </a:ext>
+                </a:extLst>
+              </a:tr>
+              <a:tr h="1168208">
+                <a:tc>
+                  <a:txBody>
+                    <a:bodyPr/>
+                    <a:lstStyle/>
+                    <a:p>
+                      <a:pPr algn="ctr">
+                        <a:lnSpc>
+                          <a:spcPct val="150000"/>
+                        </a:lnSpc>
+                      </a:pPr>
+                      <a:r>
+                        <a:rPr lang="en-US" sz="1050">
+                          <a:effectLst/>
+                          <a:latin typeface="Lexend" pitchFamily="2" charset="0"/>
+                          <a:ea typeface="Times New Roman" panose="02020603050405020304" pitchFamily="18" charset="0"/>
+                        </a:rPr>
+                        <a:t>3</a:t>
+                      </a:r>
+                      <a:endParaRPr lang="en-ID" sz="1050">
+                        <a:effectLst/>
+                        <a:latin typeface="Lexend" pitchFamily="2" charset="0"/>
+                        <a:ea typeface="Times New Roman" panose="02020603050405020304" pitchFamily="18" charset="0"/>
+                      </a:endParaRPr>
+                    </a:p>
+                  </a:txBody>
+                  <a:tcPr marL="39467" marR="39467" marT="0" marB="0" anchor="ctr"/>
+                </a:tc>
+                <a:tc>
+                  <a:txBody>
+                    <a:bodyPr/>
+                    <a:lstStyle/>
+                    <a:p>
+                      <a:pPr algn="ctr">
+                        <a:lnSpc>
+                          <a:spcPct val="150000"/>
+                        </a:lnSpc>
+                      </a:pPr>
+                      <a:r>
+                        <a:rPr lang="en-GB" sz="1050" b="0" i="0" u="none" strike="noStrike" cap="none">
+                          <a:solidFill>
+                            <a:srgbClr val="000000"/>
+                          </a:solidFill>
+                          <a:effectLst/>
+                          <a:latin typeface="Lexend" pitchFamily="2" charset="0"/>
+                          <a:ea typeface="Times New Roman" panose="02020603050405020304" pitchFamily="18" charset="0"/>
+                          <a:cs typeface="Arial"/>
+                          <a:sym typeface="Arial"/>
+                        </a:rPr>
+                        <a:t>Umum</a:t>
+                      </a:r>
+                      <a:endParaRPr lang="en-ID" sz="1050" b="0" i="0" u="none" strike="noStrike" cap="none">
+                        <a:solidFill>
+                          <a:srgbClr val="000000"/>
+                        </a:solidFill>
+                        <a:effectLst/>
+                        <a:latin typeface="Lexend" pitchFamily="2" charset="0"/>
+                        <a:ea typeface="Times New Roman" panose="02020603050405020304" pitchFamily="18" charset="0"/>
+                        <a:cs typeface="Arial"/>
+                        <a:sym typeface="Arial"/>
+                      </a:endParaRPr>
+                    </a:p>
+                  </a:txBody>
+                  <a:tcPr marL="68580" marR="68580" marT="0" marB="0" anchor="ctr"/>
+                </a:tc>
+                <a:tc>
+                  <a:txBody>
+                    <a:bodyPr/>
+                    <a:lstStyle/>
+                    <a:p>
+                      <a:pPr>
+                        <a:lnSpc>
+                          <a:spcPct val="150000"/>
+                        </a:lnSpc>
+                      </a:pPr>
+                      <a:r>
+                        <a:rPr lang="en-GB" sz="1050" b="0" i="0" u="none" strike="noStrike" cap="none">
+                          <a:solidFill>
+                            <a:srgbClr val="000000"/>
+                          </a:solidFill>
+                          <a:effectLst/>
+                          <a:latin typeface="Lexend" pitchFamily="2" charset="0"/>
+                          <a:ea typeface="Times New Roman" panose="02020603050405020304" pitchFamily="18" charset="0"/>
+                          <a:cs typeface="Arial"/>
+                          <a:sym typeface="Arial"/>
+                        </a:rPr>
+                        <a:t>Bagaimana jika KRS belum difinalisasi oleh dosen wali?</a:t>
+                      </a:r>
+                      <a:endParaRPr lang="en-ID" sz="1050" b="0" i="0" u="none" strike="noStrike" cap="none">
+                        <a:solidFill>
+                          <a:srgbClr val="000000"/>
+                        </a:solidFill>
+                        <a:effectLst/>
+                        <a:latin typeface="Lexend" pitchFamily="2" charset="0"/>
+                        <a:ea typeface="Times New Roman" panose="02020603050405020304" pitchFamily="18" charset="0"/>
+                        <a:cs typeface="Arial"/>
+                        <a:sym typeface="Arial"/>
+                      </a:endParaRPr>
+                    </a:p>
+                  </a:txBody>
+                  <a:tcPr marL="68580" marR="68580" marT="0" marB="0"/>
+                </a:tc>
+                <a:tc>
+                  <a:txBody>
+                    <a:bodyPr/>
+                    <a:lstStyle/>
+                    <a:p>
+                      <a:pPr>
+                        <a:lnSpc>
+                          <a:spcPct val="150000"/>
+                        </a:lnSpc>
+                      </a:pPr>
+                      <a:r>
+                        <a:rPr lang="en-GB" sz="1050" b="0" i="0" u="none" strike="noStrike" cap="none">
+                          <a:solidFill>
+                            <a:srgbClr val="000000"/>
+                          </a:solidFill>
+                          <a:effectLst/>
+                          <a:latin typeface="Lexend" pitchFamily="2" charset="0"/>
+                          <a:ea typeface="Times New Roman" panose="02020603050405020304" pitchFamily="18" charset="0"/>
+                          <a:cs typeface="Arial"/>
+                          <a:sym typeface="Arial"/>
+                        </a:rPr>
+                        <a:t>Dapat melapor hal ini pada program studi masing-masing</a:t>
+                      </a:r>
+                      <a:endParaRPr lang="en-ID" sz="1050" b="0" i="0" u="none" strike="noStrike" cap="none">
+                        <a:solidFill>
+                          <a:srgbClr val="000000"/>
+                        </a:solidFill>
+                        <a:effectLst/>
+                        <a:latin typeface="Lexend" pitchFamily="2" charset="0"/>
+                        <a:ea typeface="Times New Roman" panose="02020603050405020304" pitchFamily="18" charset="0"/>
+                        <a:cs typeface="Arial"/>
+                        <a:sym typeface="Arial"/>
+                      </a:endParaRPr>
+                    </a:p>
+                  </a:txBody>
+                  <a:tcPr marL="68580" marR="68580" marT="0" marB="0"/>
+                </a:tc>
+                <a:extLst>
+                  <a:ext uri="{0D108BD9-81ED-4DB2-BD59-A6C34878D82A}">
+                    <a16:rowId xmlns:a16="http://schemas.microsoft.com/office/drawing/2014/main" val="259917610"/>
+                  </a:ext>
+                </a:extLst>
+              </a:tr>
+            </a:tbl>
+          </a:graphicData>
+        </a:graphic>
+      </p:graphicFrame>
+    </p:spTree>
+    <p:extLst>
+      <p:ext uri="{BB962C8B-B14F-4D97-AF65-F5344CB8AC3E}">
+        <p14:creationId xmlns:p14="http://schemas.microsoft.com/office/powerpoint/2010/main" val="2333993224"/>
+      </p:ext>
+    </p:extLst>
+  </p:cSld>
+  <p:clrMapOvr>
+    <a:masterClrMapping/>
+  </p:clrMapOvr>
+</p:sld>
+</file>
+
+<file path=ppt/slides/slide24.xml><?xml version="1.0" encoding="utf-8"?>
+<p:sld xmlns:a="http://schemas.openxmlformats.org/drawingml/2006/main" xmlns:r="http://schemas.openxmlformats.org/officeDocument/2006/relationships" xmlns:p="http://schemas.openxmlformats.org/presentationml/2006/main">
+  <p:cSld>
+    <p:spTree>
+      <p:nvGrpSpPr>
+        <p:cNvPr id="1" name="">
+          <a:extLst>
+            <a:ext uri="{FF2B5EF4-FFF2-40B4-BE49-F238E27FC236}">
               <a16:creationId xmlns:a16="http://schemas.microsoft.com/office/drawing/2014/main" id="{C5FD7FC4-E57E-92EF-5CE2-9086A29DADC1}"/>
             </a:ext>
           </a:extLst>
@@ -29660,7 +30663,7 @@
           <a:p>
             <a:r>
               <a:rPr lang="en-US"/>
-              <a:t>Metodologi Penelitian (5/10)</a:t>
+              <a:t>Metodologi Penelitian (6/11)</a:t>
             </a:r>
             <a:endParaRPr lang="en-ID"/>
           </a:p>
@@ -30095,7 +31098,7 @@
 </p:sld>
 </file>
 
-<file path=ppt/slides/slide24.xml><?xml version="1.0" encoding="utf-8"?>
+<file path=ppt/slides/slide25.xml><?xml version="1.0" encoding="utf-8"?>
 <p:sld xmlns:a="http://schemas.openxmlformats.org/drawingml/2006/main" xmlns:r="http://schemas.openxmlformats.org/officeDocument/2006/relationships" xmlns:p="http://schemas.openxmlformats.org/presentationml/2006/main">
   <p:cSld>
     <p:spTree>
@@ -30146,7 +31149,7 @@
           <a:p>
             <a:r>
               <a:rPr lang="en-US"/>
-              <a:t>Metodologi Penelitian (6/10)</a:t>
+              <a:t>Metodologi Penelitian (7/11)</a:t>
             </a:r>
             <a:endParaRPr lang="en-ID"/>
           </a:p>
@@ -30581,7 +31584,7 @@
 </p:sld>
 </file>
 
-<file path=ppt/slides/slide25.xml><?xml version="1.0" encoding="utf-8"?>
+<file path=ppt/slides/slide26.xml><?xml version="1.0" encoding="utf-8"?>
 <p:sld xmlns:a="http://schemas.openxmlformats.org/drawingml/2006/main" xmlns:r="http://schemas.openxmlformats.org/officeDocument/2006/relationships" xmlns:p="http://schemas.openxmlformats.org/presentationml/2006/main">
   <p:cSld>
     <p:spTree>
@@ -30632,7 +31635,7 @@
           <a:p>
             <a:r>
               <a:rPr lang="en-US"/>
-              <a:t>Metodologi Penelitian (7/10)</a:t>
+              <a:t>Metodologi Penelitian (8/11)</a:t>
             </a:r>
             <a:endParaRPr lang="en-ID"/>
           </a:p>
@@ -31067,7 +32070,7 @@
 </p:sld>
 </file>
 
-<file path=ppt/slides/slide26.xml><?xml version="1.0" encoding="utf-8"?>
+<file path=ppt/slides/slide27.xml><?xml version="1.0" encoding="utf-8"?>
 <p:sld xmlns:a="http://schemas.openxmlformats.org/drawingml/2006/main" xmlns:r="http://schemas.openxmlformats.org/officeDocument/2006/relationships" xmlns:p="http://schemas.openxmlformats.org/presentationml/2006/main">
   <p:cSld>
     <p:spTree>
@@ -31118,7 +32121,7 @@
           <a:p>
             <a:r>
               <a:rPr lang="en-US"/>
-              <a:t>Metodologi Penelitian (8/10)</a:t>
+              <a:t>Metodologi Penelitian (9/11)</a:t>
             </a:r>
             <a:endParaRPr lang="en-ID"/>
           </a:p>
@@ -32502,7 +33505,7 @@
 </p:sld>
 </file>
 
-<file path=ppt/slides/slide27.xml><?xml version="1.0" encoding="utf-8"?>
+<file path=ppt/slides/slide28.xml><?xml version="1.0" encoding="utf-8"?>
 <p:sld xmlns:a="http://schemas.openxmlformats.org/drawingml/2006/main" xmlns:r="http://schemas.openxmlformats.org/officeDocument/2006/relationships" xmlns:p="http://schemas.openxmlformats.org/presentationml/2006/main">
   <p:cSld>
     <p:spTree>
@@ -32553,7 +33556,7 @@
           <a:p>
             <a:r>
               <a:rPr lang="en-US"/>
-              <a:t>Metodologi Penelitian (9/10)</a:t>
+              <a:t>Metodologi Penelitian (10/11)</a:t>
             </a:r>
             <a:endParaRPr lang="en-ID"/>
           </a:p>
@@ -33187,7 +34190,7 @@
               <p:nvPr>
                 <p:extLst>
                   <p:ext uri="{D42A27DB-BD31-4B8C-83A1-F6EECF244321}">
-                    <p14:modId xmlns:p14="http://schemas.microsoft.com/office/powerpoint/2010/main" val="701270835"/>
+                    <p14:modId xmlns:p14="http://schemas.microsoft.com/office/powerpoint/2010/main" val="3197366169"/>
                   </p:ext>
                 </p:extLst>
               </p:nvPr>
@@ -33270,14 +34273,21 @@
                                   </m:fPr>
                                   <m:num>
                                     <m:r>
-                                      <a:rPr lang="en-US" sz="1200">
+                                      <a:rPr lang="en-US" sz="1200" b="0" i="1" smtClean="0">
                                         <a:effectLst/>
                                         <a:latin typeface="Cambria Math" panose="02040503050406030204" pitchFamily="18" charset="0"/>
                                       </a:rPr>
-                                      <m:t>𝑢𝑛𝑖𝑔𝑟𝑎𝑚</m:t>
+                                      <m:t>𝑏</m:t>
                                     </m:r>
                                     <m:r>
-                                      <a:rPr lang="en-US" sz="1200">
+                                      <a:rPr lang="en-US" sz="1200" i="1">
+                                        <a:effectLst/>
+                                        <a:latin typeface="Cambria Math" panose="02040503050406030204" pitchFamily="18" charset="0"/>
+                                      </a:rPr>
+                                      <m:t>𝑖𝑔𝑟𝑎𝑚</m:t>
+                                    </m:r>
+                                    <m:r>
+                                      <a:rPr lang="en-US" sz="1200" i="1">
                                         <a:effectLst/>
                                         <a:latin typeface="Cambria Math" panose="02040503050406030204" pitchFamily="18" charset="0"/>
                                       </a:rPr>
@@ -33293,14 +34303,21 @@
                                   </m:num>
                                   <m:den>
                                     <m:r>
-                                      <a:rPr lang="en-US" sz="1200">
+                                      <a:rPr lang="en-US" sz="1200" b="0" i="1" smtClean="0">
                                         <a:effectLst/>
                                         <a:latin typeface="Cambria Math" panose="02040503050406030204" pitchFamily="18" charset="0"/>
                                       </a:rPr>
-                                      <m:t>𝑢𝑛𝑖𝑔𝑟𝑎𝑚</m:t>
+                                      <m:t>𝑏</m:t>
                                     </m:r>
                                     <m:r>
-                                      <a:rPr lang="en-US" sz="1200">
+                                      <a:rPr lang="en-US" sz="1200" i="1">
+                                        <a:effectLst/>
+                                        <a:latin typeface="Cambria Math" panose="02040503050406030204" pitchFamily="18" charset="0"/>
+                                      </a:rPr>
+                                      <m:t>𝑖𝑔𝑟𝑎𝑚</m:t>
+                                    </m:r>
+                                    <m:r>
+                                      <a:rPr lang="en-US" sz="1200" i="1">
                                         <a:effectLst/>
                                         <a:latin typeface="Cambria Math" panose="02040503050406030204" pitchFamily="18" charset="0"/>
                                       </a:rPr>
@@ -33435,11 +34452,18 @@
                                   </m:fPr>
                                   <m:num>
                                     <m:r>
+                                      <a:rPr lang="en-US" sz="1200" b="0" i="1" smtClean="0">
+                                        <a:effectLst/>
+                                        <a:latin typeface="Cambria Math" panose="02040503050406030204" pitchFamily="18" charset="0"/>
+                                      </a:rPr>
+                                      <m:t>𝑏</m:t>
+                                    </m:r>
+                                    <m:r>
                                       <a:rPr lang="en-US" sz="1200">
                                         <a:effectLst/>
                                         <a:latin typeface="Cambria Math" panose="02040503050406030204" pitchFamily="18" charset="0"/>
                                       </a:rPr>
-                                      <m:t>𝑢𝑛𝑖𝑔𝑟𝑎𝑚</m:t>
+                                      <m:t>𝑖𝑔𝑟𝑎𝑚</m:t>
                                     </m:r>
                                     <m:r>
                                       <a:rPr lang="en-US" sz="1200">
@@ -33458,11 +34482,18 @@
                                   </m:num>
                                   <m:den>
                                     <m:r>
+                                      <a:rPr lang="en-US" sz="1200" b="0" i="1" smtClean="0">
+                                        <a:effectLst/>
+                                        <a:latin typeface="Cambria Math" panose="02040503050406030204" pitchFamily="18" charset="0"/>
+                                      </a:rPr>
+                                      <m:t>𝑏</m:t>
+                                    </m:r>
+                                    <m:r>
                                       <a:rPr lang="en-US" sz="1200">
                                         <a:effectLst/>
                                         <a:latin typeface="Cambria Math" panose="02040503050406030204" pitchFamily="18" charset="0"/>
                                       </a:rPr>
-                                      <m:t>𝑢𝑛𝑖𝑔𝑟𝑎𝑚</m:t>
+                                      <m:t>𝑖𝑔𝑟𝑎𝑚</m:t>
                                     </m:r>
                                     <m:r>
                                       <a:rPr lang="en-US" sz="1200">
@@ -33740,7 +34771,7 @@
               <p:nvPr>
                 <p:extLst>
                   <p:ext uri="{D42A27DB-BD31-4B8C-83A1-F6EECF244321}">
-                    <p14:modId xmlns:p14="http://schemas.microsoft.com/office/powerpoint/2010/main" val="701270835"/>
+                    <p14:modId xmlns:p14="http://schemas.microsoft.com/office/powerpoint/2010/main" val="3197366169"/>
                   </p:ext>
                 </p:extLst>
               </p:nvPr>
@@ -33937,7 +34968,7 @@
 </p:sld>
 </file>
 
-<file path=ppt/slides/slide28.xml><?xml version="1.0" encoding="utf-8"?>
+<file path=ppt/slides/slide29.xml><?xml version="1.0" encoding="utf-8"?>
 <p:sld xmlns:a="http://schemas.openxmlformats.org/drawingml/2006/main" xmlns:r="http://schemas.openxmlformats.org/officeDocument/2006/relationships" xmlns:p="http://schemas.openxmlformats.org/presentationml/2006/main">
   <p:cSld>
     <p:spTree>
@@ -33988,7 +35019,7 @@
           <a:p>
             <a:r>
               <a:rPr lang="en-US"/>
-              <a:t>Metodologi Penelitian (10/10)</a:t>
+              <a:t>Metodologi Penelitian (11/11)</a:t>
             </a:r>
             <a:endParaRPr lang="en-ID"/>
           </a:p>
@@ -35454,7 +36485,575 @@
 </p:sld>
 </file>
 
-<file path=ppt/slides/slide29.xml><?xml version="1.0" encoding="utf-8"?>
+<file path=ppt/slides/slide3.xml><?xml version="1.0" encoding="utf-8"?>
+<p:sld xmlns:a="http://schemas.openxmlformats.org/drawingml/2006/main" xmlns:r="http://schemas.openxmlformats.org/officeDocument/2006/relationships" xmlns:p="http://schemas.openxmlformats.org/presentationml/2006/main">
+  <p:cSld>
+    <p:spTree>
+      <p:nvGrpSpPr>
+        <p:cNvPr id="1" name="Shape 279">
+          <a:extLst>
+            <a:ext uri="{FF2B5EF4-FFF2-40B4-BE49-F238E27FC236}">
+              <a16:creationId xmlns:a16="http://schemas.microsoft.com/office/drawing/2014/main" id="{1E88C78F-368C-9A4D-F357-822C86C79C1D}"/>
+            </a:ext>
+          </a:extLst>
+        </p:cNvPr>
+        <p:cNvGrpSpPr/>
+        <p:nvPr/>
+      </p:nvGrpSpPr>
+      <p:grpSpPr>
+        <a:xfrm>
+          <a:off x="0" y="0"/>
+          <a:ext cx="0" cy="0"/>
+          <a:chOff x="0" y="0"/>
+          <a:chExt cx="0" cy="0"/>
+        </a:xfrm>
+      </p:grpSpPr>
+      <p:sp>
+        <p:nvSpPr>
+          <p:cNvPr id="280" name="Google Shape;280;p27">
+            <a:extLst>
+              <a:ext uri="{FF2B5EF4-FFF2-40B4-BE49-F238E27FC236}">
+                <a16:creationId xmlns:a16="http://schemas.microsoft.com/office/drawing/2014/main" id="{94955852-6787-28F5-6A69-82BF5CB754E2}"/>
+              </a:ext>
+            </a:extLst>
+          </p:cNvPr>
+          <p:cNvSpPr/>
+          <p:nvPr/>
+        </p:nvSpPr>
+        <p:spPr>
+          <a:xfrm rot="5400000">
+            <a:off x="-1049000" y="3207350"/>
+            <a:ext cx="4761900" cy="786000"/>
+          </a:xfrm>
+          <a:prstGeom prst="roundRect">
+            <a:avLst>
+              <a:gd name="adj" fmla="val 50000"/>
+            </a:avLst>
+          </a:prstGeom>
+          <a:solidFill>
+            <a:srgbClr val="FFCC28"/>
+          </a:solidFill>
+          <a:ln>
+            <a:noFill/>
+          </a:ln>
+        </p:spPr>
+        <p:txBody>
+          <a:bodyPr spcFirstLastPara="1" wrap="square" lIns="91425" tIns="91425" rIns="91425" bIns="91425" anchor="ctr" anchorCtr="0">
+            <a:noAutofit/>
+          </a:bodyPr>
+          <a:lstStyle/>
+          <a:p>
+            <a:pPr marL="0" lvl="0" indent="0" algn="ctr" rtl="0">
+              <a:spcBef>
+                <a:spcPts val="0"/>
+              </a:spcBef>
+              <a:spcAft>
+                <a:spcPts val="0"/>
+              </a:spcAft>
+              <a:buNone/>
+            </a:pPr>
+            <a:endParaRPr>
+              <a:latin typeface="Open Sans"/>
+              <a:ea typeface="Open Sans"/>
+              <a:cs typeface="Open Sans"/>
+              <a:sym typeface="Open Sans"/>
+            </a:endParaRPr>
+          </a:p>
+        </p:txBody>
+      </p:sp>
+      <p:sp>
+        <p:nvSpPr>
+          <p:cNvPr id="281" name="Google Shape;281;p27">
+            <a:extLst>
+              <a:ext uri="{FF2B5EF4-FFF2-40B4-BE49-F238E27FC236}">
+                <a16:creationId xmlns:a16="http://schemas.microsoft.com/office/drawing/2014/main" id="{2C42E0EE-1E1C-31EC-B1ED-549EBA485A2E}"/>
+              </a:ext>
+            </a:extLst>
+          </p:cNvPr>
+          <p:cNvSpPr txBox="1">
+            <a:spLocks noGrp="1"/>
+          </p:cNvSpPr>
+          <p:nvPr>
+            <p:ph type="title" idx="2"/>
+          </p:nvPr>
+        </p:nvSpPr>
+        <p:spPr>
+          <a:xfrm>
+            <a:off x="2100925" y="1444783"/>
+            <a:ext cx="4509300" cy="449700"/>
+          </a:xfrm>
+          <a:prstGeom prst="rect">
+            <a:avLst/>
+          </a:prstGeom>
+        </p:spPr>
+        <p:txBody>
+          <a:bodyPr spcFirstLastPara="1" wrap="square" lIns="91425" tIns="91425" rIns="91425" bIns="91425" anchor="b" anchorCtr="0">
+            <a:noAutofit/>
+          </a:bodyPr>
+          <a:lstStyle/>
+          <a:p>
+            <a:pPr marL="0" lvl="0" indent="0" algn="l" rtl="0">
+              <a:spcBef>
+                <a:spcPts val="0"/>
+              </a:spcBef>
+              <a:spcAft>
+                <a:spcPts val="0"/>
+              </a:spcAft>
+              <a:buNone/>
+            </a:pPr>
+            <a:r>
+              <a:rPr lang="en"/>
+              <a:t>HASIL DAN PEMBAHASAN</a:t>
+            </a:r>
+            <a:endParaRPr/>
+          </a:p>
+        </p:txBody>
+      </p:sp>
+      <p:sp>
+        <p:nvSpPr>
+          <p:cNvPr id="282" name="Google Shape;282;p27">
+            <a:extLst>
+              <a:ext uri="{FF2B5EF4-FFF2-40B4-BE49-F238E27FC236}">
+                <a16:creationId xmlns:a16="http://schemas.microsoft.com/office/drawing/2014/main" id="{47A6854E-F05B-B09D-E01A-285494770185}"/>
+              </a:ext>
+            </a:extLst>
+          </p:cNvPr>
+          <p:cNvSpPr txBox="1">
+            <a:spLocks noGrp="1"/>
+          </p:cNvSpPr>
+          <p:nvPr>
+            <p:ph type="subTitle" idx="1"/>
+          </p:nvPr>
+        </p:nvSpPr>
+        <p:spPr>
+          <a:xfrm>
+            <a:off x="2100925" y="1757168"/>
+            <a:ext cx="4509300" cy="364800"/>
+          </a:xfrm>
+          <a:prstGeom prst="rect">
+            <a:avLst/>
+          </a:prstGeom>
+        </p:spPr>
+        <p:txBody>
+          <a:bodyPr spcFirstLastPara="1" wrap="square" lIns="91425" tIns="91425" rIns="91425" bIns="91425" anchor="t" anchorCtr="0">
+            <a:noAutofit/>
+          </a:bodyPr>
+          <a:lstStyle/>
+          <a:p>
+            <a:pPr marL="12700" marR="5080">
+              <a:lnSpc>
+                <a:spcPct val="100000"/>
+              </a:lnSpc>
+              <a:spcBef>
+                <a:spcPts val="550"/>
+              </a:spcBef>
+            </a:pPr>
+            <a:r>
+              <a:rPr lang="en-ID"/>
+              <a:t>Membahas hasil penelitian.</a:t>
+            </a:r>
+            <a:endParaRPr lang="en-ID" dirty="0"/>
+          </a:p>
+        </p:txBody>
+      </p:sp>
+      <p:sp>
+        <p:nvSpPr>
+          <p:cNvPr id="283" name="Google Shape;283;p27">
+            <a:extLst>
+              <a:ext uri="{FF2B5EF4-FFF2-40B4-BE49-F238E27FC236}">
+                <a16:creationId xmlns:a16="http://schemas.microsoft.com/office/drawing/2014/main" id="{59D3664A-BED2-41D4-4C84-73CDDC8BD2D8}"/>
+              </a:ext>
+            </a:extLst>
+          </p:cNvPr>
+          <p:cNvSpPr txBox="1">
+            <a:spLocks noGrp="1"/>
+          </p:cNvSpPr>
+          <p:nvPr>
+            <p:ph type="title"/>
+          </p:nvPr>
+        </p:nvSpPr>
+        <p:spPr>
+          <a:xfrm>
+            <a:off x="938950" y="644514"/>
+            <a:ext cx="7704000" cy="520636"/>
+          </a:xfrm>
+          <a:prstGeom prst="rect">
+            <a:avLst/>
+          </a:prstGeom>
+        </p:spPr>
+        <p:txBody>
+          <a:bodyPr spcFirstLastPara="1" wrap="square" lIns="91425" tIns="91425" rIns="91425" bIns="91425" anchor="t" anchorCtr="0">
+            <a:noAutofit/>
+          </a:bodyPr>
+          <a:lstStyle/>
+          <a:p>
+            <a:pPr marL="0" lvl="0" indent="0" algn="l" rtl="0">
+              <a:spcBef>
+                <a:spcPts val="0"/>
+              </a:spcBef>
+              <a:spcAft>
+                <a:spcPts val="0"/>
+              </a:spcAft>
+              <a:buNone/>
+            </a:pPr>
+            <a:r>
+              <a:rPr lang="en"/>
+              <a:t>PEMBAHASAN</a:t>
+            </a:r>
+            <a:endParaRPr/>
+          </a:p>
+        </p:txBody>
+      </p:sp>
+      <p:sp>
+        <p:nvSpPr>
+          <p:cNvPr id="284" name="Google Shape;284;p27">
+            <a:extLst>
+              <a:ext uri="{FF2B5EF4-FFF2-40B4-BE49-F238E27FC236}">
+                <a16:creationId xmlns:a16="http://schemas.microsoft.com/office/drawing/2014/main" id="{1F281975-6555-4242-C33D-CA3CED401E6A}"/>
+              </a:ext>
+            </a:extLst>
+          </p:cNvPr>
+          <p:cNvSpPr txBox="1">
+            <a:spLocks noGrp="1"/>
+          </p:cNvSpPr>
+          <p:nvPr>
+            <p:ph type="title" idx="3"/>
+          </p:nvPr>
+        </p:nvSpPr>
+        <p:spPr>
+          <a:xfrm>
+            <a:off x="944035" y="1346168"/>
+            <a:ext cx="775800" cy="775800"/>
+          </a:xfrm>
+          <a:prstGeom prst="rect">
+            <a:avLst/>
+          </a:prstGeom>
+        </p:spPr>
+        <p:txBody>
+          <a:bodyPr spcFirstLastPara="1" wrap="square" lIns="91425" tIns="91425" rIns="91425" bIns="91425" anchor="ctr" anchorCtr="0">
+            <a:noAutofit/>
+          </a:bodyPr>
+          <a:lstStyle/>
+          <a:p>
+            <a:pPr marL="0" lvl="0" indent="0" algn="ctr" rtl="0">
+              <a:spcBef>
+                <a:spcPts val="0"/>
+              </a:spcBef>
+              <a:spcAft>
+                <a:spcPts val="0"/>
+              </a:spcAft>
+              <a:buNone/>
+            </a:pPr>
+            <a:r>
+              <a:rPr lang="en"/>
+              <a:t>05</a:t>
+            </a:r>
+            <a:endParaRPr/>
+          </a:p>
+        </p:txBody>
+      </p:sp>
+      <p:sp>
+        <p:nvSpPr>
+          <p:cNvPr id="285" name="Google Shape;285;p27">
+            <a:extLst>
+              <a:ext uri="{FF2B5EF4-FFF2-40B4-BE49-F238E27FC236}">
+                <a16:creationId xmlns:a16="http://schemas.microsoft.com/office/drawing/2014/main" id="{F5AFD397-FACC-BD25-69F1-452DAFC42DFE}"/>
+              </a:ext>
+            </a:extLst>
+          </p:cNvPr>
+          <p:cNvSpPr txBox="1">
+            <a:spLocks noGrp="1"/>
+          </p:cNvSpPr>
+          <p:nvPr>
+            <p:ph type="title" idx="4"/>
+          </p:nvPr>
+        </p:nvSpPr>
+        <p:spPr>
+          <a:xfrm>
+            <a:off x="2100925" y="2274833"/>
+            <a:ext cx="4509300" cy="449700"/>
+          </a:xfrm>
+          <a:prstGeom prst="rect">
+            <a:avLst/>
+          </a:prstGeom>
+        </p:spPr>
+        <p:txBody>
+          <a:bodyPr spcFirstLastPara="1" wrap="square" lIns="91425" tIns="91425" rIns="91425" bIns="91425" anchor="b" anchorCtr="0">
+            <a:noAutofit/>
+          </a:bodyPr>
+          <a:lstStyle/>
+          <a:p>
+            <a:r>
+              <a:rPr lang="en-ID"/>
+              <a:t>KESIMPULAN DAN SARAN</a:t>
+            </a:r>
+            <a:endParaRPr lang="en-ID" dirty="0"/>
+          </a:p>
+        </p:txBody>
+      </p:sp>
+      <p:sp>
+        <p:nvSpPr>
+          <p:cNvPr id="286" name="Google Shape;286;p27">
+            <a:extLst>
+              <a:ext uri="{FF2B5EF4-FFF2-40B4-BE49-F238E27FC236}">
+                <a16:creationId xmlns:a16="http://schemas.microsoft.com/office/drawing/2014/main" id="{F3BCF8AD-CC90-17E0-11E7-791D2D150E90}"/>
+              </a:ext>
+            </a:extLst>
+          </p:cNvPr>
+          <p:cNvSpPr txBox="1">
+            <a:spLocks noGrp="1"/>
+          </p:cNvSpPr>
+          <p:nvPr>
+            <p:ph type="subTitle" idx="5"/>
+          </p:nvPr>
+        </p:nvSpPr>
+        <p:spPr>
+          <a:xfrm>
+            <a:off x="2100924" y="2587218"/>
+            <a:ext cx="5938175" cy="364800"/>
+          </a:xfrm>
+          <a:prstGeom prst="rect">
+            <a:avLst/>
+          </a:prstGeom>
+        </p:spPr>
+        <p:txBody>
+          <a:bodyPr spcFirstLastPara="1" wrap="square" lIns="91425" tIns="91425" rIns="91425" bIns="91425" anchor="t" anchorCtr="0">
+            <a:noAutofit/>
+          </a:bodyPr>
+          <a:lstStyle/>
+          <a:p>
+            <a:pPr marL="12700" marR="5080">
+              <a:lnSpc>
+                <a:spcPct val="100000"/>
+              </a:lnSpc>
+              <a:spcBef>
+                <a:spcPts val="550"/>
+              </a:spcBef>
+            </a:pPr>
+            <a:r>
+              <a:rPr lang="en-ID"/>
+              <a:t>Kesimpulan penelitian dan  saran</a:t>
+            </a:r>
+            <a:r>
+              <a:rPr lang="en-ID" sz="1200" spc="65">
+                <a:solidFill>
+                  <a:schemeClr val="tx1"/>
+                </a:solidFill>
+                <a:latin typeface="Gill Sans MT"/>
+                <a:cs typeface="Gill Sans MT"/>
+              </a:rPr>
+              <a:t>.</a:t>
+            </a:r>
+            <a:endParaRPr lang="en-ID" sz="1200" dirty="0">
+              <a:solidFill>
+                <a:schemeClr val="tx1"/>
+              </a:solidFill>
+              <a:latin typeface="Gill Sans MT"/>
+              <a:cs typeface="Gill Sans MT"/>
+            </a:endParaRPr>
+          </a:p>
+        </p:txBody>
+      </p:sp>
+      <p:sp>
+        <p:nvSpPr>
+          <p:cNvPr id="287" name="Google Shape;287;p27">
+            <a:extLst>
+              <a:ext uri="{FF2B5EF4-FFF2-40B4-BE49-F238E27FC236}">
+                <a16:creationId xmlns:a16="http://schemas.microsoft.com/office/drawing/2014/main" id="{B87EB689-ED0A-643A-0FD4-3783C1C735C0}"/>
+              </a:ext>
+            </a:extLst>
+          </p:cNvPr>
+          <p:cNvSpPr txBox="1">
+            <a:spLocks noGrp="1"/>
+          </p:cNvSpPr>
+          <p:nvPr>
+            <p:ph type="title" idx="6"/>
+          </p:nvPr>
+        </p:nvSpPr>
+        <p:spPr>
+          <a:xfrm>
+            <a:off x="944035" y="2176218"/>
+            <a:ext cx="775800" cy="775800"/>
+          </a:xfrm>
+          <a:prstGeom prst="rect">
+            <a:avLst/>
+          </a:prstGeom>
+        </p:spPr>
+        <p:txBody>
+          <a:bodyPr spcFirstLastPara="1" wrap="square" lIns="91425" tIns="91425" rIns="91425" bIns="91425" anchor="ctr" anchorCtr="0">
+            <a:noAutofit/>
+          </a:bodyPr>
+          <a:lstStyle/>
+          <a:p>
+            <a:pPr marL="0" lvl="0" indent="0" algn="ctr" rtl="0">
+              <a:spcBef>
+                <a:spcPts val="0"/>
+              </a:spcBef>
+              <a:spcAft>
+                <a:spcPts val="0"/>
+              </a:spcAft>
+              <a:buNone/>
+            </a:pPr>
+            <a:r>
+              <a:rPr lang="en"/>
+              <a:t>06</a:t>
+            </a:r>
+            <a:endParaRPr/>
+          </a:p>
+        </p:txBody>
+      </p:sp>
+      <p:pic>
+        <p:nvPicPr>
+          <p:cNvPr id="2" name="object 27">
+            <a:extLst>
+              <a:ext uri="{FF2B5EF4-FFF2-40B4-BE49-F238E27FC236}">
+                <a16:creationId xmlns:a16="http://schemas.microsoft.com/office/drawing/2014/main" id="{882E2092-B9AB-DD0C-6D5B-8F67CAE78683}"/>
+              </a:ext>
+            </a:extLst>
+          </p:cNvPr>
+          <p:cNvPicPr/>
+          <p:nvPr/>
+        </p:nvPicPr>
+        <p:blipFill>
+          <a:blip r:embed="rId3" cstate="print"/>
+          <a:stretch>
+            <a:fillRect/>
+          </a:stretch>
+        </p:blipFill>
+        <p:spPr>
+          <a:xfrm>
+            <a:off x="0" y="46946"/>
+            <a:ext cx="3129776" cy="661742"/>
+          </a:xfrm>
+          <a:prstGeom prst="rect">
+            <a:avLst/>
+          </a:prstGeom>
+        </p:spPr>
+      </p:pic>
+      <p:sp>
+        <p:nvSpPr>
+          <p:cNvPr id="3" name="Oval 2">
+            <a:extLst>
+              <a:ext uri="{FF2B5EF4-FFF2-40B4-BE49-F238E27FC236}">
+                <a16:creationId xmlns:a16="http://schemas.microsoft.com/office/drawing/2014/main" id="{DEF85883-241E-4289-8F0E-219247AA1F3F}"/>
+              </a:ext>
+            </a:extLst>
+          </p:cNvPr>
+          <p:cNvSpPr/>
+          <p:nvPr/>
+        </p:nvSpPr>
+        <p:spPr>
+          <a:xfrm>
+            <a:off x="7567961" y="4177061"/>
+            <a:ext cx="1932878" cy="1932878"/>
+          </a:xfrm>
+          <a:prstGeom prst="ellipse">
+            <a:avLst/>
+          </a:prstGeom>
+          <a:solidFill>
+            <a:schemeClr val="tx2">
+              <a:lumMod val="50000"/>
+            </a:schemeClr>
+          </a:solidFill>
+          <a:ln>
+            <a:noFill/>
+          </a:ln>
+        </p:spPr>
+        <p:style>
+          <a:lnRef idx="2">
+            <a:schemeClr val="dk1">
+              <a:shade val="15000"/>
+            </a:schemeClr>
+          </a:lnRef>
+          <a:fillRef idx="1">
+            <a:schemeClr val="dk1"/>
+          </a:fillRef>
+          <a:effectRef idx="0">
+            <a:schemeClr val="dk1"/>
+          </a:effectRef>
+          <a:fontRef idx="minor">
+            <a:schemeClr val="lt1"/>
+          </a:fontRef>
+        </p:style>
+        <p:txBody>
+          <a:bodyPr rtlCol="0" anchor="ctr"/>
+          <a:lstStyle/>
+          <a:p>
+            <a:pPr algn="ctr"/>
+            <a:endParaRPr lang="en-ID"/>
+          </a:p>
+        </p:txBody>
+      </p:sp>
+      <p:sp>
+        <p:nvSpPr>
+          <p:cNvPr id="4" name="object 28">
+            <a:extLst>
+              <a:ext uri="{FF2B5EF4-FFF2-40B4-BE49-F238E27FC236}">
+                <a16:creationId xmlns:a16="http://schemas.microsoft.com/office/drawing/2014/main" id="{B8225417-C45A-9F13-33E8-9ADB4B29D538}"/>
+              </a:ext>
+            </a:extLst>
+          </p:cNvPr>
+          <p:cNvSpPr txBox="1"/>
+          <p:nvPr/>
+        </p:nvSpPr>
+        <p:spPr>
+          <a:xfrm>
+            <a:off x="4154853" y="80519"/>
+            <a:ext cx="4235450" cy="197490"/>
+          </a:xfrm>
+          <a:prstGeom prst="rect">
+            <a:avLst/>
+          </a:prstGeom>
+        </p:spPr>
+        <p:txBody>
+          <a:bodyPr vert="horz" wrap="square" lIns="0" tIns="12700" rIns="0" bIns="0" rtlCol="0">
+            <a:spAutoFit/>
+          </a:bodyPr>
+          <a:lstStyle/>
+          <a:p>
+            <a:pPr marL="12700" marR="347345" indent="-304800">
+              <a:spcBef>
+                <a:spcPts val="550"/>
+              </a:spcBef>
+              <a:buClr>
+                <a:schemeClr val="dk1"/>
+              </a:buClr>
+              <a:buSzPts val="1200"/>
+            </a:pPr>
+            <a:r>
+              <a:rPr lang="en-ID" sz="1200">
+                <a:solidFill>
+                  <a:schemeClr val="dk1"/>
+                </a:solidFill>
+                <a:latin typeface="Lexend"/>
+                <a:sym typeface="Lexend"/>
+              </a:rPr>
+              <a:t>Seminar Hasil Tesis | Kamis, 22 Agustus 2024</a:t>
+            </a:r>
+            <a:endParaRPr lang="en-ID" sz="1200" dirty="0">
+              <a:solidFill>
+                <a:schemeClr val="dk1"/>
+              </a:solidFill>
+              <a:latin typeface="Lexend"/>
+              <a:sym typeface="Lexend"/>
+            </a:endParaRPr>
+          </a:p>
+        </p:txBody>
+      </p:sp>
+    </p:spTree>
+    <p:extLst>
+      <p:ext uri="{BB962C8B-B14F-4D97-AF65-F5344CB8AC3E}">
+        <p14:creationId xmlns:p14="http://schemas.microsoft.com/office/powerpoint/2010/main" val="4161479618"/>
+      </p:ext>
+    </p:extLst>
+  </p:cSld>
+  <p:clrMapOvr>
+    <a:masterClrMapping/>
+  </p:clrMapOvr>
+</p:sld>
+</file>
+
+<file path=ppt/slides/slide30.xml><?xml version="1.0" encoding="utf-8"?>
 <p:sld xmlns:a="http://schemas.openxmlformats.org/drawingml/2006/main" xmlns:r="http://schemas.openxmlformats.org/officeDocument/2006/relationships" xmlns:p="http://schemas.openxmlformats.org/presentationml/2006/main">
   <p:cSld>
     <p:spTree>
@@ -36999,575 +38598,7 @@
 </p:sld>
 </file>
 
-<file path=ppt/slides/slide3.xml><?xml version="1.0" encoding="utf-8"?>
-<p:sld xmlns:a="http://schemas.openxmlformats.org/drawingml/2006/main" xmlns:r="http://schemas.openxmlformats.org/officeDocument/2006/relationships" xmlns:p="http://schemas.openxmlformats.org/presentationml/2006/main">
-  <p:cSld>
-    <p:spTree>
-      <p:nvGrpSpPr>
-        <p:cNvPr id="1" name="Shape 279">
-          <a:extLst>
-            <a:ext uri="{FF2B5EF4-FFF2-40B4-BE49-F238E27FC236}">
-              <a16:creationId xmlns:a16="http://schemas.microsoft.com/office/drawing/2014/main" id="{1E88C78F-368C-9A4D-F357-822C86C79C1D}"/>
-            </a:ext>
-          </a:extLst>
-        </p:cNvPr>
-        <p:cNvGrpSpPr/>
-        <p:nvPr/>
-      </p:nvGrpSpPr>
-      <p:grpSpPr>
-        <a:xfrm>
-          <a:off x="0" y="0"/>
-          <a:ext cx="0" cy="0"/>
-          <a:chOff x="0" y="0"/>
-          <a:chExt cx="0" cy="0"/>
-        </a:xfrm>
-      </p:grpSpPr>
-      <p:sp>
-        <p:nvSpPr>
-          <p:cNvPr id="280" name="Google Shape;280;p27">
-            <a:extLst>
-              <a:ext uri="{FF2B5EF4-FFF2-40B4-BE49-F238E27FC236}">
-                <a16:creationId xmlns:a16="http://schemas.microsoft.com/office/drawing/2014/main" id="{94955852-6787-28F5-6A69-82BF5CB754E2}"/>
-              </a:ext>
-            </a:extLst>
-          </p:cNvPr>
-          <p:cNvSpPr/>
-          <p:nvPr/>
-        </p:nvSpPr>
-        <p:spPr>
-          <a:xfrm rot="5400000">
-            <a:off x="-1049000" y="3207350"/>
-            <a:ext cx="4761900" cy="786000"/>
-          </a:xfrm>
-          <a:prstGeom prst="roundRect">
-            <a:avLst>
-              <a:gd name="adj" fmla="val 50000"/>
-            </a:avLst>
-          </a:prstGeom>
-          <a:solidFill>
-            <a:srgbClr val="FFCC28"/>
-          </a:solidFill>
-          <a:ln>
-            <a:noFill/>
-          </a:ln>
-        </p:spPr>
-        <p:txBody>
-          <a:bodyPr spcFirstLastPara="1" wrap="square" lIns="91425" tIns="91425" rIns="91425" bIns="91425" anchor="ctr" anchorCtr="0">
-            <a:noAutofit/>
-          </a:bodyPr>
-          <a:lstStyle/>
-          <a:p>
-            <a:pPr marL="0" lvl="0" indent="0" algn="ctr" rtl="0">
-              <a:spcBef>
-                <a:spcPts val="0"/>
-              </a:spcBef>
-              <a:spcAft>
-                <a:spcPts val="0"/>
-              </a:spcAft>
-              <a:buNone/>
-            </a:pPr>
-            <a:endParaRPr>
-              <a:latin typeface="Open Sans"/>
-              <a:ea typeface="Open Sans"/>
-              <a:cs typeface="Open Sans"/>
-              <a:sym typeface="Open Sans"/>
-            </a:endParaRPr>
-          </a:p>
-        </p:txBody>
-      </p:sp>
-      <p:sp>
-        <p:nvSpPr>
-          <p:cNvPr id="281" name="Google Shape;281;p27">
-            <a:extLst>
-              <a:ext uri="{FF2B5EF4-FFF2-40B4-BE49-F238E27FC236}">
-                <a16:creationId xmlns:a16="http://schemas.microsoft.com/office/drawing/2014/main" id="{2C42E0EE-1E1C-31EC-B1ED-549EBA485A2E}"/>
-              </a:ext>
-            </a:extLst>
-          </p:cNvPr>
-          <p:cNvSpPr txBox="1">
-            <a:spLocks noGrp="1"/>
-          </p:cNvSpPr>
-          <p:nvPr>
-            <p:ph type="title" idx="2"/>
-          </p:nvPr>
-        </p:nvSpPr>
-        <p:spPr>
-          <a:xfrm>
-            <a:off x="2100925" y="1444783"/>
-            <a:ext cx="4509300" cy="449700"/>
-          </a:xfrm>
-          <a:prstGeom prst="rect">
-            <a:avLst/>
-          </a:prstGeom>
-        </p:spPr>
-        <p:txBody>
-          <a:bodyPr spcFirstLastPara="1" wrap="square" lIns="91425" tIns="91425" rIns="91425" bIns="91425" anchor="b" anchorCtr="0">
-            <a:noAutofit/>
-          </a:bodyPr>
-          <a:lstStyle/>
-          <a:p>
-            <a:pPr marL="0" lvl="0" indent="0" algn="l" rtl="0">
-              <a:spcBef>
-                <a:spcPts val="0"/>
-              </a:spcBef>
-              <a:spcAft>
-                <a:spcPts val="0"/>
-              </a:spcAft>
-              <a:buNone/>
-            </a:pPr>
-            <a:r>
-              <a:rPr lang="en"/>
-              <a:t>HASIL DAN PEMBAHASAN</a:t>
-            </a:r>
-            <a:endParaRPr/>
-          </a:p>
-        </p:txBody>
-      </p:sp>
-      <p:sp>
-        <p:nvSpPr>
-          <p:cNvPr id="282" name="Google Shape;282;p27">
-            <a:extLst>
-              <a:ext uri="{FF2B5EF4-FFF2-40B4-BE49-F238E27FC236}">
-                <a16:creationId xmlns:a16="http://schemas.microsoft.com/office/drawing/2014/main" id="{47A6854E-F05B-B09D-E01A-285494770185}"/>
-              </a:ext>
-            </a:extLst>
-          </p:cNvPr>
-          <p:cNvSpPr txBox="1">
-            <a:spLocks noGrp="1"/>
-          </p:cNvSpPr>
-          <p:nvPr>
-            <p:ph type="subTitle" idx="1"/>
-          </p:nvPr>
-        </p:nvSpPr>
-        <p:spPr>
-          <a:xfrm>
-            <a:off x="2100925" y="1757168"/>
-            <a:ext cx="4509300" cy="364800"/>
-          </a:xfrm>
-          <a:prstGeom prst="rect">
-            <a:avLst/>
-          </a:prstGeom>
-        </p:spPr>
-        <p:txBody>
-          <a:bodyPr spcFirstLastPara="1" wrap="square" lIns="91425" tIns="91425" rIns="91425" bIns="91425" anchor="t" anchorCtr="0">
-            <a:noAutofit/>
-          </a:bodyPr>
-          <a:lstStyle/>
-          <a:p>
-            <a:pPr marL="12700" marR="5080">
-              <a:lnSpc>
-                <a:spcPct val="100000"/>
-              </a:lnSpc>
-              <a:spcBef>
-                <a:spcPts val="550"/>
-              </a:spcBef>
-            </a:pPr>
-            <a:r>
-              <a:rPr lang="en-ID"/>
-              <a:t>Membahas hasil penelitian.</a:t>
-            </a:r>
-            <a:endParaRPr lang="en-ID" dirty="0"/>
-          </a:p>
-        </p:txBody>
-      </p:sp>
-      <p:sp>
-        <p:nvSpPr>
-          <p:cNvPr id="283" name="Google Shape;283;p27">
-            <a:extLst>
-              <a:ext uri="{FF2B5EF4-FFF2-40B4-BE49-F238E27FC236}">
-                <a16:creationId xmlns:a16="http://schemas.microsoft.com/office/drawing/2014/main" id="{59D3664A-BED2-41D4-4C84-73CDDC8BD2D8}"/>
-              </a:ext>
-            </a:extLst>
-          </p:cNvPr>
-          <p:cNvSpPr txBox="1">
-            <a:spLocks noGrp="1"/>
-          </p:cNvSpPr>
-          <p:nvPr>
-            <p:ph type="title"/>
-          </p:nvPr>
-        </p:nvSpPr>
-        <p:spPr>
-          <a:xfrm>
-            <a:off x="938950" y="644514"/>
-            <a:ext cx="7704000" cy="520636"/>
-          </a:xfrm>
-          <a:prstGeom prst="rect">
-            <a:avLst/>
-          </a:prstGeom>
-        </p:spPr>
-        <p:txBody>
-          <a:bodyPr spcFirstLastPara="1" wrap="square" lIns="91425" tIns="91425" rIns="91425" bIns="91425" anchor="t" anchorCtr="0">
-            <a:noAutofit/>
-          </a:bodyPr>
-          <a:lstStyle/>
-          <a:p>
-            <a:pPr marL="0" lvl="0" indent="0" algn="l" rtl="0">
-              <a:spcBef>
-                <a:spcPts val="0"/>
-              </a:spcBef>
-              <a:spcAft>
-                <a:spcPts val="0"/>
-              </a:spcAft>
-              <a:buNone/>
-            </a:pPr>
-            <a:r>
-              <a:rPr lang="en"/>
-              <a:t>PEMBAHASAN</a:t>
-            </a:r>
-            <a:endParaRPr/>
-          </a:p>
-        </p:txBody>
-      </p:sp>
-      <p:sp>
-        <p:nvSpPr>
-          <p:cNvPr id="284" name="Google Shape;284;p27">
-            <a:extLst>
-              <a:ext uri="{FF2B5EF4-FFF2-40B4-BE49-F238E27FC236}">
-                <a16:creationId xmlns:a16="http://schemas.microsoft.com/office/drawing/2014/main" id="{1F281975-6555-4242-C33D-CA3CED401E6A}"/>
-              </a:ext>
-            </a:extLst>
-          </p:cNvPr>
-          <p:cNvSpPr txBox="1">
-            <a:spLocks noGrp="1"/>
-          </p:cNvSpPr>
-          <p:nvPr>
-            <p:ph type="title" idx="3"/>
-          </p:nvPr>
-        </p:nvSpPr>
-        <p:spPr>
-          <a:xfrm>
-            <a:off x="944035" y="1346168"/>
-            <a:ext cx="775800" cy="775800"/>
-          </a:xfrm>
-          <a:prstGeom prst="rect">
-            <a:avLst/>
-          </a:prstGeom>
-        </p:spPr>
-        <p:txBody>
-          <a:bodyPr spcFirstLastPara="1" wrap="square" lIns="91425" tIns="91425" rIns="91425" bIns="91425" anchor="ctr" anchorCtr="0">
-            <a:noAutofit/>
-          </a:bodyPr>
-          <a:lstStyle/>
-          <a:p>
-            <a:pPr marL="0" lvl="0" indent="0" algn="ctr" rtl="0">
-              <a:spcBef>
-                <a:spcPts val="0"/>
-              </a:spcBef>
-              <a:spcAft>
-                <a:spcPts val="0"/>
-              </a:spcAft>
-              <a:buNone/>
-            </a:pPr>
-            <a:r>
-              <a:rPr lang="en"/>
-              <a:t>05</a:t>
-            </a:r>
-            <a:endParaRPr/>
-          </a:p>
-        </p:txBody>
-      </p:sp>
-      <p:sp>
-        <p:nvSpPr>
-          <p:cNvPr id="285" name="Google Shape;285;p27">
-            <a:extLst>
-              <a:ext uri="{FF2B5EF4-FFF2-40B4-BE49-F238E27FC236}">
-                <a16:creationId xmlns:a16="http://schemas.microsoft.com/office/drawing/2014/main" id="{F5AFD397-FACC-BD25-69F1-452DAFC42DFE}"/>
-              </a:ext>
-            </a:extLst>
-          </p:cNvPr>
-          <p:cNvSpPr txBox="1">
-            <a:spLocks noGrp="1"/>
-          </p:cNvSpPr>
-          <p:nvPr>
-            <p:ph type="title" idx="4"/>
-          </p:nvPr>
-        </p:nvSpPr>
-        <p:spPr>
-          <a:xfrm>
-            <a:off x="2100925" y="2274833"/>
-            <a:ext cx="4509300" cy="449700"/>
-          </a:xfrm>
-          <a:prstGeom prst="rect">
-            <a:avLst/>
-          </a:prstGeom>
-        </p:spPr>
-        <p:txBody>
-          <a:bodyPr spcFirstLastPara="1" wrap="square" lIns="91425" tIns="91425" rIns="91425" bIns="91425" anchor="b" anchorCtr="0">
-            <a:noAutofit/>
-          </a:bodyPr>
-          <a:lstStyle/>
-          <a:p>
-            <a:r>
-              <a:rPr lang="en-ID"/>
-              <a:t>KESIMPULAN DAN SARAN</a:t>
-            </a:r>
-            <a:endParaRPr lang="en-ID" dirty="0"/>
-          </a:p>
-        </p:txBody>
-      </p:sp>
-      <p:sp>
-        <p:nvSpPr>
-          <p:cNvPr id="286" name="Google Shape;286;p27">
-            <a:extLst>
-              <a:ext uri="{FF2B5EF4-FFF2-40B4-BE49-F238E27FC236}">
-                <a16:creationId xmlns:a16="http://schemas.microsoft.com/office/drawing/2014/main" id="{F3BCF8AD-CC90-17E0-11E7-791D2D150E90}"/>
-              </a:ext>
-            </a:extLst>
-          </p:cNvPr>
-          <p:cNvSpPr txBox="1">
-            <a:spLocks noGrp="1"/>
-          </p:cNvSpPr>
-          <p:nvPr>
-            <p:ph type="subTitle" idx="5"/>
-          </p:nvPr>
-        </p:nvSpPr>
-        <p:spPr>
-          <a:xfrm>
-            <a:off x="2100924" y="2587218"/>
-            <a:ext cx="5938175" cy="364800"/>
-          </a:xfrm>
-          <a:prstGeom prst="rect">
-            <a:avLst/>
-          </a:prstGeom>
-        </p:spPr>
-        <p:txBody>
-          <a:bodyPr spcFirstLastPara="1" wrap="square" lIns="91425" tIns="91425" rIns="91425" bIns="91425" anchor="t" anchorCtr="0">
-            <a:noAutofit/>
-          </a:bodyPr>
-          <a:lstStyle/>
-          <a:p>
-            <a:pPr marL="12700" marR="5080">
-              <a:lnSpc>
-                <a:spcPct val="100000"/>
-              </a:lnSpc>
-              <a:spcBef>
-                <a:spcPts val="550"/>
-              </a:spcBef>
-            </a:pPr>
-            <a:r>
-              <a:rPr lang="en-ID"/>
-              <a:t>Kesimpulan penelitian dan  saran</a:t>
-            </a:r>
-            <a:r>
-              <a:rPr lang="en-ID" sz="1200" spc="65">
-                <a:solidFill>
-                  <a:schemeClr val="tx1"/>
-                </a:solidFill>
-                <a:latin typeface="Gill Sans MT"/>
-                <a:cs typeface="Gill Sans MT"/>
-              </a:rPr>
-              <a:t>.</a:t>
-            </a:r>
-            <a:endParaRPr lang="en-ID" sz="1200" dirty="0">
-              <a:solidFill>
-                <a:schemeClr val="tx1"/>
-              </a:solidFill>
-              <a:latin typeface="Gill Sans MT"/>
-              <a:cs typeface="Gill Sans MT"/>
-            </a:endParaRPr>
-          </a:p>
-        </p:txBody>
-      </p:sp>
-      <p:sp>
-        <p:nvSpPr>
-          <p:cNvPr id="287" name="Google Shape;287;p27">
-            <a:extLst>
-              <a:ext uri="{FF2B5EF4-FFF2-40B4-BE49-F238E27FC236}">
-                <a16:creationId xmlns:a16="http://schemas.microsoft.com/office/drawing/2014/main" id="{B87EB689-ED0A-643A-0FD4-3783C1C735C0}"/>
-              </a:ext>
-            </a:extLst>
-          </p:cNvPr>
-          <p:cNvSpPr txBox="1">
-            <a:spLocks noGrp="1"/>
-          </p:cNvSpPr>
-          <p:nvPr>
-            <p:ph type="title" idx="6"/>
-          </p:nvPr>
-        </p:nvSpPr>
-        <p:spPr>
-          <a:xfrm>
-            <a:off x="944035" y="2176218"/>
-            <a:ext cx="775800" cy="775800"/>
-          </a:xfrm>
-          <a:prstGeom prst="rect">
-            <a:avLst/>
-          </a:prstGeom>
-        </p:spPr>
-        <p:txBody>
-          <a:bodyPr spcFirstLastPara="1" wrap="square" lIns="91425" tIns="91425" rIns="91425" bIns="91425" anchor="ctr" anchorCtr="0">
-            <a:noAutofit/>
-          </a:bodyPr>
-          <a:lstStyle/>
-          <a:p>
-            <a:pPr marL="0" lvl="0" indent="0" algn="ctr" rtl="0">
-              <a:spcBef>
-                <a:spcPts val="0"/>
-              </a:spcBef>
-              <a:spcAft>
-                <a:spcPts val="0"/>
-              </a:spcAft>
-              <a:buNone/>
-            </a:pPr>
-            <a:r>
-              <a:rPr lang="en"/>
-              <a:t>06</a:t>
-            </a:r>
-            <a:endParaRPr/>
-          </a:p>
-        </p:txBody>
-      </p:sp>
-      <p:pic>
-        <p:nvPicPr>
-          <p:cNvPr id="2" name="object 27">
-            <a:extLst>
-              <a:ext uri="{FF2B5EF4-FFF2-40B4-BE49-F238E27FC236}">
-                <a16:creationId xmlns:a16="http://schemas.microsoft.com/office/drawing/2014/main" id="{882E2092-B9AB-DD0C-6D5B-8F67CAE78683}"/>
-              </a:ext>
-            </a:extLst>
-          </p:cNvPr>
-          <p:cNvPicPr/>
-          <p:nvPr/>
-        </p:nvPicPr>
-        <p:blipFill>
-          <a:blip r:embed="rId3" cstate="print"/>
-          <a:stretch>
-            <a:fillRect/>
-          </a:stretch>
-        </p:blipFill>
-        <p:spPr>
-          <a:xfrm>
-            <a:off x="0" y="46946"/>
-            <a:ext cx="3129776" cy="661742"/>
-          </a:xfrm>
-          <a:prstGeom prst="rect">
-            <a:avLst/>
-          </a:prstGeom>
-        </p:spPr>
-      </p:pic>
-      <p:sp>
-        <p:nvSpPr>
-          <p:cNvPr id="3" name="Oval 2">
-            <a:extLst>
-              <a:ext uri="{FF2B5EF4-FFF2-40B4-BE49-F238E27FC236}">
-                <a16:creationId xmlns:a16="http://schemas.microsoft.com/office/drawing/2014/main" id="{DEF85883-241E-4289-8F0E-219247AA1F3F}"/>
-              </a:ext>
-            </a:extLst>
-          </p:cNvPr>
-          <p:cNvSpPr/>
-          <p:nvPr/>
-        </p:nvSpPr>
-        <p:spPr>
-          <a:xfrm>
-            <a:off x="7567961" y="4177061"/>
-            <a:ext cx="1932878" cy="1932878"/>
-          </a:xfrm>
-          <a:prstGeom prst="ellipse">
-            <a:avLst/>
-          </a:prstGeom>
-          <a:solidFill>
-            <a:schemeClr val="tx2">
-              <a:lumMod val="50000"/>
-            </a:schemeClr>
-          </a:solidFill>
-          <a:ln>
-            <a:noFill/>
-          </a:ln>
-        </p:spPr>
-        <p:style>
-          <a:lnRef idx="2">
-            <a:schemeClr val="dk1">
-              <a:shade val="15000"/>
-            </a:schemeClr>
-          </a:lnRef>
-          <a:fillRef idx="1">
-            <a:schemeClr val="dk1"/>
-          </a:fillRef>
-          <a:effectRef idx="0">
-            <a:schemeClr val="dk1"/>
-          </a:effectRef>
-          <a:fontRef idx="minor">
-            <a:schemeClr val="lt1"/>
-          </a:fontRef>
-        </p:style>
-        <p:txBody>
-          <a:bodyPr rtlCol="0" anchor="ctr"/>
-          <a:lstStyle/>
-          <a:p>
-            <a:pPr algn="ctr"/>
-            <a:endParaRPr lang="en-ID"/>
-          </a:p>
-        </p:txBody>
-      </p:sp>
-      <p:sp>
-        <p:nvSpPr>
-          <p:cNvPr id="4" name="object 28">
-            <a:extLst>
-              <a:ext uri="{FF2B5EF4-FFF2-40B4-BE49-F238E27FC236}">
-                <a16:creationId xmlns:a16="http://schemas.microsoft.com/office/drawing/2014/main" id="{B8225417-C45A-9F13-33E8-9ADB4B29D538}"/>
-              </a:ext>
-            </a:extLst>
-          </p:cNvPr>
-          <p:cNvSpPr txBox="1"/>
-          <p:nvPr/>
-        </p:nvSpPr>
-        <p:spPr>
-          <a:xfrm>
-            <a:off x="4154853" y="80519"/>
-            <a:ext cx="4235450" cy="197490"/>
-          </a:xfrm>
-          <a:prstGeom prst="rect">
-            <a:avLst/>
-          </a:prstGeom>
-        </p:spPr>
-        <p:txBody>
-          <a:bodyPr vert="horz" wrap="square" lIns="0" tIns="12700" rIns="0" bIns="0" rtlCol="0">
-            <a:spAutoFit/>
-          </a:bodyPr>
-          <a:lstStyle/>
-          <a:p>
-            <a:pPr marL="12700" marR="347345" indent="-304800">
-              <a:spcBef>
-                <a:spcPts val="550"/>
-              </a:spcBef>
-              <a:buClr>
-                <a:schemeClr val="dk1"/>
-              </a:buClr>
-              <a:buSzPts val="1200"/>
-            </a:pPr>
-            <a:r>
-              <a:rPr lang="en-ID" sz="1200">
-                <a:solidFill>
-                  <a:schemeClr val="dk1"/>
-                </a:solidFill>
-                <a:latin typeface="Lexend"/>
-                <a:sym typeface="Lexend"/>
-              </a:rPr>
-              <a:t>Seminar Hasil Tesis | Kamis, 22 Agustus 2024</a:t>
-            </a:r>
-            <a:endParaRPr lang="en-ID" sz="1200" dirty="0">
-              <a:solidFill>
-                <a:schemeClr val="dk1"/>
-              </a:solidFill>
-              <a:latin typeface="Lexend"/>
-              <a:sym typeface="Lexend"/>
-            </a:endParaRPr>
-          </a:p>
-        </p:txBody>
-      </p:sp>
-    </p:spTree>
-    <p:extLst>
-      <p:ext uri="{BB962C8B-B14F-4D97-AF65-F5344CB8AC3E}">
-        <p14:creationId xmlns:p14="http://schemas.microsoft.com/office/powerpoint/2010/main" val="4161479618"/>
-      </p:ext>
-    </p:extLst>
-  </p:cSld>
-  <p:clrMapOvr>
-    <a:masterClrMapping/>
-  </p:clrMapOvr>
-</p:sld>
-</file>
-
-<file path=ppt/slides/slide30.xml><?xml version="1.0" encoding="utf-8"?>
+<file path=ppt/slides/slide31.xml><?xml version="1.0" encoding="utf-8"?>
 <p:sld xmlns:a="http://schemas.openxmlformats.org/drawingml/2006/main" xmlns:r="http://schemas.openxmlformats.org/officeDocument/2006/relationships" xmlns:p="http://schemas.openxmlformats.org/presentationml/2006/main">
   <p:cSld>
     <p:spTree>
@@ -38844,7 +39875,7 @@
 </p:sld>
 </file>
 
-<file path=ppt/slides/slide31.xml><?xml version="1.0" encoding="utf-8"?>
+<file path=ppt/slides/slide32.xml><?xml version="1.0" encoding="utf-8"?>
 <p:sld xmlns:a="http://schemas.openxmlformats.org/drawingml/2006/main" xmlns:r="http://schemas.openxmlformats.org/officeDocument/2006/relationships" xmlns:p="http://schemas.openxmlformats.org/presentationml/2006/main">
   <p:cSld>
     <p:spTree>
@@ -40115,7 +41146,7 @@
 </p:sld>
 </file>
 
-<file path=ppt/slides/slide32.xml><?xml version="1.0" encoding="utf-8"?>
+<file path=ppt/slides/slide33.xml><?xml version="1.0" encoding="utf-8"?>
 <p:sld xmlns:a="http://schemas.openxmlformats.org/drawingml/2006/main" xmlns:r="http://schemas.openxmlformats.org/officeDocument/2006/relationships" xmlns:p="http://schemas.openxmlformats.org/presentationml/2006/main">
   <p:cSld>
     <p:spTree>
@@ -41106,7 +42137,7 @@
 </p:sld>
 </file>
 
-<file path=ppt/slides/slide33.xml><?xml version="1.0" encoding="utf-8"?>
+<file path=ppt/slides/slide34.xml><?xml version="1.0" encoding="utf-8"?>
 <p:sld xmlns:a="http://schemas.openxmlformats.org/drawingml/2006/main" xmlns:r="http://schemas.openxmlformats.org/officeDocument/2006/relationships" xmlns:p="http://schemas.openxmlformats.org/presentationml/2006/main">
   <p:cSld>
     <p:spTree>
@@ -41955,7 +42986,7 @@
 </p:sld>
 </file>
 
-<file path=ppt/slides/slide34.xml><?xml version="1.0" encoding="utf-8"?>
+<file path=ppt/slides/slide35.xml><?xml version="1.0" encoding="utf-8"?>
 <p:sld xmlns:a="http://schemas.openxmlformats.org/drawingml/2006/main" xmlns:r="http://schemas.openxmlformats.org/officeDocument/2006/relationships" xmlns:p="http://schemas.openxmlformats.org/presentationml/2006/main">
   <p:cSld>
     <p:spTree>
@@ -42720,7 +43751,7 @@
 </p:sld>
 </file>
 
-<file path=ppt/slides/slide35.xml><?xml version="1.0" encoding="utf-8"?>
+<file path=ppt/slides/slide36.xml><?xml version="1.0" encoding="utf-8"?>
 <p:sld xmlns:a="http://schemas.openxmlformats.org/drawingml/2006/main" xmlns:r="http://schemas.openxmlformats.org/officeDocument/2006/relationships" xmlns:p="http://schemas.openxmlformats.org/presentationml/2006/main">
   <p:cSld>
     <p:spTree>
@@ -43485,7 +44516,7 @@
 </p:sld>
 </file>
 
-<file path=ppt/slides/slide36.xml><?xml version="1.0" encoding="utf-8"?>
+<file path=ppt/slides/slide37.xml><?xml version="1.0" encoding="utf-8"?>
 <p:sld xmlns:a="http://schemas.openxmlformats.org/drawingml/2006/main" xmlns:r="http://schemas.openxmlformats.org/officeDocument/2006/relationships" xmlns:p="http://schemas.openxmlformats.org/presentationml/2006/main">
   <p:cSld>
     <p:spTree>
@@ -45030,7 +46061,7 @@
 </p:sld>
 </file>
 
-<file path=ppt/slides/slide37.xml><?xml version="1.0" encoding="utf-8"?>
+<file path=ppt/slides/slide38.xml><?xml version="1.0" encoding="utf-8"?>
 <p:sld xmlns:a="http://schemas.openxmlformats.org/drawingml/2006/main" xmlns:r="http://schemas.openxmlformats.org/officeDocument/2006/relationships" xmlns:p="http://schemas.openxmlformats.org/presentationml/2006/main">
   <p:cSld>
     <p:spTree>
@@ -45529,7 +46560,7 @@
 </p:sld>
 </file>
 
-<file path=ppt/slides/slide38.xml><?xml version="1.0" encoding="utf-8"?>
+<file path=ppt/slides/slide39.xml><?xml version="1.0" encoding="utf-8"?>
 <p:sld xmlns:a="http://schemas.openxmlformats.org/drawingml/2006/main" xmlns:r="http://schemas.openxmlformats.org/officeDocument/2006/relationships" xmlns:p="http://schemas.openxmlformats.org/presentationml/2006/main">
   <p:cSld>
     <p:spTree>
@@ -46021,1701 +47052,6 @@
         <p14:creationId xmlns:p14="http://schemas.microsoft.com/office/powerpoint/2010/main" val="1966820755"/>
       </p:ext>
     </p:extLst>
-  </p:cSld>
-  <p:clrMapOvr>
-    <a:masterClrMapping/>
-  </p:clrMapOvr>
-</p:sld>
-</file>
-
-<file path=ppt/slides/slide39.xml><?xml version="1.0" encoding="utf-8"?>
-<p:sld xmlns:a="http://schemas.openxmlformats.org/drawingml/2006/main" xmlns:r="http://schemas.openxmlformats.org/officeDocument/2006/relationships" xmlns:p="http://schemas.openxmlformats.org/presentationml/2006/main">
-  <p:cSld>
-    <p:spTree>
-      <p:nvGrpSpPr>
-        <p:cNvPr id="1" name="Shape 701"/>
-        <p:cNvGrpSpPr/>
-        <p:nvPr/>
-      </p:nvGrpSpPr>
-      <p:grpSpPr>
-        <a:xfrm>
-          <a:off x="0" y="0"/>
-          <a:ext cx="0" cy="0"/>
-          <a:chOff x="0" y="0"/>
-          <a:chExt cx="0" cy="0"/>
-        </a:xfrm>
-      </p:grpSpPr>
-      <p:sp>
-        <p:nvSpPr>
-          <p:cNvPr id="702" name="Google Shape;702;p44"/>
-          <p:cNvSpPr txBox="1">
-            <a:spLocks noGrp="1"/>
-          </p:cNvSpPr>
-          <p:nvPr>
-            <p:ph type="ctrTitle"/>
-          </p:nvPr>
-        </p:nvSpPr>
-        <p:spPr>
-          <a:xfrm>
-            <a:off x="1894375" y="1828485"/>
-            <a:ext cx="4782445" cy="822900"/>
-          </a:xfrm>
-          <a:prstGeom prst="rect">
-            <a:avLst/>
-          </a:prstGeom>
-        </p:spPr>
-        <p:txBody>
-          <a:bodyPr spcFirstLastPara="1" wrap="square" lIns="91425" tIns="91425" rIns="91425" bIns="91425" anchor="ctr" anchorCtr="0">
-            <a:noAutofit/>
-          </a:bodyPr>
-          <a:lstStyle/>
-          <a:p>
-            <a:pPr marL="0" lvl="0" indent="0" algn="ctr" rtl="0">
-              <a:spcBef>
-                <a:spcPts val="0"/>
-              </a:spcBef>
-              <a:spcAft>
-                <a:spcPts val="0"/>
-              </a:spcAft>
-              <a:buNone/>
-            </a:pPr>
-            <a:r>
-              <a:rPr lang="en"/>
-              <a:t>Terima kasih</a:t>
-            </a:r>
-            <a:endParaRPr/>
-          </a:p>
-        </p:txBody>
-      </p:sp>
-      <p:grpSp>
-        <p:nvGrpSpPr>
-          <p:cNvPr id="708" name="Google Shape;708;p44"/>
-          <p:cNvGrpSpPr/>
-          <p:nvPr/>
-        </p:nvGrpSpPr>
-        <p:grpSpPr>
-          <a:xfrm rot="10800000">
-            <a:off x="6900575" y="2211920"/>
-            <a:ext cx="2951967" cy="4114334"/>
-            <a:chOff x="-943750" y="-1328860"/>
-            <a:chExt cx="3599521" cy="5016868"/>
-          </a:xfrm>
-          <a:solidFill>
-            <a:srgbClr val="FFCC28"/>
-          </a:solidFill>
-        </p:grpSpPr>
-        <p:sp>
-          <p:nvSpPr>
-            <p:cNvPr id="709" name="Google Shape;709;p44"/>
-            <p:cNvSpPr/>
-            <p:nvPr/>
-          </p:nvSpPr>
-          <p:spPr>
-            <a:xfrm rot="10800000" flipH="1">
-              <a:off x="-943750" y="-621733"/>
-              <a:ext cx="3599521" cy="4309742"/>
-            </a:xfrm>
-            <a:custGeom>
-              <a:avLst/>
-              <a:gdLst/>
-              <a:ahLst/>
-              <a:cxnLst/>
-              <a:rect l="l" t="t" r="r" b="b"/>
-              <a:pathLst>
-                <a:path w="4197692" h="5025938" extrusionOk="0">
-                  <a:moveTo>
-                    <a:pt x="3453860" y="160902"/>
-                  </a:moveTo>
-                  <a:lnTo>
-                    <a:pt x="3453860" y="160902"/>
-                  </a:lnTo>
-                  <a:cubicBezTo>
-                    <a:pt x="2772966" y="-197762"/>
-                    <a:pt x="1930551" y="63342"/>
-                    <a:pt x="1571887" y="743832"/>
-                  </a:cubicBezTo>
-                  <a:lnTo>
-                    <a:pt x="0" y="3726895"/>
-                  </a:lnTo>
-                  <a:lnTo>
-                    <a:pt x="2464903" y="5025939"/>
-                  </a:lnTo>
-                  <a:lnTo>
-                    <a:pt x="4036790" y="2042875"/>
-                  </a:lnTo>
-                  <a:cubicBezTo>
-                    <a:pt x="4395454" y="1361981"/>
-                    <a:pt x="4134350" y="519566"/>
-                    <a:pt x="3453860" y="160902"/>
-                  </a:cubicBezTo>
-                  <a:close/>
-                </a:path>
-              </a:pathLst>
-            </a:custGeom>
-            <a:grpFill/>
-            <a:ln>
-              <a:noFill/>
-            </a:ln>
-          </p:spPr>
-          <p:txBody>
-            <a:bodyPr spcFirstLastPara="1" wrap="square" lIns="91425" tIns="45700" rIns="91425" bIns="45700" anchor="ctr" anchorCtr="0">
-              <a:noAutofit/>
-            </a:bodyPr>
-            <a:lstStyle/>
-            <a:p>
-              <a:pPr marL="0" marR="0" lvl="0" indent="0" algn="l" rtl="0">
-                <a:spcBef>
-                  <a:spcPts val="0"/>
-                </a:spcBef>
-                <a:spcAft>
-                  <a:spcPts val="0"/>
-                </a:spcAft>
-                <a:buNone/>
-              </a:pPr>
-              <a:endParaRPr sz="1800">
-                <a:solidFill>
-                  <a:srgbClr val="000000"/>
-                </a:solidFill>
-                <a:latin typeface="Calibri"/>
-                <a:ea typeface="Calibri"/>
-                <a:cs typeface="Calibri"/>
-                <a:sym typeface="Calibri"/>
-              </a:endParaRPr>
-            </a:p>
-          </p:txBody>
-        </p:sp>
-        <p:sp>
-          <p:nvSpPr>
-            <p:cNvPr id="710" name="Google Shape;710;p44"/>
-            <p:cNvSpPr/>
-            <p:nvPr/>
-          </p:nvSpPr>
-          <p:spPr>
-            <a:xfrm rot="10800000" flipH="1">
-              <a:off x="257174" y="-1328860"/>
-              <a:ext cx="2108769" cy="2524734"/>
-            </a:xfrm>
-            <a:custGeom>
-              <a:avLst/>
-              <a:gdLst/>
-              <a:ahLst/>
-              <a:cxnLst/>
-              <a:rect l="l" t="t" r="r" b="b"/>
-              <a:pathLst>
-                <a:path w="2403155" h="2877190" extrusionOk="0">
-                  <a:moveTo>
-                    <a:pt x="1977509" y="92081"/>
-                  </a:moveTo>
-                  <a:lnTo>
-                    <a:pt x="1977509" y="92081"/>
-                  </a:lnTo>
-                  <a:cubicBezTo>
-                    <a:pt x="1587675" y="-113159"/>
-                    <a:pt x="1105543" y="36217"/>
-                    <a:pt x="899898" y="425647"/>
-                  </a:cubicBezTo>
-                  <a:lnTo>
-                    <a:pt x="0" y="2133146"/>
-                  </a:lnTo>
-                  <a:lnTo>
-                    <a:pt x="1411176" y="2877191"/>
-                  </a:lnTo>
-                  <a:lnTo>
-                    <a:pt x="2311075" y="1169692"/>
-                  </a:lnTo>
-                  <a:cubicBezTo>
-                    <a:pt x="2516315" y="779858"/>
-                    <a:pt x="2366939" y="297321"/>
-                    <a:pt x="1977509" y="92081"/>
-                  </a:cubicBezTo>
-                  <a:close/>
-                </a:path>
-              </a:pathLst>
-            </a:custGeom>
-            <a:grpFill/>
-            <a:ln>
-              <a:noFill/>
-            </a:ln>
-          </p:spPr>
-          <p:txBody>
-            <a:bodyPr spcFirstLastPara="1" wrap="square" lIns="91425" tIns="45700" rIns="91425" bIns="45700" anchor="ctr" anchorCtr="0">
-              <a:noAutofit/>
-            </a:bodyPr>
-            <a:lstStyle/>
-            <a:p>
-              <a:pPr marL="0" marR="0" lvl="0" indent="0" algn="l" rtl="0">
-                <a:spcBef>
-                  <a:spcPts val="0"/>
-                </a:spcBef>
-                <a:spcAft>
-                  <a:spcPts val="0"/>
-                </a:spcAft>
-                <a:buNone/>
-              </a:pPr>
-              <a:endParaRPr sz="1800">
-                <a:solidFill>
-                  <a:srgbClr val="000000"/>
-                </a:solidFill>
-                <a:latin typeface="Calibri"/>
-                <a:ea typeface="Calibri"/>
-                <a:cs typeface="Calibri"/>
-                <a:sym typeface="Calibri"/>
-              </a:endParaRPr>
-            </a:p>
-          </p:txBody>
-        </p:sp>
-      </p:grpSp>
-      <p:grpSp>
-        <p:nvGrpSpPr>
-          <p:cNvPr id="711" name="Google Shape;711;p44"/>
-          <p:cNvGrpSpPr/>
-          <p:nvPr/>
-        </p:nvGrpSpPr>
-        <p:grpSpPr>
-          <a:xfrm>
-            <a:off x="7173318" y="2651385"/>
-            <a:ext cx="1480142" cy="889103"/>
-            <a:chOff x="3073660" y="2320137"/>
-            <a:chExt cx="2320700" cy="1394016"/>
-          </a:xfrm>
-        </p:grpSpPr>
-        <p:sp>
-          <p:nvSpPr>
-            <p:cNvPr id="712" name="Google Shape;712;p44"/>
-            <p:cNvSpPr/>
-            <p:nvPr/>
-          </p:nvSpPr>
-          <p:spPr>
-            <a:xfrm>
-              <a:off x="3073660" y="2320137"/>
-              <a:ext cx="926371" cy="1359374"/>
-            </a:xfrm>
-            <a:custGeom>
-              <a:avLst/>
-              <a:gdLst/>
-              <a:ahLst/>
-              <a:cxnLst/>
-              <a:rect l="l" t="t" r="r" b="b"/>
-              <a:pathLst>
-                <a:path w="926371" h="1359374" extrusionOk="0">
-                  <a:moveTo>
-                    <a:pt x="141360" y="1333128"/>
-                  </a:moveTo>
-                  <a:lnTo>
-                    <a:pt x="141360" y="1333128"/>
-                  </a:lnTo>
-                  <a:cubicBezTo>
-                    <a:pt x="15868" y="1271192"/>
-                    <a:pt x="-35543" y="1119792"/>
-                    <a:pt x="25988" y="994300"/>
-                  </a:cubicBezTo>
-                  <a:lnTo>
-                    <a:pt x="446184" y="141360"/>
-                  </a:lnTo>
-                  <a:cubicBezTo>
-                    <a:pt x="508120" y="15868"/>
-                    <a:pt x="659520" y="-35543"/>
-                    <a:pt x="785012" y="25988"/>
-                  </a:cubicBezTo>
-                  <a:lnTo>
-                    <a:pt x="785012" y="25988"/>
-                  </a:lnTo>
-                  <a:cubicBezTo>
-                    <a:pt x="910504" y="87925"/>
-                    <a:pt x="961915" y="239325"/>
-                    <a:pt x="900384" y="364817"/>
-                  </a:cubicBezTo>
-                  <a:lnTo>
-                    <a:pt x="480593" y="1218161"/>
-                  </a:lnTo>
-                  <a:cubicBezTo>
-                    <a:pt x="418657" y="1343653"/>
-                    <a:pt x="266852" y="1395064"/>
-                    <a:pt x="141360" y="1333128"/>
-                  </a:cubicBezTo>
-                  <a:close/>
-                </a:path>
-              </a:pathLst>
-            </a:custGeom>
-            <a:solidFill>
-              <a:schemeClr val="lt1"/>
-            </a:solidFill>
-            <a:ln>
-              <a:noFill/>
-            </a:ln>
-          </p:spPr>
-          <p:txBody>
-            <a:bodyPr spcFirstLastPara="1" wrap="square" lIns="91425" tIns="45700" rIns="91425" bIns="45700" anchor="ctr" anchorCtr="0">
-              <a:noAutofit/>
-            </a:bodyPr>
-            <a:lstStyle/>
-            <a:p>
-              <a:pPr marL="0" marR="0" lvl="0" indent="0" algn="l" rtl="0">
-                <a:spcBef>
-                  <a:spcPts val="0"/>
-                </a:spcBef>
-                <a:spcAft>
-                  <a:spcPts val="0"/>
-                </a:spcAft>
-                <a:buNone/>
-              </a:pPr>
-              <a:endParaRPr sz="1800">
-                <a:solidFill>
-                  <a:srgbClr val="000000"/>
-                </a:solidFill>
-                <a:latin typeface="Calibri"/>
-                <a:ea typeface="Calibri"/>
-                <a:cs typeface="Calibri"/>
-                <a:sym typeface="Calibri"/>
-              </a:endParaRPr>
-            </a:p>
-          </p:txBody>
-        </p:sp>
-        <p:sp>
-          <p:nvSpPr>
-            <p:cNvPr id="713" name="Google Shape;713;p44"/>
-            <p:cNvSpPr/>
-            <p:nvPr/>
-          </p:nvSpPr>
-          <p:spPr>
-            <a:xfrm>
-              <a:off x="3852115" y="2320137"/>
-              <a:ext cx="926371" cy="1359374"/>
-            </a:xfrm>
-            <a:custGeom>
-              <a:avLst/>
-              <a:gdLst/>
-              <a:ahLst/>
-              <a:cxnLst/>
-              <a:rect l="l" t="t" r="r" b="b"/>
-              <a:pathLst>
-                <a:path w="926371" h="1359374" extrusionOk="0">
-                  <a:moveTo>
-                    <a:pt x="141360" y="1333128"/>
-                  </a:moveTo>
-                  <a:lnTo>
-                    <a:pt x="141360" y="1333128"/>
-                  </a:lnTo>
-                  <a:cubicBezTo>
-                    <a:pt x="15868" y="1271192"/>
-                    <a:pt x="-35543" y="1119792"/>
-                    <a:pt x="25988" y="994300"/>
-                  </a:cubicBezTo>
-                  <a:lnTo>
-                    <a:pt x="446184" y="141360"/>
-                  </a:lnTo>
-                  <a:cubicBezTo>
-                    <a:pt x="508120" y="15868"/>
-                    <a:pt x="659520" y="-35543"/>
-                    <a:pt x="785012" y="25988"/>
-                  </a:cubicBezTo>
-                  <a:lnTo>
-                    <a:pt x="785012" y="25988"/>
-                  </a:lnTo>
-                  <a:cubicBezTo>
-                    <a:pt x="910504" y="87925"/>
-                    <a:pt x="961915" y="239325"/>
-                    <a:pt x="900384" y="364817"/>
-                  </a:cubicBezTo>
-                  <a:lnTo>
-                    <a:pt x="480593" y="1218161"/>
-                  </a:lnTo>
-                  <a:cubicBezTo>
-                    <a:pt x="418657" y="1343653"/>
-                    <a:pt x="266852" y="1395064"/>
-                    <a:pt x="141360" y="1333128"/>
-                  </a:cubicBezTo>
-                  <a:close/>
-                </a:path>
-              </a:pathLst>
-            </a:custGeom>
-            <a:solidFill>
-              <a:schemeClr val="lt1"/>
-            </a:solidFill>
-            <a:ln>
-              <a:noFill/>
-            </a:ln>
-          </p:spPr>
-          <p:txBody>
-            <a:bodyPr spcFirstLastPara="1" wrap="square" lIns="91425" tIns="45700" rIns="91425" bIns="45700" anchor="ctr" anchorCtr="0">
-              <a:noAutofit/>
-            </a:bodyPr>
-            <a:lstStyle/>
-            <a:p>
-              <a:pPr marL="0" marR="0" lvl="0" indent="0" algn="l" rtl="0">
-                <a:spcBef>
-                  <a:spcPts val="0"/>
-                </a:spcBef>
-                <a:spcAft>
-                  <a:spcPts val="0"/>
-                </a:spcAft>
-                <a:buNone/>
-              </a:pPr>
-              <a:endParaRPr sz="1800">
-                <a:solidFill>
-                  <a:srgbClr val="000000"/>
-                </a:solidFill>
-                <a:latin typeface="Calibri"/>
-                <a:ea typeface="Calibri"/>
-                <a:cs typeface="Calibri"/>
-                <a:sym typeface="Calibri"/>
-              </a:endParaRPr>
-            </a:p>
-          </p:txBody>
-        </p:sp>
-        <p:sp>
-          <p:nvSpPr>
-            <p:cNvPr id="714" name="Google Shape;714;p44"/>
-            <p:cNvSpPr/>
-            <p:nvPr/>
-          </p:nvSpPr>
-          <p:spPr>
-            <a:xfrm rot="-4620323">
-              <a:off x="4681723" y="3001516"/>
-              <a:ext cx="648073" cy="648073"/>
-            </a:xfrm>
-            <a:custGeom>
-              <a:avLst/>
-              <a:gdLst/>
-              <a:ahLst/>
-              <a:cxnLst/>
-              <a:rect l="l" t="t" r="r" b="b"/>
-              <a:pathLst>
-                <a:path w="647668" h="647668" extrusionOk="0">
-                  <a:moveTo>
-                    <a:pt x="647668" y="323834"/>
-                  </a:moveTo>
-                  <a:cubicBezTo>
-                    <a:pt x="647668" y="502683"/>
-                    <a:pt x="502683" y="647668"/>
-                    <a:pt x="323834" y="647668"/>
-                  </a:cubicBezTo>
-                  <a:cubicBezTo>
-                    <a:pt x="144985" y="647668"/>
-                    <a:pt x="0" y="502683"/>
-                    <a:pt x="0" y="323834"/>
-                  </a:cubicBezTo>
-                  <a:cubicBezTo>
-                    <a:pt x="0" y="144985"/>
-                    <a:pt x="144985" y="0"/>
-                    <a:pt x="323834" y="0"/>
-                  </a:cubicBezTo>
-                  <a:cubicBezTo>
-                    <a:pt x="502683" y="0"/>
-                    <a:pt x="647668" y="144985"/>
-                    <a:pt x="647668" y="323834"/>
-                  </a:cubicBezTo>
-                  <a:close/>
-                </a:path>
-              </a:pathLst>
-            </a:custGeom>
-            <a:solidFill>
-              <a:schemeClr val="lt1"/>
-            </a:solidFill>
-            <a:ln>
-              <a:noFill/>
-            </a:ln>
-          </p:spPr>
-          <p:txBody>
-            <a:bodyPr spcFirstLastPara="1" wrap="square" lIns="91425" tIns="45700" rIns="91425" bIns="45700" anchor="ctr" anchorCtr="0">
-              <a:noAutofit/>
-            </a:bodyPr>
-            <a:lstStyle/>
-            <a:p>
-              <a:pPr marL="0" marR="0" lvl="0" indent="0" algn="l" rtl="0">
-                <a:spcBef>
-                  <a:spcPts val="0"/>
-                </a:spcBef>
-                <a:spcAft>
-                  <a:spcPts val="0"/>
-                </a:spcAft>
-                <a:buNone/>
-              </a:pPr>
-              <a:endParaRPr sz="1800">
-                <a:solidFill>
-                  <a:srgbClr val="000000"/>
-                </a:solidFill>
-                <a:latin typeface="Calibri"/>
-                <a:ea typeface="Calibri"/>
-                <a:cs typeface="Calibri"/>
-                <a:sym typeface="Calibri"/>
-              </a:endParaRPr>
-            </a:p>
-          </p:txBody>
-        </p:sp>
-      </p:grpSp>
-      <p:sp>
-        <p:nvSpPr>
-          <p:cNvPr id="715" name="Google Shape;715;p44"/>
-          <p:cNvSpPr/>
-          <p:nvPr/>
-        </p:nvSpPr>
-        <p:spPr>
-          <a:xfrm>
-            <a:off x="-1375800" y="-1083950"/>
-            <a:ext cx="3165300" cy="3165300"/>
-          </a:xfrm>
-          <a:prstGeom prst="ellipse">
-            <a:avLst/>
-          </a:prstGeom>
-          <a:solidFill>
-            <a:schemeClr val="tx2">
-              <a:lumMod val="50000"/>
-            </a:schemeClr>
-          </a:solidFill>
-          <a:ln>
-            <a:noFill/>
-          </a:ln>
-        </p:spPr>
-        <p:txBody>
-          <a:bodyPr spcFirstLastPara="1" wrap="square" lIns="91425" tIns="91425" rIns="91425" bIns="91425" anchor="ctr" anchorCtr="0">
-            <a:noAutofit/>
-          </a:bodyPr>
-          <a:lstStyle/>
-          <a:p>
-            <a:pPr marL="0" lvl="0" indent="0" algn="ctr" rtl="0">
-              <a:spcBef>
-                <a:spcPts val="0"/>
-              </a:spcBef>
-              <a:spcAft>
-                <a:spcPts val="0"/>
-              </a:spcAft>
-              <a:buNone/>
-            </a:pPr>
-            <a:endParaRPr>
-              <a:latin typeface="Open Sans"/>
-              <a:ea typeface="Open Sans"/>
-              <a:cs typeface="Open Sans"/>
-              <a:sym typeface="Open Sans"/>
-            </a:endParaRPr>
-          </a:p>
-        </p:txBody>
-      </p:sp>
-      <p:grpSp>
-        <p:nvGrpSpPr>
-          <p:cNvPr id="716" name="Google Shape;716;p44"/>
-          <p:cNvGrpSpPr/>
-          <p:nvPr/>
-        </p:nvGrpSpPr>
-        <p:grpSpPr>
-          <a:xfrm rot="10800000">
-            <a:off x="852386" y="2375640"/>
-            <a:ext cx="591073" cy="881399"/>
-            <a:chOff x="9326775" y="2272496"/>
-            <a:chExt cx="411124" cy="613062"/>
-          </a:xfrm>
-        </p:grpSpPr>
-        <p:sp>
-          <p:nvSpPr>
-            <p:cNvPr id="717" name="Google Shape;717;p44"/>
-            <p:cNvSpPr/>
-            <p:nvPr/>
-          </p:nvSpPr>
-          <p:spPr>
-            <a:xfrm>
-              <a:off x="9326775" y="2824737"/>
-              <a:ext cx="60845" cy="60821"/>
-            </a:xfrm>
-            <a:custGeom>
-              <a:avLst/>
-              <a:gdLst/>
-              <a:ahLst/>
-              <a:cxnLst/>
-              <a:rect l="l" t="t" r="r" b="b"/>
-              <a:pathLst>
-                <a:path w="60845" h="60821" extrusionOk="0">
-                  <a:moveTo>
-                    <a:pt x="0" y="0"/>
-                  </a:moveTo>
-                  <a:lnTo>
-                    <a:pt x="60846" y="60822"/>
-                  </a:lnTo>
-                </a:path>
-              </a:pathLst>
-            </a:custGeom>
-            <a:noFill/>
-            <a:ln w="9525" cap="flat" cmpd="sng">
-              <a:solidFill>
-                <a:schemeClr val="dk2"/>
-              </a:solidFill>
-              <a:prstDash val="solid"/>
-              <a:miter lim="8000"/>
-              <a:headEnd type="none" w="sm" len="sm"/>
-              <a:tailEnd type="none" w="sm" len="sm"/>
-            </a:ln>
-          </p:spPr>
-          <p:txBody>
-            <a:bodyPr spcFirstLastPara="1" wrap="square" lIns="91425" tIns="45700" rIns="91425" bIns="45700" anchor="ctr" anchorCtr="0">
-              <a:noAutofit/>
-            </a:bodyPr>
-            <a:lstStyle/>
-            <a:p>
-              <a:pPr marL="0" marR="0" lvl="0" indent="0" algn="l" rtl="0">
-                <a:spcBef>
-                  <a:spcPts val="0"/>
-                </a:spcBef>
-                <a:spcAft>
-                  <a:spcPts val="0"/>
-                </a:spcAft>
-                <a:buNone/>
-              </a:pPr>
-              <a:endParaRPr sz="1800">
-                <a:solidFill>
-                  <a:srgbClr val="000000"/>
-                </a:solidFill>
-                <a:latin typeface="Calibri"/>
-                <a:ea typeface="Calibri"/>
-                <a:cs typeface="Calibri"/>
-                <a:sym typeface="Calibri"/>
-              </a:endParaRPr>
-            </a:p>
-          </p:txBody>
-        </p:sp>
-        <p:sp>
-          <p:nvSpPr>
-            <p:cNvPr id="718" name="Google Shape;718;p44"/>
-            <p:cNvSpPr/>
-            <p:nvPr/>
-          </p:nvSpPr>
-          <p:spPr>
-            <a:xfrm>
-              <a:off x="9326775" y="2824737"/>
-              <a:ext cx="60845" cy="60821"/>
-            </a:xfrm>
-            <a:custGeom>
-              <a:avLst/>
-              <a:gdLst/>
-              <a:ahLst/>
-              <a:cxnLst/>
-              <a:rect l="l" t="t" r="r" b="b"/>
-              <a:pathLst>
-                <a:path w="60845" h="60821" extrusionOk="0">
-                  <a:moveTo>
-                    <a:pt x="60846" y="0"/>
-                  </a:moveTo>
-                  <a:lnTo>
-                    <a:pt x="0" y="60822"/>
-                  </a:lnTo>
-                </a:path>
-              </a:pathLst>
-            </a:custGeom>
-            <a:noFill/>
-            <a:ln w="9525" cap="flat" cmpd="sng">
-              <a:solidFill>
-                <a:schemeClr val="dk2"/>
-              </a:solidFill>
-              <a:prstDash val="solid"/>
-              <a:miter lim="8000"/>
-              <a:headEnd type="none" w="sm" len="sm"/>
-              <a:tailEnd type="none" w="sm" len="sm"/>
-            </a:ln>
-          </p:spPr>
-          <p:txBody>
-            <a:bodyPr spcFirstLastPara="1" wrap="square" lIns="91425" tIns="45700" rIns="91425" bIns="45700" anchor="ctr" anchorCtr="0">
-              <a:noAutofit/>
-            </a:bodyPr>
-            <a:lstStyle/>
-            <a:p>
-              <a:pPr marL="0" marR="0" lvl="0" indent="0" algn="l" rtl="0">
-                <a:spcBef>
-                  <a:spcPts val="0"/>
-                </a:spcBef>
-                <a:spcAft>
-                  <a:spcPts val="0"/>
-                </a:spcAft>
-                <a:buNone/>
-              </a:pPr>
-              <a:endParaRPr sz="1800">
-                <a:solidFill>
-                  <a:srgbClr val="000000"/>
-                </a:solidFill>
-                <a:latin typeface="Calibri"/>
-                <a:ea typeface="Calibri"/>
-                <a:cs typeface="Calibri"/>
-                <a:sym typeface="Calibri"/>
-              </a:endParaRPr>
-            </a:p>
-          </p:txBody>
-        </p:sp>
-        <p:sp>
-          <p:nvSpPr>
-            <p:cNvPr id="719" name="Google Shape;719;p44"/>
-            <p:cNvSpPr/>
-            <p:nvPr/>
-          </p:nvSpPr>
-          <p:spPr>
-            <a:xfrm>
-              <a:off x="9501914" y="2548591"/>
-              <a:ext cx="60845" cy="60821"/>
-            </a:xfrm>
-            <a:custGeom>
-              <a:avLst/>
-              <a:gdLst/>
-              <a:ahLst/>
-              <a:cxnLst/>
-              <a:rect l="l" t="t" r="r" b="b"/>
-              <a:pathLst>
-                <a:path w="60845" h="60821" extrusionOk="0">
-                  <a:moveTo>
-                    <a:pt x="0" y="0"/>
-                  </a:moveTo>
-                  <a:lnTo>
-                    <a:pt x="60846" y="60822"/>
-                  </a:lnTo>
-                </a:path>
-              </a:pathLst>
-            </a:custGeom>
-            <a:noFill/>
-            <a:ln w="9525" cap="flat" cmpd="sng">
-              <a:solidFill>
-                <a:schemeClr val="dk2"/>
-              </a:solidFill>
-              <a:prstDash val="solid"/>
-              <a:miter lim="8000"/>
-              <a:headEnd type="none" w="sm" len="sm"/>
-              <a:tailEnd type="none" w="sm" len="sm"/>
-            </a:ln>
-          </p:spPr>
-          <p:txBody>
-            <a:bodyPr spcFirstLastPara="1" wrap="square" lIns="91425" tIns="45700" rIns="91425" bIns="45700" anchor="ctr" anchorCtr="0">
-              <a:noAutofit/>
-            </a:bodyPr>
-            <a:lstStyle/>
-            <a:p>
-              <a:pPr marL="0" marR="0" lvl="0" indent="0" algn="l" rtl="0">
-                <a:spcBef>
-                  <a:spcPts val="0"/>
-                </a:spcBef>
-                <a:spcAft>
-                  <a:spcPts val="0"/>
-                </a:spcAft>
-                <a:buNone/>
-              </a:pPr>
-              <a:endParaRPr sz="1800">
-                <a:solidFill>
-                  <a:srgbClr val="000000"/>
-                </a:solidFill>
-                <a:latin typeface="Calibri"/>
-                <a:ea typeface="Calibri"/>
-                <a:cs typeface="Calibri"/>
-                <a:sym typeface="Calibri"/>
-              </a:endParaRPr>
-            </a:p>
-          </p:txBody>
-        </p:sp>
-        <p:sp>
-          <p:nvSpPr>
-            <p:cNvPr id="720" name="Google Shape;720;p44"/>
-            <p:cNvSpPr/>
-            <p:nvPr/>
-          </p:nvSpPr>
-          <p:spPr>
-            <a:xfrm>
-              <a:off x="9501914" y="2548591"/>
-              <a:ext cx="60845" cy="60821"/>
-            </a:xfrm>
-            <a:custGeom>
-              <a:avLst/>
-              <a:gdLst/>
-              <a:ahLst/>
-              <a:cxnLst/>
-              <a:rect l="l" t="t" r="r" b="b"/>
-              <a:pathLst>
-                <a:path w="60845" h="60821" extrusionOk="0">
-                  <a:moveTo>
-                    <a:pt x="60846" y="0"/>
-                  </a:moveTo>
-                  <a:lnTo>
-                    <a:pt x="0" y="60822"/>
-                  </a:lnTo>
-                </a:path>
-              </a:pathLst>
-            </a:custGeom>
-            <a:noFill/>
-            <a:ln w="9525" cap="flat" cmpd="sng">
-              <a:solidFill>
-                <a:schemeClr val="dk2"/>
-              </a:solidFill>
-              <a:prstDash val="solid"/>
-              <a:miter lim="8000"/>
-              <a:headEnd type="none" w="sm" len="sm"/>
-              <a:tailEnd type="none" w="sm" len="sm"/>
-            </a:ln>
-          </p:spPr>
-          <p:txBody>
-            <a:bodyPr spcFirstLastPara="1" wrap="square" lIns="91425" tIns="45700" rIns="91425" bIns="45700" anchor="ctr" anchorCtr="0">
-              <a:noAutofit/>
-            </a:bodyPr>
-            <a:lstStyle/>
-            <a:p>
-              <a:pPr marL="0" marR="0" lvl="0" indent="0" algn="l" rtl="0">
-                <a:spcBef>
-                  <a:spcPts val="0"/>
-                </a:spcBef>
-                <a:spcAft>
-                  <a:spcPts val="0"/>
-                </a:spcAft>
-                <a:buNone/>
-              </a:pPr>
-              <a:endParaRPr sz="1800">
-                <a:solidFill>
-                  <a:srgbClr val="000000"/>
-                </a:solidFill>
-                <a:latin typeface="Calibri"/>
-                <a:ea typeface="Calibri"/>
-                <a:cs typeface="Calibri"/>
-                <a:sym typeface="Calibri"/>
-              </a:endParaRPr>
-            </a:p>
-          </p:txBody>
-        </p:sp>
-        <p:sp>
-          <p:nvSpPr>
-            <p:cNvPr id="721" name="Google Shape;721;p44"/>
-            <p:cNvSpPr/>
-            <p:nvPr/>
-          </p:nvSpPr>
-          <p:spPr>
-            <a:xfrm>
-              <a:off x="9501914" y="2824737"/>
-              <a:ext cx="60845" cy="60821"/>
-            </a:xfrm>
-            <a:custGeom>
-              <a:avLst/>
-              <a:gdLst/>
-              <a:ahLst/>
-              <a:cxnLst/>
-              <a:rect l="l" t="t" r="r" b="b"/>
-              <a:pathLst>
-                <a:path w="60845" h="60821" extrusionOk="0">
-                  <a:moveTo>
-                    <a:pt x="0" y="0"/>
-                  </a:moveTo>
-                  <a:lnTo>
-                    <a:pt x="60846" y="60822"/>
-                  </a:lnTo>
-                </a:path>
-              </a:pathLst>
-            </a:custGeom>
-            <a:noFill/>
-            <a:ln w="9525" cap="flat" cmpd="sng">
-              <a:solidFill>
-                <a:schemeClr val="dk2"/>
-              </a:solidFill>
-              <a:prstDash val="solid"/>
-              <a:miter lim="8000"/>
-              <a:headEnd type="none" w="sm" len="sm"/>
-              <a:tailEnd type="none" w="sm" len="sm"/>
-            </a:ln>
-          </p:spPr>
-          <p:txBody>
-            <a:bodyPr spcFirstLastPara="1" wrap="square" lIns="91425" tIns="45700" rIns="91425" bIns="45700" anchor="ctr" anchorCtr="0">
-              <a:noAutofit/>
-            </a:bodyPr>
-            <a:lstStyle/>
-            <a:p>
-              <a:pPr marL="0" marR="0" lvl="0" indent="0" algn="l" rtl="0">
-                <a:spcBef>
-                  <a:spcPts val="0"/>
-                </a:spcBef>
-                <a:spcAft>
-                  <a:spcPts val="0"/>
-                </a:spcAft>
-                <a:buNone/>
-              </a:pPr>
-              <a:endParaRPr sz="1800">
-                <a:solidFill>
-                  <a:srgbClr val="000000"/>
-                </a:solidFill>
-                <a:latin typeface="Calibri"/>
-                <a:ea typeface="Calibri"/>
-                <a:cs typeface="Calibri"/>
-                <a:sym typeface="Calibri"/>
-              </a:endParaRPr>
-            </a:p>
-          </p:txBody>
-        </p:sp>
-        <p:sp>
-          <p:nvSpPr>
-            <p:cNvPr id="722" name="Google Shape;722;p44"/>
-            <p:cNvSpPr/>
-            <p:nvPr/>
-          </p:nvSpPr>
-          <p:spPr>
-            <a:xfrm>
-              <a:off x="9501914" y="2824737"/>
-              <a:ext cx="60845" cy="60821"/>
-            </a:xfrm>
-            <a:custGeom>
-              <a:avLst/>
-              <a:gdLst/>
-              <a:ahLst/>
-              <a:cxnLst/>
-              <a:rect l="l" t="t" r="r" b="b"/>
-              <a:pathLst>
-                <a:path w="60845" h="60821" extrusionOk="0">
-                  <a:moveTo>
-                    <a:pt x="60846" y="0"/>
-                  </a:moveTo>
-                  <a:lnTo>
-                    <a:pt x="0" y="60822"/>
-                  </a:lnTo>
-                </a:path>
-              </a:pathLst>
-            </a:custGeom>
-            <a:noFill/>
-            <a:ln w="9525" cap="flat" cmpd="sng">
-              <a:solidFill>
-                <a:schemeClr val="dk2"/>
-              </a:solidFill>
-              <a:prstDash val="solid"/>
-              <a:miter lim="8000"/>
-              <a:headEnd type="none" w="sm" len="sm"/>
-              <a:tailEnd type="none" w="sm" len="sm"/>
-            </a:ln>
-          </p:spPr>
-          <p:txBody>
-            <a:bodyPr spcFirstLastPara="1" wrap="square" lIns="91425" tIns="45700" rIns="91425" bIns="45700" anchor="ctr" anchorCtr="0">
-              <a:noAutofit/>
-            </a:bodyPr>
-            <a:lstStyle/>
-            <a:p>
-              <a:pPr marL="0" marR="0" lvl="0" indent="0" algn="l" rtl="0">
-                <a:spcBef>
-                  <a:spcPts val="0"/>
-                </a:spcBef>
-                <a:spcAft>
-                  <a:spcPts val="0"/>
-                </a:spcAft>
-                <a:buNone/>
-              </a:pPr>
-              <a:endParaRPr sz="1800">
-                <a:solidFill>
-                  <a:srgbClr val="000000"/>
-                </a:solidFill>
-                <a:latin typeface="Calibri"/>
-                <a:ea typeface="Calibri"/>
-                <a:cs typeface="Calibri"/>
-                <a:sym typeface="Calibri"/>
-              </a:endParaRPr>
-            </a:p>
-          </p:txBody>
-        </p:sp>
-        <p:sp>
-          <p:nvSpPr>
-            <p:cNvPr id="723" name="Google Shape;723;p44"/>
-            <p:cNvSpPr/>
-            <p:nvPr/>
-          </p:nvSpPr>
-          <p:spPr>
-            <a:xfrm>
-              <a:off x="9677054" y="2272496"/>
-              <a:ext cx="60845" cy="60821"/>
-            </a:xfrm>
-            <a:custGeom>
-              <a:avLst/>
-              <a:gdLst/>
-              <a:ahLst/>
-              <a:cxnLst/>
-              <a:rect l="l" t="t" r="r" b="b"/>
-              <a:pathLst>
-                <a:path w="60845" h="60821" extrusionOk="0">
-                  <a:moveTo>
-                    <a:pt x="0" y="0"/>
-                  </a:moveTo>
-                  <a:lnTo>
-                    <a:pt x="60846" y="60822"/>
-                  </a:lnTo>
-                </a:path>
-              </a:pathLst>
-            </a:custGeom>
-            <a:noFill/>
-            <a:ln w="9525" cap="flat" cmpd="sng">
-              <a:solidFill>
-                <a:schemeClr val="dk2"/>
-              </a:solidFill>
-              <a:prstDash val="solid"/>
-              <a:miter lim="8000"/>
-              <a:headEnd type="none" w="sm" len="sm"/>
-              <a:tailEnd type="none" w="sm" len="sm"/>
-            </a:ln>
-          </p:spPr>
-          <p:txBody>
-            <a:bodyPr spcFirstLastPara="1" wrap="square" lIns="91425" tIns="45700" rIns="91425" bIns="45700" anchor="ctr" anchorCtr="0">
-              <a:noAutofit/>
-            </a:bodyPr>
-            <a:lstStyle/>
-            <a:p>
-              <a:pPr marL="0" marR="0" lvl="0" indent="0" algn="l" rtl="0">
-                <a:spcBef>
-                  <a:spcPts val="0"/>
-                </a:spcBef>
-                <a:spcAft>
-                  <a:spcPts val="0"/>
-                </a:spcAft>
-                <a:buNone/>
-              </a:pPr>
-              <a:endParaRPr sz="1800">
-                <a:solidFill>
-                  <a:srgbClr val="000000"/>
-                </a:solidFill>
-                <a:latin typeface="Calibri"/>
-                <a:ea typeface="Calibri"/>
-                <a:cs typeface="Calibri"/>
-                <a:sym typeface="Calibri"/>
-              </a:endParaRPr>
-            </a:p>
-          </p:txBody>
-        </p:sp>
-        <p:sp>
-          <p:nvSpPr>
-            <p:cNvPr id="724" name="Google Shape;724;p44"/>
-            <p:cNvSpPr/>
-            <p:nvPr/>
-          </p:nvSpPr>
-          <p:spPr>
-            <a:xfrm>
-              <a:off x="9677054" y="2272496"/>
-              <a:ext cx="60845" cy="60821"/>
-            </a:xfrm>
-            <a:custGeom>
-              <a:avLst/>
-              <a:gdLst/>
-              <a:ahLst/>
-              <a:cxnLst/>
-              <a:rect l="l" t="t" r="r" b="b"/>
-              <a:pathLst>
-                <a:path w="60845" h="60821" extrusionOk="0">
-                  <a:moveTo>
-                    <a:pt x="60846" y="0"/>
-                  </a:moveTo>
-                  <a:lnTo>
-                    <a:pt x="0" y="60822"/>
-                  </a:lnTo>
-                </a:path>
-              </a:pathLst>
-            </a:custGeom>
-            <a:noFill/>
-            <a:ln w="9525" cap="flat" cmpd="sng">
-              <a:solidFill>
-                <a:schemeClr val="dk2"/>
-              </a:solidFill>
-              <a:prstDash val="solid"/>
-              <a:miter lim="8000"/>
-              <a:headEnd type="none" w="sm" len="sm"/>
-              <a:tailEnd type="none" w="sm" len="sm"/>
-            </a:ln>
-          </p:spPr>
-          <p:txBody>
-            <a:bodyPr spcFirstLastPara="1" wrap="square" lIns="91425" tIns="45700" rIns="91425" bIns="45700" anchor="ctr" anchorCtr="0">
-              <a:noAutofit/>
-            </a:bodyPr>
-            <a:lstStyle/>
-            <a:p>
-              <a:pPr marL="0" marR="0" lvl="0" indent="0" algn="l" rtl="0">
-                <a:spcBef>
-                  <a:spcPts val="0"/>
-                </a:spcBef>
-                <a:spcAft>
-                  <a:spcPts val="0"/>
-                </a:spcAft>
-                <a:buNone/>
-              </a:pPr>
-              <a:endParaRPr sz="1800">
-                <a:solidFill>
-                  <a:srgbClr val="000000"/>
-                </a:solidFill>
-                <a:latin typeface="Calibri"/>
-                <a:ea typeface="Calibri"/>
-                <a:cs typeface="Calibri"/>
-                <a:sym typeface="Calibri"/>
-              </a:endParaRPr>
-            </a:p>
-          </p:txBody>
-        </p:sp>
-        <p:sp>
-          <p:nvSpPr>
-            <p:cNvPr id="725" name="Google Shape;725;p44"/>
-            <p:cNvSpPr/>
-            <p:nvPr/>
-          </p:nvSpPr>
-          <p:spPr>
-            <a:xfrm>
-              <a:off x="9677054" y="2548591"/>
-              <a:ext cx="60845" cy="60821"/>
-            </a:xfrm>
-            <a:custGeom>
-              <a:avLst/>
-              <a:gdLst/>
-              <a:ahLst/>
-              <a:cxnLst/>
-              <a:rect l="l" t="t" r="r" b="b"/>
-              <a:pathLst>
-                <a:path w="60845" h="60821" extrusionOk="0">
-                  <a:moveTo>
-                    <a:pt x="0" y="0"/>
-                  </a:moveTo>
-                  <a:lnTo>
-                    <a:pt x="60846" y="60822"/>
-                  </a:lnTo>
-                </a:path>
-              </a:pathLst>
-            </a:custGeom>
-            <a:noFill/>
-            <a:ln w="9525" cap="flat" cmpd="sng">
-              <a:solidFill>
-                <a:schemeClr val="dk2"/>
-              </a:solidFill>
-              <a:prstDash val="solid"/>
-              <a:miter lim="8000"/>
-              <a:headEnd type="none" w="sm" len="sm"/>
-              <a:tailEnd type="none" w="sm" len="sm"/>
-            </a:ln>
-          </p:spPr>
-          <p:txBody>
-            <a:bodyPr spcFirstLastPara="1" wrap="square" lIns="91425" tIns="45700" rIns="91425" bIns="45700" anchor="ctr" anchorCtr="0">
-              <a:noAutofit/>
-            </a:bodyPr>
-            <a:lstStyle/>
-            <a:p>
-              <a:pPr marL="0" marR="0" lvl="0" indent="0" algn="l" rtl="0">
-                <a:spcBef>
-                  <a:spcPts val="0"/>
-                </a:spcBef>
-                <a:spcAft>
-                  <a:spcPts val="0"/>
-                </a:spcAft>
-                <a:buNone/>
-              </a:pPr>
-              <a:endParaRPr sz="1800">
-                <a:solidFill>
-                  <a:srgbClr val="000000"/>
-                </a:solidFill>
-                <a:latin typeface="Calibri"/>
-                <a:ea typeface="Calibri"/>
-                <a:cs typeface="Calibri"/>
-                <a:sym typeface="Calibri"/>
-              </a:endParaRPr>
-            </a:p>
-          </p:txBody>
-        </p:sp>
-        <p:sp>
-          <p:nvSpPr>
-            <p:cNvPr id="726" name="Google Shape;726;p44"/>
-            <p:cNvSpPr/>
-            <p:nvPr/>
-          </p:nvSpPr>
-          <p:spPr>
-            <a:xfrm>
-              <a:off x="9677054" y="2548591"/>
-              <a:ext cx="60845" cy="60821"/>
-            </a:xfrm>
-            <a:custGeom>
-              <a:avLst/>
-              <a:gdLst/>
-              <a:ahLst/>
-              <a:cxnLst/>
-              <a:rect l="l" t="t" r="r" b="b"/>
-              <a:pathLst>
-                <a:path w="60845" h="60821" extrusionOk="0">
-                  <a:moveTo>
-                    <a:pt x="60846" y="0"/>
-                  </a:moveTo>
-                  <a:lnTo>
-                    <a:pt x="0" y="60822"/>
-                  </a:lnTo>
-                </a:path>
-              </a:pathLst>
-            </a:custGeom>
-            <a:noFill/>
-            <a:ln w="9525" cap="flat" cmpd="sng">
-              <a:solidFill>
-                <a:schemeClr val="dk2"/>
-              </a:solidFill>
-              <a:prstDash val="solid"/>
-              <a:miter lim="8000"/>
-              <a:headEnd type="none" w="sm" len="sm"/>
-              <a:tailEnd type="none" w="sm" len="sm"/>
-            </a:ln>
-          </p:spPr>
-          <p:txBody>
-            <a:bodyPr spcFirstLastPara="1" wrap="square" lIns="91425" tIns="45700" rIns="91425" bIns="45700" anchor="ctr" anchorCtr="0">
-              <a:noAutofit/>
-            </a:bodyPr>
-            <a:lstStyle/>
-            <a:p>
-              <a:pPr marL="0" marR="0" lvl="0" indent="0" algn="l" rtl="0">
-                <a:spcBef>
-                  <a:spcPts val="0"/>
-                </a:spcBef>
-                <a:spcAft>
-                  <a:spcPts val="0"/>
-                </a:spcAft>
-                <a:buNone/>
-              </a:pPr>
-              <a:endParaRPr sz="1800">
-                <a:solidFill>
-                  <a:srgbClr val="000000"/>
-                </a:solidFill>
-                <a:latin typeface="Calibri"/>
-                <a:ea typeface="Calibri"/>
-                <a:cs typeface="Calibri"/>
-                <a:sym typeface="Calibri"/>
-              </a:endParaRPr>
-            </a:p>
-          </p:txBody>
-        </p:sp>
-        <p:sp>
-          <p:nvSpPr>
-            <p:cNvPr id="727" name="Google Shape;727;p44"/>
-            <p:cNvSpPr/>
-            <p:nvPr/>
-          </p:nvSpPr>
-          <p:spPr>
-            <a:xfrm>
-              <a:off x="9677054" y="2824737"/>
-              <a:ext cx="60845" cy="60821"/>
-            </a:xfrm>
-            <a:custGeom>
-              <a:avLst/>
-              <a:gdLst/>
-              <a:ahLst/>
-              <a:cxnLst/>
-              <a:rect l="l" t="t" r="r" b="b"/>
-              <a:pathLst>
-                <a:path w="60845" h="60821" extrusionOk="0">
-                  <a:moveTo>
-                    <a:pt x="0" y="0"/>
-                  </a:moveTo>
-                  <a:lnTo>
-                    <a:pt x="60846" y="60822"/>
-                  </a:lnTo>
-                </a:path>
-              </a:pathLst>
-            </a:custGeom>
-            <a:noFill/>
-            <a:ln w="9525" cap="flat" cmpd="sng">
-              <a:solidFill>
-                <a:schemeClr val="dk2"/>
-              </a:solidFill>
-              <a:prstDash val="solid"/>
-              <a:miter lim="8000"/>
-              <a:headEnd type="none" w="sm" len="sm"/>
-              <a:tailEnd type="none" w="sm" len="sm"/>
-            </a:ln>
-          </p:spPr>
-          <p:txBody>
-            <a:bodyPr spcFirstLastPara="1" wrap="square" lIns="91425" tIns="45700" rIns="91425" bIns="45700" anchor="ctr" anchorCtr="0">
-              <a:noAutofit/>
-            </a:bodyPr>
-            <a:lstStyle/>
-            <a:p>
-              <a:pPr marL="0" marR="0" lvl="0" indent="0" algn="l" rtl="0">
-                <a:spcBef>
-                  <a:spcPts val="0"/>
-                </a:spcBef>
-                <a:spcAft>
-                  <a:spcPts val="0"/>
-                </a:spcAft>
-                <a:buNone/>
-              </a:pPr>
-              <a:endParaRPr sz="1800">
-                <a:solidFill>
-                  <a:srgbClr val="000000"/>
-                </a:solidFill>
-                <a:latin typeface="Calibri"/>
-                <a:ea typeface="Calibri"/>
-                <a:cs typeface="Calibri"/>
-                <a:sym typeface="Calibri"/>
-              </a:endParaRPr>
-            </a:p>
-          </p:txBody>
-        </p:sp>
-        <p:sp>
-          <p:nvSpPr>
-            <p:cNvPr id="728" name="Google Shape;728;p44"/>
-            <p:cNvSpPr/>
-            <p:nvPr/>
-          </p:nvSpPr>
-          <p:spPr>
-            <a:xfrm>
-              <a:off x="9677054" y="2824737"/>
-              <a:ext cx="60845" cy="60821"/>
-            </a:xfrm>
-            <a:custGeom>
-              <a:avLst/>
-              <a:gdLst/>
-              <a:ahLst/>
-              <a:cxnLst/>
-              <a:rect l="l" t="t" r="r" b="b"/>
-              <a:pathLst>
-                <a:path w="60845" h="60821" extrusionOk="0">
-                  <a:moveTo>
-                    <a:pt x="60846" y="0"/>
-                  </a:moveTo>
-                  <a:lnTo>
-                    <a:pt x="0" y="60822"/>
-                  </a:lnTo>
-                </a:path>
-              </a:pathLst>
-            </a:custGeom>
-            <a:noFill/>
-            <a:ln w="9525" cap="flat" cmpd="sng">
-              <a:solidFill>
-                <a:schemeClr val="dk2"/>
-              </a:solidFill>
-              <a:prstDash val="solid"/>
-              <a:miter lim="8000"/>
-              <a:headEnd type="none" w="sm" len="sm"/>
-              <a:tailEnd type="none" w="sm" len="sm"/>
-            </a:ln>
-          </p:spPr>
-          <p:txBody>
-            <a:bodyPr spcFirstLastPara="1" wrap="square" lIns="91425" tIns="45700" rIns="91425" bIns="45700" anchor="ctr" anchorCtr="0">
-              <a:noAutofit/>
-            </a:bodyPr>
-            <a:lstStyle/>
-            <a:p>
-              <a:pPr marL="0" marR="0" lvl="0" indent="0" algn="l" rtl="0">
-                <a:spcBef>
-                  <a:spcPts val="0"/>
-                </a:spcBef>
-                <a:spcAft>
-                  <a:spcPts val="0"/>
-                </a:spcAft>
-                <a:buNone/>
-              </a:pPr>
-              <a:endParaRPr sz="1800">
-                <a:solidFill>
-                  <a:srgbClr val="000000"/>
-                </a:solidFill>
-                <a:latin typeface="Calibri"/>
-                <a:ea typeface="Calibri"/>
-                <a:cs typeface="Calibri"/>
-                <a:sym typeface="Calibri"/>
-              </a:endParaRPr>
-            </a:p>
-          </p:txBody>
-        </p:sp>
-      </p:grpSp>
-      <p:grpSp>
-        <p:nvGrpSpPr>
-          <p:cNvPr id="729" name="Google Shape;729;p44"/>
-          <p:cNvGrpSpPr/>
-          <p:nvPr/>
-        </p:nvGrpSpPr>
-        <p:grpSpPr>
-          <a:xfrm rot="10800000">
-            <a:off x="7085307" y="229658"/>
-            <a:ext cx="1052471" cy="1049743"/>
-            <a:chOff x="328257" y="3897070"/>
-            <a:chExt cx="1052471" cy="1049743"/>
-          </a:xfrm>
-        </p:grpSpPr>
-        <p:sp>
-          <p:nvSpPr>
-            <p:cNvPr id="730" name="Google Shape;730;p44"/>
-            <p:cNvSpPr/>
-            <p:nvPr/>
-          </p:nvSpPr>
-          <p:spPr>
-            <a:xfrm>
-              <a:off x="328257" y="4219289"/>
-              <a:ext cx="730126" cy="727525"/>
-            </a:xfrm>
-            <a:custGeom>
-              <a:avLst/>
-              <a:gdLst/>
-              <a:ahLst/>
-              <a:cxnLst/>
-              <a:rect l="l" t="t" r="r" b="b"/>
-              <a:pathLst>
-                <a:path w="507914" h="506104" extrusionOk="0">
-                  <a:moveTo>
-                    <a:pt x="0" y="53375"/>
-                  </a:moveTo>
-                  <a:cubicBezTo>
-                    <a:pt x="0" y="23897"/>
-                    <a:pt x="23906" y="0"/>
-                    <a:pt x="53396" y="0"/>
-                  </a:cubicBezTo>
-                  <a:lnTo>
-                    <a:pt x="454519" y="0"/>
-                  </a:lnTo>
-                  <a:cubicBezTo>
-                    <a:pt x="484009" y="0"/>
-                    <a:pt x="507915" y="23897"/>
-                    <a:pt x="507915" y="53375"/>
-                  </a:cubicBezTo>
-                  <a:lnTo>
-                    <a:pt x="507915" y="454342"/>
-                  </a:lnTo>
-                  <a:cubicBezTo>
-                    <a:pt x="506993" y="483837"/>
-                    <a:pt x="482326" y="506999"/>
-                    <a:pt x="452826" y="506077"/>
-                  </a:cubicBezTo>
-                  <a:cubicBezTo>
-                    <a:pt x="424617" y="505198"/>
-                    <a:pt x="401951" y="482540"/>
-                    <a:pt x="401070" y="454342"/>
-                  </a:cubicBezTo>
-                  <a:lnTo>
-                    <a:pt x="401070" y="106803"/>
-                  </a:lnTo>
-                  <a:lnTo>
-                    <a:pt x="53396" y="106803"/>
-                  </a:lnTo>
-                  <a:cubicBezTo>
-                    <a:pt x="23906" y="106803"/>
-                    <a:pt x="0" y="82907"/>
-                    <a:pt x="0" y="53428"/>
-                  </a:cubicBezTo>
-                  <a:cubicBezTo>
-                    <a:pt x="0" y="53412"/>
-                    <a:pt x="0" y="53391"/>
-                    <a:pt x="0" y="53375"/>
-                  </a:cubicBezTo>
-                  <a:close/>
-                </a:path>
-              </a:pathLst>
-            </a:custGeom>
-            <a:noFill/>
-            <a:ln w="9525" cap="flat" cmpd="sng">
-              <a:solidFill>
-                <a:schemeClr val="dk2"/>
-              </a:solidFill>
-              <a:prstDash val="solid"/>
-              <a:miter lim="8000"/>
-              <a:headEnd type="none" w="sm" len="sm"/>
-              <a:tailEnd type="none" w="sm" len="sm"/>
-            </a:ln>
-          </p:spPr>
-          <p:txBody>
-            <a:bodyPr spcFirstLastPara="1" wrap="square" lIns="91425" tIns="45700" rIns="91425" bIns="45700" anchor="ctr" anchorCtr="0">
-              <a:noAutofit/>
-            </a:bodyPr>
-            <a:lstStyle/>
-            <a:p>
-              <a:pPr marL="0" marR="0" lvl="0" indent="0" algn="l" rtl="0">
-                <a:spcBef>
-                  <a:spcPts val="0"/>
-                </a:spcBef>
-                <a:spcAft>
-                  <a:spcPts val="0"/>
-                </a:spcAft>
-                <a:buNone/>
-              </a:pPr>
-              <a:endParaRPr sz="1800">
-                <a:solidFill>
-                  <a:srgbClr val="000000"/>
-                </a:solidFill>
-                <a:latin typeface="Calibri"/>
-                <a:ea typeface="Calibri"/>
-                <a:cs typeface="Calibri"/>
-                <a:sym typeface="Calibri"/>
-              </a:endParaRPr>
-            </a:p>
-          </p:txBody>
-        </p:sp>
-        <p:sp>
-          <p:nvSpPr>
-            <p:cNvPr id="731" name="Google Shape;731;p44"/>
-            <p:cNvSpPr/>
-            <p:nvPr/>
-          </p:nvSpPr>
-          <p:spPr>
-            <a:xfrm>
-              <a:off x="650602" y="3897070"/>
-              <a:ext cx="730126" cy="727525"/>
-            </a:xfrm>
-            <a:custGeom>
-              <a:avLst/>
-              <a:gdLst/>
-              <a:ahLst/>
-              <a:cxnLst/>
-              <a:rect l="l" t="t" r="r" b="b"/>
-              <a:pathLst>
-                <a:path w="507914" h="506104" extrusionOk="0">
-                  <a:moveTo>
-                    <a:pt x="0" y="53375"/>
-                  </a:moveTo>
-                  <a:cubicBezTo>
-                    <a:pt x="0" y="23897"/>
-                    <a:pt x="23906" y="0"/>
-                    <a:pt x="53396" y="0"/>
-                  </a:cubicBezTo>
-                  <a:lnTo>
-                    <a:pt x="454519" y="0"/>
-                  </a:lnTo>
-                  <a:cubicBezTo>
-                    <a:pt x="484009" y="0"/>
-                    <a:pt x="507915" y="23897"/>
-                    <a:pt x="507915" y="53375"/>
-                  </a:cubicBezTo>
-                  <a:lnTo>
-                    <a:pt x="507915" y="454342"/>
-                  </a:lnTo>
-                  <a:cubicBezTo>
-                    <a:pt x="506993" y="483837"/>
-                    <a:pt x="482326" y="506999"/>
-                    <a:pt x="452826" y="506077"/>
-                  </a:cubicBezTo>
-                  <a:cubicBezTo>
-                    <a:pt x="424617" y="505197"/>
-                    <a:pt x="401951" y="482540"/>
-                    <a:pt x="401070" y="454342"/>
-                  </a:cubicBezTo>
-                  <a:lnTo>
-                    <a:pt x="401070" y="106751"/>
-                  </a:lnTo>
-                  <a:lnTo>
-                    <a:pt x="53396" y="106751"/>
-                  </a:lnTo>
-                  <a:cubicBezTo>
-                    <a:pt x="23906" y="106751"/>
-                    <a:pt x="0" y="82854"/>
-                    <a:pt x="0" y="53375"/>
-                  </a:cubicBezTo>
-                  <a:close/>
-                </a:path>
-              </a:pathLst>
-            </a:custGeom>
-            <a:noFill/>
-            <a:ln w="9525" cap="flat" cmpd="sng">
-              <a:solidFill>
-                <a:schemeClr val="dk2"/>
-              </a:solidFill>
-              <a:prstDash val="solid"/>
-              <a:miter lim="8000"/>
-              <a:headEnd type="none" w="sm" len="sm"/>
-              <a:tailEnd type="none" w="sm" len="sm"/>
-            </a:ln>
-          </p:spPr>
-          <p:txBody>
-            <a:bodyPr spcFirstLastPara="1" wrap="square" lIns="91425" tIns="45700" rIns="91425" bIns="45700" anchor="ctr" anchorCtr="0">
-              <a:noAutofit/>
-            </a:bodyPr>
-            <a:lstStyle/>
-            <a:p>
-              <a:pPr marL="0" marR="0" lvl="0" indent="0" algn="l" rtl="0">
-                <a:spcBef>
-                  <a:spcPts val="0"/>
-                </a:spcBef>
-                <a:spcAft>
-                  <a:spcPts val="0"/>
-                </a:spcAft>
-                <a:buNone/>
-              </a:pPr>
-              <a:endParaRPr sz="1800">
-                <a:solidFill>
-                  <a:srgbClr val="000000"/>
-                </a:solidFill>
-                <a:latin typeface="Calibri"/>
-                <a:ea typeface="Calibri"/>
-                <a:cs typeface="Calibri"/>
-                <a:sym typeface="Calibri"/>
-              </a:endParaRPr>
-            </a:p>
-          </p:txBody>
-        </p:sp>
-      </p:grpSp>
-      <p:sp>
-        <p:nvSpPr>
-          <p:cNvPr id="732" name="Google Shape;732;p44"/>
-          <p:cNvSpPr/>
-          <p:nvPr/>
-        </p:nvSpPr>
-        <p:spPr>
-          <a:xfrm>
-            <a:off x="-1987212" y="3982113"/>
-            <a:ext cx="3776700" cy="623400"/>
-          </a:xfrm>
-          <a:prstGeom prst="roundRect">
-            <a:avLst>
-              <a:gd name="adj" fmla="val 50000"/>
-            </a:avLst>
-          </a:prstGeom>
-          <a:noFill/>
-          <a:ln w="9525" cap="flat" cmpd="sng">
-            <a:solidFill>
-              <a:schemeClr val="dk2"/>
-            </a:solidFill>
-            <a:prstDash val="solid"/>
-            <a:round/>
-            <a:headEnd type="none" w="sm" len="sm"/>
-            <a:tailEnd type="none" w="sm" len="sm"/>
-          </a:ln>
-        </p:spPr>
-        <p:txBody>
-          <a:bodyPr spcFirstLastPara="1" wrap="square" lIns="91425" tIns="91425" rIns="91425" bIns="91425" anchor="ctr" anchorCtr="0">
-            <a:noAutofit/>
-          </a:bodyPr>
-          <a:lstStyle/>
-          <a:p>
-            <a:pPr marL="0" lvl="0" indent="0" algn="ctr" rtl="0">
-              <a:spcBef>
-                <a:spcPts val="0"/>
-              </a:spcBef>
-              <a:spcAft>
-                <a:spcPts val="0"/>
-              </a:spcAft>
-              <a:buNone/>
-            </a:pPr>
-            <a:endParaRPr>
-              <a:latin typeface="Open Sans"/>
-              <a:ea typeface="Open Sans"/>
-              <a:cs typeface="Open Sans"/>
-              <a:sym typeface="Open Sans"/>
-            </a:endParaRPr>
-          </a:p>
-        </p:txBody>
-      </p:sp>
-      <p:sp>
-        <p:nvSpPr>
-          <p:cNvPr id="4" name="Rectangle: Rounded Corners 3">
-            <a:extLst>
-              <a:ext uri="{FF2B5EF4-FFF2-40B4-BE49-F238E27FC236}">
-                <a16:creationId xmlns:a16="http://schemas.microsoft.com/office/drawing/2014/main" id="{9542A5AB-961D-F457-89B6-6D53EEF23261}"/>
-              </a:ext>
-            </a:extLst>
-          </p:cNvPr>
-          <p:cNvSpPr/>
-          <p:nvPr/>
-        </p:nvSpPr>
-        <p:spPr>
-          <a:xfrm>
-            <a:off x="2618913" y="3675355"/>
-            <a:ext cx="3776700" cy="1065321"/>
-          </a:xfrm>
-          <a:prstGeom prst="roundRect">
-            <a:avLst/>
-          </a:prstGeom>
-        </p:spPr>
-        <p:style>
-          <a:lnRef idx="2">
-            <a:schemeClr val="accent6"/>
-          </a:lnRef>
-          <a:fillRef idx="1">
-            <a:schemeClr val="lt1"/>
-          </a:fillRef>
-          <a:effectRef idx="0">
-            <a:schemeClr val="accent6"/>
-          </a:effectRef>
-          <a:fontRef idx="minor">
-            <a:schemeClr val="dk1"/>
-          </a:fontRef>
-        </p:style>
-        <p:txBody>
-          <a:bodyPr rtlCol="0" anchor="ctr"/>
-          <a:lstStyle/>
-          <a:p>
-            <a:pPr algn="ctr"/>
-            <a:endParaRPr lang="en-ID"/>
-          </a:p>
-        </p:txBody>
-      </p:sp>
-    </p:spTree>
   </p:cSld>
   <p:clrMapOvr>
     <a:masterClrMapping/>
@@ -49132,6 +48468,1701 @@
               <a:latin typeface="Lexend"/>
               <a:sym typeface="Lexend"/>
             </a:endParaRPr>
+          </a:p>
+        </p:txBody>
+      </p:sp>
+    </p:spTree>
+  </p:cSld>
+  <p:clrMapOvr>
+    <a:masterClrMapping/>
+  </p:clrMapOvr>
+</p:sld>
+</file>
+
+<file path=ppt/slides/slide40.xml><?xml version="1.0" encoding="utf-8"?>
+<p:sld xmlns:a="http://schemas.openxmlformats.org/drawingml/2006/main" xmlns:r="http://schemas.openxmlformats.org/officeDocument/2006/relationships" xmlns:p="http://schemas.openxmlformats.org/presentationml/2006/main">
+  <p:cSld>
+    <p:spTree>
+      <p:nvGrpSpPr>
+        <p:cNvPr id="1" name="Shape 701"/>
+        <p:cNvGrpSpPr/>
+        <p:nvPr/>
+      </p:nvGrpSpPr>
+      <p:grpSpPr>
+        <a:xfrm>
+          <a:off x="0" y="0"/>
+          <a:ext cx="0" cy="0"/>
+          <a:chOff x="0" y="0"/>
+          <a:chExt cx="0" cy="0"/>
+        </a:xfrm>
+      </p:grpSpPr>
+      <p:sp>
+        <p:nvSpPr>
+          <p:cNvPr id="702" name="Google Shape;702;p44"/>
+          <p:cNvSpPr txBox="1">
+            <a:spLocks noGrp="1"/>
+          </p:cNvSpPr>
+          <p:nvPr>
+            <p:ph type="ctrTitle"/>
+          </p:nvPr>
+        </p:nvSpPr>
+        <p:spPr>
+          <a:xfrm>
+            <a:off x="1894375" y="1828485"/>
+            <a:ext cx="4782445" cy="822900"/>
+          </a:xfrm>
+          <a:prstGeom prst="rect">
+            <a:avLst/>
+          </a:prstGeom>
+        </p:spPr>
+        <p:txBody>
+          <a:bodyPr spcFirstLastPara="1" wrap="square" lIns="91425" tIns="91425" rIns="91425" bIns="91425" anchor="ctr" anchorCtr="0">
+            <a:noAutofit/>
+          </a:bodyPr>
+          <a:lstStyle/>
+          <a:p>
+            <a:pPr marL="0" lvl="0" indent="0" algn="ctr" rtl="0">
+              <a:spcBef>
+                <a:spcPts val="0"/>
+              </a:spcBef>
+              <a:spcAft>
+                <a:spcPts val="0"/>
+              </a:spcAft>
+              <a:buNone/>
+            </a:pPr>
+            <a:r>
+              <a:rPr lang="en"/>
+              <a:t>Terima kasih</a:t>
+            </a:r>
+            <a:endParaRPr/>
+          </a:p>
+        </p:txBody>
+      </p:sp>
+      <p:grpSp>
+        <p:nvGrpSpPr>
+          <p:cNvPr id="708" name="Google Shape;708;p44"/>
+          <p:cNvGrpSpPr/>
+          <p:nvPr/>
+        </p:nvGrpSpPr>
+        <p:grpSpPr>
+          <a:xfrm rot="10800000">
+            <a:off x="6900575" y="2211920"/>
+            <a:ext cx="2951967" cy="4114334"/>
+            <a:chOff x="-943750" y="-1328860"/>
+            <a:chExt cx="3599521" cy="5016868"/>
+          </a:xfrm>
+          <a:solidFill>
+            <a:srgbClr val="FFCC28"/>
+          </a:solidFill>
+        </p:grpSpPr>
+        <p:sp>
+          <p:nvSpPr>
+            <p:cNvPr id="709" name="Google Shape;709;p44"/>
+            <p:cNvSpPr/>
+            <p:nvPr/>
+          </p:nvSpPr>
+          <p:spPr>
+            <a:xfrm rot="10800000" flipH="1">
+              <a:off x="-943750" y="-621733"/>
+              <a:ext cx="3599521" cy="4309742"/>
+            </a:xfrm>
+            <a:custGeom>
+              <a:avLst/>
+              <a:gdLst/>
+              <a:ahLst/>
+              <a:cxnLst/>
+              <a:rect l="l" t="t" r="r" b="b"/>
+              <a:pathLst>
+                <a:path w="4197692" h="5025938" extrusionOk="0">
+                  <a:moveTo>
+                    <a:pt x="3453860" y="160902"/>
+                  </a:moveTo>
+                  <a:lnTo>
+                    <a:pt x="3453860" y="160902"/>
+                  </a:lnTo>
+                  <a:cubicBezTo>
+                    <a:pt x="2772966" y="-197762"/>
+                    <a:pt x="1930551" y="63342"/>
+                    <a:pt x="1571887" y="743832"/>
+                  </a:cubicBezTo>
+                  <a:lnTo>
+                    <a:pt x="0" y="3726895"/>
+                  </a:lnTo>
+                  <a:lnTo>
+                    <a:pt x="2464903" y="5025939"/>
+                  </a:lnTo>
+                  <a:lnTo>
+                    <a:pt x="4036790" y="2042875"/>
+                  </a:lnTo>
+                  <a:cubicBezTo>
+                    <a:pt x="4395454" y="1361981"/>
+                    <a:pt x="4134350" y="519566"/>
+                    <a:pt x="3453860" y="160902"/>
+                  </a:cubicBezTo>
+                  <a:close/>
+                </a:path>
+              </a:pathLst>
+            </a:custGeom>
+            <a:grpFill/>
+            <a:ln>
+              <a:noFill/>
+            </a:ln>
+          </p:spPr>
+          <p:txBody>
+            <a:bodyPr spcFirstLastPara="1" wrap="square" lIns="91425" tIns="45700" rIns="91425" bIns="45700" anchor="ctr" anchorCtr="0">
+              <a:noAutofit/>
+            </a:bodyPr>
+            <a:lstStyle/>
+            <a:p>
+              <a:pPr marL="0" marR="0" lvl="0" indent="0" algn="l" rtl="0">
+                <a:spcBef>
+                  <a:spcPts val="0"/>
+                </a:spcBef>
+                <a:spcAft>
+                  <a:spcPts val="0"/>
+                </a:spcAft>
+                <a:buNone/>
+              </a:pPr>
+              <a:endParaRPr sz="1800">
+                <a:solidFill>
+                  <a:srgbClr val="000000"/>
+                </a:solidFill>
+                <a:latin typeface="Calibri"/>
+                <a:ea typeface="Calibri"/>
+                <a:cs typeface="Calibri"/>
+                <a:sym typeface="Calibri"/>
+              </a:endParaRPr>
+            </a:p>
+          </p:txBody>
+        </p:sp>
+        <p:sp>
+          <p:nvSpPr>
+            <p:cNvPr id="710" name="Google Shape;710;p44"/>
+            <p:cNvSpPr/>
+            <p:nvPr/>
+          </p:nvSpPr>
+          <p:spPr>
+            <a:xfrm rot="10800000" flipH="1">
+              <a:off x="257174" y="-1328860"/>
+              <a:ext cx="2108769" cy="2524734"/>
+            </a:xfrm>
+            <a:custGeom>
+              <a:avLst/>
+              <a:gdLst/>
+              <a:ahLst/>
+              <a:cxnLst/>
+              <a:rect l="l" t="t" r="r" b="b"/>
+              <a:pathLst>
+                <a:path w="2403155" h="2877190" extrusionOk="0">
+                  <a:moveTo>
+                    <a:pt x="1977509" y="92081"/>
+                  </a:moveTo>
+                  <a:lnTo>
+                    <a:pt x="1977509" y="92081"/>
+                  </a:lnTo>
+                  <a:cubicBezTo>
+                    <a:pt x="1587675" y="-113159"/>
+                    <a:pt x="1105543" y="36217"/>
+                    <a:pt x="899898" y="425647"/>
+                  </a:cubicBezTo>
+                  <a:lnTo>
+                    <a:pt x="0" y="2133146"/>
+                  </a:lnTo>
+                  <a:lnTo>
+                    <a:pt x="1411176" y="2877191"/>
+                  </a:lnTo>
+                  <a:lnTo>
+                    <a:pt x="2311075" y="1169692"/>
+                  </a:lnTo>
+                  <a:cubicBezTo>
+                    <a:pt x="2516315" y="779858"/>
+                    <a:pt x="2366939" y="297321"/>
+                    <a:pt x="1977509" y="92081"/>
+                  </a:cubicBezTo>
+                  <a:close/>
+                </a:path>
+              </a:pathLst>
+            </a:custGeom>
+            <a:grpFill/>
+            <a:ln>
+              <a:noFill/>
+            </a:ln>
+          </p:spPr>
+          <p:txBody>
+            <a:bodyPr spcFirstLastPara="1" wrap="square" lIns="91425" tIns="45700" rIns="91425" bIns="45700" anchor="ctr" anchorCtr="0">
+              <a:noAutofit/>
+            </a:bodyPr>
+            <a:lstStyle/>
+            <a:p>
+              <a:pPr marL="0" marR="0" lvl="0" indent="0" algn="l" rtl="0">
+                <a:spcBef>
+                  <a:spcPts val="0"/>
+                </a:spcBef>
+                <a:spcAft>
+                  <a:spcPts val="0"/>
+                </a:spcAft>
+                <a:buNone/>
+              </a:pPr>
+              <a:endParaRPr sz="1800">
+                <a:solidFill>
+                  <a:srgbClr val="000000"/>
+                </a:solidFill>
+                <a:latin typeface="Calibri"/>
+                <a:ea typeface="Calibri"/>
+                <a:cs typeface="Calibri"/>
+                <a:sym typeface="Calibri"/>
+              </a:endParaRPr>
+            </a:p>
+          </p:txBody>
+        </p:sp>
+      </p:grpSp>
+      <p:grpSp>
+        <p:nvGrpSpPr>
+          <p:cNvPr id="711" name="Google Shape;711;p44"/>
+          <p:cNvGrpSpPr/>
+          <p:nvPr/>
+        </p:nvGrpSpPr>
+        <p:grpSpPr>
+          <a:xfrm>
+            <a:off x="7173318" y="2651385"/>
+            <a:ext cx="1480142" cy="889103"/>
+            <a:chOff x="3073660" y="2320137"/>
+            <a:chExt cx="2320700" cy="1394016"/>
+          </a:xfrm>
+        </p:grpSpPr>
+        <p:sp>
+          <p:nvSpPr>
+            <p:cNvPr id="712" name="Google Shape;712;p44"/>
+            <p:cNvSpPr/>
+            <p:nvPr/>
+          </p:nvSpPr>
+          <p:spPr>
+            <a:xfrm>
+              <a:off x="3073660" y="2320137"/>
+              <a:ext cx="926371" cy="1359374"/>
+            </a:xfrm>
+            <a:custGeom>
+              <a:avLst/>
+              <a:gdLst/>
+              <a:ahLst/>
+              <a:cxnLst/>
+              <a:rect l="l" t="t" r="r" b="b"/>
+              <a:pathLst>
+                <a:path w="926371" h="1359374" extrusionOk="0">
+                  <a:moveTo>
+                    <a:pt x="141360" y="1333128"/>
+                  </a:moveTo>
+                  <a:lnTo>
+                    <a:pt x="141360" y="1333128"/>
+                  </a:lnTo>
+                  <a:cubicBezTo>
+                    <a:pt x="15868" y="1271192"/>
+                    <a:pt x="-35543" y="1119792"/>
+                    <a:pt x="25988" y="994300"/>
+                  </a:cubicBezTo>
+                  <a:lnTo>
+                    <a:pt x="446184" y="141360"/>
+                  </a:lnTo>
+                  <a:cubicBezTo>
+                    <a:pt x="508120" y="15868"/>
+                    <a:pt x="659520" y="-35543"/>
+                    <a:pt x="785012" y="25988"/>
+                  </a:cubicBezTo>
+                  <a:lnTo>
+                    <a:pt x="785012" y="25988"/>
+                  </a:lnTo>
+                  <a:cubicBezTo>
+                    <a:pt x="910504" y="87925"/>
+                    <a:pt x="961915" y="239325"/>
+                    <a:pt x="900384" y="364817"/>
+                  </a:cubicBezTo>
+                  <a:lnTo>
+                    <a:pt x="480593" y="1218161"/>
+                  </a:lnTo>
+                  <a:cubicBezTo>
+                    <a:pt x="418657" y="1343653"/>
+                    <a:pt x="266852" y="1395064"/>
+                    <a:pt x="141360" y="1333128"/>
+                  </a:cubicBezTo>
+                  <a:close/>
+                </a:path>
+              </a:pathLst>
+            </a:custGeom>
+            <a:solidFill>
+              <a:schemeClr val="lt1"/>
+            </a:solidFill>
+            <a:ln>
+              <a:noFill/>
+            </a:ln>
+          </p:spPr>
+          <p:txBody>
+            <a:bodyPr spcFirstLastPara="1" wrap="square" lIns="91425" tIns="45700" rIns="91425" bIns="45700" anchor="ctr" anchorCtr="0">
+              <a:noAutofit/>
+            </a:bodyPr>
+            <a:lstStyle/>
+            <a:p>
+              <a:pPr marL="0" marR="0" lvl="0" indent="0" algn="l" rtl="0">
+                <a:spcBef>
+                  <a:spcPts val="0"/>
+                </a:spcBef>
+                <a:spcAft>
+                  <a:spcPts val="0"/>
+                </a:spcAft>
+                <a:buNone/>
+              </a:pPr>
+              <a:endParaRPr sz="1800">
+                <a:solidFill>
+                  <a:srgbClr val="000000"/>
+                </a:solidFill>
+                <a:latin typeface="Calibri"/>
+                <a:ea typeface="Calibri"/>
+                <a:cs typeface="Calibri"/>
+                <a:sym typeface="Calibri"/>
+              </a:endParaRPr>
+            </a:p>
+          </p:txBody>
+        </p:sp>
+        <p:sp>
+          <p:nvSpPr>
+            <p:cNvPr id="713" name="Google Shape;713;p44"/>
+            <p:cNvSpPr/>
+            <p:nvPr/>
+          </p:nvSpPr>
+          <p:spPr>
+            <a:xfrm>
+              <a:off x="3852115" y="2320137"/>
+              <a:ext cx="926371" cy="1359374"/>
+            </a:xfrm>
+            <a:custGeom>
+              <a:avLst/>
+              <a:gdLst/>
+              <a:ahLst/>
+              <a:cxnLst/>
+              <a:rect l="l" t="t" r="r" b="b"/>
+              <a:pathLst>
+                <a:path w="926371" h="1359374" extrusionOk="0">
+                  <a:moveTo>
+                    <a:pt x="141360" y="1333128"/>
+                  </a:moveTo>
+                  <a:lnTo>
+                    <a:pt x="141360" y="1333128"/>
+                  </a:lnTo>
+                  <a:cubicBezTo>
+                    <a:pt x="15868" y="1271192"/>
+                    <a:pt x="-35543" y="1119792"/>
+                    <a:pt x="25988" y="994300"/>
+                  </a:cubicBezTo>
+                  <a:lnTo>
+                    <a:pt x="446184" y="141360"/>
+                  </a:lnTo>
+                  <a:cubicBezTo>
+                    <a:pt x="508120" y="15868"/>
+                    <a:pt x="659520" y="-35543"/>
+                    <a:pt x="785012" y="25988"/>
+                  </a:cubicBezTo>
+                  <a:lnTo>
+                    <a:pt x="785012" y="25988"/>
+                  </a:lnTo>
+                  <a:cubicBezTo>
+                    <a:pt x="910504" y="87925"/>
+                    <a:pt x="961915" y="239325"/>
+                    <a:pt x="900384" y="364817"/>
+                  </a:cubicBezTo>
+                  <a:lnTo>
+                    <a:pt x="480593" y="1218161"/>
+                  </a:lnTo>
+                  <a:cubicBezTo>
+                    <a:pt x="418657" y="1343653"/>
+                    <a:pt x="266852" y="1395064"/>
+                    <a:pt x="141360" y="1333128"/>
+                  </a:cubicBezTo>
+                  <a:close/>
+                </a:path>
+              </a:pathLst>
+            </a:custGeom>
+            <a:solidFill>
+              <a:schemeClr val="lt1"/>
+            </a:solidFill>
+            <a:ln>
+              <a:noFill/>
+            </a:ln>
+          </p:spPr>
+          <p:txBody>
+            <a:bodyPr spcFirstLastPara="1" wrap="square" lIns="91425" tIns="45700" rIns="91425" bIns="45700" anchor="ctr" anchorCtr="0">
+              <a:noAutofit/>
+            </a:bodyPr>
+            <a:lstStyle/>
+            <a:p>
+              <a:pPr marL="0" marR="0" lvl="0" indent="0" algn="l" rtl="0">
+                <a:spcBef>
+                  <a:spcPts val="0"/>
+                </a:spcBef>
+                <a:spcAft>
+                  <a:spcPts val="0"/>
+                </a:spcAft>
+                <a:buNone/>
+              </a:pPr>
+              <a:endParaRPr sz="1800">
+                <a:solidFill>
+                  <a:srgbClr val="000000"/>
+                </a:solidFill>
+                <a:latin typeface="Calibri"/>
+                <a:ea typeface="Calibri"/>
+                <a:cs typeface="Calibri"/>
+                <a:sym typeface="Calibri"/>
+              </a:endParaRPr>
+            </a:p>
+          </p:txBody>
+        </p:sp>
+        <p:sp>
+          <p:nvSpPr>
+            <p:cNvPr id="714" name="Google Shape;714;p44"/>
+            <p:cNvSpPr/>
+            <p:nvPr/>
+          </p:nvSpPr>
+          <p:spPr>
+            <a:xfrm rot="-4620323">
+              <a:off x="4681723" y="3001516"/>
+              <a:ext cx="648073" cy="648073"/>
+            </a:xfrm>
+            <a:custGeom>
+              <a:avLst/>
+              <a:gdLst/>
+              <a:ahLst/>
+              <a:cxnLst/>
+              <a:rect l="l" t="t" r="r" b="b"/>
+              <a:pathLst>
+                <a:path w="647668" h="647668" extrusionOk="0">
+                  <a:moveTo>
+                    <a:pt x="647668" y="323834"/>
+                  </a:moveTo>
+                  <a:cubicBezTo>
+                    <a:pt x="647668" y="502683"/>
+                    <a:pt x="502683" y="647668"/>
+                    <a:pt x="323834" y="647668"/>
+                  </a:cubicBezTo>
+                  <a:cubicBezTo>
+                    <a:pt x="144985" y="647668"/>
+                    <a:pt x="0" y="502683"/>
+                    <a:pt x="0" y="323834"/>
+                  </a:cubicBezTo>
+                  <a:cubicBezTo>
+                    <a:pt x="0" y="144985"/>
+                    <a:pt x="144985" y="0"/>
+                    <a:pt x="323834" y="0"/>
+                  </a:cubicBezTo>
+                  <a:cubicBezTo>
+                    <a:pt x="502683" y="0"/>
+                    <a:pt x="647668" y="144985"/>
+                    <a:pt x="647668" y="323834"/>
+                  </a:cubicBezTo>
+                  <a:close/>
+                </a:path>
+              </a:pathLst>
+            </a:custGeom>
+            <a:solidFill>
+              <a:schemeClr val="lt1"/>
+            </a:solidFill>
+            <a:ln>
+              <a:noFill/>
+            </a:ln>
+          </p:spPr>
+          <p:txBody>
+            <a:bodyPr spcFirstLastPara="1" wrap="square" lIns="91425" tIns="45700" rIns="91425" bIns="45700" anchor="ctr" anchorCtr="0">
+              <a:noAutofit/>
+            </a:bodyPr>
+            <a:lstStyle/>
+            <a:p>
+              <a:pPr marL="0" marR="0" lvl="0" indent="0" algn="l" rtl="0">
+                <a:spcBef>
+                  <a:spcPts val="0"/>
+                </a:spcBef>
+                <a:spcAft>
+                  <a:spcPts val="0"/>
+                </a:spcAft>
+                <a:buNone/>
+              </a:pPr>
+              <a:endParaRPr sz="1800">
+                <a:solidFill>
+                  <a:srgbClr val="000000"/>
+                </a:solidFill>
+                <a:latin typeface="Calibri"/>
+                <a:ea typeface="Calibri"/>
+                <a:cs typeface="Calibri"/>
+                <a:sym typeface="Calibri"/>
+              </a:endParaRPr>
+            </a:p>
+          </p:txBody>
+        </p:sp>
+      </p:grpSp>
+      <p:sp>
+        <p:nvSpPr>
+          <p:cNvPr id="715" name="Google Shape;715;p44"/>
+          <p:cNvSpPr/>
+          <p:nvPr/>
+        </p:nvSpPr>
+        <p:spPr>
+          <a:xfrm>
+            <a:off x="-1375800" y="-1083950"/>
+            <a:ext cx="3165300" cy="3165300"/>
+          </a:xfrm>
+          <a:prstGeom prst="ellipse">
+            <a:avLst/>
+          </a:prstGeom>
+          <a:solidFill>
+            <a:schemeClr val="tx2">
+              <a:lumMod val="50000"/>
+            </a:schemeClr>
+          </a:solidFill>
+          <a:ln>
+            <a:noFill/>
+          </a:ln>
+        </p:spPr>
+        <p:txBody>
+          <a:bodyPr spcFirstLastPara="1" wrap="square" lIns="91425" tIns="91425" rIns="91425" bIns="91425" anchor="ctr" anchorCtr="0">
+            <a:noAutofit/>
+          </a:bodyPr>
+          <a:lstStyle/>
+          <a:p>
+            <a:pPr marL="0" lvl="0" indent="0" algn="ctr" rtl="0">
+              <a:spcBef>
+                <a:spcPts val="0"/>
+              </a:spcBef>
+              <a:spcAft>
+                <a:spcPts val="0"/>
+              </a:spcAft>
+              <a:buNone/>
+            </a:pPr>
+            <a:endParaRPr>
+              <a:latin typeface="Open Sans"/>
+              <a:ea typeface="Open Sans"/>
+              <a:cs typeface="Open Sans"/>
+              <a:sym typeface="Open Sans"/>
+            </a:endParaRPr>
+          </a:p>
+        </p:txBody>
+      </p:sp>
+      <p:grpSp>
+        <p:nvGrpSpPr>
+          <p:cNvPr id="716" name="Google Shape;716;p44"/>
+          <p:cNvGrpSpPr/>
+          <p:nvPr/>
+        </p:nvGrpSpPr>
+        <p:grpSpPr>
+          <a:xfrm rot="10800000">
+            <a:off x="852386" y="2375640"/>
+            <a:ext cx="591073" cy="881399"/>
+            <a:chOff x="9326775" y="2272496"/>
+            <a:chExt cx="411124" cy="613062"/>
+          </a:xfrm>
+        </p:grpSpPr>
+        <p:sp>
+          <p:nvSpPr>
+            <p:cNvPr id="717" name="Google Shape;717;p44"/>
+            <p:cNvSpPr/>
+            <p:nvPr/>
+          </p:nvSpPr>
+          <p:spPr>
+            <a:xfrm>
+              <a:off x="9326775" y="2824737"/>
+              <a:ext cx="60845" cy="60821"/>
+            </a:xfrm>
+            <a:custGeom>
+              <a:avLst/>
+              <a:gdLst/>
+              <a:ahLst/>
+              <a:cxnLst/>
+              <a:rect l="l" t="t" r="r" b="b"/>
+              <a:pathLst>
+                <a:path w="60845" h="60821" extrusionOk="0">
+                  <a:moveTo>
+                    <a:pt x="0" y="0"/>
+                  </a:moveTo>
+                  <a:lnTo>
+                    <a:pt x="60846" y="60822"/>
+                  </a:lnTo>
+                </a:path>
+              </a:pathLst>
+            </a:custGeom>
+            <a:noFill/>
+            <a:ln w="9525" cap="flat" cmpd="sng">
+              <a:solidFill>
+                <a:schemeClr val="dk2"/>
+              </a:solidFill>
+              <a:prstDash val="solid"/>
+              <a:miter lim="8000"/>
+              <a:headEnd type="none" w="sm" len="sm"/>
+              <a:tailEnd type="none" w="sm" len="sm"/>
+            </a:ln>
+          </p:spPr>
+          <p:txBody>
+            <a:bodyPr spcFirstLastPara="1" wrap="square" lIns="91425" tIns="45700" rIns="91425" bIns="45700" anchor="ctr" anchorCtr="0">
+              <a:noAutofit/>
+            </a:bodyPr>
+            <a:lstStyle/>
+            <a:p>
+              <a:pPr marL="0" marR="0" lvl="0" indent="0" algn="l" rtl="0">
+                <a:spcBef>
+                  <a:spcPts val="0"/>
+                </a:spcBef>
+                <a:spcAft>
+                  <a:spcPts val="0"/>
+                </a:spcAft>
+                <a:buNone/>
+              </a:pPr>
+              <a:endParaRPr sz="1800">
+                <a:solidFill>
+                  <a:srgbClr val="000000"/>
+                </a:solidFill>
+                <a:latin typeface="Calibri"/>
+                <a:ea typeface="Calibri"/>
+                <a:cs typeface="Calibri"/>
+                <a:sym typeface="Calibri"/>
+              </a:endParaRPr>
+            </a:p>
+          </p:txBody>
+        </p:sp>
+        <p:sp>
+          <p:nvSpPr>
+            <p:cNvPr id="718" name="Google Shape;718;p44"/>
+            <p:cNvSpPr/>
+            <p:nvPr/>
+          </p:nvSpPr>
+          <p:spPr>
+            <a:xfrm>
+              <a:off x="9326775" y="2824737"/>
+              <a:ext cx="60845" cy="60821"/>
+            </a:xfrm>
+            <a:custGeom>
+              <a:avLst/>
+              <a:gdLst/>
+              <a:ahLst/>
+              <a:cxnLst/>
+              <a:rect l="l" t="t" r="r" b="b"/>
+              <a:pathLst>
+                <a:path w="60845" h="60821" extrusionOk="0">
+                  <a:moveTo>
+                    <a:pt x="60846" y="0"/>
+                  </a:moveTo>
+                  <a:lnTo>
+                    <a:pt x="0" y="60822"/>
+                  </a:lnTo>
+                </a:path>
+              </a:pathLst>
+            </a:custGeom>
+            <a:noFill/>
+            <a:ln w="9525" cap="flat" cmpd="sng">
+              <a:solidFill>
+                <a:schemeClr val="dk2"/>
+              </a:solidFill>
+              <a:prstDash val="solid"/>
+              <a:miter lim="8000"/>
+              <a:headEnd type="none" w="sm" len="sm"/>
+              <a:tailEnd type="none" w="sm" len="sm"/>
+            </a:ln>
+          </p:spPr>
+          <p:txBody>
+            <a:bodyPr spcFirstLastPara="1" wrap="square" lIns="91425" tIns="45700" rIns="91425" bIns="45700" anchor="ctr" anchorCtr="0">
+              <a:noAutofit/>
+            </a:bodyPr>
+            <a:lstStyle/>
+            <a:p>
+              <a:pPr marL="0" marR="0" lvl="0" indent="0" algn="l" rtl="0">
+                <a:spcBef>
+                  <a:spcPts val="0"/>
+                </a:spcBef>
+                <a:spcAft>
+                  <a:spcPts val="0"/>
+                </a:spcAft>
+                <a:buNone/>
+              </a:pPr>
+              <a:endParaRPr sz="1800">
+                <a:solidFill>
+                  <a:srgbClr val="000000"/>
+                </a:solidFill>
+                <a:latin typeface="Calibri"/>
+                <a:ea typeface="Calibri"/>
+                <a:cs typeface="Calibri"/>
+                <a:sym typeface="Calibri"/>
+              </a:endParaRPr>
+            </a:p>
+          </p:txBody>
+        </p:sp>
+        <p:sp>
+          <p:nvSpPr>
+            <p:cNvPr id="719" name="Google Shape;719;p44"/>
+            <p:cNvSpPr/>
+            <p:nvPr/>
+          </p:nvSpPr>
+          <p:spPr>
+            <a:xfrm>
+              <a:off x="9501914" y="2548591"/>
+              <a:ext cx="60845" cy="60821"/>
+            </a:xfrm>
+            <a:custGeom>
+              <a:avLst/>
+              <a:gdLst/>
+              <a:ahLst/>
+              <a:cxnLst/>
+              <a:rect l="l" t="t" r="r" b="b"/>
+              <a:pathLst>
+                <a:path w="60845" h="60821" extrusionOk="0">
+                  <a:moveTo>
+                    <a:pt x="0" y="0"/>
+                  </a:moveTo>
+                  <a:lnTo>
+                    <a:pt x="60846" y="60822"/>
+                  </a:lnTo>
+                </a:path>
+              </a:pathLst>
+            </a:custGeom>
+            <a:noFill/>
+            <a:ln w="9525" cap="flat" cmpd="sng">
+              <a:solidFill>
+                <a:schemeClr val="dk2"/>
+              </a:solidFill>
+              <a:prstDash val="solid"/>
+              <a:miter lim="8000"/>
+              <a:headEnd type="none" w="sm" len="sm"/>
+              <a:tailEnd type="none" w="sm" len="sm"/>
+            </a:ln>
+          </p:spPr>
+          <p:txBody>
+            <a:bodyPr spcFirstLastPara="1" wrap="square" lIns="91425" tIns="45700" rIns="91425" bIns="45700" anchor="ctr" anchorCtr="0">
+              <a:noAutofit/>
+            </a:bodyPr>
+            <a:lstStyle/>
+            <a:p>
+              <a:pPr marL="0" marR="0" lvl="0" indent="0" algn="l" rtl="0">
+                <a:spcBef>
+                  <a:spcPts val="0"/>
+                </a:spcBef>
+                <a:spcAft>
+                  <a:spcPts val="0"/>
+                </a:spcAft>
+                <a:buNone/>
+              </a:pPr>
+              <a:endParaRPr sz="1800">
+                <a:solidFill>
+                  <a:srgbClr val="000000"/>
+                </a:solidFill>
+                <a:latin typeface="Calibri"/>
+                <a:ea typeface="Calibri"/>
+                <a:cs typeface="Calibri"/>
+                <a:sym typeface="Calibri"/>
+              </a:endParaRPr>
+            </a:p>
+          </p:txBody>
+        </p:sp>
+        <p:sp>
+          <p:nvSpPr>
+            <p:cNvPr id="720" name="Google Shape;720;p44"/>
+            <p:cNvSpPr/>
+            <p:nvPr/>
+          </p:nvSpPr>
+          <p:spPr>
+            <a:xfrm>
+              <a:off x="9501914" y="2548591"/>
+              <a:ext cx="60845" cy="60821"/>
+            </a:xfrm>
+            <a:custGeom>
+              <a:avLst/>
+              <a:gdLst/>
+              <a:ahLst/>
+              <a:cxnLst/>
+              <a:rect l="l" t="t" r="r" b="b"/>
+              <a:pathLst>
+                <a:path w="60845" h="60821" extrusionOk="0">
+                  <a:moveTo>
+                    <a:pt x="60846" y="0"/>
+                  </a:moveTo>
+                  <a:lnTo>
+                    <a:pt x="0" y="60822"/>
+                  </a:lnTo>
+                </a:path>
+              </a:pathLst>
+            </a:custGeom>
+            <a:noFill/>
+            <a:ln w="9525" cap="flat" cmpd="sng">
+              <a:solidFill>
+                <a:schemeClr val="dk2"/>
+              </a:solidFill>
+              <a:prstDash val="solid"/>
+              <a:miter lim="8000"/>
+              <a:headEnd type="none" w="sm" len="sm"/>
+              <a:tailEnd type="none" w="sm" len="sm"/>
+            </a:ln>
+          </p:spPr>
+          <p:txBody>
+            <a:bodyPr spcFirstLastPara="1" wrap="square" lIns="91425" tIns="45700" rIns="91425" bIns="45700" anchor="ctr" anchorCtr="0">
+              <a:noAutofit/>
+            </a:bodyPr>
+            <a:lstStyle/>
+            <a:p>
+              <a:pPr marL="0" marR="0" lvl="0" indent="0" algn="l" rtl="0">
+                <a:spcBef>
+                  <a:spcPts val="0"/>
+                </a:spcBef>
+                <a:spcAft>
+                  <a:spcPts val="0"/>
+                </a:spcAft>
+                <a:buNone/>
+              </a:pPr>
+              <a:endParaRPr sz="1800">
+                <a:solidFill>
+                  <a:srgbClr val="000000"/>
+                </a:solidFill>
+                <a:latin typeface="Calibri"/>
+                <a:ea typeface="Calibri"/>
+                <a:cs typeface="Calibri"/>
+                <a:sym typeface="Calibri"/>
+              </a:endParaRPr>
+            </a:p>
+          </p:txBody>
+        </p:sp>
+        <p:sp>
+          <p:nvSpPr>
+            <p:cNvPr id="721" name="Google Shape;721;p44"/>
+            <p:cNvSpPr/>
+            <p:nvPr/>
+          </p:nvSpPr>
+          <p:spPr>
+            <a:xfrm>
+              <a:off x="9501914" y="2824737"/>
+              <a:ext cx="60845" cy="60821"/>
+            </a:xfrm>
+            <a:custGeom>
+              <a:avLst/>
+              <a:gdLst/>
+              <a:ahLst/>
+              <a:cxnLst/>
+              <a:rect l="l" t="t" r="r" b="b"/>
+              <a:pathLst>
+                <a:path w="60845" h="60821" extrusionOk="0">
+                  <a:moveTo>
+                    <a:pt x="0" y="0"/>
+                  </a:moveTo>
+                  <a:lnTo>
+                    <a:pt x="60846" y="60822"/>
+                  </a:lnTo>
+                </a:path>
+              </a:pathLst>
+            </a:custGeom>
+            <a:noFill/>
+            <a:ln w="9525" cap="flat" cmpd="sng">
+              <a:solidFill>
+                <a:schemeClr val="dk2"/>
+              </a:solidFill>
+              <a:prstDash val="solid"/>
+              <a:miter lim="8000"/>
+              <a:headEnd type="none" w="sm" len="sm"/>
+              <a:tailEnd type="none" w="sm" len="sm"/>
+            </a:ln>
+          </p:spPr>
+          <p:txBody>
+            <a:bodyPr spcFirstLastPara="1" wrap="square" lIns="91425" tIns="45700" rIns="91425" bIns="45700" anchor="ctr" anchorCtr="0">
+              <a:noAutofit/>
+            </a:bodyPr>
+            <a:lstStyle/>
+            <a:p>
+              <a:pPr marL="0" marR="0" lvl="0" indent="0" algn="l" rtl="0">
+                <a:spcBef>
+                  <a:spcPts val="0"/>
+                </a:spcBef>
+                <a:spcAft>
+                  <a:spcPts val="0"/>
+                </a:spcAft>
+                <a:buNone/>
+              </a:pPr>
+              <a:endParaRPr sz="1800">
+                <a:solidFill>
+                  <a:srgbClr val="000000"/>
+                </a:solidFill>
+                <a:latin typeface="Calibri"/>
+                <a:ea typeface="Calibri"/>
+                <a:cs typeface="Calibri"/>
+                <a:sym typeface="Calibri"/>
+              </a:endParaRPr>
+            </a:p>
+          </p:txBody>
+        </p:sp>
+        <p:sp>
+          <p:nvSpPr>
+            <p:cNvPr id="722" name="Google Shape;722;p44"/>
+            <p:cNvSpPr/>
+            <p:nvPr/>
+          </p:nvSpPr>
+          <p:spPr>
+            <a:xfrm>
+              <a:off x="9501914" y="2824737"/>
+              <a:ext cx="60845" cy="60821"/>
+            </a:xfrm>
+            <a:custGeom>
+              <a:avLst/>
+              <a:gdLst/>
+              <a:ahLst/>
+              <a:cxnLst/>
+              <a:rect l="l" t="t" r="r" b="b"/>
+              <a:pathLst>
+                <a:path w="60845" h="60821" extrusionOk="0">
+                  <a:moveTo>
+                    <a:pt x="60846" y="0"/>
+                  </a:moveTo>
+                  <a:lnTo>
+                    <a:pt x="0" y="60822"/>
+                  </a:lnTo>
+                </a:path>
+              </a:pathLst>
+            </a:custGeom>
+            <a:noFill/>
+            <a:ln w="9525" cap="flat" cmpd="sng">
+              <a:solidFill>
+                <a:schemeClr val="dk2"/>
+              </a:solidFill>
+              <a:prstDash val="solid"/>
+              <a:miter lim="8000"/>
+              <a:headEnd type="none" w="sm" len="sm"/>
+              <a:tailEnd type="none" w="sm" len="sm"/>
+            </a:ln>
+          </p:spPr>
+          <p:txBody>
+            <a:bodyPr spcFirstLastPara="1" wrap="square" lIns="91425" tIns="45700" rIns="91425" bIns="45700" anchor="ctr" anchorCtr="0">
+              <a:noAutofit/>
+            </a:bodyPr>
+            <a:lstStyle/>
+            <a:p>
+              <a:pPr marL="0" marR="0" lvl="0" indent="0" algn="l" rtl="0">
+                <a:spcBef>
+                  <a:spcPts val="0"/>
+                </a:spcBef>
+                <a:spcAft>
+                  <a:spcPts val="0"/>
+                </a:spcAft>
+                <a:buNone/>
+              </a:pPr>
+              <a:endParaRPr sz="1800">
+                <a:solidFill>
+                  <a:srgbClr val="000000"/>
+                </a:solidFill>
+                <a:latin typeface="Calibri"/>
+                <a:ea typeface="Calibri"/>
+                <a:cs typeface="Calibri"/>
+                <a:sym typeface="Calibri"/>
+              </a:endParaRPr>
+            </a:p>
+          </p:txBody>
+        </p:sp>
+        <p:sp>
+          <p:nvSpPr>
+            <p:cNvPr id="723" name="Google Shape;723;p44"/>
+            <p:cNvSpPr/>
+            <p:nvPr/>
+          </p:nvSpPr>
+          <p:spPr>
+            <a:xfrm>
+              <a:off x="9677054" y="2272496"/>
+              <a:ext cx="60845" cy="60821"/>
+            </a:xfrm>
+            <a:custGeom>
+              <a:avLst/>
+              <a:gdLst/>
+              <a:ahLst/>
+              <a:cxnLst/>
+              <a:rect l="l" t="t" r="r" b="b"/>
+              <a:pathLst>
+                <a:path w="60845" h="60821" extrusionOk="0">
+                  <a:moveTo>
+                    <a:pt x="0" y="0"/>
+                  </a:moveTo>
+                  <a:lnTo>
+                    <a:pt x="60846" y="60822"/>
+                  </a:lnTo>
+                </a:path>
+              </a:pathLst>
+            </a:custGeom>
+            <a:noFill/>
+            <a:ln w="9525" cap="flat" cmpd="sng">
+              <a:solidFill>
+                <a:schemeClr val="dk2"/>
+              </a:solidFill>
+              <a:prstDash val="solid"/>
+              <a:miter lim="8000"/>
+              <a:headEnd type="none" w="sm" len="sm"/>
+              <a:tailEnd type="none" w="sm" len="sm"/>
+            </a:ln>
+          </p:spPr>
+          <p:txBody>
+            <a:bodyPr spcFirstLastPara="1" wrap="square" lIns="91425" tIns="45700" rIns="91425" bIns="45700" anchor="ctr" anchorCtr="0">
+              <a:noAutofit/>
+            </a:bodyPr>
+            <a:lstStyle/>
+            <a:p>
+              <a:pPr marL="0" marR="0" lvl="0" indent="0" algn="l" rtl="0">
+                <a:spcBef>
+                  <a:spcPts val="0"/>
+                </a:spcBef>
+                <a:spcAft>
+                  <a:spcPts val="0"/>
+                </a:spcAft>
+                <a:buNone/>
+              </a:pPr>
+              <a:endParaRPr sz="1800">
+                <a:solidFill>
+                  <a:srgbClr val="000000"/>
+                </a:solidFill>
+                <a:latin typeface="Calibri"/>
+                <a:ea typeface="Calibri"/>
+                <a:cs typeface="Calibri"/>
+                <a:sym typeface="Calibri"/>
+              </a:endParaRPr>
+            </a:p>
+          </p:txBody>
+        </p:sp>
+        <p:sp>
+          <p:nvSpPr>
+            <p:cNvPr id="724" name="Google Shape;724;p44"/>
+            <p:cNvSpPr/>
+            <p:nvPr/>
+          </p:nvSpPr>
+          <p:spPr>
+            <a:xfrm>
+              <a:off x="9677054" y="2272496"/>
+              <a:ext cx="60845" cy="60821"/>
+            </a:xfrm>
+            <a:custGeom>
+              <a:avLst/>
+              <a:gdLst/>
+              <a:ahLst/>
+              <a:cxnLst/>
+              <a:rect l="l" t="t" r="r" b="b"/>
+              <a:pathLst>
+                <a:path w="60845" h="60821" extrusionOk="0">
+                  <a:moveTo>
+                    <a:pt x="60846" y="0"/>
+                  </a:moveTo>
+                  <a:lnTo>
+                    <a:pt x="0" y="60822"/>
+                  </a:lnTo>
+                </a:path>
+              </a:pathLst>
+            </a:custGeom>
+            <a:noFill/>
+            <a:ln w="9525" cap="flat" cmpd="sng">
+              <a:solidFill>
+                <a:schemeClr val="dk2"/>
+              </a:solidFill>
+              <a:prstDash val="solid"/>
+              <a:miter lim="8000"/>
+              <a:headEnd type="none" w="sm" len="sm"/>
+              <a:tailEnd type="none" w="sm" len="sm"/>
+            </a:ln>
+          </p:spPr>
+          <p:txBody>
+            <a:bodyPr spcFirstLastPara="1" wrap="square" lIns="91425" tIns="45700" rIns="91425" bIns="45700" anchor="ctr" anchorCtr="0">
+              <a:noAutofit/>
+            </a:bodyPr>
+            <a:lstStyle/>
+            <a:p>
+              <a:pPr marL="0" marR="0" lvl="0" indent="0" algn="l" rtl="0">
+                <a:spcBef>
+                  <a:spcPts val="0"/>
+                </a:spcBef>
+                <a:spcAft>
+                  <a:spcPts val="0"/>
+                </a:spcAft>
+                <a:buNone/>
+              </a:pPr>
+              <a:endParaRPr sz="1800">
+                <a:solidFill>
+                  <a:srgbClr val="000000"/>
+                </a:solidFill>
+                <a:latin typeface="Calibri"/>
+                <a:ea typeface="Calibri"/>
+                <a:cs typeface="Calibri"/>
+                <a:sym typeface="Calibri"/>
+              </a:endParaRPr>
+            </a:p>
+          </p:txBody>
+        </p:sp>
+        <p:sp>
+          <p:nvSpPr>
+            <p:cNvPr id="725" name="Google Shape;725;p44"/>
+            <p:cNvSpPr/>
+            <p:nvPr/>
+          </p:nvSpPr>
+          <p:spPr>
+            <a:xfrm>
+              <a:off x="9677054" y="2548591"/>
+              <a:ext cx="60845" cy="60821"/>
+            </a:xfrm>
+            <a:custGeom>
+              <a:avLst/>
+              <a:gdLst/>
+              <a:ahLst/>
+              <a:cxnLst/>
+              <a:rect l="l" t="t" r="r" b="b"/>
+              <a:pathLst>
+                <a:path w="60845" h="60821" extrusionOk="0">
+                  <a:moveTo>
+                    <a:pt x="0" y="0"/>
+                  </a:moveTo>
+                  <a:lnTo>
+                    <a:pt x="60846" y="60822"/>
+                  </a:lnTo>
+                </a:path>
+              </a:pathLst>
+            </a:custGeom>
+            <a:noFill/>
+            <a:ln w="9525" cap="flat" cmpd="sng">
+              <a:solidFill>
+                <a:schemeClr val="dk2"/>
+              </a:solidFill>
+              <a:prstDash val="solid"/>
+              <a:miter lim="8000"/>
+              <a:headEnd type="none" w="sm" len="sm"/>
+              <a:tailEnd type="none" w="sm" len="sm"/>
+            </a:ln>
+          </p:spPr>
+          <p:txBody>
+            <a:bodyPr spcFirstLastPara="1" wrap="square" lIns="91425" tIns="45700" rIns="91425" bIns="45700" anchor="ctr" anchorCtr="0">
+              <a:noAutofit/>
+            </a:bodyPr>
+            <a:lstStyle/>
+            <a:p>
+              <a:pPr marL="0" marR="0" lvl="0" indent="0" algn="l" rtl="0">
+                <a:spcBef>
+                  <a:spcPts val="0"/>
+                </a:spcBef>
+                <a:spcAft>
+                  <a:spcPts val="0"/>
+                </a:spcAft>
+                <a:buNone/>
+              </a:pPr>
+              <a:endParaRPr sz="1800">
+                <a:solidFill>
+                  <a:srgbClr val="000000"/>
+                </a:solidFill>
+                <a:latin typeface="Calibri"/>
+                <a:ea typeface="Calibri"/>
+                <a:cs typeface="Calibri"/>
+                <a:sym typeface="Calibri"/>
+              </a:endParaRPr>
+            </a:p>
+          </p:txBody>
+        </p:sp>
+        <p:sp>
+          <p:nvSpPr>
+            <p:cNvPr id="726" name="Google Shape;726;p44"/>
+            <p:cNvSpPr/>
+            <p:nvPr/>
+          </p:nvSpPr>
+          <p:spPr>
+            <a:xfrm>
+              <a:off x="9677054" y="2548591"/>
+              <a:ext cx="60845" cy="60821"/>
+            </a:xfrm>
+            <a:custGeom>
+              <a:avLst/>
+              <a:gdLst/>
+              <a:ahLst/>
+              <a:cxnLst/>
+              <a:rect l="l" t="t" r="r" b="b"/>
+              <a:pathLst>
+                <a:path w="60845" h="60821" extrusionOk="0">
+                  <a:moveTo>
+                    <a:pt x="60846" y="0"/>
+                  </a:moveTo>
+                  <a:lnTo>
+                    <a:pt x="0" y="60822"/>
+                  </a:lnTo>
+                </a:path>
+              </a:pathLst>
+            </a:custGeom>
+            <a:noFill/>
+            <a:ln w="9525" cap="flat" cmpd="sng">
+              <a:solidFill>
+                <a:schemeClr val="dk2"/>
+              </a:solidFill>
+              <a:prstDash val="solid"/>
+              <a:miter lim="8000"/>
+              <a:headEnd type="none" w="sm" len="sm"/>
+              <a:tailEnd type="none" w="sm" len="sm"/>
+            </a:ln>
+          </p:spPr>
+          <p:txBody>
+            <a:bodyPr spcFirstLastPara="1" wrap="square" lIns="91425" tIns="45700" rIns="91425" bIns="45700" anchor="ctr" anchorCtr="0">
+              <a:noAutofit/>
+            </a:bodyPr>
+            <a:lstStyle/>
+            <a:p>
+              <a:pPr marL="0" marR="0" lvl="0" indent="0" algn="l" rtl="0">
+                <a:spcBef>
+                  <a:spcPts val="0"/>
+                </a:spcBef>
+                <a:spcAft>
+                  <a:spcPts val="0"/>
+                </a:spcAft>
+                <a:buNone/>
+              </a:pPr>
+              <a:endParaRPr sz="1800">
+                <a:solidFill>
+                  <a:srgbClr val="000000"/>
+                </a:solidFill>
+                <a:latin typeface="Calibri"/>
+                <a:ea typeface="Calibri"/>
+                <a:cs typeface="Calibri"/>
+                <a:sym typeface="Calibri"/>
+              </a:endParaRPr>
+            </a:p>
+          </p:txBody>
+        </p:sp>
+        <p:sp>
+          <p:nvSpPr>
+            <p:cNvPr id="727" name="Google Shape;727;p44"/>
+            <p:cNvSpPr/>
+            <p:nvPr/>
+          </p:nvSpPr>
+          <p:spPr>
+            <a:xfrm>
+              <a:off x="9677054" y="2824737"/>
+              <a:ext cx="60845" cy="60821"/>
+            </a:xfrm>
+            <a:custGeom>
+              <a:avLst/>
+              <a:gdLst/>
+              <a:ahLst/>
+              <a:cxnLst/>
+              <a:rect l="l" t="t" r="r" b="b"/>
+              <a:pathLst>
+                <a:path w="60845" h="60821" extrusionOk="0">
+                  <a:moveTo>
+                    <a:pt x="0" y="0"/>
+                  </a:moveTo>
+                  <a:lnTo>
+                    <a:pt x="60846" y="60822"/>
+                  </a:lnTo>
+                </a:path>
+              </a:pathLst>
+            </a:custGeom>
+            <a:noFill/>
+            <a:ln w="9525" cap="flat" cmpd="sng">
+              <a:solidFill>
+                <a:schemeClr val="dk2"/>
+              </a:solidFill>
+              <a:prstDash val="solid"/>
+              <a:miter lim="8000"/>
+              <a:headEnd type="none" w="sm" len="sm"/>
+              <a:tailEnd type="none" w="sm" len="sm"/>
+            </a:ln>
+          </p:spPr>
+          <p:txBody>
+            <a:bodyPr spcFirstLastPara="1" wrap="square" lIns="91425" tIns="45700" rIns="91425" bIns="45700" anchor="ctr" anchorCtr="0">
+              <a:noAutofit/>
+            </a:bodyPr>
+            <a:lstStyle/>
+            <a:p>
+              <a:pPr marL="0" marR="0" lvl="0" indent="0" algn="l" rtl="0">
+                <a:spcBef>
+                  <a:spcPts val="0"/>
+                </a:spcBef>
+                <a:spcAft>
+                  <a:spcPts val="0"/>
+                </a:spcAft>
+                <a:buNone/>
+              </a:pPr>
+              <a:endParaRPr sz="1800">
+                <a:solidFill>
+                  <a:srgbClr val="000000"/>
+                </a:solidFill>
+                <a:latin typeface="Calibri"/>
+                <a:ea typeface="Calibri"/>
+                <a:cs typeface="Calibri"/>
+                <a:sym typeface="Calibri"/>
+              </a:endParaRPr>
+            </a:p>
+          </p:txBody>
+        </p:sp>
+        <p:sp>
+          <p:nvSpPr>
+            <p:cNvPr id="728" name="Google Shape;728;p44"/>
+            <p:cNvSpPr/>
+            <p:nvPr/>
+          </p:nvSpPr>
+          <p:spPr>
+            <a:xfrm>
+              <a:off x="9677054" y="2824737"/>
+              <a:ext cx="60845" cy="60821"/>
+            </a:xfrm>
+            <a:custGeom>
+              <a:avLst/>
+              <a:gdLst/>
+              <a:ahLst/>
+              <a:cxnLst/>
+              <a:rect l="l" t="t" r="r" b="b"/>
+              <a:pathLst>
+                <a:path w="60845" h="60821" extrusionOk="0">
+                  <a:moveTo>
+                    <a:pt x="60846" y="0"/>
+                  </a:moveTo>
+                  <a:lnTo>
+                    <a:pt x="0" y="60822"/>
+                  </a:lnTo>
+                </a:path>
+              </a:pathLst>
+            </a:custGeom>
+            <a:noFill/>
+            <a:ln w="9525" cap="flat" cmpd="sng">
+              <a:solidFill>
+                <a:schemeClr val="dk2"/>
+              </a:solidFill>
+              <a:prstDash val="solid"/>
+              <a:miter lim="8000"/>
+              <a:headEnd type="none" w="sm" len="sm"/>
+              <a:tailEnd type="none" w="sm" len="sm"/>
+            </a:ln>
+          </p:spPr>
+          <p:txBody>
+            <a:bodyPr spcFirstLastPara="1" wrap="square" lIns="91425" tIns="45700" rIns="91425" bIns="45700" anchor="ctr" anchorCtr="0">
+              <a:noAutofit/>
+            </a:bodyPr>
+            <a:lstStyle/>
+            <a:p>
+              <a:pPr marL="0" marR="0" lvl="0" indent="0" algn="l" rtl="0">
+                <a:spcBef>
+                  <a:spcPts val="0"/>
+                </a:spcBef>
+                <a:spcAft>
+                  <a:spcPts val="0"/>
+                </a:spcAft>
+                <a:buNone/>
+              </a:pPr>
+              <a:endParaRPr sz="1800">
+                <a:solidFill>
+                  <a:srgbClr val="000000"/>
+                </a:solidFill>
+                <a:latin typeface="Calibri"/>
+                <a:ea typeface="Calibri"/>
+                <a:cs typeface="Calibri"/>
+                <a:sym typeface="Calibri"/>
+              </a:endParaRPr>
+            </a:p>
+          </p:txBody>
+        </p:sp>
+      </p:grpSp>
+      <p:grpSp>
+        <p:nvGrpSpPr>
+          <p:cNvPr id="729" name="Google Shape;729;p44"/>
+          <p:cNvGrpSpPr/>
+          <p:nvPr/>
+        </p:nvGrpSpPr>
+        <p:grpSpPr>
+          <a:xfrm rot="10800000">
+            <a:off x="7085307" y="229658"/>
+            <a:ext cx="1052471" cy="1049743"/>
+            <a:chOff x="328257" y="3897070"/>
+            <a:chExt cx="1052471" cy="1049743"/>
+          </a:xfrm>
+        </p:grpSpPr>
+        <p:sp>
+          <p:nvSpPr>
+            <p:cNvPr id="730" name="Google Shape;730;p44"/>
+            <p:cNvSpPr/>
+            <p:nvPr/>
+          </p:nvSpPr>
+          <p:spPr>
+            <a:xfrm>
+              <a:off x="328257" y="4219289"/>
+              <a:ext cx="730126" cy="727525"/>
+            </a:xfrm>
+            <a:custGeom>
+              <a:avLst/>
+              <a:gdLst/>
+              <a:ahLst/>
+              <a:cxnLst/>
+              <a:rect l="l" t="t" r="r" b="b"/>
+              <a:pathLst>
+                <a:path w="507914" h="506104" extrusionOk="0">
+                  <a:moveTo>
+                    <a:pt x="0" y="53375"/>
+                  </a:moveTo>
+                  <a:cubicBezTo>
+                    <a:pt x="0" y="23897"/>
+                    <a:pt x="23906" y="0"/>
+                    <a:pt x="53396" y="0"/>
+                  </a:cubicBezTo>
+                  <a:lnTo>
+                    <a:pt x="454519" y="0"/>
+                  </a:lnTo>
+                  <a:cubicBezTo>
+                    <a:pt x="484009" y="0"/>
+                    <a:pt x="507915" y="23897"/>
+                    <a:pt x="507915" y="53375"/>
+                  </a:cubicBezTo>
+                  <a:lnTo>
+                    <a:pt x="507915" y="454342"/>
+                  </a:lnTo>
+                  <a:cubicBezTo>
+                    <a:pt x="506993" y="483837"/>
+                    <a:pt x="482326" y="506999"/>
+                    <a:pt x="452826" y="506077"/>
+                  </a:cubicBezTo>
+                  <a:cubicBezTo>
+                    <a:pt x="424617" y="505198"/>
+                    <a:pt x="401951" y="482540"/>
+                    <a:pt x="401070" y="454342"/>
+                  </a:cubicBezTo>
+                  <a:lnTo>
+                    <a:pt x="401070" y="106803"/>
+                  </a:lnTo>
+                  <a:lnTo>
+                    <a:pt x="53396" y="106803"/>
+                  </a:lnTo>
+                  <a:cubicBezTo>
+                    <a:pt x="23906" y="106803"/>
+                    <a:pt x="0" y="82907"/>
+                    <a:pt x="0" y="53428"/>
+                  </a:cubicBezTo>
+                  <a:cubicBezTo>
+                    <a:pt x="0" y="53412"/>
+                    <a:pt x="0" y="53391"/>
+                    <a:pt x="0" y="53375"/>
+                  </a:cubicBezTo>
+                  <a:close/>
+                </a:path>
+              </a:pathLst>
+            </a:custGeom>
+            <a:noFill/>
+            <a:ln w="9525" cap="flat" cmpd="sng">
+              <a:solidFill>
+                <a:schemeClr val="dk2"/>
+              </a:solidFill>
+              <a:prstDash val="solid"/>
+              <a:miter lim="8000"/>
+              <a:headEnd type="none" w="sm" len="sm"/>
+              <a:tailEnd type="none" w="sm" len="sm"/>
+            </a:ln>
+          </p:spPr>
+          <p:txBody>
+            <a:bodyPr spcFirstLastPara="1" wrap="square" lIns="91425" tIns="45700" rIns="91425" bIns="45700" anchor="ctr" anchorCtr="0">
+              <a:noAutofit/>
+            </a:bodyPr>
+            <a:lstStyle/>
+            <a:p>
+              <a:pPr marL="0" marR="0" lvl="0" indent="0" algn="l" rtl="0">
+                <a:spcBef>
+                  <a:spcPts val="0"/>
+                </a:spcBef>
+                <a:spcAft>
+                  <a:spcPts val="0"/>
+                </a:spcAft>
+                <a:buNone/>
+              </a:pPr>
+              <a:endParaRPr sz="1800">
+                <a:solidFill>
+                  <a:srgbClr val="000000"/>
+                </a:solidFill>
+                <a:latin typeface="Calibri"/>
+                <a:ea typeface="Calibri"/>
+                <a:cs typeface="Calibri"/>
+                <a:sym typeface="Calibri"/>
+              </a:endParaRPr>
+            </a:p>
+          </p:txBody>
+        </p:sp>
+        <p:sp>
+          <p:nvSpPr>
+            <p:cNvPr id="731" name="Google Shape;731;p44"/>
+            <p:cNvSpPr/>
+            <p:nvPr/>
+          </p:nvSpPr>
+          <p:spPr>
+            <a:xfrm>
+              <a:off x="650602" y="3897070"/>
+              <a:ext cx="730126" cy="727525"/>
+            </a:xfrm>
+            <a:custGeom>
+              <a:avLst/>
+              <a:gdLst/>
+              <a:ahLst/>
+              <a:cxnLst/>
+              <a:rect l="l" t="t" r="r" b="b"/>
+              <a:pathLst>
+                <a:path w="507914" h="506104" extrusionOk="0">
+                  <a:moveTo>
+                    <a:pt x="0" y="53375"/>
+                  </a:moveTo>
+                  <a:cubicBezTo>
+                    <a:pt x="0" y="23897"/>
+                    <a:pt x="23906" y="0"/>
+                    <a:pt x="53396" y="0"/>
+                  </a:cubicBezTo>
+                  <a:lnTo>
+                    <a:pt x="454519" y="0"/>
+                  </a:lnTo>
+                  <a:cubicBezTo>
+                    <a:pt x="484009" y="0"/>
+                    <a:pt x="507915" y="23897"/>
+                    <a:pt x="507915" y="53375"/>
+                  </a:cubicBezTo>
+                  <a:lnTo>
+                    <a:pt x="507915" y="454342"/>
+                  </a:lnTo>
+                  <a:cubicBezTo>
+                    <a:pt x="506993" y="483837"/>
+                    <a:pt x="482326" y="506999"/>
+                    <a:pt x="452826" y="506077"/>
+                  </a:cubicBezTo>
+                  <a:cubicBezTo>
+                    <a:pt x="424617" y="505197"/>
+                    <a:pt x="401951" y="482540"/>
+                    <a:pt x="401070" y="454342"/>
+                  </a:cubicBezTo>
+                  <a:lnTo>
+                    <a:pt x="401070" y="106751"/>
+                  </a:lnTo>
+                  <a:lnTo>
+                    <a:pt x="53396" y="106751"/>
+                  </a:lnTo>
+                  <a:cubicBezTo>
+                    <a:pt x="23906" y="106751"/>
+                    <a:pt x="0" y="82854"/>
+                    <a:pt x="0" y="53375"/>
+                  </a:cubicBezTo>
+                  <a:close/>
+                </a:path>
+              </a:pathLst>
+            </a:custGeom>
+            <a:noFill/>
+            <a:ln w="9525" cap="flat" cmpd="sng">
+              <a:solidFill>
+                <a:schemeClr val="dk2"/>
+              </a:solidFill>
+              <a:prstDash val="solid"/>
+              <a:miter lim="8000"/>
+              <a:headEnd type="none" w="sm" len="sm"/>
+              <a:tailEnd type="none" w="sm" len="sm"/>
+            </a:ln>
+          </p:spPr>
+          <p:txBody>
+            <a:bodyPr spcFirstLastPara="1" wrap="square" lIns="91425" tIns="45700" rIns="91425" bIns="45700" anchor="ctr" anchorCtr="0">
+              <a:noAutofit/>
+            </a:bodyPr>
+            <a:lstStyle/>
+            <a:p>
+              <a:pPr marL="0" marR="0" lvl="0" indent="0" algn="l" rtl="0">
+                <a:spcBef>
+                  <a:spcPts val="0"/>
+                </a:spcBef>
+                <a:spcAft>
+                  <a:spcPts val="0"/>
+                </a:spcAft>
+                <a:buNone/>
+              </a:pPr>
+              <a:endParaRPr sz="1800">
+                <a:solidFill>
+                  <a:srgbClr val="000000"/>
+                </a:solidFill>
+                <a:latin typeface="Calibri"/>
+                <a:ea typeface="Calibri"/>
+                <a:cs typeface="Calibri"/>
+                <a:sym typeface="Calibri"/>
+              </a:endParaRPr>
+            </a:p>
+          </p:txBody>
+        </p:sp>
+      </p:grpSp>
+      <p:sp>
+        <p:nvSpPr>
+          <p:cNvPr id="732" name="Google Shape;732;p44"/>
+          <p:cNvSpPr/>
+          <p:nvPr/>
+        </p:nvSpPr>
+        <p:spPr>
+          <a:xfrm>
+            <a:off x="-1987212" y="3982113"/>
+            <a:ext cx="3776700" cy="623400"/>
+          </a:xfrm>
+          <a:prstGeom prst="roundRect">
+            <a:avLst>
+              <a:gd name="adj" fmla="val 50000"/>
+            </a:avLst>
+          </a:prstGeom>
+          <a:noFill/>
+          <a:ln w="9525" cap="flat" cmpd="sng">
+            <a:solidFill>
+              <a:schemeClr val="dk2"/>
+            </a:solidFill>
+            <a:prstDash val="solid"/>
+            <a:round/>
+            <a:headEnd type="none" w="sm" len="sm"/>
+            <a:tailEnd type="none" w="sm" len="sm"/>
+          </a:ln>
+        </p:spPr>
+        <p:txBody>
+          <a:bodyPr spcFirstLastPara="1" wrap="square" lIns="91425" tIns="91425" rIns="91425" bIns="91425" anchor="ctr" anchorCtr="0">
+            <a:noAutofit/>
+          </a:bodyPr>
+          <a:lstStyle/>
+          <a:p>
+            <a:pPr marL="0" lvl="0" indent="0" algn="ctr" rtl="0">
+              <a:spcBef>
+                <a:spcPts val="0"/>
+              </a:spcBef>
+              <a:spcAft>
+                <a:spcPts val="0"/>
+              </a:spcAft>
+              <a:buNone/>
+            </a:pPr>
+            <a:endParaRPr>
+              <a:latin typeface="Open Sans"/>
+              <a:ea typeface="Open Sans"/>
+              <a:cs typeface="Open Sans"/>
+              <a:sym typeface="Open Sans"/>
+            </a:endParaRPr>
+          </a:p>
+        </p:txBody>
+      </p:sp>
+      <p:sp>
+        <p:nvSpPr>
+          <p:cNvPr id="4" name="Rectangle: Rounded Corners 3">
+            <a:extLst>
+              <a:ext uri="{FF2B5EF4-FFF2-40B4-BE49-F238E27FC236}">
+                <a16:creationId xmlns:a16="http://schemas.microsoft.com/office/drawing/2014/main" id="{9542A5AB-961D-F457-89B6-6D53EEF23261}"/>
+              </a:ext>
+            </a:extLst>
+          </p:cNvPr>
+          <p:cNvSpPr/>
+          <p:nvPr/>
+        </p:nvSpPr>
+        <p:spPr>
+          <a:xfrm>
+            <a:off x="2618913" y="3675355"/>
+            <a:ext cx="3776700" cy="1065321"/>
+          </a:xfrm>
+          <a:prstGeom prst="roundRect">
+            <a:avLst/>
+          </a:prstGeom>
+        </p:spPr>
+        <p:style>
+          <a:lnRef idx="2">
+            <a:schemeClr val="accent6"/>
+          </a:lnRef>
+          <a:fillRef idx="1">
+            <a:schemeClr val="lt1"/>
+          </a:fillRef>
+          <a:effectRef idx="0">
+            <a:schemeClr val="accent6"/>
+          </a:effectRef>
+          <a:fontRef idx="minor">
+            <a:schemeClr val="dk1"/>
+          </a:fontRef>
+        </p:style>
+        <p:txBody>
+          <a:bodyPr rtlCol="0" anchor="ctr"/>
+          <a:lstStyle/>
+          <a:p>
+            <a:pPr algn="ctr"/>
+            <a:endParaRPr lang="en-ID"/>
           </a:p>
         </p:txBody>
       </p:sp>
